--- a/Документы/Временный шаблон презентации №2  в широкоэкранном формате (в том числе для защит).pptx
+++ b/Документы/Временный шаблон презентации №2  в широкоэкранном формате (в том числе для защит).pptx
@@ -4,22 +4,20 @@
   <p:sldMasterIdLst>
     <p:sldMasterId id="2147483648" r:id="rId1"/>
   </p:sldMasterIdLst>
+  <p:notesMasterIdLst>
+    <p:notesMasterId r:id="rId12"/>
+  </p:notesMasterIdLst>
   <p:sldIdLst>
     <p:sldId id="256" r:id="rId2"/>
     <p:sldId id="264" r:id="rId3"/>
-    <p:sldId id="269" r:id="rId4"/>
-    <p:sldId id="270" r:id="rId5"/>
-    <p:sldId id="271" r:id="rId6"/>
-    <p:sldId id="272" r:id="rId7"/>
+    <p:sldId id="272" r:id="rId4"/>
+    <p:sldId id="269" r:id="rId5"/>
+    <p:sldId id="270" r:id="rId6"/>
+    <p:sldId id="271" r:id="rId7"/>
     <p:sldId id="273" r:id="rId8"/>
-    <p:sldId id="279" r:id="rId9"/>
-    <p:sldId id="280" r:id="rId10"/>
-    <p:sldId id="281" r:id="rId11"/>
-    <p:sldId id="283" r:id="rId12"/>
-    <p:sldId id="275" r:id="rId13"/>
-    <p:sldId id="282" r:id="rId14"/>
-    <p:sldId id="284" r:id="rId15"/>
-    <p:sldId id="268" r:id="rId16"/>
+    <p:sldId id="274" r:id="rId9"/>
+    <p:sldId id="275" r:id="rId10"/>
+    <p:sldId id="268" r:id="rId11"/>
   </p:sldIdLst>
   <p:sldSz cx="12192000" cy="6858000"/>
   <p:notesSz cx="6858000" cy="12192000"/>
@@ -137,6 +135,1372 @@
 </p:presentation>
 </file>
 
+<file path=ppt/notesMasters/notesMaster1.xml><?xml version="1.0" encoding="utf-8"?>
+<p:notesMaster xmlns:a="http://schemas.openxmlformats.org/drawingml/2006/main" xmlns:r="http://schemas.openxmlformats.org/officeDocument/2006/relationships" xmlns:p="http://schemas.openxmlformats.org/presentationml/2006/main">
+  <p:cSld>
+    <p:bg>
+      <p:bgRef idx="1001">
+        <a:schemeClr val="bg1"/>
+      </p:bgRef>
+    </p:bg>
+    <p:spTree>
+      <p:nvGrpSpPr>
+        <p:cNvPr id="1" name=""/>
+        <p:cNvGrpSpPr/>
+        <p:nvPr/>
+      </p:nvGrpSpPr>
+      <p:grpSpPr>
+        <a:xfrm>
+          <a:off x="0" y="0"/>
+          <a:ext cx="0" cy="0"/>
+          <a:chOff x="0" y="0"/>
+          <a:chExt cx="0" cy="0"/>
+        </a:xfrm>
+      </p:grpSpPr>
+      <p:sp>
+        <p:nvSpPr>
+          <p:cNvPr id="2" name="Верхний колонтитул 1"/>
+          <p:cNvSpPr>
+            <a:spLocks noGrp="1"/>
+          </p:cNvSpPr>
+          <p:nvPr>
+            <p:ph type="hdr" sz="quarter"/>
+          </p:nvPr>
+        </p:nvSpPr>
+        <p:spPr>
+          <a:xfrm>
+            <a:off x="0" y="0"/>
+            <a:ext cx="2971800" cy="611188"/>
+          </a:xfrm>
+          <a:prstGeom prst="rect">
+            <a:avLst/>
+          </a:prstGeom>
+        </p:spPr>
+        <p:txBody>
+          <a:bodyPr vert="horz" lIns="91440" tIns="45720" rIns="91440" bIns="45720" rtlCol="0"/>
+          <a:lstStyle>
+            <a:lvl1pPr algn="l">
+              <a:defRPr sz="1200"/>
+            </a:lvl1pPr>
+          </a:lstStyle>
+          <a:p>
+            <a:endParaRPr lang="ru-RU"/>
+          </a:p>
+        </p:txBody>
+      </p:sp>
+      <p:sp>
+        <p:nvSpPr>
+          <p:cNvPr id="3" name="Дата 2"/>
+          <p:cNvSpPr>
+            <a:spLocks noGrp="1"/>
+          </p:cNvSpPr>
+          <p:nvPr>
+            <p:ph type="dt" idx="1"/>
+          </p:nvPr>
+        </p:nvSpPr>
+        <p:spPr>
+          <a:xfrm>
+            <a:off x="3884613" y="0"/>
+            <a:ext cx="2971800" cy="611188"/>
+          </a:xfrm>
+          <a:prstGeom prst="rect">
+            <a:avLst/>
+          </a:prstGeom>
+        </p:spPr>
+        <p:txBody>
+          <a:bodyPr vert="horz" lIns="91440" tIns="45720" rIns="91440" bIns="45720" rtlCol="0"/>
+          <a:lstStyle>
+            <a:lvl1pPr algn="r">
+              <a:defRPr sz="1200"/>
+            </a:lvl1pPr>
+          </a:lstStyle>
+          <a:p>
+            <a:fld id="{A242AE38-3373-42E2-A270-8C73F2CAEA2E}" type="datetimeFigureOut">
+              <a:rPr lang="ru-RU" smtClean="0"/>
+              <a:t>21.05.2025</a:t>
+            </a:fld>
+            <a:endParaRPr lang="ru-RU"/>
+          </a:p>
+        </p:txBody>
+      </p:sp>
+      <p:sp>
+        <p:nvSpPr>
+          <p:cNvPr id="4" name="Образ слайда 3"/>
+          <p:cNvSpPr>
+            <a:spLocks noGrp="1" noRot="1" noChangeAspect="1"/>
+          </p:cNvSpPr>
+          <p:nvPr>
+            <p:ph type="sldImg" idx="2"/>
+          </p:nvPr>
+        </p:nvSpPr>
+        <p:spPr>
+          <a:xfrm>
+            <a:off x="-228600" y="1524000"/>
+            <a:ext cx="7315200" cy="4114800"/>
+          </a:xfrm>
+          <a:prstGeom prst="rect">
+            <a:avLst/>
+          </a:prstGeom>
+          <a:noFill/>
+          <a:ln w="12700">
+            <a:solidFill>
+              <a:prstClr val="black"/>
+            </a:solidFill>
+          </a:ln>
+        </p:spPr>
+        <p:txBody>
+          <a:bodyPr vert="horz" lIns="91440" tIns="45720" rIns="91440" bIns="45720" rtlCol="0" anchor="ctr"/>
+          <a:lstStyle/>
+          <a:p>
+            <a:endParaRPr lang="ru-RU"/>
+          </a:p>
+        </p:txBody>
+      </p:sp>
+      <p:sp>
+        <p:nvSpPr>
+          <p:cNvPr id="5" name="Заметки 4"/>
+          <p:cNvSpPr>
+            <a:spLocks noGrp="1"/>
+          </p:cNvSpPr>
+          <p:nvPr>
+            <p:ph type="body" sz="quarter" idx="3"/>
+          </p:nvPr>
+        </p:nvSpPr>
+        <p:spPr>
+          <a:xfrm>
+            <a:off x="685800" y="5867400"/>
+            <a:ext cx="5486400" cy="4800600"/>
+          </a:xfrm>
+          <a:prstGeom prst="rect">
+            <a:avLst/>
+          </a:prstGeom>
+        </p:spPr>
+        <p:txBody>
+          <a:bodyPr vert="horz" lIns="91440" tIns="45720" rIns="91440" bIns="45720" rtlCol="0"/>
+          <a:lstStyle/>
+          <a:p>
+            <a:pPr lvl="0"/>
+            <a:r>
+              <a:rPr lang="ru-RU"/>
+              <a:t>Образец текста</a:t>
+            </a:r>
+          </a:p>
+          <a:p>
+            <a:pPr lvl="1"/>
+            <a:r>
+              <a:rPr lang="ru-RU"/>
+              <a:t>Второй уровень</a:t>
+            </a:r>
+          </a:p>
+          <a:p>
+            <a:pPr lvl="2"/>
+            <a:r>
+              <a:rPr lang="ru-RU"/>
+              <a:t>Третий уровень</a:t>
+            </a:r>
+          </a:p>
+          <a:p>
+            <a:pPr lvl="3"/>
+            <a:r>
+              <a:rPr lang="ru-RU"/>
+              <a:t>Четвертый уровень</a:t>
+            </a:r>
+          </a:p>
+          <a:p>
+            <a:pPr lvl="4"/>
+            <a:r>
+              <a:rPr lang="ru-RU"/>
+              <a:t>Пятый уровень</a:t>
+            </a:r>
+          </a:p>
+        </p:txBody>
+      </p:sp>
+      <p:sp>
+        <p:nvSpPr>
+          <p:cNvPr id="6" name="Нижний колонтитул 5"/>
+          <p:cNvSpPr>
+            <a:spLocks noGrp="1"/>
+          </p:cNvSpPr>
+          <p:nvPr>
+            <p:ph type="ftr" sz="quarter" idx="4"/>
+          </p:nvPr>
+        </p:nvSpPr>
+        <p:spPr>
+          <a:xfrm>
+            <a:off x="0" y="11580813"/>
+            <a:ext cx="2971800" cy="611187"/>
+          </a:xfrm>
+          <a:prstGeom prst="rect">
+            <a:avLst/>
+          </a:prstGeom>
+        </p:spPr>
+        <p:txBody>
+          <a:bodyPr vert="horz" lIns="91440" tIns="45720" rIns="91440" bIns="45720" rtlCol="0" anchor="b"/>
+          <a:lstStyle>
+            <a:lvl1pPr algn="l">
+              <a:defRPr sz="1200"/>
+            </a:lvl1pPr>
+          </a:lstStyle>
+          <a:p>
+            <a:endParaRPr lang="ru-RU"/>
+          </a:p>
+        </p:txBody>
+      </p:sp>
+      <p:sp>
+        <p:nvSpPr>
+          <p:cNvPr id="7" name="Номер слайда 6"/>
+          <p:cNvSpPr>
+            <a:spLocks noGrp="1"/>
+          </p:cNvSpPr>
+          <p:nvPr>
+            <p:ph type="sldNum" sz="quarter" idx="5"/>
+          </p:nvPr>
+        </p:nvSpPr>
+        <p:spPr>
+          <a:xfrm>
+            <a:off x="3884613" y="11580813"/>
+            <a:ext cx="2971800" cy="611187"/>
+          </a:xfrm>
+          <a:prstGeom prst="rect">
+            <a:avLst/>
+          </a:prstGeom>
+        </p:spPr>
+        <p:txBody>
+          <a:bodyPr vert="horz" lIns="91440" tIns="45720" rIns="91440" bIns="45720" rtlCol="0" anchor="b"/>
+          <a:lstStyle>
+            <a:lvl1pPr algn="r">
+              <a:defRPr sz="1200"/>
+            </a:lvl1pPr>
+          </a:lstStyle>
+          <a:p>
+            <a:fld id="{169E75D0-8CF6-4356-A87C-05FFDED00BAF}" type="slidenum">
+              <a:rPr lang="ru-RU" smtClean="0"/>
+              <a:t>‹#›</a:t>
+            </a:fld>
+            <a:endParaRPr lang="ru-RU"/>
+          </a:p>
+        </p:txBody>
+      </p:sp>
+    </p:spTree>
+    <p:extLst>
+      <p:ext uri="{BB962C8B-B14F-4D97-AF65-F5344CB8AC3E}">
+        <p14:creationId xmlns:p14="http://schemas.microsoft.com/office/powerpoint/2010/main" val="2041092063"/>
+      </p:ext>
+    </p:extLst>
+  </p:cSld>
+  <p:clrMap bg1="lt1" tx1="dk1" bg2="lt2" tx2="dk2" accent1="accent1" accent2="accent2" accent3="accent3" accent4="accent4" accent5="accent5" accent6="accent6" hlink="hlink" folHlink="folHlink"/>
+  <p:notesStyle>
+    <a:lvl1pPr marL="0" algn="l" defTabSz="914400" rtl="0" eaLnBrk="1" latinLnBrk="0" hangingPunct="1">
+      <a:defRPr sz="1200" kern="1200">
+        <a:solidFill>
+          <a:schemeClr val="tx1"/>
+        </a:solidFill>
+        <a:latin typeface="+mn-lt"/>
+        <a:ea typeface="+mn-ea"/>
+        <a:cs typeface="+mn-cs"/>
+      </a:defRPr>
+    </a:lvl1pPr>
+    <a:lvl2pPr marL="457200" algn="l" defTabSz="914400" rtl="0" eaLnBrk="1" latinLnBrk="0" hangingPunct="1">
+      <a:defRPr sz="1200" kern="1200">
+        <a:solidFill>
+          <a:schemeClr val="tx1"/>
+        </a:solidFill>
+        <a:latin typeface="+mn-lt"/>
+        <a:ea typeface="+mn-ea"/>
+        <a:cs typeface="+mn-cs"/>
+      </a:defRPr>
+    </a:lvl2pPr>
+    <a:lvl3pPr marL="914400" algn="l" defTabSz="914400" rtl="0" eaLnBrk="1" latinLnBrk="0" hangingPunct="1">
+      <a:defRPr sz="1200" kern="1200">
+        <a:solidFill>
+          <a:schemeClr val="tx1"/>
+        </a:solidFill>
+        <a:latin typeface="+mn-lt"/>
+        <a:ea typeface="+mn-ea"/>
+        <a:cs typeface="+mn-cs"/>
+      </a:defRPr>
+    </a:lvl3pPr>
+    <a:lvl4pPr marL="1371600" algn="l" defTabSz="914400" rtl="0" eaLnBrk="1" latinLnBrk="0" hangingPunct="1">
+      <a:defRPr sz="1200" kern="1200">
+        <a:solidFill>
+          <a:schemeClr val="tx1"/>
+        </a:solidFill>
+        <a:latin typeface="+mn-lt"/>
+        <a:ea typeface="+mn-ea"/>
+        <a:cs typeface="+mn-cs"/>
+      </a:defRPr>
+    </a:lvl4pPr>
+    <a:lvl5pPr marL="1828800" algn="l" defTabSz="914400" rtl="0" eaLnBrk="1" latinLnBrk="0" hangingPunct="1">
+      <a:defRPr sz="1200" kern="1200">
+        <a:solidFill>
+          <a:schemeClr val="tx1"/>
+        </a:solidFill>
+        <a:latin typeface="+mn-lt"/>
+        <a:ea typeface="+mn-ea"/>
+        <a:cs typeface="+mn-cs"/>
+      </a:defRPr>
+    </a:lvl5pPr>
+    <a:lvl6pPr marL="2286000" algn="l" defTabSz="914400" rtl="0" eaLnBrk="1" latinLnBrk="0" hangingPunct="1">
+      <a:defRPr sz="1200" kern="1200">
+        <a:solidFill>
+          <a:schemeClr val="tx1"/>
+        </a:solidFill>
+        <a:latin typeface="+mn-lt"/>
+        <a:ea typeface="+mn-ea"/>
+        <a:cs typeface="+mn-cs"/>
+      </a:defRPr>
+    </a:lvl6pPr>
+    <a:lvl7pPr marL="2743200" algn="l" defTabSz="914400" rtl="0" eaLnBrk="1" latinLnBrk="0" hangingPunct="1">
+      <a:defRPr sz="1200" kern="1200">
+        <a:solidFill>
+          <a:schemeClr val="tx1"/>
+        </a:solidFill>
+        <a:latin typeface="+mn-lt"/>
+        <a:ea typeface="+mn-ea"/>
+        <a:cs typeface="+mn-cs"/>
+      </a:defRPr>
+    </a:lvl7pPr>
+    <a:lvl8pPr marL="3200400" algn="l" defTabSz="914400" rtl="0" eaLnBrk="1" latinLnBrk="0" hangingPunct="1">
+      <a:defRPr sz="1200" kern="1200">
+        <a:solidFill>
+          <a:schemeClr val="tx1"/>
+        </a:solidFill>
+        <a:latin typeface="+mn-lt"/>
+        <a:ea typeface="+mn-ea"/>
+        <a:cs typeface="+mn-cs"/>
+      </a:defRPr>
+    </a:lvl8pPr>
+    <a:lvl9pPr marL="3657600" algn="l" defTabSz="914400" rtl="0" eaLnBrk="1" latinLnBrk="0" hangingPunct="1">
+      <a:defRPr sz="1200" kern="1200">
+        <a:solidFill>
+          <a:schemeClr val="tx1"/>
+        </a:solidFill>
+        <a:latin typeface="+mn-lt"/>
+        <a:ea typeface="+mn-ea"/>
+        <a:cs typeface="+mn-cs"/>
+      </a:defRPr>
+    </a:lvl9pPr>
+  </p:notesStyle>
+</p:notesMaster>
+</file>
+
+<file path=ppt/notesSlides/notesSlide1.xml><?xml version="1.0" encoding="utf-8"?>
+<p:notes xmlns:a="http://schemas.openxmlformats.org/drawingml/2006/main" xmlns:r="http://schemas.openxmlformats.org/officeDocument/2006/relationships" xmlns:p="http://schemas.openxmlformats.org/presentationml/2006/main">
+  <p:cSld>
+    <p:spTree>
+      <p:nvGrpSpPr>
+        <p:cNvPr id="1" name=""/>
+        <p:cNvGrpSpPr/>
+        <p:nvPr/>
+      </p:nvGrpSpPr>
+      <p:grpSpPr>
+        <a:xfrm>
+          <a:off x="0" y="0"/>
+          <a:ext cx="0" cy="0"/>
+          <a:chOff x="0" y="0"/>
+          <a:chExt cx="0" cy="0"/>
+        </a:xfrm>
+      </p:grpSpPr>
+      <p:sp>
+        <p:nvSpPr>
+          <p:cNvPr id="2" name="Образ слайда 1"/>
+          <p:cNvSpPr>
+            <a:spLocks noGrp="1" noRot="1" noChangeAspect="1"/>
+          </p:cNvSpPr>
+          <p:nvPr>
+            <p:ph type="sldImg"/>
+          </p:nvPr>
+        </p:nvSpPr>
+        <p:spPr/>
+      </p:sp>
+      <p:sp>
+        <p:nvSpPr>
+          <p:cNvPr id="3" name="Заметки 2"/>
+          <p:cNvSpPr>
+            <a:spLocks noGrp="1"/>
+          </p:cNvSpPr>
+          <p:nvPr>
+            <p:ph type="body" idx="1"/>
+          </p:nvPr>
+        </p:nvSpPr>
+        <p:spPr/>
+        <p:txBody>
+          <a:bodyPr/>
+          <a:lstStyle/>
+          <a:p>
+            <a:r>
+              <a:rPr lang="ru-RU" dirty="0"/>
+              <a:t>Меня зовут Мехоношин Владислав Антонович, и я представляю вашему вниманию курсовую работу на тему: «Создание математической модели процесса электроэрозионной обработки для симулятора электроэрозионного станка».</a:t>
+            </a:r>
+          </a:p>
+        </p:txBody>
+      </p:sp>
+      <p:sp>
+        <p:nvSpPr>
+          <p:cNvPr id="4" name="Номер слайда 3"/>
+          <p:cNvSpPr>
+            <a:spLocks noGrp="1"/>
+          </p:cNvSpPr>
+          <p:nvPr>
+            <p:ph type="sldNum" sz="quarter" idx="5"/>
+          </p:nvPr>
+        </p:nvSpPr>
+        <p:spPr/>
+        <p:txBody>
+          <a:bodyPr/>
+          <a:lstStyle/>
+          <a:p>
+            <a:fld id="{169E75D0-8CF6-4356-A87C-05FFDED00BAF}" type="slidenum">
+              <a:rPr lang="ru-RU" smtClean="0"/>
+              <a:t>1</a:t>
+            </a:fld>
+            <a:endParaRPr lang="ru-RU"/>
+          </a:p>
+        </p:txBody>
+      </p:sp>
+    </p:spTree>
+    <p:extLst>
+      <p:ext uri="{BB962C8B-B14F-4D97-AF65-F5344CB8AC3E}">
+        <p14:creationId xmlns:p14="http://schemas.microsoft.com/office/powerpoint/2010/main" val="3377107218"/>
+      </p:ext>
+    </p:extLst>
+  </p:cSld>
+  <p:clrMapOvr>
+    <a:masterClrMapping/>
+  </p:clrMapOvr>
+</p:notes>
+</file>
+
+<file path=ppt/notesSlides/notesSlide2.xml><?xml version="1.0" encoding="utf-8"?>
+<p:notes xmlns:a="http://schemas.openxmlformats.org/drawingml/2006/main" xmlns:r="http://schemas.openxmlformats.org/officeDocument/2006/relationships" xmlns:p="http://schemas.openxmlformats.org/presentationml/2006/main">
+  <p:cSld>
+    <p:spTree>
+      <p:nvGrpSpPr>
+        <p:cNvPr id="1" name=""/>
+        <p:cNvGrpSpPr/>
+        <p:nvPr/>
+      </p:nvGrpSpPr>
+      <p:grpSpPr>
+        <a:xfrm>
+          <a:off x="0" y="0"/>
+          <a:ext cx="0" cy="0"/>
+          <a:chOff x="0" y="0"/>
+          <a:chExt cx="0" cy="0"/>
+        </a:xfrm>
+      </p:grpSpPr>
+      <p:sp>
+        <p:nvSpPr>
+          <p:cNvPr id="2" name="Образ слайда 1"/>
+          <p:cNvSpPr>
+            <a:spLocks noGrp="1" noRot="1" noChangeAspect="1"/>
+          </p:cNvSpPr>
+          <p:nvPr>
+            <p:ph type="sldImg"/>
+          </p:nvPr>
+        </p:nvSpPr>
+        <p:spPr/>
+      </p:sp>
+      <p:sp>
+        <p:nvSpPr>
+          <p:cNvPr id="3" name="Заметки 2"/>
+          <p:cNvSpPr>
+            <a:spLocks noGrp="1"/>
+          </p:cNvSpPr>
+          <p:nvPr>
+            <p:ph type="body" idx="1"/>
+          </p:nvPr>
+        </p:nvSpPr>
+        <p:spPr/>
+        <p:txBody>
+          <a:bodyPr/>
+          <a:lstStyle/>
+          <a:p>
+            <a:r>
+              <a:rPr lang="ru-RU" dirty="0"/>
+              <a:t>В ходе проектирования симулятора электроэрозионного станка возникла острая необходимость в математической модели описывающей процесс электрической эрозии.</a:t>
+            </a:r>
+          </a:p>
+        </p:txBody>
+      </p:sp>
+      <p:sp>
+        <p:nvSpPr>
+          <p:cNvPr id="4" name="Номер слайда 3"/>
+          <p:cNvSpPr>
+            <a:spLocks noGrp="1"/>
+          </p:cNvSpPr>
+          <p:nvPr>
+            <p:ph type="sldNum" sz="quarter" idx="5"/>
+          </p:nvPr>
+        </p:nvSpPr>
+        <p:spPr/>
+        <p:txBody>
+          <a:bodyPr/>
+          <a:lstStyle/>
+          <a:p>
+            <a:fld id="{169E75D0-8CF6-4356-A87C-05FFDED00BAF}" type="slidenum">
+              <a:rPr lang="ru-RU" smtClean="0"/>
+              <a:t>2</a:t>
+            </a:fld>
+            <a:endParaRPr lang="ru-RU"/>
+          </a:p>
+        </p:txBody>
+      </p:sp>
+    </p:spTree>
+    <p:extLst>
+      <p:ext uri="{BB962C8B-B14F-4D97-AF65-F5344CB8AC3E}">
+        <p14:creationId xmlns:p14="http://schemas.microsoft.com/office/powerpoint/2010/main" val="4043053198"/>
+      </p:ext>
+    </p:extLst>
+  </p:cSld>
+  <p:clrMapOvr>
+    <a:masterClrMapping/>
+  </p:clrMapOvr>
+</p:notes>
+</file>
+
+<file path=ppt/notesSlides/notesSlide3.xml><?xml version="1.0" encoding="utf-8"?>
+<p:notes xmlns:a="http://schemas.openxmlformats.org/drawingml/2006/main" xmlns:r="http://schemas.openxmlformats.org/officeDocument/2006/relationships" xmlns:p="http://schemas.openxmlformats.org/presentationml/2006/main">
+  <p:cSld>
+    <p:spTree>
+      <p:nvGrpSpPr>
+        <p:cNvPr id="1" name="">
+          <a:extLst>
+            <a:ext uri="{FF2B5EF4-FFF2-40B4-BE49-F238E27FC236}">
+              <a16:creationId xmlns:a16="http://schemas.microsoft.com/office/drawing/2014/main" id="{BD718DAF-6912-86FB-EFC6-E105D5D0FFAF}"/>
+            </a:ext>
+          </a:extLst>
+        </p:cNvPr>
+        <p:cNvGrpSpPr/>
+        <p:nvPr/>
+      </p:nvGrpSpPr>
+      <p:grpSpPr>
+        <a:xfrm>
+          <a:off x="0" y="0"/>
+          <a:ext cx="0" cy="0"/>
+          <a:chOff x="0" y="0"/>
+          <a:chExt cx="0" cy="0"/>
+        </a:xfrm>
+      </p:grpSpPr>
+      <p:sp>
+        <p:nvSpPr>
+          <p:cNvPr id="2" name="Образ слайда 1">
+            <a:extLst>
+              <a:ext uri="{FF2B5EF4-FFF2-40B4-BE49-F238E27FC236}">
+                <a16:creationId xmlns:a16="http://schemas.microsoft.com/office/drawing/2014/main" id="{76DDFC56-790E-C8A5-0780-D8A552BEF833}"/>
+              </a:ext>
+            </a:extLst>
+          </p:cNvPr>
+          <p:cNvSpPr>
+            <a:spLocks noGrp="1" noRot="1" noChangeAspect="1"/>
+          </p:cNvSpPr>
+          <p:nvPr>
+            <p:ph type="sldImg"/>
+          </p:nvPr>
+        </p:nvSpPr>
+        <p:spPr/>
+      </p:sp>
+      <p:sp>
+        <p:nvSpPr>
+          <p:cNvPr id="3" name="Заметки 2">
+            <a:extLst>
+              <a:ext uri="{FF2B5EF4-FFF2-40B4-BE49-F238E27FC236}">
+                <a16:creationId xmlns:a16="http://schemas.microsoft.com/office/drawing/2014/main" id="{0B53C165-0592-EDB1-CACC-C7935EFAC409}"/>
+              </a:ext>
+            </a:extLst>
+          </p:cNvPr>
+          <p:cNvSpPr>
+            <a:spLocks noGrp="1"/>
+          </p:cNvSpPr>
+          <p:nvPr>
+            <p:ph type="body" idx="1"/>
+          </p:nvPr>
+        </p:nvSpPr>
+        <p:spPr/>
+        <p:txBody>
+          <a:bodyPr/>
+          <a:lstStyle/>
+          <a:p>
+            <a:endParaRPr lang="ru-RU" dirty="0"/>
+          </a:p>
+        </p:txBody>
+      </p:sp>
+      <p:sp>
+        <p:nvSpPr>
+          <p:cNvPr id="4" name="Номер слайда 3">
+            <a:extLst>
+              <a:ext uri="{FF2B5EF4-FFF2-40B4-BE49-F238E27FC236}">
+                <a16:creationId xmlns:a16="http://schemas.microsoft.com/office/drawing/2014/main" id="{CDDE0F12-2B78-0CF0-2B0B-24B3F66A2346}"/>
+              </a:ext>
+            </a:extLst>
+          </p:cNvPr>
+          <p:cNvSpPr>
+            <a:spLocks noGrp="1"/>
+          </p:cNvSpPr>
+          <p:nvPr>
+            <p:ph type="sldNum" sz="quarter" idx="5"/>
+          </p:nvPr>
+        </p:nvSpPr>
+        <p:spPr/>
+        <p:txBody>
+          <a:bodyPr/>
+          <a:lstStyle/>
+          <a:p>
+            <a:fld id="{169E75D0-8CF6-4356-A87C-05FFDED00BAF}" type="slidenum">
+              <a:rPr lang="ru-RU" smtClean="0"/>
+              <a:t>3</a:t>
+            </a:fld>
+            <a:endParaRPr lang="ru-RU"/>
+          </a:p>
+        </p:txBody>
+      </p:sp>
+    </p:spTree>
+    <p:extLst>
+      <p:ext uri="{BB962C8B-B14F-4D97-AF65-F5344CB8AC3E}">
+        <p14:creationId xmlns:p14="http://schemas.microsoft.com/office/powerpoint/2010/main" val="352777712"/>
+      </p:ext>
+    </p:extLst>
+  </p:cSld>
+  <p:clrMapOvr>
+    <a:masterClrMapping/>
+  </p:clrMapOvr>
+</p:notes>
+</file>
+
+<file path=ppt/notesSlides/notesSlide4.xml><?xml version="1.0" encoding="utf-8"?>
+<p:notes xmlns:a="http://schemas.openxmlformats.org/drawingml/2006/main" xmlns:r="http://schemas.openxmlformats.org/officeDocument/2006/relationships" xmlns:p="http://schemas.openxmlformats.org/presentationml/2006/main">
+  <p:cSld>
+    <p:spTree>
+      <p:nvGrpSpPr>
+        <p:cNvPr id="1" name=""/>
+        <p:cNvGrpSpPr/>
+        <p:nvPr/>
+      </p:nvGrpSpPr>
+      <p:grpSpPr>
+        <a:xfrm>
+          <a:off x="0" y="0"/>
+          <a:ext cx="0" cy="0"/>
+          <a:chOff x="0" y="0"/>
+          <a:chExt cx="0" cy="0"/>
+        </a:xfrm>
+      </p:grpSpPr>
+      <p:sp>
+        <p:nvSpPr>
+          <p:cNvPr id="2" name="Образ слайда 1"/>
+          <p:cNvSpPr>
+            <a:spLocks noGrp="1" noRot="1" noChangeAspect="1"/>
+          </p:cNvSpPr>
+          <p:nvPr>
+            <p:ph type="sldImg"/>
+          </p:nvPr>
+        </p:nvSpPr>
+        <p:spPr/>
+      </p:sp>
+      <p:sp>
+        <p:nvSpPr>
+          <p:cNvPr id="3" name="Заметки 2"/>
+          <p:cNvSpPr>
+            <a:spLocks noGrp="1"/>
+          </p:cNvSpPr>
+          <p:nvPr>
+            <p:ph type="body" idx="1"/>
+          </p:nvPr>
+        </p:nvSpPr>
+        <p:spPr/>
+        <p:txBody>
+          <a:bodyPr/>
+          <a:lstStyle/>
+          <a:p>
+            <a:pPr indent="450215" algn="just">
+              <a:lnSpc>
+                <a:spcPct val="150000"/>
+              </a:lnSpc>
+            </a:pPr>
+            <a:r>
+              <a:rPr lang="ru-RU" dirty="0"/>
+              <a:t>Электроэрозионная обработка – это процесс удаления материала с электропроводящей заготовки под действием серии быстрых электрических разрядов между электродом-инструментом и заготовкой в среде диэлектрической жидкости. Электрическая энергия преобразуется в тепловую, что приводит к плавлению, испарению и последующему выбросу материала из зоны обработки. Моделирование этого процесса сопряжено со значительными трудностями. Это </a:t>
+            </a:r>
+            <a:r>
+              <a:rPr lang="ru-RU" dirty="0" err="1"/>
+              <a:t>мультифизический</a:t>
+            </a:r>
+            <a:r>
+              <a:rPr lang="ru-RU" dirty="0"/>
+              <a:t> процесс, где одновременно протекают тепловые, электрические и гидродинамические явления. Кроме того, процесс носит стохастический характер, а прямое наблюдение явлений в межэлектродном зазоре затруднено. Для симуляторов также критически важна производительность модели.</a:t>
+            </a:r>
+          </a:p>
+        </p:txBody>
+      </p:sp>
+      <p:sp>
+        <p:nvSpPr>
+          <p:cNvPr id="4" name="Номер слайда 3"/>
+          <p:cNvSpPr>
+            <a:spLocks noGrp="1"/>
+          </p:cNvSpPr>
+          <p:nvPr>
+            <p:ph type="sldNum" sz="quarter" idx="5"/>
+          </p:nvPr>
+        </p:nvSpPr>
+        <p:spPr/>
+        <p:txBody>
+          <a:bodyPr/>
+          <a:lstStyle/>
+          <a:p>
+            <a:fld id="{169E75D0-8CF6-4356-A87C-05FFDED00BAF}" type="slidenum">
+              <a:rPr lang="ru-RU" smtClean="0"/>
+              <a:t>4</a:t>
+            </a:fld>
+            <a:endParaRPr lang="ru-RU"/>
+          </a:p>
+        </p:txBody>
+      </p:sp>
+    </p:spTree>
+    <p:extLst>
+      <p:ext uri="{BB962C8B-B14F-4D97-AF65-F5344CB8AC3E}">
+        <p14:creationId xmlns:p14="http://schemas.microsoft.com/office/powerpoint/2010/main" val="2722902866"/>
+      </p:ext>
+    </p:extLst>
+  </p:cSld>
+  <p:clrMapOvr>
+    <a:masterClrMapping/>
+  </p:clrMapOvr>
+</p:notes>
+</file>
+
+<file path=ppt/notesSlides/notesSlide5.xml><?xml version="1.0" encoding="utf-8"?>
+<p:notes xmlns:a="http://schemas.openxmlformats.org/drawingml/2006/main" xmlns:r="http://schemas.openxmlformats.org/officeDocument/2006/relationships" xmlns:p="http://schemas.openxmlformats.org/presentationml/2006/main">
+  <p:cSld>
+    <p:spTree>
+      <p:nvGrpSpPr>
+        <p:cNvPr id="1" name=""/>
+        <p:cNvGrpSpPr/>
+        <p:nvPr/>
+      </p:nvGrpSpPr>
+      <p:grpSpPr>
+        <a:xfrm>
+          <a:off x="0" y="0"/>
+          <a:ext cx="0" cy="0"/>
+          <a:chOff x="0" y="0"/>
+          <a:chExt cx="0" cy="0"/>
+        </a:xfrm>
+      </p:grpSpPr>
+      <p:sp>
+        <p:nvSpPr>
+          <p:cNvPr id="2" name="Образ слайда 1"/>
+          <p:cNvSpPr>
+            <a:spLocks noGrp="1" noRot="1" noChangeAspect="1"/>
+          </p:cNvSpPr>
+          <p:nvPr>
+            <p:ph type="sldImg"/>
+          </p:nvPr>
+        </p:nvSpPr>
+        <p:spPr/>
+      </p:sp>
+      <p:sp>
+        <p:nvSpPr>
+          <p:cNvPr id="3" name="Заметки 2"/>
+          <p:cNvSpPr>
+            <a:spLocks noGrp="1"/>
+          </p:cNvSpPr>
+          <p:nvPr>
+            <p:ph type="body" idx="1"/>
+          </p:nvPr>
+        </p:nvSpPr>
+        <p:spPr/>
+        <p:txBody>
+          <a:bodyPr/>
+          <a:lstStyle/>
+          <a:p>
+            <a:r>
+              <a:rPr lang="ru-RU" dirty="0"/>
+              <a:t>После анализа различных подходов, включая детальные физические и эмпирические модели, для данной работы была выбрана модель, основанная на энергетическом балансе единичного электрического разряда. Такой подход позволяет напрямую оценить объем удаляемого за один разряд материала и представляет собой хороший компромисс между точностью и вычислительной сложностью, что важно для симуляторов. Ключевая формула модели для расчета объема материала, удаляемого за один импульс, представлена на слайде. Она связывает эффективную энергию разряда </a:t>
+            </a:r>
+            <a:r>
+              <a:rPr lang="ru-RU" dirty="0" err="1">
+                <a:effectLst/>
+              </a:rPr>
+              <a:t>Erem</a:t>
+            </a:r>
+            <a:r>
+              <a:rPr lang="ru-RU" dirty="0"/>
+              <a:t>​ с теплофизическими свойствами материала, такими как плотность, теплоты плавления и испарения, удельная теплоемкость, температуры фазовых переходов, а также учитывает долю материала, удаляемого испарением, через коэффициент альфа.</a:t>
+            </a:r>
+          </a:p>
+        </p:txBody>
+      </p:sp>
+      <p:sp>
+        <p:nvSpPr>
+          <p:cNvPr id="4" name="Номер слайда 3"/>
+          <p:cNvSpPr>
+            <a:spLocks noGrp="1"/>
+          </p:cNvSpPr>
+          <p:nvPr>
+            <p:ph type="sldNum" sz="quarter" idx="5"/>
+          </p:nvPr>
+        </p:nvSpPr>
+        <p:spPr/>
+        <p:txBody>
+          <a:bodyPr/>
+          <a:lstStyle/>
+          <a:p>
+            <a:fld id="{169E75D0-8CF6-4356-A87C-05FFDED00BAF}" type="slidenum">
+              <a:rPr lang="ru-RU" smtClean="0"/>
+              <a:t>5</a:t>
+            </a:fld>
+            <a:endParaRPr lang="ru-RU"/>
+          </a:p>
+        </p:txBody>
+      </p:sp>
+    </p:spTree>
+    <p:extLst>
+      <p:ext uri="{BB962C8B-B14F-4D97-AF65-F5344CB8AC3E}">
+        <p14:creationId xmlns:p14="http://schemas.microsoft.com/office/powerpoint/2010/main" val="2834526629"/>
+      </p:ext>
+    </p:extLst>
+  </p:cSld>
+  <p:clrMapOvr>
+    <a:masterClrMapping/>
+  </p:clrMapOvr>
+</p:notes>
+</file>
+
+<file path=ppt/notesSlides/notesSlide6.xml><?xml version="1.0" encoding="utf-8"?>
+<p:notes xmlns:a="http://schemas.openxmlformats.org/drawingml/2006/main" xmlns:r="http://schemas.openxmlformats.org/officeDocument/2006/relationships" xmlns:p="http://schemas.openxmlformats.org/presentationml/2006/main">
+  <p:cSld>
+    <p:spTree>
+      <p:nvGrpSpPr>
+        <p:cNvPr id="1" name="">
+          <a:extLst>
+            <a:ext uri="{FF2B5EF4-FFF2-40B4-BE49-F238E27FC236}">
+              <a16:creationId xmlns:a16="http://schemas.microsoft.com/office/drawing/2014/main" id="{5C7136CA-B66D-B668-CA9A-4BC33594E222}"/>
+            </a:ext>
+          </a:extLst>
+        </p:cNvPr>
+        <p:cNvGrpSpPr/>
+        <p:nvPr/>
+      </p:nvGrpSpPr>
+      <p:grpSpPr>
+        <a:xfrm>
+          <a:off x="0" y="0"/>
+          <a:ext cx="0" cy="0"/>
+          <a:chOff x="0" y="0"/>
+          <a:chExt cx="0" cy="0"/>
+        </a:xfrm>
+      </p:grpSpPr>
+      <p:sp>
+        <p:nvSpPr>
+          <p:cNvPr id="2" name="Образ слайда 1">
+            <a:extLst>
+              <a:ext uri="{FF2B5EF4-FFF2-40B4-BE49-F238E27FC236}">
+                <a16:creationId xmlns:a16="http://schemas.microsoft.com/office/drawing/2014/main" id="{4EBD6A19-5C31-ADB9-BA8E-1D04F0D90D17}"/>
+              </a:ext>
+            </a:extLst>
+          </p:cNvPr>
+          <p:cNvSpPr>
+            <a:spLocks noGrp="1" noRot="1" noChangeAspect="1"/>
+          </p:cNvSpPr>
+          <p:nvPr>
+            <p:ph type="sldImg"/>
+          </p:nvPr>
+        </p:nvSpPr>
+        <p:spPr/>
+      </p:sp>
+      <p:sp>
+        <p:nvSpPr>
+          <p:cNvPr id="3" name="Заметки 2">
+            <a:extLst>
+              <a:ext uri="{FF2B5EF4-FFF2-40B4-BE49-F238E27FC236}">
+                <a16:creationId xmlns:a16="http://schemas.microsoft.com/office/drawing/2014/main" id="{A9425E2B-0265-03D4-FD72-423A9520DE2D}"/>
+              </a:ext>
+            </a:extLst>
+          </p:cNvPr>
+          <p:cNvSpPr>
+            <a:spLocks noGrp="1"/>
+          </p:cNvSpPr>
+          <p:nvPr>
+            <p:ph type="body" idx="1"/>
+          </p:nvPr>
+        </p:nvSpPr>
+        <p:spPr/>
+        <p:txBody>
+          <a:bodyPr/>
+          <a:lstStyle/>
+          <a:p>
+            <a:r>
+              <a:rPr lang="ru-RU" dirty="0"/>
+              <a:t>Алгоритм работы реализованной модели включает несколько ключевых этапов. Сначала производится инициализация всех входных данных: свойств материала, параметров процесса ЭЭО, геометрических размеров и настроечных коэффициентов модели, таких как </a:t>
+            </a:r>
+            <a:r>
+              <a:rPr lang="ru-RU" dirty="0" err="1">
+                <a:effectLst/>
+              </a:rPr>
+              <a:t>Ca</a:t>
+            </a:r>
+            <a:r>
+              <a:rPr lang="ru-RU" dirty="0"/>
+              <a:t>​ и </a:t>
+            </a:r>
+            <a:r>
+              <a:rPr lang="ru-RU" dirty="0">
+                <a:effectLst/>
+              </a:rPr>
+              <a:t>α</a:t>
+            </a:r>
+            <a:r>
+              <a:rPr lang="ru-RU" dirty="0" err="1">
+                <a:effectLst/>
+              </a:rPr>
+              <a:t>factor</a:t>
+            </a:r>
+            <a:r>
+              <a:rPr lang="ru-RU" dirty="0"/>
+              <a:t>​. Затем рассчитывается объем материала, удаляемый за один единичный импульс, по формуле, представленной ранее. Далее, для каждого моделируемого кратера, на основе заданного количества электрических разрядов, вычисляется суммарный удаленный объем и, как следствие, глубина кратера. После этого все геометрические данные масштабируются для корректной визуализации. На заключительном этапе генерируется скрипт для программы </a:t>
+            </a:r>
+            <a:r>
+              <a:rPr lang="ru-RU" dirty="0" err="1"/>
+              <a:t>OpenSCAD</a:t>
+            </a:r>
+            <a:r>
+              <a:rPr lang="ru-RU" dirty="0"/>
+              <a:t>, который описывает 3D-модель заготовки с полученными кратерами, и результаты выводятся пользователю.</a:t>
+            </a:r>
+          </a:p>
+        </p:txBody>
+      </p:sp>
+      <p:sp>
+        <p:nvSpPr>
+          <p:cNvPr id="4" name="Номер слайда 3">
+            <a:extLst>
+              <a:ext uri="{FF2B5EF4-FFF2-40B4-BE49-F238E27FC236}">
+                <a16:creationId xmlns:a16="http://schemas.microsoft.com/office/drawing/2014/main" id="{3790A45C-0703-C29F-74F5-B274B412BD9D}"/>
+              </a:ext>
+            </a:extLst>
+          </p:cNvPr>
+          <p:cNvSpPr>
+            <a:spLocks noGrp="1"/>
+          </p:cNvSpPr>
+          <p:nvPr>
+            <p:ph type="sldNum" sz="quarter" idx="5"/>
+          </p:nvPr>
+        </p:nvSpPr>
+        <p:spPr/>
+        <p:txBody>
+          <a:bodyPr/>
+          <a:lstStyle/>
+          <a:p>
+            <a:fld id="{169E75D0-8CF6-4356-A87C-05FFDED00BAF}" type="slidenum">
+              <a:rPr lang="ru-RU" smtClean="0"/>
+              <a:t>6</a:t>
+            </a:fld>
+            <a:endParaRPr lang="ru-RU"/>
+          </a:p>
+        </p:txBody>
+      </p:sp>
+    </p:spTree>
+    <p:extLst>
+      <p:ext uri="{BB962C8B-B14F-4D97-AF65-F5344CB8AC3E}">
+        <p14:creationId xmlns:p14="http://schemas.microsoft.com/office/powerpoint/2010/main" val="1525794649"/>
+      </p:ext>
+    </p:extLst>
+  </p:cSld>
+  <p:clrMapOvr>
+    <a:masterClrMapping/>
+  </p:clrMapOvr>
+</p:notes>
+</file>
+
+<file path=ppt/notesSlides/notesSlide7.xml><?xml version="1.0" encoding="utf-8"?>
+<p:notes xmlns:a="http://schemas.openxmlformats.org/drawingml/2006/main" xmlns:r="http://schemas.openxmlformats.org/officeDocument/2006/relationships" xmlns:p="http://schemas.openxmlformats.org/presentationml/2006/main">
+  <p:cSld>
+    <p:spTree>
+      <p:nvGrpSpPr>
+        <p:cNvPr id="1" name="">
+          <a:extLst>
+            <a:ext uri="{FF2B5EF4-FFF2-40B4-BE49-F238E27FC236}">
+              <a16:creationId xmlns:a16="http://schemas.microsoft.com/office/drawing/2014/main" id="{6BEF6185-7566-39A5-1B6B-88036B393640}"/>
+            </a:ext>
+          </a:extLst>
+        </p:cNvPr>
+        <p:cNvGrpSpPr/>
+        <p:nvPr/>
+      </p:nvGrpSpPr>
+      <p:grpSpPr>
+        <a:xfrm>
+          <a:off x="0" y="0"/>
+          <a:ext cx="0" cy="0"/>
+          <a:chOff x="0" y="0"/>
+          <a:chExt cx="0" cy="0"/>
+        </a:xfrm>
+      </p:grpSpPr>
+      <p:sp>
+        <p:nvSpPr>
+          <p:cNvPr id="2" name="Образ слайда 1">
+            <a:extLst>
+              <a:ext uri="{FF2B5EF4-FFF2-40B4-BE49-F238E27FC236}">
+                <a16:creationId xmlns:a16="http://schemas.microsoft.com/office/drawing/2014/main" id="{24596C58-8509-9524-5576-96E9DA973849}"/>
+              </a:ext>
+            </a:extLst>
+          </p:cNvPr>
+          <p:cNvSpPr>
+            <a:spLocks noGrp="1" noRot="1" noChangeAspect="1"/>
+          </p:cNvSpPr>
+          <p:nvPr>
+            <p:ph type="sldImg"/>
+          </p:nvPr>
+        </p:nvSpPr>
+        <p:spPr/>
+      </p:sp>
+      <p:sp>
+        <p:nvSpPr>
+          <p:cNvPr id="3" name="Заметки 2">
+            <a:extLst>
+              <a:ext uri="{FF2B5EF4-FFF2-40B4-BE49-F238E27FC236}">
+                <a16:creationId xmlns:a16="http://schemas.microsoft.com/office/drawing/2014/main" id="{8A9AFAFA-0FA5-3ADA-2DB2-D32160F7B86D}"/>
+              </a:ext>
+            </a:extLst>
+          </p:cNvPr>
+          <p:cNvSpPr>
+            <a:spLocks noGrp="1"/>
+          </p:cNvSpPr>
+          <p:nvPr>
+            <p:ph type="body" idx="1"/>
+          </p:nvPr>
+        </p:nvSpPr>
+        <p:spPr/>
+        <p:txBody>
+          <a:bodyPr/>
+          <a:lstStyle/>
+          <a:p>
+            <a:r>
+              <a:rPr lang="ru-RU" dirty="0"/>
+              <a:t>Программный прототип модели был реализован на языке Python. Выбор этого языка обусловлен его гибкостью и наличием удобных средств для работы с данными. Структурно скрипт включает модули для определения входных параметров, функцию для расчета объема удаляемого материала за один импульс согласно выбранной модели, логику для расчета итоговых глубин кратеров на основе суммарного числа разрядов, а также функцию, ответственную за генерацию кода для последующей 3D-визуализации. Для визуализации результатов моделирования была выбрана система параметрического твердотельного моделирования </a:t>
+            </a:r>
+            <a:r>
+              <a:rPr lang="ru-RU" dirty="0" err="1"/>
+              <a:t>OpenSCAD</a:t>
+            </a:r>
+            <a:r>
+              <a:rPr lang="ru-RU" dirty="0"/>
+              <a:t>, так как она позволяет создавать 3D-модели на основе текстового описания.</a:t>
+            </a:r>
+          </a:p>
+        </p:txBody>
+      </p:sp>
+      <p:sp>
+        <p:nvSpPr>
+          <p:cNvPr id="4" name="Номер слайда 3">
+            <a:extLst>
+              <a:ext uri="{FF2B5EF4-FFF2-40B4-BE49-F238E27FC236}">
+                <a16:creationId xmlns:a16="http://schemas.microsoft.com/office/drawing/2014/main" id="{369838F7-85F3-17D1-09A6-2640ED13550A}"/>
+              </a:ext>
+            </a:extLst>
+          </p:cNvPr>
+          <p:cNvSpPr>
+            <a:spLocks noGrp="1"/>
+          </p:cNvSpPr>
+          <p:nvPr>
+            <p:ph type="sldNum" sz="quarter" idx="5"/>
+          </p:nvPr>
+        </p:nvSpPr>
+        <p:spPr/>
+        <p:txBody>
+          <a:bodyPr/>
+          <a:lstStyle/>
+          <a:p>
+            <a:fld id="{169E75D0-8CF6-4356-A87C-05FFDED00BAF}" type="slidenum">
+              <a:rPr lang="ru-RU" smtClean="0"/>
+              <a:t>7</a:t>
+            </a:fld>
+            <a:endParaRPr lang="ru-RU"/>
+          </a:p>
+        </p:txBody>
+      </p:sp>
+    </p:spTree>
+    <p:extLst>
+      <p:ext uri="{BB962C8B-B14F-4D97-AF65-F5344CB8AC3E}">
+        <p14:creationId xmlns:p14="http://schemas.microsoft.com/office/powerpoint/2010/main" val="4077024223"/>
+      </p:ext>
+    </p:extLst>
+  </p:cSld>
+  <p:clrMapOvr>
+    <a:masterClrMapping/>
+  </p:clrMapOvr>
+</p:notes>
+</file>
+
+<file path=ppt/notesSlides/notesSlide8.xml><?xml version="1.0" encoding="utf-8"?>
+<p:notes xmlns:a="http://schemas.openxmlformats.org/drawingml/2006/main" xmlns:r="http://schemas.openxmlformats.org/officeDocument/2006/relationships" xmlns:p="http://schemas.openxmlformats.org/presentationml/2006/main">
+  <p:cSld>
+    <p:spTree>
+      <p:nvGrpSpPr>
+        <p:cNvPr id="1" name="">
+          <a:extLst>
+            <a:ext uri="{FF2B5EF4-FFF2-40B4-BE49-F238E27FC236}">
+              <a16:creationId xmlns:a16="http://schemas.microsoft.com/office/drawing/2014/main" id="{499664E1-993A-D966-C9FC-E992EFACA242}"/>
+            </a:ext>
+          </a:extLst>
+        </p:cNvPr>
+        <p:cNvGrpSpPr/>
+        <p:nvPr/>
+      </p:nvGrpSpPr>
+      <p:grpSpPr>
+        <a:xfrm>
+          <a:off x="0" y="0"/>
+          <a:ext cx="0" cy="0"/>
+          <a:chOff x="0" y="0"/>
+          <a:chExt cx="0" cy="0"/>
+        </a:xfrm>
+      </p:grpSpPr>
+      <p:sp>
+        <p:nvSpPr>
+          <p:cNvPr id="2" name="Образ слайда 1">
+            <a:extLst>
+              <a:ext uri="{FF2B5EF4-FFF2-40B4-BE49-F238E27FC236}">
+                <a16:creationId xmlns:a16="http://schemas.microsoft.com/office/drawing/2014/main" id="{1A36F555-D930-EF13-6174-1FBF042E0203}"/>
+              </a:ext>
+            </a:extLst>
+          </p:cNvPr>
+          <p:cNvSpPr>
+            <a:spLocks noGrp="1" noRot="1" noChangeAspect="1"/>
+          </p:cNvSpPr>
+          <p:nvPr>
+            <p:ph type="sldImg"/>
+          </p:nvPr>
+        </p:nvSpPr>
+        <p:spPr/>
+      </p:sp>
+      <p:sp>
+        <p:nvSpPr>
+          <p:cNvPr id="3" name="Заметки 2">
+            <a:extLst>
+              <a:ext uri="{FF2B5EF4-FFF2-40B4-BE49-F238E27FC236}">
+                <a16:creationId xmlns:a16="http://schemas.microsoft.com/office/drawing/2014/main" id="{1CC67295-1E88-B7F0-8ECF-0444B828EAD7}"/>
+              </a:ext>
+            </a:extLst>
+          </p:cNvPr>
+          <p:cNvSpPr>
+            <a:spLocks noGrp="1"/>
+          </p:cNvSpPr>
+          <p:nvPr>
+            <p:ph type="body" idx="1"/>
+          </p:nvPr>
+        </p:nvSpPr>
+        <p:spPr/>
+        <p:txBody>
+          <a:bodyPr/>
+          <a:lstStyle/>
+          <a:p>
+            <a:r>
+              <a:rPr lang="ru-RU" dirty="0"/>
+              <a:t>Для демонстрации работоспособности модели был проведен вычислительный эксперимент. Его целью было смоделировать формирование кратеров на заготовке из стали C45 и показать, как количество электрических разрядов влияет на глубину эрозии. В симуляции использовались следующие параметры: напряжение импульса 160 Вольт, сила тока 8 Ампер, длительность импульса 100 микросекунд. Коэффициент использования энергии </a:t>
+            </a:r>
+            <a:r>
+              <a:rPr lang="ru-RU" dirty="0" err="1">
+                <a:effectLst/>
+              </a:rPr>
+              <a:t>Ca</a:t>
+            </a:r>
+            <a:r>
+              <a:rPr lang="ru-RU" dirty="0"/>
+              <a:t>​ был принят равным 1%, а доля материала, удаляемого испарением </a:t>
+            </a:r>
+            <a:r>
+              <a:rPr lang="ru-RU" dirty="0">
+                <a:effectLst/>
+              </a:rPr>
+              <a:t>α</a:t>
+            </a:r>
+            <a:r>
+              <a:rPr lang="ru-RU" dirty="0" err="1">
+                <a:effectLst/>
+              </a:rPr>
+              <a:t>factor</a:t>
+            </a:r>
+            <a:r>
+              <a:rPr lang="ru-RU" dirty="0"/>
+              <a:t>​, – 10%. Моделировалось три кратера, для которых было задано 10 тысяч, 50 тысяч и 100 тысяч электрических разрядов соответственно.</a:t>
+            </a:r>
+          </a:p>
+        </p:txBody>
+      </p:sp>
+      <p:sp>
+        <p:nvSpPr>
+          <p:cNvPr id="4" name="Номер слайда 3">
+            <a:extLst>
+              <a:ext uri="{FF2B5EF4-FFF2-40B4-BE49-F238E27FC236}">
+                <a16:creationId xmlns:a16="http://schemas.microsoft.com/office/drawing/2014/main" id="{0940BAC2-2057-A846-42BF-735D1F314C11}"/>
+              </a:ext>
+            </a:extLst>
+          </p:cNvPr>
+          <p:cNvSpPr>
+            <a:spLocks noGrp="1"/>
+          </p:cNvSpPr>
+          <p:nvPr>
+            <p:ph type="sldNum" sz="quarter" idx="5"/>
+          </p:nvPr>
+        </p:nvSpPr>
+        <p:spPr/>
+        <p:txBody>
+          <a:bodyPr/>
+          <a:lstStyle/>
+          <a:p>
+            <a:fld id="{169E75D0-8CF6-4356-A87C-05FFDED00BAF}" type="slidenum">
+              <a:rPr lang="ru-RU" smtClean="0"/>
+              <a:t>8</a:t>
+            </a:fld>
+            <a:endParaRPr lang="ru-RU"/>
+          </a:p>
+        </p:txBody>
+      </p:sp>
+    </p:spTree>
+    <p:extLst>
+      <p:ext uri="{BB962C8B-B14F-4D97-AF65-F5344CB8AC3E}">
+        <p14:creationId xmlns:p14="http://schemas.microsoft.com/office/powerpoint/2010/main" val="3512674159"/>
+      </p:ext>
+    </p:extLst>
+  </p:cSld>
+  <p:clrMapOvr>
+    <a:masterClrMapping/>
+  </p:clrMapOvr>
+</p:notes>
+</file>
+
+<file path=ppt/notesSlides/notesSlide9.xml><?xml version="1.0" encoding="utf-8"?>
+<p:notes xmlns:a="http://schemas.openxmlformats.org/drawingml/2006/main" xmlns:r="http://schemas.openxmlformats.org/officeDocument/2006/relationships" xmlns:p="http://schemas.openxmlformats.org/presentationml/2006/main">
+  <p:cSld>
+    <p:spTree>
+      <p:nvGrpSpPr>
+        <p:cNvPr id="1" name="">
+          <a:extLst>
+            <a:ext uri="{FF2B5EF4-FFF2-40B4-BE49-F238E27FC236}">
+              <a16:creationId xmlns:a16="http://schemas.microsoft.com/office/drawing/2014/main" id="{4EA93F6A-3038-EFC1-D349-AA4C978CDE4E}"/>
+            </a:ext>
+          </a:extLst>
+        </p:cNvPr>
+        <p:cNvGrpSpPr/>
+        <p:nvPr/>
+      </p:nvGrpSpPr>
+      <p:grpSpPr>
+        <a:xfrm>
+          <a:off x="0" y="0"/>
+          <a:ext cx="0" cy="0"/>
+          <a:chOff x="0" y="0"/>
+          <a:chExt cx="0" cy="0"/>
+        </a:xfrm>
+      </p:grpSpPr>
+      <p:sp>
+        <p:nvSpPr>
+          <p:cNvPr id="2" name="Образ слайда 1">
+            <a:extLst>
+              <a:ext uri="{FF2B5EF4-FFF2-40B4-BE49-F238E27FC236}">
+                <a16:creationId xmlns:a16="http://schemas.microsoft.com/office/drawing/2014/main" id="{23FD6363-0DE2-988D-CD31-7E6013603426}"/>
+              </a:ext>
+            </a:extLst>
+          </p:cNvPr>
+          <p:cNvSpPr>
+            <a:spLocks noGrp="1" noRot="1" noChangeAspect="1"/>
+          </p:cNvSpPr>
+          <p:nvPr>
+            <p:ph type="sldImg"/>
+          </p:nvPr>
+        </p:nvSpPr>
+        <p:spPr/>
+      </p:sp>
+      <p:sp>
+        <p:nvSpPr>
+          <p:cNvPr id="3" name="Заметки 2">
+            <a:extLst>
+              <a:ext uri="{FF2B5EF4-FFF2-40B4-BE49-F238E27FC236}">
+                <a16:creationId xmlns:a16="http://schemas.microsoft.com/office/drawing/2014/main" id="{E3AA564A-2960-B726-18DA-84D8F6B7E25C}"/>
+              </a:ext>
+            </a:extLst>
+          </p:cNvPr>
+          <p:cNvSpPr>
+            <a:spLocks noGrp="1"/>
+          </p:cNvSpPr>
+          <p:nvPr>
+            <p:ph type="body" idx="1"/>
+          </p:nvPr>
+        </p:nvSpPr>
+        <p:spPr/>
+        <p:txBody>
+          <a:bodyPr/>
+          <a:lstStyle/>
+          <a:p>
+            <a:r>
+              <a:rPr lang="ru-RU" dirty="0"/>
+              <a:t>Для демонстрации работоспособности модели был проведен вычислительный эксперимент. Его целью было смоделировать формирование кратеров на заготовке из стали C45 и показать, как количество электрических разрядов влияет на глубину эрозии. В симуляции использовались следующие параметры: напряжение импульса 160 Вольт, сила тока 8 Ампер, длительность импульса 100 микросекунд. Коэффициент использования энергии </a:t>
+            </a:r>
+            <a:r>
+              <a:rPr lang="ru-RU" dirty="0" err="1">
+                <a:effectLst/>
+              </a:rPr>
+              <a:t>Ca</a:t>
+            </a:r>
+            <a:r>
+              <a:rPr lang="ru-RU" dirty="0"/>
+              <a:t>​ был принят равным 1%, а доля материала, удаляемого испарением </a:t>
+            </a:r>
+            <a:r>
+              <a:rPr lang="ru-RU" dirty="0">
+                <a:effectLst/>
+              </a:rPr>
+              <a:t>α</a:t>
+            </a:r>
+            <a:r>
+              <a:rPr lang="ru-RU" dirty="0" err="1">
+                <a:effectLst/>
+              </a:rPr>
+              <a:t>factor</a:t>
+            </a:r>
+            <a:r>
+              <a:rPr lang="ru-RU" dirty="0"/>
+              <a:t>​, – 10%. Моделировалось три кратера, для которых было задано 10 тысяч, 50 тысяч и 100 тысяч электрических разрядов соответственно.</a:t>
+            </a:r>
+          </a:p>
+        </p:txBody>
+      </p:sp>
+      <p:sp>
+        <p:nvSpPr>
+          <p:cNvPr id="4" name="Номер слайда 3">
+            <a:extLst>
+              <a:ext uri="{FF2B5EF4-FFF2-40B4-BE49-F238E27FC236}">
+                <a16:creationId xmlns:a16="http://schemas.microsoft.com/office/drawing/2014/main" id="{7321EC57-6A26-057A-DC3E-496B8D9327B5}"/>
+              </a:ext>
+            </a:extLst>
+          </p:cNvPr>
+          <p:cNvSpPr>
+            <a:spLocks noGrp="1"/>
+          </p:cNvSpPr>
+          <p:nvPr>
+            <p:ph type="sldNum" sz="quarter" idx="5"/>
+          </p:nvPr>
+        </p:nvSpPr>
+        <p:spPr/>
+        <p:txBody>
+          <a:bodyPr/>
+          <a:lstStyle/>
+          <a:p>
+            <a:fld id="{169E75D0-8CF6-4356-A87C-05FFDED00BAF}" type="slidenum">
+              <a:rPr lang="ru-RU" smtClean="0"/>
+              <a:t>9</a:t>
+            </a:fld>
+            <a:endParaRPr lang="ru-RU"/>
+          </a:p>
+        </p:txBody>
+      </p:sp>
+    </p:spTree>
+    <p:extLst>
+      <p:ext uri="{BB962C8B-B14F-4D97-AF65-F5344CB8AC3E}">
+        <p14:creationId xmlns:p14="http://schemas.microsoft.com/office/powerpoint/2010/main" val="2034246453"/>
+      </p:ext>
+    </p:extLst>
+  </p:cSld>
+  <p:clrMapOvr>
+    <a:masterClrMapping/>
+  </p:clrMapOvr>
+</p:notes>
+</file>
+
 <file path=ppt/slideLayouts/slideLayout1.xml><?xml version="1.0" encoding="utf-8"?>
 <p:sldLayout xmlns:a="http://schemas.openxmlformats.org/drawingml/2006/main" xmlns:r="http://schemas.openxmlformats.org/officeDocument/2006/relationships" xmlns:p="http://schemas.openxmlformats.org/presentationml/2006/main" showMasterPhAnim="0" type="title" preserve="1" userDrawn="1">
   <p:cSld name="Титульный слайд">
@@ -277,7 +1641,7 @@
             </a:pPr>
             <a:fld id="{06C7C42B-5FFE-4D44-BBB5-AB078492E219}" type="datetimeFigureOut">
               <a:rPr lang="ru-RU"/>
-              <a:t>21.01.2025</a:t>
+              <a:t>21.05.2025</a:t>
             </a:fld>
             <a:endParaRPr lang="ru-RU"/>
           </a:p>
@@ -468,7 +1832,7 @@
             </a:pPr>
             <a:fld id="{06C7C42B-5FFE-4D44-BBB5-AB078492E219}" type="datetimeFigureOut">
               <a:rPr lang="ru-RU"/>
-              <a:t>21.01.2025</a:t>
+              <a:t>21.05.2025</a:t>
             </a:fld>
             <a:endParaRPr lang="ru-RU"/>
           </a:p>
@@ -669,7 +2033,7 @@
             </a:pPr>
             <a:fld id="{06C7C42B-5FFE-4D44-BBB5-AB078492E219}" type="datetimeFigureOut">
               <a:rPr lang="ru-RU"/>
-              <a:t>21.01.2025</a:t>
+              <a:t>21.05.2025</a:t>
             </a:fld>
             <a:endParaRPr lang="ru-RU"/>
           </a:p>
@@ -860,7 +2224,7 @@
             </a:pPr>
             <a:fld id="{06C7C42B-5FFE-4D44-BBB5-AB078492E219}" type="datetimeFigureOut">
               <a:rPr lang="ru-RU"/>
-              <a:t>21.01.2025</a:t>
+              <a:t>21.05.2025</a:t>
             </a:fld>
             <a:endParaRPr lang="ru-RU"/>
           </a:p>
@@ -1116,7 +2480,7 @@
             </a:pPr>
             <a:fld id="{06C7C42B-5FFE-4D44-BBB5-AB078492E219}" type="datetimeFigureOut">
               <a:rPr lang="ru-RU"/>
-              <a:t>21.01.2025</a:t>
+              <a:t>21.05.2025</a:t>
             </a:fld>
             <a:endParaRPr lang="ru-RU"/>
           </a:p>
@@ -1383,7 +2747,7 @@
             </a:pPr>
             <a:fld id="{06C7C42B-5FFE-4D44-BBB5-AB078492E219}" type="datetimeFigureOut">
               <a:rPr lang="ru-RU"/>
-              <a:t>21.01.2025</a:t>
+              <a:t>21.05.2025</a:t>
             </a:fld>
             <a:endParaRPr lang="ru-RU"/>
           </a:p>
@@ -1791,7 +3155,7 @@
             </a:pPr>
             <a:fld id="{06C7C42B-5FFE-4D44-BBB5-AB078492E219}" type="datetimeFigureOut">
               <a:rPr lang="ru-RU"/>
-              <a:t>21.01.2025</a:t>
+              <a:t>21.05.2025</a:t>
             </a:fld>
             <a:endParaRPr lang="ru-RU"/>
           </a:p>
@@ -1916,7 +3280,7 @@
             </a:pPr>
             <a:fld id="{06C7C42B-5FFE-4D44-BBB5-AB078492E219}" type="datetimeFigureOut">
               <a:rPr lang="ru-RU"/>
-              <a:t>21.01.2025</a:t>
+              <a:t>21.05.2025</a:t>
             </a:fld>
             <a:endParaRPr lang="ru-RU"/>
           </a:p>
@@ -2015,7 +3379,7 @@
             </a:pPr>
             <a:fld id="{06C7C42B-5FFE-4D44-BBB5-AB078492E219}" type="datetimeFigureOut">
               <a:rPr lang="ru-RU"/>
-              <a:t>21.01.2025</a:t>
+              <a:t>21.05.2025</a:t>
             </a:fld>
             <a:endParaRPr lang="ru-RU"/>
           </a:p>
@@ -2316,7 +3680,7 @@
             </a:pPr>
             <a:fld id="{06C7C42B-5FFE-4D44-BBB5-AB078492E219}" type="datetimeFigureOut">
               <a:rPr lang="ru-RU"/>
-              <a:t>21.01.2025</a:t>
+              <a:t>21.05.2025</a:t>
             </a:fld>
             <a:endParaRPr lang="ru-RU"/>
           </a:p>
@@ -2582,7 +3946,7 @@
             </a:pPr>
             <a:fld id="{06C7C42B-5FFE-4D44-BBB5-AB078492E219}" type="datetimeFigureOut">
               <a:rPr lang="ru-RU"/>
-              <a:t>21.01.2025</a:t>
+              <a:t>21.05.2025</a:t>
             </a:fld>
             <a:endParaRPr lang="ru-RU"/>
           </a:p>
@@ -2816,7 +4180,7 @@
             </a:pPr>
             <a:fld id="{06C7C42B-5FFE-4D44-BBB5-AB078492E219}" type="datetimeFigureOut">
               <a:rPr lang="ru-RU"/>
-              <a:t>21.01.2025</a:t>
+              <a:t>21.05.2025</a:t>
             </a:fld>
             <a:endParaRPr lang="ru-RU"/>
           </a:p>
@@ -3349,7 +4713,7 @@
           <p:nvPr/>
         </p:nvPicPr>
         <p:blipFill>
-          <a:blip r:embed="rId2"/>
+          <a:blip r:embed="rId3"/>
           <a:stretch/>
         </p:blipFill>
         <p:spPr bwMode="auto">
@@ -3371,1119 +4735,6 @@
 </file>
 
 <file path=ppt/slides/slide10.xml><?xml version="1.0" encoding="utf-8"?>
-<p:sld xmlns:a="http://schemas.openxmlformats.org/drawingml/2006/main" xmlns:r="http://schemas.openxmlformats.org/officeDocument/2006/relationships" xmlns:p="http://schemas.openxmlformats.org/presentationml/2006/main">
-  <p:cSld>
-    <p:spTree>
-      <p:nvGrpSpPr>
-        <p:cNvPr id="1" name="">
-          <a:extLst>
-            <a:ext uri="{FF2B5EF4-FFF2-40B4-BE49-F238E27FC236}">
-              <a16:creationId xmlns:a16="http://schemas.microsoft.com/office/drawing/2014/main" id="{740D5B6F-0ED0-AACD-586B-A22AC16FB36F}"/>
-            </a:ext>
-          </a:extLst>
-        </p:cNvPr>
-        <p:cNvGrpSpPr/>
-        <p:nvPr/>
-      </p:nvGrpSpPr>
-      <p:grpSpPr>
-        <a:xfrm>
-          <a:off x="0" y="0"/>
-          <a:ext cx="0" cy="0"/>
-          <a:chOff x="0" y="0"/>
-          <a:chExt cx="0" cy="0"/>
-        </a:xfrm>
-      </p:grpSpPr>
-      <p:pic>
-        <p:nvPicPr>
-          <p:cNvPr id="4" name="Рисунок 3">
-            <a:extLst>
-              <a:ext uri="{FF2B5EF4-FFF2-40B4-BE49-F238E27FC236}">
-                <a16:creationId xmlns:a16="http://schemas.microsoft.com/office/drawing/2014/main" id="{1E06BE8E-6AAD-BB7E-E729-CEF0B09235F5}"/>
-              </a:ext>
-            </a:extLst>
-          </p:cNvPr>
-          <p:cNvPicPr>
-            <a:picLocks noChangeAspect="1"/>
-          </p:cNvPicPr>
-          <p:nvPr/>
-        </p:nvPicPr>
-        <p:blipFill>
-          <a:blip r:embed="rId2"/>
-          <a:stretch/>
-        </p:blipFill>
-        <p:spPr bwMode="auto">
-          <a:xfrm>
-            <a:off x="407369" y="332656"/>
-            <a:ext cx="2160240" cy="548939"/>
-          </a:xfrm>
-          <a:prstGeom prst="rect">
-            <a:avLst/>
-          </a:prstGeom>
-        </p:spPr>
-      </p:pic>
-      <p:pic>
-        <p:nvPicPr>
-          <p:cNvPr id="7" name="Рисунок 6">
-            <a:extLst>
-              <a:ext uri="{FF2B5EF4-FFF2-40B4-BE49-F238E27FC236}">
-                <a16:creationId xmlns:a16="http://schemas.microsoft.com/office/drawing/2014/main" id="{FCBB0C9F-5ED8-75A5-CCAF-C03610338F06}"/>
-              </a:ext>
-            </a:extLst>
-          </p:cNvPr>
-          <p:cNvPicPr>
-            <a:picLocks noChangeAspect="1"/>
-          </p:cNvPicPr>
-          <p:nvPr/>
-        </p:nvPicPr>
-        <p:blipFill>
-          <a:blip r:embed="rId3" cstate="print">
-            <a:extLst>
-              <a:ext uri="{28A0092B-C50C-407E-A947-70E740481C1C}">
-                <a14:useLocalDpi xmlns:a14="http://schemas.microsoft.com/office/drawing/2010/main" val="0"/>
-              </a:ext>
-            </a:extLst>
-          </a:blip>
-          <a:stretch>
-            <a:fillRect/>
-          </a:stretch>
-        </p:blipFill>
-        <p:spPr bwMode="auto">
-          <a:xfrm>
-            <a:off x="409978" y="318917"/>
-            <a:ext cx="2157631" cy="549893"/>
-          </a:xfrm>
-          <a:prstGeom prst="rect">
-            <a:avLst/>
-          </a:prstGeom>
-        </p:spPr>
-      </p:pic>
-      <p:sp>
-        <p:nvSpPr>
-          <p:cNvPr id="2" name="TextBox 1">
-            <a:extLst>
-              <a:ext uri="{FF2B5EF4-FFF2-40B4-BE49-F238E27FC236}">
-                <a16:creationId xmlns:a16="http://schemas.microsoft.com/office/drawing/2014/main" id="{7475C4A4-0264-D3EA-6F81-0A99DB014966}"/>
-              </a:ext>
-            </a:extLst>
-          </p:cNvPr>
-          <p:cNvSpPr txBox="1"/>
-          <p:nvPr/>
-        </p:nvSpPr>
-        <p:spPr>
-          <a:xfrm>
-            <a:off x="3431704" y="342580"/>
-            <a:ext cx="8136904" cy="523220"/>
-          </a:xfrm>
-          <a:prstGeom prst="rect">
-            <a:avLst/>
-          </a:prstGeom>
-          <a:noFill/>
-        </p:spPr>
-        <p:txBody>
-          <a:bodyPr wrap="square" rtlCol="0">
-            <a:spAutoFit/>
-          </a:bodyPr>
-          <a:lstStyle/>
-          <a:p>
-            <a:pPr algn="r"/>
-            <a:r>
-              <a:rPr lang="ru-RU" sz="2800" b="1" dirty="0"/>
-              <a:t>Расчет распределения температуры</a:t>
-            </a:r>
-          </a:p>
-        </p:txBody>
-      </p:sp>
-      <p:sp>
-        <p:nvSpPr>
-          <p:cNvPr id="5" name="TextBox 4">
-            <a:extLst>
-              <a:ext uri="{FF2B5EF4-FFF2-40B4-BE49-F238E27FC236}">
-                <a16:creationId xmlns:a16="http://schemas.microsoft.com/office/drawing/2014/main" id="{0136EB80-A8A1-E75E-5DF6-5D6B035B270A}"/>
-              </a:ext>
-            </a:extLst>
-          </p:cNvPr>
-          <p:cNvSpPr txBox="1"/>
-          <p:nvPr/>
-        </p:nvSpPr>
-        <p:spPr>
-          <a:xfrm>
-            <a:off x="407369" y="1268760"/>
-            <a:ext cx="10873208" cy="877163"/>
-          </a:xfrm>
-          <a:prstGeom prst="rect">
-            <a:avLst/>
-          </a:prstGeom>
-          <a:noFill/>
-        </p:spPr>
-        <p:txBody>
-          <a:bodyPr wrap="square">
-            <a:spAutoFit/>
-          </a:bodyPr>
-          <a:lstStyle/>
-          <a:p>
-            <a:pPr lvl="0" algn="just">
-              <a:lnSpc>
-                <a:spcPct val="150000"/>
-              </a:lnSpc>
-              <a:buSzPts val="1000"/>
-              <a:tabLst>
-                <a:tab pos="457200" algn="l"/>
-              </a:tabLst>
-            </a:pPr>
-            <a:r>
-              <a:rPr lang="ru-RU" sz="1800" dirty="0">
-                <a:effectLst/>
-                <a:latin typeface="Roboto" panose="02000000000000000000" pitchFamily="2" charset="0"/>
-                <a:ea typeface="Roboto" panose="02000000000000000000" pitchFamily="2" charset="0"/>
-                <a:cs typeface="Roboto" panose="02000000000000000000" pitchFamily="2" charset="0"/>
-              </a:rPr>
-              <a:t>	Для расчета распределения температуры использовалась конечно-разностная схема основанная на классическом уравнении теплопроводности.</a:t>
-            </a:r>
-          </a:p>
-        </p:txBody>
-      </p:sp>
-      <p:pic>
-        <p:nvPicPr>
-          <p:cNvPr id="6" name="Рисунок 5">
-            <a:extLst>
-              <a:ext uri="{FF2B5EF4-FFF2-40B4-BE49-F238E27FC236}">
-                <a16:creationId xmlns:a16="http://schemas.microsoft.com/office/drawing/2014/main" id="{2D27D533-7E7E-7134-66C6-4EF5689B2F8A}"/>
-              </a:ext>
-            </a:extLst>
-          </p:cNvPr>
-          <p:cNvPicPr>
-            <a:picLocks noChangeAspect="1"/>
-          </p:cNvPicPr>
-          <p:nvPr/>
-        </p:nvPicPr>
-        <p:blipFill>
-          <a:blip r:embed="rId4"/>
-          <a:stretch>
-            <a:fillRect/>
-          </a:stretch>
-        </p:blipFill>
-        <p:spPr>
-          <a:xfrm>
-            <a:off x="551384" y="2253406"/>
-            <a:ext cx="3456384" cy="781689"/>
-          </a:xfrm>
-          <a:prstGeom prst="rect">
-            <a:avLst/>
-          </a:prstGeom>
-        </p:spPr>
-      </p:pic>
-      <p:sp>
-        <p:nvSpPr>
-          <p:cNvPr id="9" name="TextBox 8">
-            <a:extLst>
-              <a:ext uri="{FF2B5EF4-FFF2-40B4-BE49-F238E27FC236}">
-                <a16:creationId xmlns:a16="http://schemas.microsoft.com/office/drawing/2014/main" id="{865E8878-40AE-6232-84B7-19E0BF81C3CF}"/>
-              </a:ext>
-            </a:extLst>
-          </p:cNvPr>
-          <p:cNvSpPr txBox="1"/>
-          <p:nvPr/>
-        </p:nvSpPr>
-        <p:spPr>
-          <a:xfrm>
-            <a:off x="551384" y="3053674"/>
-            <a:ext cx="7704856" cy="2535566"/>
-          </a:xfrm>
-          <a:prstGeom prst="rect">
-            <a:avLst/>
-          </a:prstGeom>
-          <a:noFill/>
-        </p:spPr>
-        <p:txBody>
-          <a:bodyPr wrap="square">
-            <a:spAutoFit/>
-          </a:bodyPr>
-          <a:lstStyle/>
-          <a:p>
-            <a:pPr indent="450215" algn="just">
-              <a:lnSpc>
-                <a:spcPct val="150000"/>
-              </a:lnSpc>
-            </a:pPr>
-            <a:r>
-              <a:rPr lang="ru-RU" sz="1800" dirty="0">
-                <a:effectLst/>
-                <a:latin typeface="Roboto" panose="02000000000000000000" pitchFamily="2" charset="0"/>
-                <a:ea typeface="Roboto" panose="02000000000000000000" pitchFamily="2" charset="0"/>
-                <a:cs typeface="Roboto" panose="02000000000000000000" pitchFamily="2" charset="0"/>
-              </a:rPr>
-              <a:t>где:</a:t>
-            </a:r>
-          </a:p>
-          <a:p>
-            <a:pPr marL="342900" lvl="0" indent="-342900" algn="just">
-              <a:lnSpc>
-                <a:spcPct val="150000"/>
-              </a:lnSpc>
-              <a:buSzPts val="1000"/>
-              <a:buFont typeface="Symbol" panose="05050102010706020507" pitchFamily="18" charset="2"/>
-              <a:buChar char=""/>
-              <a:tabLst>
-                <a:tab pos="457200" algn="l"/>
-              </a:tabLst>
-            </a:pPr>
-            <a:r>
-              <a:rPr lang="ru-RU" sz="1800" dirty="0">
-                <a:effectLst/>
-                <a:latin typeface="Roboto" panose="02000000000000000000" pitchFamily="2" charset="0"/>
-                <a:ea typeface="Roboto" panose="02000000000000000000" pitchFamily="2" charset="0"/>
-                <a:cs typeface="Roboto" panose="02000000000000000000" pitchFamily="2" charset="0"/>
-              </a:rPr>
-              <a:t>T — температура,</a:t>
-            </a:r>
-          </a:p>
-          <a:p>
-            <a:pPr marL="342900" lvl="0" indent="-342900" algn="just">
-              <a:lnSpc>
-                <a:spcPct val="150000"/>
-              </a:lnSpc>
-              <a:buSzPts val="1000"/>
-              <a:buFont typeface="Symbol" panose="05050102010706020507" pitchFamily="18" charset="2"/>
-              <a:buChar char=""/>
-              <a:tabLst>
-                <a:tab pos="457200" algn="l"/>
-              </a:tabLst>
-            </a:pPr>
-            <a:r>
-              <a:rPr lang="ru-RU" sz="1800" dirty="0">
-                <a:effectLst/>
-                <a:latin typeface="Roboto" panose="02000000000000000000" pitchFamily="2" charset="0"/>
-                <a:ea typeface="Roboto" panose="02000000000000000000" pitchFamily="2" charset="0"/>
-                <a:cs typeface="Roboto" panose="02000000000000000000" pitchFamily="2" charset="0"/>
-              </a:rPr>
-              <a:t>α — коэффициент </a:t>
-            </a:r>
-            <a:r>
-              <a:rPr lang="ru-RU" sz="1800" dirty="0" err="1">
-                <a:effectLst/>
-                <a:latin typeface="Roboto" panose="02000000000000000000" pitchFamily="2" charset="0"/>
-                <a:ea typeface="Roboto" panose="02000000000000000000" pitchFamily="2" charset="0"/>
-                <a:cs typeface="Roboto" panose="02000000000000000000" pitchFamily="2" charset="0"/>
-              </a:rPr>
-              <a:t>температуропроводности</a:t>
-            </a:r>
-            <a:r>
-              <a:rPr lang="ru-RU" sz="1800" dirty="0">
-                <a:effectLst/>
-                <a:latin typeface="Roboto" panose="02000000000000000000" pitchFamily="2" charset="0"/>
-                <a:ea typeface="Roboto" panose="02000000000000000000" pitchFamily="2" charset="0"/>
-                <a:cs typeface="Roboto" panose="02000000000000000000" pitchFamily="2" charset="0"/>
-              </a:rPr>
-              <a:t>,</a:t>
-            </a:r>
-          </a:p>
-          <a:p>
-            <a:pPr marL="342900" lvl="0" indent="-342900" algn="just">
-              <a:lnSpc>
-                <a:spcPct val="150000"/>
-              </a:lnSpc>
-              <a:buSzPts val="1000"/>
-              <a:buFont typeface="Symbol" panose="05050102010706020507" pitchFamily="18" charset="2"/>
-              <a:buChar char=""/>
-              <a:tabLst>
-                <a:tab pos="457200" algn="l"/>
-              </a:tabLst>
-            </a:pPr>
-            <a:r>
-              <a:rPr lang="ru-RU" sz="1800" dirty="0">
-                <a:effectLst/>
-                <a:latin typeface="Roboto" panose="02000000000000000000" pitchFamily="2" charset="0"/>
-                <a:ea typeface="Roboto" panose="02000000000000000000" pitchFamily="2" charset="0"/>
-                <a:cs typeface="Roboto" panose="02000000000000000000" pitchFamily="2" charset="0"/>
-              </a:rPr>
-              <a:t>∂</a:t>
-            </a:r>
-            <a:r>
-              <a:rPr lang="ru-RU" sz="1800" dirty="0" err="1">
-                <a:effectLst/>
-                <a:latin typeface="Roboto" panose="02000000000000000000" pitchFamily="2" charset="0"/>
-                <a:ea typeface="Roboto" panose="02000000000000000000" pitchFamily="2" charset="0"/>
-                <a:cs typeface="Roboto" panose="02000000000000000000" pitchFamily="2" charset="0"/>
-              </a:rPr>
-              <a:t>T∂t</a:t>
-            </a:r>
-            <a:r>
-              <a:rPr lang="ru-RU" sz="1800" dirty="0">
-                <a:effectLst/>
-                <a:latin typeface="Roboto" panose="02000000000000000000" pitchFamily="2" charset="0"/>
-                <a:ea typeface="Roboto" panose="02000000000000000000" pitchFamily="2" charset="0"/>
-                <a:cs typeface="Roboto" panose="02000000000000000000" pitchFamily="2" charset="0"/>
-              </a:rPr>
-              <a:t>— изменение температуры со временем,</a:t>
-            </a:r>
-          </a:p>
-          <a:p>
-            <a:pPr marL="342900" lvl="0" indent="-342900" algn="just">
-              <a:lnSpc>
-                <a:spcPct val="150000"/>
-              </a:lnSpc>
-              <a:buSzPts val="1000"/>
-              <a:buFont typeface="Symbol" panose="05050102010706020507" pitchFamily="18" charset="2"/>
-              <a:buChar char=""/>
-              <a:tabLst>
-                <a:tab pos="457200" algn="l"/>
-              </a:tabLst>
-            </a:pPr>
-            <a:r>
-              <a:rPr lang="ru-RU" sz="1800" dirty="0">
-                <a:effectLst/>
-                <a:latin typeface="Roboto" panose="02000000000000000000" pitchFamily="2" charset="0"/>
-                <a:ea typeface="Roboto" panose="02000000000000000000" pitchFamily="2" charset="0"/>
-                <a:cs typeface="Roboto" panose="02000000000000000000" pitchFamily="2" charset="0"/>
-              </a:rPr>
-              <a:t>∂2T/∂x2​, ∂2T/∂y2​, ∂2T/∂z2​ — вторые производные температуры по пространственным координатам.</a:t>
-            </a:r>
-          </a:p>
-        </p:txBody>
-      </p:sp>
-    </p:spTree>
-    <p:extLst>
-      <p:ext uri="{BB962C8B-B14F-4D97-AF65-F5344CB8AC3E}">
-        <p14:creationId xmlns:p14="http://schemas.microsoft.com/office/powerpoint/2010/main" val="2578218675"/>
-      </p:ext>
-    </p:extLst>
-  </p:cSld>
-  <p:clrMapOvr>
-    <a:masterClrMapping/>
-  </p:clrMapOvr>
-</p:sld>
-</file>
-
-<file path=ppt/slides/slide11.xml><?xml version="1.0" encoding="utf-8"?>
-<p:sld xmlns:a="http://schemas.openxmlformats.org/drawingml/2006/main" xmlns:r="http://schemas.openxmlformats.org/officeDocument/2006/relationships" xmlns:p="http://schemas.openxmlformats.org/presentationml/2006/main">
-  <p:cSld>
-    <p:spTree>
-      <p:nvGrpSpPr>
-        <p:cNvPr id="1" name="">
-          <a:extLst>
-            <a:ext uri="{FF2B5EF4-FFF2-40B4-BE49-F238E27FC236}">
-              <a16:creationId xmlns:a16="http://schemas.microsoft.com/office/drawing/2014/main" id="{58D18767-4C78-6CB0-E4C8-809A326FE2B4}"/>
-            </a:ext>
-          </a:extLst>
-        </p:cNvPr>
-        <p:cNvGrpSpPr/>
-        <p:nvPr/>
-      </p:nvGrpSpPr>
-      <p:grpSpPr>
-        <a:xfrm>
-          <a:off x="0" y="0"/>
-          <a:ext cx="0" cy="0"/>
-          <a:chOff x="0" y="0"/>
-          <a:chExt cx="0" cy="0"/>
-        </a:xfrm>
-      </p:grpSpPr>
-      <p:pic>
-        <p:nvPicPr>
-          <p:cNvPr id="4" name="Рисунок 3">
-            <a:extLst>
-              <a:ext uri="{FF2B5EF4-FFF2-40B4-BE49-F238E27FC236}">
-                <a16:creationId xmlns:a16="http://schemas.microsoft.com/office/drawing/2014/main" id="{375F5B93-38B1-3D05-324B-200AD9A16372}"/>
-              </a:ext>
-            </a:extLst>
-          </p:cNvPr>
-          <p:cNvPicPr>
-            <a:picLocks noChangeAspect="1"/>
-          </p:cNvPicPr>
-          <p:nvPr/>
-        </p:nvPicPr>
-        <p:blipFill>
-          <a:blip r:embed="rId2"/>
-          <a:stretch/>
-        </p:blipFill>
-        <p:spPr bwMode="auto">
-          <a:xfrm>
-            <a:off x="407369" y="332656"/>
-            <a:ext cx="2160240" cy="548939"/>
-          </a:xfrm>
-          <a:prstGeom prst="rect">
-            <a:avLst/>
-          </a:prstGeom>
-        </p:spPr>
-      </p:pic>
-      <p:pic>
-        <p:nvPicPr>
-          <p:cNvPr id="7" name="Рисунок 6">
-            <a:extLst>
-              <a:ext uri="{FF2B5EF4-FFF2-40B4-BE49-F238E27FC236}">
-                <a16:creationId xmlns:a16="http://schemas.microsoft.com/office/drawing/2014/main" id="{218BF114-79EB-E243-D982-5783C4ADE32F}"/>
-              </a:ext>
-            </a:extLst>
-          </p:cNvPr>
-          <p:cNvPicPr>
-            <a:picLocks noChangeAspect="1"/>
-          </p:cNvPicPr>
-          <p:nvPr/>
-        </p:nvPicPr>
-        <p:blipFill>
-          <a:blip r:embed="rId3" cstate="print">
-            <a:extLst>
-              <a:ext uri="{28A0092B-C50C-407E-A947-70E740481C1C}">
-                <a14:useLocalDpi xmlns:a14="http://schemas.microsoft.com/office/drawing/2010/main" val="0"/>
-              </a:ext>
-            </a:extLst>
-          </a:blip>
-          <a:stretch>
-            <a:fillRect/>
-          </a:stretch>
-        </p:blipFill>
-        <p:spPr bwMode="auto">
-          <a:xfrm>
-            <a:off x="409978" y="318917"/>
-            <a:ext cx="2157631" cy="549893"/>
-          </a:xfrm>
-          <a:prstGeom prst="rect">
-            <a:avLst/>
-          </a:prstGeom>
-        </p:spPr>
-      </p:pic>
-      <p:sp>
-        <p:nvSpPr>
-          <p:cNvPr id="2" name="TextBox 1">
-            <a:extLst>
-              <a:ext uri="{FF2B5EF4-FFF2-40B4-BE49-F238E27FC236}">
-                <a16:creationId xmlns:a16="http://schemas.microsoft.com/office/drawing/2014/main" id="{A2313791-7EA8-E1B1-737C-38A3EF0F0EFE}"/>
-              </a:ext>
-            </a:extLst>
-          </p:cNvPr>
-          <p:cNvSpPr txBox="1"/>
-          <p:nvPr/>
-        </p:nvSpPr>
-        <p:spPr>
-          <a:xfrm>
-            <a:off x="3431704" y="342580"/>
-            <a:ext cx="8136904" cy="523220"/>
-          </a:xfrm>
-          <a:prstGeom prst="rect">
-            <a:avLst/>
-          </a:prstGeom>
-          <a:noFill/>
-        </p:spPr>
-        <p:txBody>
-          <a:bodyPr wrap="square" rtlCol="0">
-            <a:spAutoFit/>
-          </a:bodyPr>
-          <a:lstStyle/>
-          <a:p>
-            <a:pPr algn="r"/>
-            <a:r>
-              <a:rPr lang="ru-RU" sz="2800" b="1" dirty="0"/>
-              <a:t>Результаты</a:t>
-            </a:r>
-          </a:p>
-        </p:txBody>
-      </p:sp>
-      <p:pic>
-        <p:nvPicPr>
-          <p:cNvPr id="5" name="Рисунок 4">
-            <a:extLst>
-              <a:ext uri="{FF2B5EF4-FFF2-40B4-BE49-F238E27FC236}">
-                <a16:creationId xmlns:a16="http://schemas.microsoft.com/office/drawing/2014/main" id="{2D29F157-D9B7-9DF3-0827-46CB02369372}"/>
-              </a:ext>
-            </a:extLst>
-          </p:cNvPr>
-          <p:cNvPicPr>
-            <a:picLocks noChangeAspect="1"/>
-          </p:cNvPicPr>
-          <p:nvPr/>
-        </p:nvPicPr>
-        <p:blipFill>
-          <a:blip r:embed="rId4">
-            <a:extLst>
-              <a:ext uri="{28A0092B-C50C-407E-A947-70E740481C1C}">
-                <a14:useLocalDpi xmlns:a14="http://schemas.microsoft.com/office/drawing/2010/main" val="0"/>
-              </a:ext>
-            </a:extLst>
-          </a:blip>
-          <a:stretch>
-            <a:fillRect/>
-          </a:stretch>
-        </p:blipFill>
-        <p:spPr>
-          <a:xfrm>
-            <a:off x="1775520" y="2060848"/>
-            <a:ext cx="8493009" cy="2499714"/>
-          </a:xfrm>
-          <a:prstGeom prst="rect">
-            <a:avLst/>
-          </a:prstGeom>
-        </p:spPr>
-      </p:pic>
-    </p:spTree>
-    <p:extLst>
-      <p:ext uri="{BB962C8B-B14F-4D97-AF65-F5344CB8AC3E}">
-        <p14:creationId xmlns:p14="http://schemas.microsoft.com/office/powerpoint/2010/main" val="3317851454"/>
-      </p:ext>
-    </p:extLst>
-  </p:cSld>
-  <p:clrMapOvr>
-    <a:masterClrMapping/>
-  </p:clrMapOvr>
-</p:sld>
-</file>
-
-<file path=ppt/slides/slide12.xml><?xml version="1.0" encoding="utf-8"?>
-<p:sld xmlns:a="http://schemas.openxmlformats.org/drawingml/2006/main" xmlns:r="http://schemas.openxmlformats.org/officeDocument/2006/relationships" xmlns:p="http://schemas.openxmlformats.org/presentationml/2006/main">
-  <p:cSld>
-    <p:spTree>
-      <p:nvGrpSpPr>
-        <p:cNvPr id="1" name="">
-          <a:extLst>
-            <a:ext uri="{FF2B5EF4-FFF2-40B4-BE49-F238E27FC236}">
-              <a16:creationId xmlns:a16="http://schemas.microsoft.com/office/drawing/2014/main" id="{76E2BDE2-3DF7-05F8-CD4A-7A0D02A9D458}"/>
-            </a:ext>
-          </a:extLst>
-        </p:cNvPr>
-        <p:cNvGrpSpPr/>
-        <p:nvPr/>
-      </p:nvGrpSpPr>
-      <p:grpSpPr>
-        <a:xfrm>
-          <a:off x="0" y="0"/>
-          <a:ext cx="0" cy="0"/>
-          <a:chOff x="0" y="0"/>
-          <a:chExt cx="0" cy="0"/>
-        </a:xfrm>
-      </p:grpSpPr>
-      <p:pic>
-        <p:nvPicPr>
-          <p:cNvPr id="4" name="Рисунок 3">
-            <a:extLst>
-              <a:ext uri="{FF2B5EF4-FFF2-40B4-BE49-F238E27FC236}">
-                <a16:creationId xmlns:a16="http://schemas.microsoft.com/office/drawing/2014/main" id="{F79F62F2-6F24-EE17-617C-79643BF87FBD}"/>
-              </a:ext>
-            </a:extLst>
-          </p:cNvPr>
-          <p:cNvPicPr>
-            <a:picLocks noChangeAspect="1"/>
-          </p:cNvPicPr>
-          <p:nvPr/>
-        </p:nvPicPr>
-        <p:blipFill>
-          <a:blip r:embed="rId2"/>
-          <a:stretch/>
-        </p:blipFill>
-        <p:spPr bwMode="auto">
-          <a:xfrm>
-            <a:off x="407369" y="332656"/>
-            <a:ext cx="2160240" cy="548939"/>
-          </a:xfrm>
-          <a:prstGeom prst="rect">
-            <a:avLst/>
-          </a:prstGeom>
-        </p:spPr>
-      </p:pic>
-      <p:pic>
-        <p:nvPicPr>
-          <p:cNvPr id="7" name="Рисунок 6">
-            <a:extLst>
-              <a:ext uri="{FF2B5EF4-FFF2-40B4-BE49-F238E27FC236}">
-                <a16:creationId xmlns:a16="http://schemas.microsoft.com/office/drawing/2014/main" id="{C35748F7-4D9F-2256-3EE7-9E7831C9C80F}"/>
-              </a:ext>
-            </a:extLst>
-          </p:cNvPr>
-          <p:cNvPicPr>
-            <a:picLocks noChangeAspect="1"/>
-          </p:cNvPicPr>
-          <p:nvPr/>
-        </p:nvPicPr>
-        <p:blipFill>
-          <a:blip r:embed="rId3" cstate="print">
-            <a:extLst>
-              <a:ext uri="{28A0092B-C50C-407E-A947-70E740481C1C}">
-                <a14:useLocalDpi xmlns:a14="http://schemas.microsoft.com/office/drawing/2010/main" val="0"/>
-              </a:ext>
-            </a:extLst>
-          </a:blip>
-          <a:stretch>
-            <a:fillRect/>
-          </a:stretch>
-        </p:blipFill>
-        <p:spPr bwMode="auto">
-          <a:xfrm>
-            <a:off x="409978" y="318917"/>
-            <a:ext cx="2157631" cy="549893"/>
-          </a:xfrm>
-          <a:prstGeom prst="rect">
-            <a:avLst/>
-          </a:prstGeom>
-        </p:spPr>
-      </p:pic>
-      <p:sp>
-        <p:nvSpPr>
-          <p:cNvPr id="2" name="TextBox 1">
-            <a:extLst>
-              <a:ext uri="{FF2B5EF4-FFF2-40B4-BE49-F238E27FC236}">
-                <a16:creationId xmlns:a16="http://schemas.microsoft.com/office/drawing/2014/main" id="{7A1BA761-B051-79B7-570D-F8081CE42044}"/>
-              </a:ext>
-            </a:extLst>
-          </p:cNvPr>
-          <p:cNvSpPr txBox="1"/>
-          <p:nvPr/>
-        </p:nvSpPr>
-        <p:spPr>
-          <a:xfrm>
-            <a:off x="3431704" y="342580"/>
-            <a:ext cx="8136904" cy="523220"/>
-          </a:xfrm>
-          <a:prstGeom prst="rect">
-            <a:avLst/>
-          </a:prstGeom>
-          <a:noFill/>
-        </p:spPr>
-        <p:txBody>
-          <a:bodyPr wrap="square" rtlCol="0">
-            <a:spAutoFit/>
-          </a:bodyPr>
-          <a:lstStyle/>
-          <a:p>
-            <a:pPr algn="r"/>
-            <a:r>
-              <a:rPr lang="ru-RU" sz="2800" b="1" dirty="0"/>
-              <a:t>Результаты</a:t>
-            </a:r>
-          </a:p>
-        </p:txBody>
-      </p:sp>
-      <p:pic>
-        <p:nvPicPr>
-          <p:cNvPr id="6" name="Рисунок 5">
-            <a:extLst>
-              <a:ext uri="{FF2B5EF4-FFF2-40B4-BE49-F238E27FC236}">
-                <a16:creationId xmlns:a16="http://schemas.microsoft.com/office/drawing/2014/main" id="{32C318F8-1900-DC55-D69A-D402191A2E3A}"/>
-              </a:ext>
-            </a:extLst>
-          </p:cNvPr>
-          <p:cNvPicPr>
-            <a:picLocks noChangeAspect="1"/>
-          </p:cNvPicPr>
-          <p:nvPr/>
-        </p:nvPicPr>
-        <p:blipFill>
-          <a:blip r:embed="rId4">
-            <a:extLst>
-              <a:ext uri="{28A0092B-C50C-407E-A947-70E740481C1C}">
-                <a14:useLocalDpi xmlns:a14="http://schemas.microsoft.com/office/drawing/2010/main" val="0"/>
-              </a:ext>
-            </a:extLst>
-          </a:blip>
-          <a:stretch>
-            <a:fillRect/>
-          </a:stretch>
-        </p:blipFill>
-        <p:spPr>
-          <a:xfrm>
-            <a:off x="2423592" y="1412776"/>
-            <a:ext cx="6924517" cy="4653136"/>
-          </a:xfrm>
-          <a:prstGeom prst="rect">
-            <a:avLst/>
-          </a:prstGeom>
-        </p:spPr>
-      </p:pic>
-    </p:spTree>
-    <p:extLst>
-      <p:ext uri="{BB962C8B-B14F-4D97-AF65-F5344CB8AC3E}">
-        <p14:creationId xmlns:p14="http://schemas.microsoft.com/office/powerpoint/2010/main" val="1620834535"/>
-      </p:ext>
-    </p:extLst>
-  </p:cSld>
-  <p:clrMapOvr>
-    <a:masterClrMapping/>
-  </p:clrMapOvr>
-</p:sld>
-</file>
-
-<file path=ppt/slides/slide13.xml><?xml version="1.0" encoding="utf-8"?>
-<p:sld xmlns:a="http://schemas.openxmlformats.org/drawingml/2006/main" xmlns:r="http://schemas.openxmlformats.org/officeDocument/2006/relationships" xmlns:p="http://schemas.openxmlformats.org/presentationml/2006/main">
-  <p:cSld>
-    <p:spTree>
-      <p:nvGrpSpPr>
-        <p:cNvPr id="1" name="">
-          <a:extLst>
-            <a:ext uri="{FF2B5EF4-FFF2-40B4-BE49-F238E27FC236}">
-              <a16:creationId xmlns:a16="http://schemas.microsoft.com/office/drawing/2014/main" id="{C87BA0D8-4B84-B216-B7EC-CD15BD21D968}"/>
-            </a:ext>
-          </a:extLst>
-        </p:cNvPr>
-        <p:cNvGrpSpPr/>
-        <p:nvPr/>
-      </p:nvGrpSpPr>
-      <p:grpSpPr>
-        <a:xfrm>
-          <a:off x="0" y="0"/>
-          <a:ext cx="0" cy="0"/>
-          <a:chOff x="0" y="0"/>
-          <a:chExt cx="0" cy="0"/>
-        </a:xfrm>
-      </p:grpSpPr>
-      <p:pic>
-        <p:nvPicPr>
-          <p:cNvPr id="4" name="Рисунок 3">
-            <a:extLst>
-              <a:ext uri="{FF2B5EF4-FFF2-40B4-BE49-F238E27FC236}">
-                <a16:creationId xmlns:a16="http://schemas.microsoft.com/office/drawing/2014/main" id="{1871883D-AF87-992A-0790-72A8A56E3897}"/>
-              </a:ext>
-            </a:extLst>
-          </p:cNvPr>
-          <p:cNvPicPr>
-            <a:picLocks noChangeAspect="1"/>
-          </p:cNvPicPr>
-          <p:nvPr/>
-        </p:nvPicPr>
-        <p:blipFill>
-          <a:blip r:embed="rId2"/>
-          <a:stretch/>
-        </p:blipFill>
-        <p:spPr bwMode="auto">
-          <a:xfrm>
-            <a:off x="407369" y="332656"/>
-            <a:ext cx="2160240" cy="548939"/>
-          </a:xfrm>
-          <a:prstGeom prst="rect">
-            <a:avLst/>
-          </a:prstGeom>
-        </p:spPr>
-      </p:pic>
-      <p:pic>
-        <p:nvPicPr>
-          <p:cNvPr id="7" name="Рисунок 6">
-            <a:extLst>
-              <a:ext uri="{FF2B5EF4-FFF2-40B4-BE49-F238E27FC236}">
-                <a16:creationId xmlns:a16="http://schemas.microsoft.com/office/drawing/2014/main" id="{3388FFEA-3A05-A734-DA72-D70B5819620F}"/>
-              </a:ext>
-            </a:extLst>
-          </p:cNvPr>
-          <p:cNvPicPr>
-            <a:picLocks noChangeAspect="1"/>
-          </p:cNvPicPr>
-          <p:nvPr/>
-        </p:nvPicPr>
-        <p:blipFill>
-          <a:blip r:embed="rId3" cstate="print">
-            <a:extLst>
-              <a:ext uri="{28A0092B-C50C-407E-A947-70E740481C1C}">
-                <a14:useLocalDpi xmlns:a14="http://schemas.microsoft.com/office/drawing/2010/main" val="0"/>
-              </a:ext>
-            </a:extLst>
-          </a:blip>
-          <a:stretch>
-            <a:fillRect/>
-          </a:stretch>
-        </p:blipFill>
-        <p:spPr bwMode="auto">
-          <a:xfrm>
-            <a:off x="409978" y="318917"/>
-            <a:ext cx="2157631" cy="549893"/>
-          </a:xfrm>
-          <a:prstGeom prst="rect">
-            <a:avLst/>
-          </a:prstGeom>
-        </p:spPr>
-      </p:pic>
-      <p:sp>
-        <p:nvSpPr>
-          <p:cNvPr id="2" name="TextBox 1">
-            <a:extLst>
-              <a:ext uri="{FF2B5EF4-FFF2-40B4-BE49-F238E27FC236}">
-                <a16:creationId xmlns:a16="http://schemas.microsoft.com/office/drawing/2014/main" id="{B2FCC5F8-AD68-3F24-DF2D-926560FF6F92}"/>
-              </a:ext>
-            </a:extLst>
-          </p:cNvPr>
-          <p:cNvSpPr txBox="1"/>
-          <p:nvPr/>
-        </p:nvSpPr>
-        <p:spPr>
-          <a:xfrm>
-            <a:off x="3431704" y="342580"/>
-            <a:ext cx="8136904" cy="523220"/>
-          </a:xfrm>
-          <a:prstGeom prst="rect">
-            <a:avLst/>
-          </a:prstGeom>
-          <a:noFill/>
-        </p:spPr>
-        <p:txBody>
-          <a:bodyPr wrap="square" rtlCol="0">
-            <a:spAutoFit/>
-          </a:bodyPr>
-          <a:lstStyle/>
-          <a:p>
-            <a:pPr algn="r"/>
-            <a:r>
-              <a:rPr lang="ru-RU" sz="2800" b="1" dirty="0"/>
-              <a:t>Результаты</a:t>
-            </a:r>
-          </a:p>
-        </p:txBody>
-      </p:sp>
-      <p:pic>
-        <p:nvPicPr>
-          <p:cNvPr id="5" name="Рисунок 4">
-            <a:extLst>
-              <a:ext uri="{FF2B5EF4-FFF2-40B4-BE49-F238E27FC236}">
-                <a16:creationId xmlns:a16="http://schemas.microsoft.com/office/drawing/2014/main" id="{25575144-5125-4095-A022-D1EBBE4725FD}"/>
-              </a:ext>
-            </a:extLst>
-          </p:cNvPr>
-          <p:cNvPicPr>
-            <a:picLocks noChangeAspect="1"/>
-          </p:cNvPicPr>
-          <p:nvPr/>
-        </p:nvPicPr>
-        <p:blipFill>
-          <a:blip r:embed="rId4">
-            <a:extLst>
-              <a:ext uri="{28A0092B-C50C-407E-A947-70E740481C1C}">
-                <a14:useLocalDpi xmlns:a14="http://schemas.microsoft.com/office/drawing/2010/main" val="0"/>
-              </a:ext>
-            </a:extLst>
-          </a:blip>
-          <a:stretch>
-            <a:fillRect/>
-          </a:stretch>
-        </p:blipFill>
-        <p:spPr>
-          <a:xfrm>
-            <a:off x="1180414" y="1099812"/>
-            <a:ext cx="9831172" cy="4658375"/>
-          </a:xfrm>
-          <a:prstGeom prst="rect">
-            <a:avLst/>
-          </a:prstGeom>
-        </p:spPr>
-      </p:pic>
-    </p:spTree>
-    <p:extLst>
-      <p:ext uri="{BB962C8B-B14F-4D97-AF65-F5344CB8AC3E}">
-        <p14:creationId xmlns:p14="http://schemas.microsoft.com/office/powerpoint/2010/main" val="4125791894"/>
-      </p:ext>
-    </p:extLst>
-  </p:cSld>
-  <p:clrMapOvr>
-    <a:masterClrMapping/>
-  </p:clrMapOvr>
-</p:sld>
-</file>
-
-<file path=ppt/slides/slide14.xml><?xml version="1.0" encoding="utf-8"?>
-<p:sld xmlns:a="http://schemas.openxmlformats.org/drawingml/2006/main" xmlns:r="http://schemas.openxmlformats.org/officeDocument/2006/relationships" xmlns:p="http://schemas.openxmlformats.org/presentationml/2006/main">
-  <p:cSld>
-    <p:spTree>
-      <p:nvGrpSpPr>
-        <p:cNvPr id="1" name="">
-          <a:extLst>
-            <a:ext uri="{FF2B5EF4-FFF2-40B4-BE49-F238E27FC236}">
-              <a16:creationId xmlns:a16="http://schemas.microsoft.com/office/drawing/2014/main" id="{7816C909-F1DE-D3CF-6ED0-0CF40EF7B7AE}"/>
-            </a:ext>
-          </a:extLst>
-        </p:cNvPr>
-        <p:cNvGrpSpPr/>
-        <p:nvPr/>
-      </p:nvGrpSpPr>
-      <p:grpSpPr>
-        <a:xfrm>
-          <a:off x="0" y="0"/>
-          <a:ext cx="0" cy="0"/>
-          <a:chOff x="0" y="0"/>
-          <a:chExt cx="0" cy="0"/>
-        </a:xfrm>
-      </p:grpSpPr>
-      <p:pic>
-        <p:nvPicPr>
-          <p:cNvPr id="4" name="Рисунок 3">
-            <a:extLst>
-              <a:ext uri="{FF2B5EF4-FFF2-40B4-BE49-F238E27FC236}">
-                <a16:creationId xmlns:a16="http://schemas.microsoft.com/office/drawing/2014/main" id="{51D4E2D6-A614-AE63-9CC3-6B0E7BA56DA9}"/>
-              </a:ext>
-            </a:extLst>
-          </p:cNvPr>
-          <p:cNvPicPr>
-            <a:picLocks noChangeAspect="1"/>
-          </p:cNvPicPr>
-          <p:nvPr/>
-        </p:nvPicPr>
-        <p:blipFill>
-          <a:blip r:embed="rId2"/>
-          <a:stretch/>
-        </p:blipFill>
-        <p:spPr bwMode="auto">
-          <a:xfrm>
-            <a:off x="407369" y="332656"/>
-            <a:ext cx="2160240" cy="548939"/>
-          </a:xfrm>
-          <a:prstGeom prst="rect">
-            <a:avLst/>
-          </a:prstGeom>
-        </p:spPr>
-      </p:pic>
-      <p:pic>
-        <p:nvPicPr>
-          <p:cNvPr id="7" name="Рисунок 6">
-            <a:extLst>
-              <a:ext uri="{FF2B5EF4-FFF2-40B4-BE49-F238E27FC236}">
-                <a16:creationId xmlns:a16="http://schemas.microsoft.com/office/drawing/2014/main" id="{6CDC4846-0CCF-7C86-E1AC-880D7E213733}"/>
-              </a:ext>
-            </a:extLst>
-          </p:cNvPr>
-          <p:cNvPicPr>
-            <a:picLocks noChangeAspect="1"/>
-          </p:cNvPicPr>
-          <p:nvPr/>
-        </p:nvPicPr>
-        <p:blipFill>
-          <a:blip r:embed="rId3" cstate="print">
-            <a:extLst>
-              <a:ext uri="{28A0092B-C50C-407E-A947-70E740481C1C}">
-                <a14:useLocalDpi xmlns:a14="http://schemas.microsoft.com/office/drawing/2010/main" val="0"/>
-              </a:ext>
-            </a:extLst>
-          </a:blip>
-          <a:stretch>
-            <a:fillRect/>
-          </a:stretch>
-        </p:blipFill>
-        <p:spPr bwMode="auto">
-          <a:xfrm>
-            <a:off x="409978" y="318917"/>
-            <a:ext cx="2157631" cy="549893"/>
-          </a:xfrm>
-          <a:prstGeom prst="rect">
-            <a:avLst/>
-          </a:prstGeom>
-        </p:spPr>
-      </p:pic>
-      <p:sp>
-        <p:nvSpPr>
-          <p:cNvPr id="2" name="TextBox 1">
-            <a:extLst>
-              <a:ext uri="{FF2B5EF4-FFF2-40B4-BE49-F238E27FC236}">
-                <a16:creationId xmlns:a16="http://schemas.microsoft.com/office/drawing/2014/main" id="{85628866-3EF6-B0A1-8B81-9732EC439577}"/>
-              </a:ext>
-            </a:extLst>
-          </p:cNvPr>
-          <p:cNvSpPr txBox="1"/>
-          <p:nvPr/>
-        </p:nvSpPr>
-        <p:spPr>
-          <a:xfrm>
-            <a:off x="3431704" y="342580"/>
-            <a:ext cx="8136904" cy="523220"/>
-          </a:xfrm>
-          <a:prstGeom prst="rect">
-            <a:avLst/>
-          </a:prstGeom>
-          <a:noFill/>
-        </p:spPr>
-        <p:txBody>
-          <a:bodyPr wrap="square" rtlCol="0">
-            <a:spAutoFit/>
-          </a:bodyPr>
-          <a:lstStyle/>
-          <a:p>
-            <a:pPr algn="r"/>
-            <a:r>
-              <a:rPr lang="ru-RU" sz="2800" b="1" dirty="0"/>
-              <a:t>Проблемы</a:t>
-            </a:r>
-          </a:p>
-        </p:txBody>
-      </p:sp>
-      <p:sp>
-        <p:nvSpPr>
-          <p:cNvPr id="3" name="TextBox 2">
-            <a:extLst>
-              <a:ext uri="{FF2B5EF4-FFF2-40B4-BE49-F238E27FC236}">
-                <a16:creationId xmlns:a16="http://schemas.microsoft.com/office/drawing/2014/main" id="{609434D7-2876-4C75-CFA5-4C9713D0D6A1}"/>
-              </a:ext>
-            </a:extLst>
-          </p:cNvPr>
-          <p:cNvSpPr txBox="1"/>
-          <p:nvPr/>
-        </p:nvSpPr>
-        <p:spPr>
-          <a:xfrm>
-            <a:off x="767408" y="1412776"/>
-            <a:ext cx="10801200" cy="2554545"/>
-          </a:xfrm>
-          <a:prstGeom prst="rect">
-            <a:avLst/>
-          </a:prstGeom>
-          <a:noFill/>
-        </p:spPr>
-        <p:txBody>
-          <a:bodyPr wrap="square" rtlCol="0">
-            <a:spAutoFit/>
-          </a:bodyPr>
-          <a:lstStyle/>
-          <a:p>
-            <a:pPr marL="285750" indent="-285750">
-              <a:buFont typeface="Arial" panose="020B0604020202020204" pitchFamily="34" charset="0"/>
-              <a:buChar char="•"/>
-            </a:pPr>
-            <a:r>
-              <a:rPr lang="ru-RU" sz="3200" dirty="0"/>
-              <a:t>Низкая </a:t>
-            </a:r>
-            <a:r>
-              <a:rPr lang="ru-RU" sz="3200"/>
-              <a:t>скорость расчетов</a:t>
-            </a:r>
-            <a:endParaRPr lang="ru-RU" sz="3200" dirty="0"/>
-          </a:p>
-          <a:p>
-            <a:pPr marL="285750" indent="-285750">
-              <a:buFont typeface="Arial" panose="020B0604020202020204" pitchFamily="34" charset="0"/>
-              <a:buChar char="•"/>
-            </a:pPr>
-            <a:r>
-              <a:rPr lang="ru-RU" sz="3200" dirty="0"/>
-              <a:t>Множество допущений</a:t>
-            </a:r>
-          </a:p>
-          <a:p>
-            <a:pPr marL="285750" indent="-285750">
-              <a:buFont typeface="Arial" panose="020B0604020202020204" pitchFamily="34" charset="0"/>
-              <a:buChar char="•"/>
-            </a:pPr>
-            <a:r>
-              <a:rPr lang="ru-RU" sz="3200" dirty="0"/>
-              <a:t>Необходима валидация</a:t>
-            </a:r>
-          </a:p>
-          <a:p>
-            <a:pPr marL="285750" indent="-285750">
-              <a:buFont typeface="Arial" panose="020B0604020202020204" pitchFamily="34" charset="0"/>
-              <a:buChar char="•"/>
-            </a:pPr>
-            <a:r>
-              <a:rPr lang="ru-RU" sz="3200" dirty="0"/>
-              <a:t>Необходимость выполнения условия Куранта</a:t>
-            </a:r>
-          </a:p>
-          <a:p>
-            <a:endParaRPr lang="ru-RU" sz="3200" dirty="0"/>
-          </a:p>
-        </p:txBody>
-      </p:sp>
-    </p:spTree>
-    <p:extLst>
-      <p:ext uri="{BB962C8B-B14F-4D97-AF65-F5344CB8AC3E}">
-        <p14:creationId xmlns:p14="http://schemas.microsoft.com/office/powerpoint/2010/main" val="2965008845"/>
-      </p:ext>
-    </p:extLst>
-  </p:cSld>
-  <p:clrMapOvr>
-    <a:masterClrMapping/>
-  </p:clrMapOvr>
-</p:sld>
-</file>
-
-<file path=ppt/slides/slide15.xml><?xml version="1.0" encoding="utf-8"?>
 <p:sld xmlns:a="http://schemas.openxmlformats.org/drawingml/2006/main" xmlns:r="http://schemas.openxmlformats.org/officeDocument/2006/relationships" xmlns:p="http://schemas.openxmlformats.org/presentationml/2006/main" showMasterPhAnim="0">
   <p:cSld>
     <p:bg>
@@ -4703,7 +4954,7 @@
           <p:nvPr/>
         </p:nvPicPr>
         <p:blipFill>
-          <a:blip r:embed="rId2"/>
+          <a:blip r:embed="rId3"/>
           <a:stretch/>
         </p:blipFill>
         <p:spPr bwMode="auto">
@@ -4725,7 +4976,7 @@
           <p:nvPr/>
         </p:nvPicPr>
         <p:blipFill>
-          <a:blip r:embed="rId3" cstate="print">
+          <a:blip r:embed="rId4" cstate="print">
             <a:extLst>
               <a:ext uri="{28A0092B-C50C-407E-A947-70E740481C1C}">
                 <a14:useLocalDpi xmlns:a14="http://schemas.microsoft.com/office/drawing/2010/main" val="0"/>
@@ -4881,7 +5132,24 @@
                 <a:ea typeface="Roboto" panose="02000000000000000000" pitchFamily="2" charset="0"/>
                 <a:cs typeface="Roboto" panose="02000000000000000000" pitchFamily="2" charset="0"/>
               </a:rPr>
-              <a:t> – реализация модели, позволяющей симулировать процесс удаления материала с заготовки.</a:t>
+              <a:t> – реализация упрощенно модели, позволяющей симулировать процесс удаления материала с заготовки</a:t>
+            </a:r>
+            <a:r>
+              <a:rPr lang="ru-RU" dirty="0">
+                <a:latin typeface="Roboto" panose="02000000000000000000" pitchFamily="2" charset="0"/>
+                <a:ea typeface="Roboto" panose="02000000000000000000" pitchFamily="2" charset="0"/>
+                <a:cs typeface="Roboto" panose="02000000000000000000" pitchFamily="2" charset="0"/>
+              </a:rPr>
+              <a:t> с учетом требований о работе симулятора в реальном времени</a:t>
+            </a:r>
+            <a:r>
+              <a:rPr lang="ru-RU" sz="1800" dirty="0">
+                <a:effectLst/>
+                <a:latin typeface="Roboto" panose="02000000000000000000" pitchFamily="2" charset="0"/>
+                <a:ea typeface="Roboto" panose="02000000000000000000" pitchFamily="2" charset="0"/>
+                <a:cs typeface="Roboto" panose="02000000000000000000" pitchFamily="2" charset="0"/>
+              </a:rPr>
+              <a:t>.</a:t>
             </a:r>
           </a:p>
         </p:txBody>
@@ -4900,6 +5168,285 @@
 </file>
 
 <file path=ppt/slides/slide3.xml><?xml version="1.0" encoding="utf-8"?>
+<p:sld xmlns:a="http://schemas.openxmlformats.org/drawingml/2006/main" xmlns:r="http://schemas.openxmlformats.org/officeDocument/2006/relationships" xmlns:p="http://schemas.openxmlformats.org/presentationml/2006/main">
+  <p:cSld>
+    <p:spTree>
+      <p:nvGrpSpPr>
+        <p:cNvPr id="1" name="">
+          <a:extLst>
+            <a:ext uri="{FF2B5EF4-FFF2-40B4-BE49-F238E27FC236}">
+              <a16:creationId xmlns:a16="http://schemas.microsoft.com/office/drawing/2014/main" id="{8019F47D-26DE-7E90-A1EA-D69A108F7595}"/>
+            </a:ext>
+          </a:extLst>
+        </p:cNvPr>
+        <p:cNvGrpSpPr/>
+        <p:nvPr/>
+      </p:nvGrpSpPr>
+      <p:grpSpPr>
+        <a:xfrm>
+          <a:off x="0" y="0"/>
+          <a:ext cx="0" cy="0"/>
+          <a:chOff x="0" y="0"/>
+          <a:chExt cx="0" cy="0"/>
+        </a:xfrm>
+      </p:grpSpPr>
+      <p:pic>
+        <p:nvPicPr>
+          <p:cNvPr id="4" name="Рисунок 3">
+            <a:extLst>
+              <a:ext uri="{FF2B5EF4-FFF2-40B4-BE49-F238E27FC236}">
+                <a16:creationId xmlns:a16="http://schemas.microsoft.com/office/drawing/2014/main" id="{CFF81908-FCAA-E89C-C018-CB66E92779AA}"/>
+              </a:ext>
+            </a:extLst>
+          </p:cNvPr>
+          <p:cNvPicPr>
+            <a:picLocks noChangeAspect="1"/>
+          </p:cNvPicPr>
+          <p:nvPr/>
+        </p:nvPicPr>
+        <p:blipFill>
+          <a:blip r:embed="rId3"/>
+          <a:stretch/>
+        </p:blipFill>
+        <p:spPr bwMode="auto">
+          <a:xfrm>
+            <a:off x="407369" y="332656"/>
+            <a:ext cx="2160240" cy="548939"/>
+          </a:xfrm>
+          <a:prstGeom prst="rect">
+            <a:avLst/>
+          </a:prstGeom>
+        </p:spPr>
+      </p:pic>
+      <p:pic>
+        <p:nvPicPr>
+          <p:cNvPr id="7" name="Рисунок 6">
+            <a:extLst>
+              <a:ext uri="{FF2B5EF4-FFF2-40B4-BE49-F238E27FC236}">
+                <a16:creationId xmlns:a16="http://schemas.microsoft.com/office/drawing/2014/main" id="{96A63B20-D10A-31BE-B74F-76866780D638}"/>
+              </a:ext>
+            </a:extLst>
+          </p:cNvPr>
+          <p:cNvPicPr>
+            <a:picLocks noChangeAspect="1"/>
+          </p:cNvPicPr>
+          <p:nvPr/>
+        </p:nvPicPr>
+        <p:blipFill>
+          <a:blip r:embed="rId4" cstate="print">
+            <a:extLst>
+              <a:ext uri="{28A0092B-C50C-407E-A947-70E740481C1C}">
+                <a14:useLocalDpi xmlns:a14="http://schemas.microsoft.com/office/drawing/2010/main" val="0"/>
+              </a:ext>
+            </a:extLst>
+          </a:blip>
+          <a:stretch>
+            <a:fillRect/>
+          </a:stretch>
+        </p:blipFill>
+        <p:spPr bwMode="auto">
+          <a:xfrm>
+            <a:off x="409978" y="318917"/>
+            <a:ext cx="2157631" cy="549893"/>
+          </a:xfrm>
+          <a:prstGeom prst="rect">
+            <a:avLst/>
+          </a:prstGeom>
+        </p:spPr>
+      </p:pic>
+      <p:sp>
+        <p:nvSpPr>
+          <p:cNvPr id="2" name="TextBox 1">
+            <a:extLst>
+              <a:ext uri="{FF2B5EF4-FFF2-40B4-BE49-F238E27FC236}">
+                <a16:creationId xmlns:a16="http://schemas.microsoft.com/office/drawing/2014/main" id="{E8AEBF90-FF88-EB48-4ECF-4817EBD40FCB}"/>
+              </a:ext>
+            </a:extLst>
+          </p:cNvPr>
+          <p:cNvSpPr txBox="1"/>
+          <p:nvPr/>
+        </p:nvSpPr>
+        <p:spPr>
+          <a:xfrm>
+            <a:off x="3431704" y="342580"/>
+            <a:ext cx="8136904" cy="523220"/>
+          </a:xfrm>
+          <a:prstGeom prst="rect">
+            <a:avLst/>
+          </a:prstGeom>
+          <a:noFill/>
+        </p:spPr>
+        <p:txBody>
+          <a:bodyPr wrap="square" rtlCol="0">
+            <a:spAutoFit/>
+          </a:bodyPr>
+          <a:lstStyle/>
+          <a:p>
+            <a:pPr algn="r"/>
+            <a:r>
+              <a:rPr lang="ru-RU" sz="2800" b="1" dirty="0"/>
+              <a:t>Задачи</a:t>
+            </a:r>
+          </a:p>
+        </p:txBody>
+      </p:sp>
+      <p:sp>
+        <p:nvSpPr>
+          <p:cNvPr id="5" name="TextBox 4">
+            <a:extLst>
+              <a:ext uri="{FF2B5EF4-FFF2-40B4-BE49-F238E27FC236}">
+                <a16:creationId xmlns:a16="http://schemas.microsoft.com/office/drawing/2014/main" id="{070BA704-0BFB-F371-E245-E0F863F61FBE}"/>
+              </a:ext>
+            </a:extLst>
+          </p:cNvPr>
+          <p:cNvSpPr txBox="1"/>
+          <p:nvPr/>
+        </p:nvSpPr>
+        <p:spPr>
+          <a:xfrm>
+            <a:off x="695400" y="1268760"/>
+            <a:ext cx="10873208" cy="2120068"/>
+          </a:xfrm>
+          <a:prstGeom prst="rect">
+            <a:avLst/>
+          </a:prstGeom>
+          <a:noFill/>
+        </p:spPr>
+        <p:txBody>
+          <a:bodyPr wrap="square">
+            <a:spAutoFit/>
+          </a:bodyPr>
+          <a:lstStyle/>
+          <a:p>
+            <a:pPr algn="just">
+              <a:lnSpc>
+                <a:spcPct val="150000"/>
+              </a:lnSpc>
+              <a:tabLst>
+                <a:tab pos="457200" algn="l"/>
+              </a:tabLst>
+            </a:pPr>
+            <a:r>
+              <a:rPr lang="ru-RU" sz="1800" dirty="0">
+                <a:effectLst/>
+                <a:latin typeface="Times New Roman" panose="02020603050405020304" pitchFamily="18" charset="0"/>
+                <a:ea typeface="Times New Roman" panose="02020603050405020304" pitchFamily="18" charset="0"/>
+              </a:rPr>
+              <a:t>Для достижения поставленной цели необходимо решить следующие </a:t>
+            </a:r>
+            <a:r>
+              <a:rPr lang="ru-RU" sz="1800" b="1" dirty="0">
+                <a:effectLst/>
+                <a:latin typeface="Times New Roman" panose="02020603050405020304" pitchFamily="18" charset="0"/>
+                <a:ea typeface="Times New Roman" panose="02020603050405020304" pitchFamily="18" charset="0"/>
+              </a:rPr>
+              <a:t>задачи</a:t>
+            </a:r>
+            <a:r>
+              <a:rPr lang="ru-RU" sz="1800" dirty="0">
+                <a:effectLst/>
+                <a:latin typeface="Times New Roman" panose="02020603050405020304" pitchFamily="18" charset="0"/>
+                <a:ea typeface="Times New Roman" panose="02020603050405020304" pitchFamily="18" charset="0"/>
+              </a:rPr>
+              <a:t>:</a:t>
+            </a:r>
+          </a:p>
+          <a:p>
+            <a:pPr marL="342900" lvl="0" indent="-342900" algn="just">
+              <a:lnSpc>
+                <a:spcPct val="150000"/>
+              </a:lnSpc>
+              <a:buFont typeface="Arial" panose="020B0604020202020204" pitchFamily="34" charset="0"/>
+              <a:buChar char="•"/>
+              <a:tabLst>
+                <a:tab pos="457200" algn="l"/>
+              </a:tabLst>
+            </a:pPr>
+            <a:r>
+              <a:rPr lang="ru-RU" sz="1800" dirty="0">
+                <a:effectLst/>
+                <a:latin typeface="Times New Roman" panose="02020603050405020304" pitchFamily="18" charset="0"/>
+                <a:ea typeface="Times New Roman" panose="02020603050405020304" pitchFamily="18" charset="0"/>
+              </a:rPr>
+              <a:t>Проанализировать существующие подходы к моделированию процесса электроэрозионной обработки;</a:t>
+            </a:r>
+          </a:p>
+          <a:p>
+            <a:pPr marL="342900" lvl="0" indent="-342900" algn="just">
+              <a:lnSpc>
+                <a:spcPct val="150000"/>
+              </a:lnSpc>
+              <a:buFont typeface="Arial" panose="020B0604020202020204" pitchFamily="34" charset="0"/>
+              <a:buChar char="•"/>
+              <a:tabLst>
+                <a:tab pos="457200" algn="l"/>
+              </a:tabLst>
+            </a:pPr>
+            <a:r>
+              <a:rPr lang="ru-RU" sz="1800" dirty="0">
+                <a:effectLst/>
+                <a:latin typeface="Times New Roman" panose="02020603050405020304" pitchFamily="18" charset="0"/>
+                <a:ea typeface="Times New Roman" panose="02020603050405020304" pitchFamily="18" charset="0"/>
+              </a:rPr>
+              <a:t>Разработать математическую модель процесса электроэрозионного прошивания микроотверстий;</a:t>
+            </a:r>
+          </a:p>
+          <a:p>
+            <a:pPr marL="342900" lvl="0" indent="-342900" algn="just">
+              <a:lnSpc>
+                <a:spcPct val="150000"/>
+              </a:lnSpc>
+              <a:buFont typeface="Arial" panose="020B0604020202020204" pitchFamily="34" charset="0"/>
+              <a:buChar char="•"/>
+              <a:tabLst>
+                <a:tab pos="457200" algn="l"/>
+              </a:tabLst>
+            </a:pPr>
+            <a:r>
+              <a:rPr lang="ru-RU" sz="1800" dirty="0">
+                <a:effectLst/>
+                <a:latin typeface="Times New Roman" panose="02020603050405020304" pitchFamily="18" charset="0"/>
+                <a:ea typeface="Times New Roman" panose="02020603050405020304" pitchFamily="18" charset="0"/>
+              </a:rPr>
+              <a:t>Создать программное обеспечение для реализации разработанной модели;</a:t>
+            </a:r>
+          </a:p>
+          <a:p>
+            <a:pPr marL="342900" lvl="0" indent="-342900" algn="just">
+              <a:lnSpc>
+                <a:spcPct val="150000"/>
+              </a:lnSpc>
+              <a:buFont typeface="Arial" panose="020B0604020202020204" pitchFamily="34" charset="0"/>
+              <a:buChar char="•"/>
+              <a:tabLst>
+                <a:tab pos="457200" algn="l"/>
+              </a:tabLst>
+            </a:pPr>
+            <a:r>
+              <a:rPr lang="ru-RU" sz="1800" dirty="0">
+                <a:effectLst/>
+                <a:latin typeface="Times New Roman" panose="02020603050405020304" pitchFamily="18" charset="0"/>
+                <a:ea typeface="Times New Roman" panose="02020603050405020304" pitchFamily="18" charset="0"/>
+              </a:rPr>
+              <a:t>Провести экспериментальные исследования для проверки адекватности модели.</a:t>
+            </a:r>
+          </a:p>
+        </p:txBody>
+      </p:sp>
+    </p:spTree>
+    <p:extLst>
+      <p:ext uri="{BB962C8B-B14F-4D97-AF65-F5344CB8AC3E}">
+        <p14:creationId xmlns:p14="http://schemas.microsoft.com/office/powerpoint/2010/main" val="3438969555"/>
+      </p:ext>
+    </p:extLst>
+  </p:cSld>
+  <p:clrMapOvr>
+    <a:masterClrMapping/>
+  </p:clrMapOvr>
+</p:sld>
+</file>
+
+<file path=ppt/slides/slide4.xml><?xml version="1.0" encoding="utf-8"?>
 <p:sld xmlns:a="http://schemas.openxmlformats.org/drawingml/2006/main" xmlns:r="http://schemas.openxmlformats.org/officeDocument/2006/relationships" xmlns:p="http://schemas.openxmlformats.org/presentationml/2006/main">
   <p:cSld>
     <p:spTree>
@@ -4937,7 +5484,7 @@
           <p:nvPr/>
         </p:nvPicPr>
         <p:blipFill>
-          <a:blip r:embed="rId2"/>
+          <a:blip r:embed="rId3"/>
           <a:stretch/>
         </p:blipFill>
         <p:spPr bwMode="auto">
@@ -4965,7 +5512,7 @@
           <p:nvPr/>
         </p:nvPicPr>
         <p:blipFill>
-          <a:blip r:embed="rId3" cstate="print">
+          <a:blip r:embed="rId4" cstate="print">
             <a:extLst>
               <a:ext uri="{28A0092B-C50C-407E-A947-70E740481C1C}">
                 <a14:useLocalDpi xmlns:a14="http://schemas.microsoft.com/office/drawing/2010/main" val="0"/>
@@ -5022,75 +5569,35 @@
           </a:p>
         </p:txBody>
       </p:sp>
-      <p:sp>
-        <p:nvSpPr>
-          <p:cNvPr id="5" name="TextBox 4">
+      <p:pic>
+        <p:nvPicPr>
+          <p:cNvPr id="6" name="Рисунок 5">
             <a:extLst>
               <a:ext uri="{FF2B5EF4-FFF2-40B4-BE49-F238E27FC236}">
-                <a16:creationId xmlns:a16="http://schemas.microsoft.com/office/drawing/2014/main" id="{892FBCE3-F18D-0178-EF10-30DDEFD2EF4D}"/>
+                <a16:creationId xmlns:a16="http://schemas.microsoft.com/office/drawing/2014/main" id="{1D9D5314-1911-8ED6-5738-71A5AC421803}"/>
               </a:ext>
             </a:extLst>
           </p:cNvPr>
-          <p:cNvSpPr txBox="1"/>
+          <p:cNvPicPr>
+            <a:picLocks noChangeAspect="1"/>
+          </p:cNvPicPr>
           <p:nvPr/>
-        </p:nvSpPr>
+        </p:nvPicPr>
+        <p:blipFill>
+          <a:blip r:embed="rId5"/>
+          <a:srcRect l="12342" t="20636" b="7955"/>
+          <a:stretch/>
+        </p:blipFill>
         <p:spPr>
           <a:xfrm>
-            <a:off x="695400" y="1268760"/>
-            <a:ext cx="10873208" cy="2535566"/>
+            <a:off x="3539716" y="962169"/>
+            <a:ext cx="5112568" cy="5553251"/>
           </a:xfrm>
           <a:prstGeom prst="rect">
             <a:avLst/>
           </a:prstGeom>
-          <a:noFill/>
         </p:spPr>
-        <p:txBody>
-          <a:bodyPr wrap="square">
-            <a:spAutoFit/>
-          </a:bodyPr>
-          <a:lstStyle/>
-          <a:p>
-            <a:pPr indent="450215" algn="just">
-              <a:lnSpc>
-                <a:spcPct val="150000"/>
-              </a:lnSpc>
-            </a:pPr>
-            <a:r>
-              <a:rPr lang="ru-RU" sz="1800" dirty="0">
-                <a:effectLst/>
-                <a:latin typeface="Roboto" panose="02000000000000000000" pitchFamily="2" charset="0"/>
-                <a:ea typeface="Roboto" panose="02000000000000000000" pitchFamily="2" charset="0"/>
-                <a:cs typeface="Roboto" panose="02000000000000000000" pitchFamily="2" charset="0"/>
-              </a:rPr>
-              <a:t>Электроэрозионная обработка является одним из эффективных методов обработки труднообрабатываемых материалов. Особенность данного метода заключается в способности резать твердый материал без физического контакта между инструментом и заготовкой, где удаление материала происходит за счет искровой эрозии.</a:t>
-            </a:r>
-          </a:p>
-          <a:p>
-            <a:pPr indent="450215" algn="just">
-              <a:lnSpc>
-                <a:spcPct val="150000"/>
-              </a:lnSpc>
-            </a:pPr>
-            <a:r>
-              <a:rPr lang="ru-RU" sz="1800" dirty="0">
-                <a:effectLst/>
-                <a:latin typeface="Roboto" panose="02000000000000000000" pitchFamily="2" charset="0"/>
-                <a:ea typeface="Roboto" panose="02000000000000000000" pitchFamily="2" charset="0"/>
-                <a:cs typeface="Roboto" panose="02000000000000000000" pitchFamily="2" charset="0"/>
-              </a:rPr>
-              <a:t>Одной из основных проблем при создании симулятора электроэрозионного станка является симуляция процесса электрической эрозии, то есть удаления материала</a:t>
-            </a:r>
-            <a:r>
-              <a:rPr lang="ru-RU" sz="1800" dirty="0">
-                <a:effectLst/>
-                <a:latin typeface="Times New Roman" panose="02020603050405020304" pitchFamily="18" charset="0"/>
-                <a:ea typeface="Times New Roman" panose="02020603050405020304" pitchFamily="18" charset="0"/>
-              </a:rPr>
-              <a:t>.</a:t>
-            </a:r>
-          </a:p>
-        </p:txBody>
-      </p:sp>
+      </p:pic>
     </p:spTree>
     <p:extLst>
       <p:ext uri="{BB962C8B-B14F-4D97-AF65-F5344CB8AC3E}">
@@ -5104,7 +5611,7 @@
 </p:sld>
 </file>
 
-<file path=ppt/slides/slide4.xml><?xml version="1.0" encoding="utf-8"?>
+<file path=ppt/slides/slide5.xml><?xml version="1.0" encoding="utf-8"?>
 <p:sld xmlns:a="http://schemas.openxmlformats.org/drawingml/2006/main" xmlns:r="http://schemas.openxmlformats.org/officeDocument/2006/relationships" xmlns:p="http://schemas.openxmlformats.org/presentationml/2006/main">
   <p:cSld>
     <p:spTree>
@@ -5142,7 +5649,7 @@
           <p:nvPr/>
         </p:nvPicPr>
         <p:blipFill>
-          <a:blip r:embed="rId2"/>
+          <a:blip r:embed="rId3"/>
           <a:stretch/>
         </p:blipFill>
         <p:spPr bwMode="auto">
@@ -5170,7 +5677,7 @@
           <p:nvPr/>
         </p:nvPicPr>
         <p:blipFill>
-          <a:blip r:embed="rId3" cstate="print">
+          <a:blip r:embed="rId4" cstate="print">
             <a:extLst>
               <a:ext uri="{28A0092B-C50C-407E-A947-70E740481C1C}">
                 <a14:useLocalDpi xmlns:a14="http://schemas.microsoft.com/office/drawing/2010/main" val="0"/>
@@ -5222,156 +5729,1178 @@
             <a:pPr algn="r"/>
             <a:r>
               <a:rPr lang="ru-RU" sz="2800" b="1" dirty="0"/>
-              <a:t>Методы моделирования процесса эрозии</a:t>
-            </a:r>
-          </a:p>
-        </p:txBody>
-      </p:sp>
-      <p:sp>
-        <p:nvSpPr>
-          <p:cNvPr id="5" name="TextBox 4">
-            <a:extLst>
-              <a:ext uri="{FF2B5EF4-FFF2-40B4-BE49-F238E27FC236}">
-                <a16:creationId xmlns:a16="http://schemas.microsoft.com/office/drawing/2014/main" id="{A2AD46FD-F1DC-81FA-F7BE-62F551F21FBB}"/>
-              </a:ext>
-            </a:extLst>
-          </p:cNvPr>
-          <p:cNvSpPr txBox="1"/>
-          <p:nvPr/>
-        </p:nvSpPr>
-        <p:spPr>
-          <a:xfrm>
-            <a:off x="695400" y="1268760"/>
-            <a:ext cx="10873208" cy="5032147"/>
-          </a:xfrm>
-          <a:prstGeom prst="rect">
-            <a:avLst/>
-          </a:prstGeom>
-          <a:noFill/>
-        </p:spPr>
-        <p:txBody>
-          <a:bodyPr wrap="square">
-            <a:spAutoFit/>
-          </a:bodyPr>
-          <a:lstStyle/>
-          <a:p>
-            <a:pPr lvl="0" algn="just">
-              <a:lnSpc>
-                <a:spcPct val="150000"/>
-              </a:lnSpc>
-              <a:buSzPts val="1000"/>
-              <a:tabLst>
-                <a:tab pos="457200" algn="l"/>
-              </a:tabLst>
-            </a:pPr>
-            <a:r>
-              <a:rPr lang="ru-RU" sz="1800" b="1" dirty="0">
-                <a:effectLst/>
-                <a:latin typeface="Roboto" panose="02000000000000000000" pitchFamily="2" charset="0"/>
-                <a:ea typeface="Roboto" panose="02000000000000000000" pitchFamily="2" charset="0"/>
-                <a:cs typeface="Roboto" panose="02000000000000000000" pitchFamily="2" charset="0"/>
-              </a:rPr>
-              <a:t>	Аналитические модели</a:t>
-            </a:r>
-            <a:r>
-              <a:rPr lang="ru-RU" sz="1800" dirty="0">
-                <a:effectLst/>
-                <a:latin typeface="Roboto" panose="02000000000000000000" pitchFamily="2" charset="0"/>
-                <a:ea typeface="Roboto" panose="02000000000000000000" pitchFamily="2" charset="0"/>
-                <a:cs typeface="Roboto" panose="02000000000000000000" pitchFamily="2" charset="0"/>
-              </a:rPr>
-              <a:t> основаны на физических законах и уравнениях, описывающих процессы нагрева, плавления и испарения материала. Например, модели, учитывающие распределение тепла в зоне разряда, помогают предсказать глубину и форму эрозионной лунки.</a:t>
-            </a:r>
-          </a:p>
-          <a:p>
-            <a:pPr lvl="0" algn="just">
-              <a:lnSpc>
-                <a:spcPct val="150000"/>
-              </a:lnSpc>
-              <a:buSzPts val="1000"/>
-              <a:tabLst>
-                <a:tab pos="457200" algn="l"/>
-              </a:tabLst>
-            </a:pPr>
-            <a:r>
-              <a:rPr lang="ru-RU" sz="1800" b="1" dirty="0">
-                <a:effectLst/>
-                <a:latin typeface="Roboto" panose="02000000000000000000" pitchFamily="2" charset="0"/>
-                <a:ea typeface="Roboto" panose="02000000000000000000" pitchFamily="2" charset="0"/>
-                <a:cs typeface="Roboto" panose="02000000000000000000" pitchFamily="2" charset="0"/>
-              </a:rPr>
-              <a:t>	Эмпирические модели</a:t>
-            </a:r>
-            <a:r>
-              <a:rPr lang="ru-RU" sz="1800" dirty="0">
-                <a:effectLst/>
-                <a:latin typeface="Roboto" panose="02000000000000000000" pitchFamily="2" charset="0"/>
-                <a:ea typeface="Roboto" panose="02000000000000000000" pitchFamily="2" charset="0"/>
-                <a:cs typeface="Roboto" panose="02000000000000000000" pitchFamily="2" charset="0"/>
-              </a:rPr>
-              <a:t> используют экспериментальные данные для построения зависимостей между параметрами обработки и результатами. Они часто применяются для оптимизации режимов обработки, таких как длительность импульсов и частота разрядов.</a:t>
-            </a:r>
-          </a:p>
-          <a:p>
-            <a:pPr lvl="0" algn="just">
-              <a:lnSpc>
-                <a:spcPct val="150000"/>
-              </a:lnSpc>
-              <a:buSzPts val="1000"/>
-              <a:tabLst>
-                <a:tab pos="457200" algn="l"/>
-              </a:tabLst>
-            </a:pPr>
-            <a:r>
-              <a:rPr lang="ru-RU" sz="1800" b="1" dirty="0">
-                <a:effectLst/>
-                <a:latin typeface="Roboto" panose="02000000000000000000" pitchFamily="2" charset="0"/>
-                <a:ea typeface="Roboto" panose="02000000000000000000" pitchFamily="2" charset="0"/>
-                <a:cs typeface="Roboto" panose="02000000000000000000" pitchFamily="2" charset="0"/>
-              </a:rPr>
-              <a:t>	Численные методы</a:t>
-            </a:r>
-            <a:r>
-              <a:rPr lang="ru-RU" sz="1800" dirty="0">
-                <a:effectLst/>
-                <a:latin typeface="Roboto" panose="02000000000000000000" pitchFamily="2" charset="0"/>
-                <a:ea typeface="Roboto" panose="02000000000000000000" pitchFamily="2" charset="0"/>
-                <a:cs typeface="Roboto" panose="02000000000000000000" pitchFamily="2" charset="0"/>
-              </a:rPr>
-              <a:t>, такие как метод конечных элементов, позволяют детально моделировать процессы ЭЭО, включая распределение температуры, образование кратеров и динамику плазмы. Эти методы особенно полезны для анализа сложных геометрий и многократных разрядов.</a:t>
-            </a:r>
-          </a:p>
-          <a:p>
-            <a:pPr lvl="0" algn="just">
-              <a:lnSpc>
-                <a:spcPct val="150000"/>
-              </a:lnSpc>
-              <a:buSzPts val="1000"/>
-              <a:tabLst>
-                <a:tab pos="457200" algn="l"/>
-              </a:tabLst>
-            </a:pPr>
-            <a:r>
-              <a:rPr lang="ru-RU" sz="1800" b="1" dirty="0">
-                <a:effectLst/>
-                <a:latin typeface="Roboto" panose="02000000000000000000" pitchFamily="2" charset="0"/>
-                <a:ea typeface="Roboto" panose="02000000000000000000" pitchFamily="2" charset="0"/>
-                <a:cs typeface="Roboto" panose="02000000000000000000" pitchFamily="2" charset="0"/>
-              </a:rPr>
-              <a:t>	Смешанные методы, </a:t>
-            </a:r>
-            <a:r>
-              <a:rPr lang="ru-RU" sz="1800" dirty="0">
-                <a:effectLst/>
-                <a:latin typeface="Roboto" panose="02000000000000000000" pitchFamily="2" charset="0"/>
-                <a:ea typeface="Roboto" panose="02000000000000000000" pitchFamily="2" charset="0"/>
-                <a:cs typeface="Roboto" panose="02000000000000000000" pitchFamily="2" charset="0"/>
-              </a:rPr>
-              <a:t>используют комбинацию перечисленных выше методов для повышения точности симуляции.</a:t>
-            </a:r>
-          </a:p>
-        </p:txBody>
-      </p:sp>
+              <a:t>Метод моделирования процесса эрозии</a:t>
+            </a:r>
+          </a:p>
+        </p:txBody>
+      </p:sp>
+      <mc:AlternateContent xmlns:mc="http://schemas.openxmlformats.org/markup-compatibility/2006">
+        <mc:Choice xmlns:a14="http://schemas.microsoft.com/office/drawing/2010/main" Requires="a14">
+          <p:sp>
+            <p:nvSpPr>
+              <p:cNvPr id="5" name="TextBox 4">
+                <a:extLst>
+                  <a:ext uri="{FF2B5EF4-FFF2-40B4-BE49-F238E27FC236}">
+                    <a16:creationId xmlns:a16="http://schemas.microsoft.com/office/drawing/2014/main" id="{A2AD46FD-F1DC-81FA-F7BE-62F551F21FBB}"/>
+                  </a:ext>
+                </a:extLst>
+              </p:cNvPr>
+              <p:cNvSpPr txBox="1"/>
+              <p:nvPr/>
+            </p:nvSpPr>
+            <p:spPr>
+              <a:xfrm>
+                <a:off x="695400" y="1268760"/>
+                <a:ext cx="10873208" cy="5931560"/>
+              </a:xfrm>
+              <a:prstGeom prst="rect">
+                <a:avLst/>
+              </a:prstGeom>
+              <a:noFill/>
+            </p:spPr>
+            <p:txBody>
+              <a:bodyPr wrap="square">
+                <a:spAutoFit/>
+              </a:bodyPr>
+              <a:lstStyle/>
+              <a:p>
+                <a:pPr indent="450215" algn="just">
+                  <a:lnSpc>
+                    <a:spcPct val="150000"/>
+                  </a:lnSpc>
+                  <a:buNone/>
+                </a:pPr>
+                <a:r>
+                  <a:rPr lang="ru-RU" sz="1200" dirty="0">
+                    <a:effectLst/>
+                    <a:latin typeface="Times New Roman" panose="02020603050405020304" pitchFamily="18" charset="0"/>
+                    <a:ea typeface="Times New Roman" panose="02020603050405020304" pitchFamily="18" charset="0"/>
+                  </a:rPr>
+                  <a:t>Объем материала (ΔV), удаляемого за один импульс, рассчитывается по формуле, связывающей энергию, пошедшую на удаление, с теплофизическими свойствами материала и энергией, необходимой для его нагрева, плавления и испарения:</a:t>
+                </a:r>
+              </a:p>
+              <a:p>
+                <a:pPr indent="450215" algn="ctr">
+                  <a:lnSpc>
+                    <a:spcPct val="150000"/>
+                  </a:lnSpc>
+                  <a:buNone/>
+                </a:pPr>
+                <a14:m>
+                  <m:oMath xmlns:m="http://schemas.openxmlformats.org/officeDocument/2006/math">
+                    <m:r>
+                      <m:rPr>
+                        <m:sty m:val="p"/>
+                      </m:rPr>
+                      <a:rPr lang="ru-RU" sz="1800">
+                        <a:effectLst/>
+                        <a:latin typeface="Cambria Math" panose="02040503050406030204" pitchFamily="18" charset="0"/>
+                        <a:ea typeface="Times New Roman" panose="02020603050405020304" pitchFamily="18" charset="0"/>
+                      </a:rPr>
+                      <m:t>Δ</m:t>
+                    </m:r>
+                    <m:r>
+                      <a:rPr lang="ru-RU" sz="1800" i="1">
+                        <a:effectLst/>
+                        <a:latin typeface="Cambria Math" panose="02040503050406030204" pitchFamily="18" charset="0"/>
+                        <a:ea typeface="Times New Roman" panose="02020603050405020304" pitchFamily="18" charset="0"/>
+                      </a:rPr>
+                      <m:t>𝑉</m:t>
+                    </m:r>
+                    <m:r>
+                      <a:rPr lang="ru-RU" sz="1800" i="1">
+                        <a:effectLst/>
+                        <a:latin typeface="Cambria Math" panose="02040503050406030204" pitchFamily="18" charset="0"/>
+                        <a:ea typeface="Times New Roman" panose="02020603050405020304" pitchFamily="18" charset="0"/>
+                      </a:rPr>
+                      <m:t>=</m:t>
+                    </m:r>
+                    <m:f>
+                      <m:fPr>
+                        <m:ctrlPr>
+                          <a:rPr lang="ru-RU" sz="1800" i="1">
+                            <a:effectLst/>
+                            <a:latin typeface="Cambria Math" panose="02040503050406030204" pitchFamily="18" charset="0"/>
+                            <a:ea typeface="Times New Roman" panose="02020603050405020304" pitchFamily="18" charset="0"/>
+                          </a:rPr>
+                        </m:ctrlPr>
+                      </m:fPr>
+                      <m:num>
+                        <m:sSub>
+                          <m:sSubPr>
+                            <m:ctrlPr>
+                              <a:rPr lang="ru-RU" sz="1800" i="1">
+                                <a:effectLst/>
+                                <a:latin typeface="Cambria Math" panose="02040503050406030204" pitchFamily="18" charset="0"/>
+                                <a:ea typeface="Times New Roman" panose="02020603050405020304" pitchFamily="18" charset="0"/>
+                              </a:rPr>
+                            </m:ctrlPr>
+                          </m:sSubPr>
+                          <m:e>
+                            <m:r>
+                              <a:rPr lang="ru-RU" sz="1800" i="1">
+                                <a:effectLst/>
+                                <a:latin typeface="Cambria Math" panose="02040503050406030204" pitchFamily="18" charset="0"/>
+                                <a:ea typeface="Times New Roman" panose="02020603050405020304" pitchFamily="18" charset="0"/>
+                              </a:rPr>
+                              <m:t>𝐸</m:t>
+                            </m:r>
+                          </m:e>
+                          <m:sub>
+                            <m:r>
+                              <a:rPr lang="ru-RU" sz="1800" i="1">
+                                <a:effectLst/>
+                                <a:latin typeface="Cambria Math" panose="02040503050406030204" pitchFamily="18" charset="0"/>
+                                <a:ea typeface="Times New Roman" panose="02020603050405020304" pitchFamily="18" charset="0"/>
+                              </a:rPr>
+                              <m:t>𝑟𝑒𝑚</m:t>
+                            </m:r>
+                          </m:sub>
+                        </m:sSub>
+                      </m:num>
+                      <m:den>
+                        <m:r>
+                          <m:rPr>
+                            <m:sty m:val="p"/>
+                          </m:rPr>
+                          <a:rPr lang="ru-RU" sz="1800">
+                            <a:effectLst/>
+                            <a:latin typeface="Cambria Math" panose="02040503050406030204" pitchFamily="18" charset="0"/>
+                            <a:ea typeface="Times New Roman" panose="02020603050405020304" pitchFamily="18" charset="0"/>
+                          </a:rPr>
+                          <m:t>ρ</m:t>
+                        </m:r>
+                        <m:r>
+                          <a:rPr lang="ru-RU" sz="1800">
+                            <a:effectLst/>
+                            <a:latin typeface="Cambria Math" panose="02040503050406030204" pitchFamily="18" charset="0"/>
+                            <a:ea typeface="Times New Roman" panose="02020603050405020304" pitchFamily="18" charset="0"/>
+                          </a:rPr>
+                          <m:t>⋅</m:t>
+                        </m:r>
+                        <m:d>
+                          <m:dPr>
+                            <m:ctrlPr>
+                              <a:rPr lang="ru-RU" sz="1800" i="1">
+                                <a:effectLst/>
+                                <a:latin typeface="Cambria Math" panose="02040503050406030204" pitchFamily="18" charset="0"/>
+                                <a:ea typeface="Times New Roman" panose="02020603050405020304" pitchFamily="18" charset="0"/>
+                              </a:rPr>
+                            </m:ctrlPr>
+                          </m:dPr>
+                          <m:e>
+                            <m:r>
+                              <m:rPr>
+                                <m:sty m:val="p"/>
+                              </m:rPr>
+                              <a:rPr lang="ru-RU" sz="1800">
+                                <a:effectLst/>
+                                <a:latin typeface="Cambria Math" panose="02040503050406030204" pitchFamily="18" charset="0"/>
+                                <a:ea typeface="Times New Roman" panose="02020603050405020304" pitchFamily="18" charset="0"/>
+                              </a:rPr>
+                              <m:t>α</m:t>
+                            </m:r>
+                            <m:r>
+                              <a:rPr lang="ru-RU" sz="1800">
+                                <a:effectLst/>
+                                <a:latin typeface="Cambria Math" panose="02040503050406030204" pitchFamily="18" charset="0"/>
+                                <a:ea typeface="Times New Roman" panose="02020603050405020304" pitchFamily="18" charset="0"/>
+                              </a:rPr>
+                              <m:t>⋅</m:t>
+                            </m:r>
+                            <m:sSub>
+                              <m:sSubPr>
+                                <m:ctrlPr>
+                                  <a:rPr lang="ru-RU" sz="1800" i="1">
+                                    <a:effectLst/>
+                                    <a:latin typeface="Cambria Math" panose="02040503050406030204" pitchFamily="18" charset="0"/>
+                                    <a:ea typeface="Times New Roman" panose="02020603050405020304" pitchFamily="18" charset="0"/>
+                                  </a:rPr>
+                                </m:ctrlPr>
+                              </m:sSubPr>
+                              <m:e>
+                                <m:r>
+                                  <a:rPr lang="ru-RU" sz="1800" i="1">
+                                    <a:effectLst/>
+                                    <a:latin typeface="Cambria Math" panose="02040503050406030204" pitchFamily="18" charset="0"/>
+                                    <a:ea typeface="Times New Roman" panose="02020603050405020304" pitchFamily="18" charset="0"/>
+                                  </a:rPr>
+                                  <m:t>𝑟</m:t>
+                                </m:r>
+                              </m:e>
+                              <m:sub>
+                                <m:r>
+                                  <a:rPr lang="ru-RU" sz="1800" i="1">
+                                    <a:effectLst/>
+                                    <a:latin typeface="Cambria Math" panose="02040503050406030204" pitchFamily="18" charset="0"/>
+                                    <a:ea typeface="Times New Roman" panose="02020603050405020304" pitchFamily="18" charset="0"/>
+                                  </a:rPr>
+                                  <m:t>𝑣</m:t>
+                                </m:r>
+                              </m:sub>
+                            </m:sSub>
+                            <m:r>
+                              <a:rPr lang="ru-RU" sz="1800" i="1">
+                                <a:effectLst/>
+                                <a:latin typeface="Cambria Math" panose="02040503050406030204" pitchFamily="18" charset="0"/>
+                                <a:ea typeface="Times New Roman" panose="02020603050405020304" pitchFamily="18" charset="0"/>
+                              </a:rPr>
+                              <m:t>+</m:t>
+                            </m:r>
+                            <m:sSub>
+                              <m:sSubPr>
+                                <m:ctrlPr>
+                                  <a:rPr lang="ru-RU" sz="1800" i="1">
+                                    <a:effectLst/>
+                                    <a:latin typeface="Cambria Math" panose="02040503050406030204" pitchFamily="18" charset="0"/>
+                                    <a:ea typeface="Times New Roman" panose="02020603050405020304" pitchFamily="18" charset="0"/>
+                                  </a:rPr>
+                                </m:ctrlPr>
+                              </m:sSubPr>
+                              <m:e>
+                                <m:r>
+                                  <a:rPr lang="ru-RU" sz="1800" i="1">
+                                    <a:effectLst/>
+                                    <a:latin typeface="Cambria Math" panose="02040503050406030204" pitchFamily="18" charset="0"/>
+                                    <a:ea typeface="Times New Roman" panose="02020603050405020304" pitchFamily="18" charset="0"/>
+                                  </a:rPr>
+                                  <m:t>𝐿</m:t>
+                                </m:r>
+                              </m:e>
+                              <m:sub>
+                                <m:r>
+                                  <a:rPr lang="ru-RU" sz="1800" i="1">
+                                    <a:effectLst/>
+                                    <a:latin typeface="Cambria Math" panose="02040503050406030204" pitchFamily="18" charset="0"/>
+                                    <a:ea typeface="Times New Roman" panose="02020603050405020304" pitchFamily="18" charset="0"/>
+                                  </a:rPr>
+                                  <m:t>𝑚</m:t>
+                                </m:r>
+                              </m:sub>
+                            </m:sSub>
+                            <m:r>
+                              <a:rPr lang="ru-RU" sz="1800" i="1">
+                                <a:effectLst/>
+                                <a:latin typeface="Cambria Math" panose="02040503050406030204" pitchFamily="18" charset="0"/>
+                                <a:ea typeface="Times New Roman" panose="02020603050405020304" pitchFamily="18" charset="0"/>
+                              </a:rPr>
+                              <m:t>+</m:t>
+                            </m:r>
+                            <m:r>
+                              <m:rPr>
+                                <m:sty m:val="p"/>
+                              </m:rPr>
+                              <a:rPr lang="ru-RU" sz="1800">
+                                <a:effectLst/>
+                                <a:latin typeface="Cambria Math" panose="02040503050406030204" pitchFamily="18" charset="0"/>
+                                <a:ea typeface="Times New Roman" panose="02020603050405020304" pitchFamily="18" charset="0"/>
+                              </a:rPr>
+                              <m:t>α</m:t>
+                            </m:r>
+                            <m:r>
+                              <a:rPr lang="ru-RU" sz="1800">
+                                <a:effectLst/>
+                                <a:latin typeface="Cambria Math" panose="02040503050406030204" pitchFamily="18" charset="0"/>
+                                <a:ea typeface="Times New Roman" panose="02020603050405020304" pitchFamily="18" charset="0"/>
+                              </a:rPr>
+                              <m:t>⋅</m:t>
+                            </m:r>
+                            <m:r>
+                              <a:rPr lang="ru-RU" sz="1800" i="1">
+                                <a:effectLst/>
+                                <a:latin typeface="Cambria Math" panose="02040503050406030204" pitchFamily="18" charset="0"/>
+                                <a:ea typeface="Times New Roman" panose="02020603050405020304" pitchFamily="18" charset="0"/>
+                              </a:rPr>
+                              <m:t>𝐶</m:t>
+                            </m:r>
+                            <m:r>
+                              <a:rPr lang="ru-RU" sz="1800">
+                                <a:effectLst/>
+                                <a:latin typeface="Cambria Math" panose="02040503050406030204" pitchFamily="18" charset="0"/>
+                                <a:ea typeface="Times New Roman" panose="02020603050405020304" pitchFamily="18" charset="0"/>
+                              </a:rPr>
+                              <m:t>⋅</m:t>
+                            </m:r>
+                            <m:d>
+                              <m:dPr>
+                                <m:ctrlPr>
+                                  <a:rPr lang="ru-RU" sz="1800" i="1">
+                                    <a:effectLst/>
+                                    <a:latin typeface="Cambria Math" panose="02040503050406030204" pitchFamily="18" charset="0"/>
+                                    <a:ea typeface="Times New Roman" panose="02020603050405020304" pitchFamily="18" charset="0"/>
+                                  </a:rPr>
+                                </m:ctrlPr>
+                              </m:dPr>
+                              <m:e>
+                                <m:sSub>
+                                  <m:sSubPr>
+                                    <m:ctrlPr>
+                                      <a:rPr lang="ru-RU" sz="1800" i="1">
+                                        <a:effectLst/>
+                                        <a:latin typeface="Cambria Math" panose="02040503050406030204" pitchFamily="18" charset="0"/>
+                                        <a:ea typeface="Times New Roman" panose="02020603050405020304" pitchFamily="18" charset="0"/>
+                                      </a:rPr>
+                                    </m:ctrlPr>
+                                  </m:sSubPr>
+                                  <m:e>
+                                    <m:r>
+                                      <a:rPr lang="ru-RU" sz="1800" i="1">
+                                        <a:effectLst/>
+                                        <a:latin typeface="Cambria Math" panose="02040503050406030204" pitchFamily="18" charset="0"/>
+                                        <a:ea typeface="Times New Roman" panose="02020603050405020304" pitchFamily="18" charset="0"/>
+                                      </a:rPr>
+                                      <m:t>𝑇</m:t>
+                                    </m:r>
+                                  </m:e>
+                                  <m:sub>
+                                    <m:r>
+                                      <a:rPr lang="ru-RU" sz="1800" i="1">
+                                        <a:effectLst/>
+                                        <a:latin typeface="Cambria Math" panose="02040503050406030204" pitchFamily="18" charset="0"/>
+                                        <a:ea typeface="Times New Roman" panose="02020603050405020304" pitchFamily="18" charset="0"/>
+                                      </a:rPr>
+                                      <m:t>𝑏</m:t>
+                                    </m:r>
+                                  </m:sub>
+                                </m:sSub>
+                                <m:r>
+                                  <a:rPr lang="ru-RU" sz="1800" i="1">
+                                    <a:effectLst/>
+                                    <a:latin typeface="Cambria Math" panose="02040503050406030204" pitchFamily="18" charset="0"/>
+                                    <a:ea typeface="Times New Roman" panose="02020603050405020304" pitchFamily="18" charset="0"/>
+                                  </a:rPr>
+                                  <m:t>−</m:t>
+                                </m:r>
+                                <m:sSub>
+                                  <m:sSubPr>
+                                    <m:ctrlPr>
+                                      <a:rPr lang="ru-RU" sz="1800" i="1">
+                                        <a:effectLst/>
+                                        <a:latin typeface="Cambria Math" panose="02040503050406030204" pitchFamily="18" charset="0"/>
+                                        <a:ea typeface="Times New Roman" panose="02020603050405020304" pitchFamily="18" charset="0"/>
+                                      </a:rPr>
+                                    </m:ctrlPr>
+                                  </m:sSubPr>
+                                  <m:e>
+                                    <m:r>
+                                      <a:rPr lang="ru-RU" sz="1800" i="1">
+                                        <a:effectLst/>
+                                        <a:latin typeface="Cambria Math" panose="02040503050406030204" pitchFamily="18" charset="0"/>
+                                        <a:ea typeface="Times New Roman" panose="02020603050405020304" pitchFamily="18" charset="0"/>
+                                      </a:rPr>
+                                      <m:t>𝑇</m:t>
+                                    </m:r>
+                                  </m:e>
+                                  <m:sub>
+                                    <m:r>
+                                      <a:rPr lang="ru-RU" sz="1800" i="1">
+                                        <a:effectLst/>
+                                        <a:latin typeface="Cambria Math" panose="02040503050406030204" pitchFamily="18" charset="0"/>
+                                        <a:ea typeface="Times New Roman" panose="02020603050405020304" pitchFamily="18" charset="0"/>
+                                      </a:rPr>
+                                      <m:t>0</m:t>
+                                    </m:r>
+                                  </m:sub>
+                                </m:sSub>
+                              </m:e>
+                            </m:d>
+                            <m:r>
+                              <a:rPr lang="ru-RU" sz="1800" i="1">
+                                <a:effectLst/>
+                                <a:latin typeface="Cambria Math" panose="02040503050406030204" pitchFamily="18" charset="0"/>
+                                <a:ea typeface="Times New Roman" panose="02020603050405020304" pitchFamily="18" charset="0"/>
+                              </a:rPr>
+                              <m:t>+</m:t>
+                            </m:r>
+                            <m:d>
+                              <m:dPr>
+                                <m:ctrlPr>
+                                  <a:rPr lang="ru-RU" sz="1800" i="1">
+                                    <a:effectLst/>
+                                    <a:latin typeface="Cambria Math" panose="02040503050406030204" pitchFamily="18" charset="0"/>
+                                    <a:ea typeface="Times New Roman" panose="02020603050405020304" pitchFamily="18" charset="0"/>
+                                  </a:rPr>
+                                </m:ctrlPr>
+                              </m:dPr>
+                              <m:e>
+                                <m:r>
+                                  <a:rPr lang="ru-RU" sz="1800" i="1">
+                                    <a:effectLst/>
+                                    <a:latin typeface="Cambria Math" panose="02040503050406030204" pitchFamily="18" charset="0"/>
+                                    <a:ea typeface="Times New Roman" panose="02020603050405020304" pitchFamily="18" charset="0"/>
+                                  </a:rPr>
+                                  <m:t>1−</m:t>
+                                </m:r>
+                                <m:r>
+                                  <m:rPr>
+                                    <m:sty m:val="p"/>
+                                  </m:rPr>
+                                  <a:rPr lang="ru-RU" sz="1800">
+                                    <a:effectLst/>
+                                    <a:latin typeface="Cambria Math" panose="02040503050406030204" pitchFamily="18" charset="0"/>
+                                    <a:ea typeface="Times New Roman" panose="02020603050405020304" pitchFamily="18" charset="0"/>
+                                  </a:rPr>
+                                  <m:t>α</m:t>
+                                </m:r>
+                              </m:e>
+                            </m:d>
+                            <m:r>
+                              <a:rPr lang="ru-RU" sz="1800">
+                                <a:effectLst/>
+                                <a:latin typeface="Cambria Math" panose="02040503050406030204" pitchFamily="18" charset="0"/>
+                                <a:ea typeface="Times New Roman" panose="02020603050405020304" pitchFamily="18" charset="0"/>
+                              </a:rPr>
+                              <m:t>⋅</m:t>
+                            </m:r>
+                            <m:r>
+                              <a:rPr lang="ru-RU" sz="1800" i="1">
+                                <a:effectLst/>
+                                <a:latin typeface="Cambria Math" panose="02040503050406030204" pitchFamily="18" charset="0"/>
+                                <a:ea typeface="Times New Roman" panose="02020603050405020304" pitchFamily="18" charset="0"/>
+                              </a:rPr>
+                              <m:t>𝐶</m:t>
+                            </m:r>
+                            <m:r>
+                              <a:rPr lang="ru-RU" sz="1800">
+                                <a:effectLst/>
+                                <a:latin typeface="Cambria Math" panose="02040503050406030204" pitchFamily="18" charset="0"/>
+                                <a:ea typeface="Times New Roman" panose="02020603050405020304" pitchFamily="18" charset="0"/>
+                              </a:rPr>
+                              <m:t>⋅</m:t>
+                            </m:r>
+                            <m:d>
+                              <m:dPr>
+                                <m:ctrlPr>
+                                  <a:rPr lang="ru-RU" sz="1800" i="1">
+                                    <a:effectLst/>
+                                    <a:latin typeface="Cambria Math" panose="02040503050406030204" pitchFamily="18" charset="0"/>
+                                    <a:ea typeface="Times New Roman" panose="02020603050405020304" pitchFamily="18" charset="0"/>
+                                  </a:rPr>
+                                </m:ctrlPr>
+                              </m:dPr>
+                              <m:e>
+                                <m:sSub>
+                                  <m:sSubPr>
+                                    <m:ctrlPr>
+                                      <a:rPr lang="ru-RU" sz="1800" i="1">
+                                        <a:effectLst/>
+                                        <a:latin typeface="Cambria Math" panose="02040503050406030204" pitchFamily="18" charset="0"/>
+                                        <a:ea typeface="Times New Roman" panose="02020603050405020304" pitchFamily="18" charset="0"/>
+                                      </a:rPr>
+                                    </m:ctrlPr>
+                                  </m:sSubPr>
+                                  <m:e>
+                                    <m:r>
+                                      <a:rPr lang="ru-RU" sz="1800" i="1">
+                                        <a:effectLst/>
+                                        <a:latin typeface="Cambria Math" panose="02040503050406030204" pitchFamily="18" charset="0"/>
+                                        <a:ea typeface="Times New Roman" panose="02020603050405020304" pitchFamily="18" charset="0"/>
+                                      </a:rPr>
+                                      <m:t>𝑇</m:t>
+                                    </m:r>
+                                  </m:e>
+                                  <m:sub>
+                                    <m:r>
+                                      <a:rPr lang="ru-RU" sz="1800" i="1">
+                                        <a:effectLst/>
+                                        <a:latin typeface="Cambria Math" panose="02040503050406030204" pitchFamily="18" charset="0"/>
+                                        <a:ea typeface="Times New Roman" panose="02020603050405020304" pitchFamily="18" charset="0"/>
+                                      </a:rPr>
+                                      <m:t>𝑚</m:t>
+                                    </m:r>
+                                  </m:sub>
+                                </m:sSub>
+                                <m:r>
+                                  <a:rPr lang="ru-RU" sz="1800" i="1">
+                                    <a:effectLst/>
+                                    <a:latin typeface="Cambria Math" panose="02040503050406030204" pitchFamily="18" charset="0"/>
+                                    <a:ea typeface="Times New Roman" panose="02020603050405020304" pitchFamily="18" charset="0"/>
+                                  </a:rPr>
+                                  <m:t>−</m:t>
+                                </m:r>
+                                <m:sSub>
+                                  <m:sSubPr>
+                                    <m:ctrlPr>
+                                      <a:rPr lang="ru-RU" sz="1800" i="1">
+                                        <a:effectLst/>
+                                        <a:latin typeface="Cambria Math" panose="02040503050406030204" pitchFamily="18" charset="0"/>
+                                        <a:ea typeface="Times New Roman" panose="02020603050405020304" pitchFamily="18" charset="0"/>
+                                      </a:rPr>
+                                    </m:ctrlPr>
+                                  </m:sSubPr>
+                                  <m:e>
+                                    <m:r>
+                                      <a:rPr lang="ru-RU" sz="1800" i="1">
+                                        <a:effectLst/>
+                                        <a:latin typeface="Cambria Math" panose="02040503050406030204" pitchFamily="18" charset="0"/>
+                                        <a:ea typeface="Times New Roman" panose="02020603050405020304" pitchFamily="18" charset="0"/>
+                                      </a:rPr>
+                                      <m:t>𝑇</m:t>
+                                    </m:r>
+                                  </m:e>
+                                  <m:sub>
+                                    <m:r>
+                                      <a:rPr lang="ru-RU" sz="1800" i="1">
+                                        <a:effectLst/>
+                                        <a:latin typeface="Cambria Math" panose="02040503050406030204" pitchFamily="18" charset="0"/>
+                                        <a:ea typeface="Times New Roman" panose="02020603050405020304" pitchFamily="18" charset="0"/>
+                                      </a:rPr>
+                                      <m:t>0</m:t>
+                                    </m:r>
+                                  </m:sub>
+                                </m:sSub>
+                              </m:e>
+                            </m:d>
+                          </m:e>
+                        </m:d>
+                      </m:den>
+                    </m:f>
+                    <m:r>
+                      <a:rPr lang="ru-RU" sz="1800" i="1">
+                        <a:effectLst/>
+                        <a:latin typeface="Cambria Math" panose="02040503050406030204" pitchFamily="18" charset="0"/>
+                        <a:ea typeface="Times New Roman" panose="02020603050405020304" pitchFamily="18" charset="0"/>
+                      </a:rPr>
+                      <m:t> </m:t>
+                    </m:r>
+                  </m:oMath>
+                </a14:m>
+                <a:r>
+                  <a:rPr lang="ru-RU" sz="1800" dirty="0">
+                    <a:effectLst/>
+                    <a:latin typeface="Times New Roman" panose="02020603050405020304" pitchFamily="18" charset="0"/>
+                    <a:ea typeface="Times New Roman" panose="02020603050405020304" pitchFamily="18" charset="0"/>
+                  </a:rPr>
+                  <a:t>    			             (1)</a:t>
+                </a:r>
+              </a:p>
+              <a:p>
+                <a:pPr indent="450215" algn="just">
+                  <a:lnSpc>
+                    <a:spcPct val="150000"/>
+                  </a:lnSpc>
+                  <a:buNone/>
+                </a:pPr>
+                <a:r>
+                  <a:rPr lang="ru-RU" sz="1200" dirty="0">
+                    <a:effectLst/>
+                    <a:latin typeface="Times New Roman" panose="02020603050405020304" pitchFamily="18" charset="0"/>
+                    <a:ea typeface="Times New Roman" panose="02020603050405020304" pitchFamily="18" charset="0"/>
+                  </a:rPr>
+                  <a:t>где:</a:t>
+                </a:r>
+              </a:p>
+              <a:p>
+                <a:pPr marL="342900" lvl="0" indent="-342900" algn="just">
+                  <a:lnSpc>
+                    <a:spcPct val="150000"/>
+                  </a:lnSpc>
+                  <a:buSzPts val="1000"/>
+                  <a:buFont typeface="Symbol" panose="05050102010706020507" pitchFamily="18" charset="2"/>
+                  <a:buChar char=""/>
+                  <a:tabLst>
+                    <a:tab pos="457200" algn="l"/>
+                  </a:tabLst>
+                </a:pPr>
+                <a14:m>
+                  <m:oMath xmlns:m="http://schemas.openxmlformats.org/officeDocument/2006/math">
+                    <m:sSub>
+                      <m:sSubPr>
+                        <m:ctrlPr>
+                          <a:rPr lang="ru-RU" sz="1200" i="1">
+                            <a:effectLst/>
+                            <a:latin typeface="Cambria Math" panose="02040503050406030204" pitchFamily="18" charset="0"/>
+                            <a:ea typeface="Times New Roman" panose="02020603050405020304" pitchFamily="18" charset="0"/>
+                          </a:rPr>
+                        </m:ctrlPr>
+                      </m:sSubPr>
+                      <m:e>
+                        <m:r>
+                          <a:rPr lang="ru-RU" sz="1200" i="1">
+                            <a:effectLst/>
+                            <a:latin typeface="Cambria Math" panose="02040503050406030204" pitchFamily="18" charset="0"/>
+                            <a:ea typeface="Times New Roman" panose="02020603050405020304" pitchFamily="18" charset="0"/>
+                          </a:rPr>
+                          <m:t>𝐸</m:t>
+                        </m:r>
+                      </m:e>
+                      <m:sub>
+                        <m:r>
+                          <a:rPr lang="ru-RU" sz="1200" i="1">
+                            <a:effectLst/>
+                            <a:latin typeface="Cambria Math" panose="02040503050406030204" pitchFamily="18" charset="0"/>
+                            <a:ea typeface="Times New Roman" panose="02020603050405020304" pitchFamily="18" charset="0"/>
+                          </a:rPr>
+                          <m:t>𝑟𝑒𝑚</m:t>
+                        </m:r>
+                      </m:sub>
+                    </m:sSub>
+                    <m:r>
+                      <a:rPr lang="ru-RU" sz="1200" i="1">
+                        <a:effectLst/>
+                        <a:latin typeface="Cambria Math" panose="02040503050406030204" pitchFamily="18" charset="0"/>
+                        <a:ea typeface="Times New Roman" panose="02020603050405020304" pitchFamily="18" charset="0"/>
+                      </a:rPr>
+                      <m:t>=</m:t>
+                    </m:r>
+                    <m:sSub>
+                      <m:sSubPr>
+                        <m:ctrlPr>
+                          <a:rPr lang="ru-RU" sz="1200" i="1">
+                            <a:effectLst/>
+                            <a:latin typeface="Cambria Math" panose="02040503050406030204" pitchFamily="18" charset="0"/>
+                            <a:ea typeface="Times New Roman" panose="02020603050405020304" pitchFamily="18" charset="0"/>
+                          </a:rPr>
+                        </m:ctrlPr>
+                      </m:sSubPr>
+                      <m:e>
+                        <m:r>
+                          <a:rPr lang="ru-RU" sz="1200" i="1">
+                            <a:effectLst/>
+                            <a:latin typeface="Cambria Math" panose="02040503050406030204" pitchFamily="18" charset="0"/>
+                            <a:ea typeface="Times New Roman" panose="02020603050405020304" pitchFamily="18" charset="0"/>
+                          </a:rPr>
+                          <m:t>𝐶</m:t>
+                        </m:r>
+                      </m:e>
+                      <m:sub>
+                        <m:r>
+                          <a:rPr lang="ru-RU" sz="1200" i="1">
+                            <a:effectLst/>
+                            <a:latin typeface="Cambria Math" panose="02040503050406030204" pitchFamily="18" charset="0"/>
+                            <a:ea typeface="Times New Roman" panose="02020603050405020304" pitchFamily="18" charset="0"/>
+                          </a:rPr>
+                          <m:t>𝑎</m:t>
+                        </m:r>
+                      </m:sub>
+                    </m:sSub>
+                    <m:r>
+                      <a:rPr lang="ru-RU" sz="1200">
+                        <a:effectLst/>
+                        <a:latin typeface="Cambria Math" panose="02040503050406030204" pitchFamily="18" charset="0"/>
+                        <a:ea typeface="Times New Roman" panose="02020603050405020304" pitchFamily="18" charset="0"/>
+                      </a:rPr>
+                      <m:t>⋅</m:t>
+                    </m:r>
+                    <m:r>
+                      <a:rPr lang="ru-RU" sz="1200" i="1">
+                        <a:effectLst/>
+                        <a:latin typeface="Cambria Math" panose="02040503050406030204" pitchFamily="18" charset="0"/>
+                        <a:ea typeface="Times New Roman" panose="02020603050405020304" pitchFamily="18" charset="0"/>
+                      </a:rPr>
+                      <m:t>𝑈</m:t>
+                    </m:r>
+                    <m:r>
+                      <a:rPr lang="ru-RU" sz="1200">
+                        <a:effectLst/>
+                        <a:latin typeface="Cambria Math" panose="02040503050406030204" pitchFamily="18" charset="0"/>
+                        <a:ea typeface="Times New Roman" panose="02020603050405020304" pitchFamily="18" charset="0"/>
+                      </a:rPr>
+                      <m:t>⋅</m:t>
+                    </m:r>
+                    <m:r>
+                      <a:rPr lang="ru-RU" sz="1200" i="1">
+                        <a:effectLst/>
+                        <a:latin typeface="Cambria Math" panose="02040503050406030204" pitchFamily="18" charset="0"/>
+                        <a:ea typeface="Times New Roman" panose="02020603050405020304" pitchFamily="18" charset="0"/>
+                      </a:rPr>
+                      <m:t>𝐼</m:t>
+                    </m:r>
+                    <m:r>
+                      <a:rPr lang="ru-RU" sz="1200">
+                        <a:effectLst/>
+                        <a:latin typeface="Cambria Math" panose="02040503050406030204" pitchFamily="18" charset="0"/>
+                        <a:ea typeface="Times New Roman" panose="02020603050405020304" pitchFamily="18" charset="0"/>
+                      </a:rPr>
+                      <m:t>⋅</m:t>
+                    </m:r>
+                    <m:sSub>
+                      <m:sSubPr>
+                        <m:ctrlPr>
+                          <a:rPr lang="ru-RU" sz="1200" i="1">
+                            <a:effectLst/>
+                            <a:latin typeface="Cambria Math" panose="02040503050406030204" pitchFamily="18" charset="0"/>
+                            <a:ea typeface="Times New Roman" panose="02020603050405020304" pitchFamily="18" charset="0"/>
+                          </a:rPr>
+                        </m:ctrlPr>
+                      </m:sSubPr>
+                      <m:e>
+                        <m:r>
+                          <a:rPr lang="ru-RU" sz="1200" i="1">
+                            <a:effectLst/>
+                            <a:latin typeface="Cambria Math" panose="02040503050406030204" pitchFamily="18" charset="0"/>
+                            <a:ea typeface="Times New Roman" panose="02020603050405020304" pitchFamily="18" charset="0"/>
+                          </a:rPr>
+                          <m:t>𝑡</m:t>
+                        </m:r>
+                      </m:e>
+                      <m:sub>
+                        <m:r>
+                          <a:rPr lang="ru-RU" sz="1200" i="1">
+                            <a:effectLst/>
+                            <a:latin typeface="Cambria Math" panose="02040503050406030204" pitchFamily="18" charset="0"/>
+                            <a:ea typeface="Times New Roman" panose="02020603050405020304" pitchFamily="18" charset="0"/>
+                          </a:rPr>
+                          <m:t>𝑖</m:t>
+                        </m:r>
+                      </m:sub>
+                    </m:sSub>
+                  </m:oMath>
+                </a14:m>
+                <a:r>
+                  <a:rPr lang="ru-RU" sz="1200" dirty="0">
+                    <a:effectLst/>
+                    <a:latin typeface="Times New Roman" panose="02020603050405020304" pitchFamily="18" charset="0"/>
+                    <a:ea typeface="Times New Roman" panose="02020603050405020304" pitchFamily="18" charset="0"/>
+                  </a:rPr>
+                  <a:t>​ – энергия, затраченная на удаление материала;</a:t>
+                </a:r>
+              </a:p>
+              <a:p>
+                <a:pPr marL="342900" lvl="0" indent="-342900" algn="just">
+                  <a:lnSpc>
+                    <a:spcPct val="150000"/>
+                  </a:lnSpc>
+                  <a:buSzPts val="1000"/>
+                  <a:buFont typeface="Symbol" panose="05050102010706020507" pitchFamily="18" charset="2"/>
+                  <a:buChar char=""/>
+                  <a:tabLst>
+                    <a:tab pos="457200" algn="l"/>
+                  </a:tabLst>
+                </a:pPr>
+                <a:r>
+                  <a:rPr lang="ru-RU" sz="1200" dirty="0">
+                    <a:effectLst/>
+                    <a:latin typeface="Times New Roman" panose="02020603050405020304" pitchFamily="18" charset="0"/>
+                    <a:ea typeface="Times New Roman" panose="02020603050405020304" pitchFamily="18" charset="0"/>
+                  </a:rPr>
+                  <a:t>U – напряжение импульса;</a:t>
+                </a:r>
+              </a:p>
+              <a:p>
+                <a:pPr marL="342900" lvl="0" indent="-342900" algn="just">
+                  <a:lnSpc>
+                    <a:spcPct val="150000"/>
+                  </a:lnSpc>
+                  <a:buSzPts val="1000"/>
+                  <a:buFont typeface="Symbol" panose="05050102010706020507" pitchFamily="18" charset="2"/>
+                  <a:buChar char=""/>
+                  <a:tabLst>
+                    <a:tab pos="457200" algn="l"/>
+                  </a:tabLst>
+                </a:pPr>
+                <a:r>
+                  <a:rPr lang="ru-RU" sz="1200" dirty="0">
+                    <a:effectLst/>
+                    <a:latin typeface="Times New Roman" panose="02020603050405020304" pitchFamily="18" charset="0"/>
+                    <a:ea typeface="Times New Roman" panose="02020603050405020304" pitchFamily="18" charset="0"/>
+                  </a:rPr>
+                  <a:t>I – ток импульса;</a:t>
+                </a:r>
+              </a:p>
+              <a:p>
+                <a:pPr marL="342900" lvl="0" indent="-342900" algn="just">
+                  <a:lnSpc>
+                    <a:spcPct val="150000"/>
+                  </a:lnSpc>
+                  <a:buSzPts val="1000"/>
+                  <a:buFont typeface="Symbol" panose="05050102010706020507" pitchFamily="18" charset="2"/>
+                  <a:buChar char=""/>
+                  <a:tabLst>
+                    <a:tab pos="457200" algn="l"/>
+                  </a:tabLst>
+                </a:pPr>
+                <a:r>
+                  <a:rPr lang="ru-RU" sz="1200" dirty="0" err="1">
+                    <a:effectLst/>
+                    <a:latin typeface="Times New Roman" panose="02020603050405020304" pitchFamily="18" charset="0"/>
+                    <a:ea typeface="Times New Roman" panose="02020603050405020304" pitchFamily="18" charset="0"/>
+                  </a:rPr>
+                  <a:t>t</a:t>
+                </a:r>
+                <a:r>
+                  <a:rPr lang="ru-RU" sz="1200" baseline="-25000" dirty="0" err="1">
+                    <a:effectLst/>
+                    <a:latin typeface="Times New Roman" panose="02020603050405020304" pitchFamily="18" charset="0"/>
+                    <a:ea typeface="Times New Roman" panose="02020603050405020304" pitchFamily="18" charset="0"/>
+                  </a:rPr>
+                  <a:t>i</a:t>
+                </a:r>
+                <a:r>
+                  <a:rPr lang="ru-RU" sz="1200" dirty="0">
+                    <a:effectLst/>
+                    <a:latin typeface="Times New Roman" panose="02020603050405020304" pitchFamily="18" charset="0"/>
+                    <a:ea typeface="Times New Roman" panose="02020603050405020304" pitchFamily="18" charset="0"/>
+                  </a:rPr>
+                  <a:t>​ – длительность импульса;</a:t>
+                </a:r>
+              </a:p>
+              <a:p>
+                <a:pPr marL="342900" lvl="0" indent="-342900" algn="just">
+                  <a:lnSpc>
+                    <a:spcPct val="150000"/>
+                  </a:lnSpc>
+                  <a:buSzPts val="1000"/>
+                  <a:buFont typeface="Symbol" panose="05050102010706020507" pitchFamily="18" charset="2"/>
+                  <a:buChar char=""/>
+                  <a:tabLst>
+                    <a:tab pos="457200" algn="l"/>
+                  </a:tabLst>
+                </a:pPr>
+                <a:r>
+                  <a:rPr lang="ru-RU" sz="1200" dirty="0" err="1">
+                    <a:effectLst/>
+                    <a:latin typeface="Times New Roman" panose="02020603050405020304" pitchFamily="18" charset="0"/>
+                    <a:ea typeface="Times New Roman" panose="02020603050405020304" pitchFamily="18" charset="0"/>
+                  </a:rPr>
+                  <a:t>C</a:t>
+                </a:r>
+                <a:r>
+                  <a:rPr lang="ru-RU" sz="1200" baseline="-25000" dirty="0" err="1">
+                    <a:effectLst/>
+                    <a:latin typeface="Times New Roman" panose="02020603050405020304" pitchFamily="18" charset="0"/>
+                    <a:ea typeface="Times New Roman" panose="02020603050405020304" pitchFamily="18" charset="0"/>
+                  </a:rPr>
+                  <a:t>a</a:t>
+                </a:r>
+                <a:r>
+                  <a:rPr lang="ru-RU" sz="1200" dirty="0">
+                    <a:effectLst/>
+                    <a:latin typeface="Times New Roman" panose="02020603050405020304" pitchFamily="18" charset="0"/>
+                    <a:ea typeface="Times New Roman" panose="02020603050405020304" pitchFamily="18" charset="0"/>
+                  </a:rPr>
+                  <a:t>​ – коэффициент использования энергии;</a:t>
+                </a:r>
+              </a:p>
+              <a:p>
+                <a:pPr marL="342900" lvl="0" indent="-342900" algn="just">
+                  <a:lnSpc>
+                    <a:spcPct val="150000"/>
+                  </a:lnSpc>
+                  <a:buSzPts val="1000"/>
+                  <a:buFont typeface="Symbol" panose="05050102010706020507" pitchFamily="18" charset="2"/>
+                  <a:buChar char=""/>
+                  <a:tabLst>
+                    <a:tab pos="457200" algn="l"/>
+                  </a:tabLst>
+                </a:pPr>
+                <a:r>
+                  <a:rPr lang="ru-RU" sz="1200" dirty="0">
+                    <a:effectLst/>
+                    <a:latin typeface="Times New Roman" panose="02020603050405020304" pitchFamily="18" charset="0"/>
+                    <a:ea typeface="Times New Roman" panose="02020603050405020304" pitchFamily="18" charset="0"/>
+                  </a:rPr>
+                  <a:t>ρ – плотность материала заготовки;</a:t>
+                </a:r>
+              </a:p>
+              <a:p>
+                <a:pPr marL="342900" lvl="0" indent="-342900" algn="just">
+                  <a:lnSpc>
+                    <a:spcPct val="150000"/>
+                  </a:lnSpc>
+                  <a:buSzPts val="1000"/>
+                  <a:buFont typeface="Symbol" panose="05050102010706020507" pitchFamily="18" charset="2"/>
+                  <a:buChar char=""/>
+                  <a:tabLst>
+                    <a:tab pos="457200" algn="l"/>
+                  </a:tabLst>
+                </a:pPr>
+                <a:r>
+                  <a:rPr lang="ru-RU" sz="1200" dirty="0" err="1">
+                    <a:effectLst/>
+                    <a:latin typeface="Times New Roman" panose="02020603050405020304" pitchFamily="18" charset="0"/>
+                    <a:ea typeface="Times New Roman" panose="02020603050405020304" pitchFamily="18" charset="0"/>
+                  </a:rPr>
+                  <a:t>r</a:t>
+                </a:r>
+                <a:r>
+                  <a:rPr lang="ru-RU" sz="1200" baseline="-25000" dirty="0" err="1">
+                    <a:effectLst/>
+                    <a:latin typeface="Times New Roman" panose="02020603050405020304" pitchFamily="18" charset="0"/>
+                    <a:ea typeface="Times New Roman" panose="02020603050405020304" pitchFamily="18" charset="0"/>
+                  </a:rPr>
+                  <a:t>v</a:t>
+                </a:r>
+                <a:r>
+                  <a:rPr lang="ru-RU" sz="1200" baseline="-25000" dirty="0">
+                    <a:effectLst/>
+                    <a:latin typeface="Times New Roman" panose="02020603050405020304" pitchFamily="18" charset="0"/>
+                    <a:ea typeface="Times New Roman" panose="02020603050405020304" pitchFamily="18" charset="0"/>
+                  </a:rPr>
+                  <a:t>​</a:t>
+                </a:r>
+                <a:r>
+                  <a:rPr lang="ru-RU" sz="1200" dirty="0">
+                    <a:effectLst/>
+                    <a:latin typeface="Times New Roman" panose="02020603050405020304" pitchFamily="18" charset="0"/>
+                    <a:ea typeface="Times New Roman" panose="02020603050405020304" pitchFamily="18" charset="0"/>
+                  </a:rPr>
+                  <a:t> – теплота испарения материала;</a:t>
+                </a:r>
+              </a:p>
+              <a:p>
+                <a:pPr marL="342900" lvl="0" indent="-342900" algn="just">
+                  <a:lnSpc>
+                    <a:spcPct val="150000"/>
+                  </a:lnSpc>
+                  <a:buSzPts val="1000"/>
+                  <a:buFont typeface="Symbol" panose="05050102010706020507" pitchFamily="18" charset="2"/>
+                  <a:buChar char=""/>
+                  <a:tabLst>
+                    <a:tab pos="457200" algn="l"/>
+                  </a:tabLst>
+                </a:pPr>
+                <a:r>
+                  <a:rPr lang="ru-RU" sz="1200" dirty="0" err="1">
+                    <a:effectLst/>
+                    <a:latin typeface="Times New Roman" panose="02020603050405020304" pitchFamily="18" charset="0"/>
+                    <a:ea typeface="Times New Roman" panose="02020603050405020304" pitchFamily="18" charset="0"/>
+                  </a:rPr>
+                  <a:t>L</a:t>
+                </a:r>
+                <a:r>
+                  <a:rPr lang="ru-RU" sz="1200" baseline="-25000" dirty="0" err="1">
+                    <a:effectLst/>
+                    <a:latin typeface="Times New Roman" panose="02020603050405020304" pitchFamily="18" charset="0"/>
+                    <a:ea typeface="Times New Roman" panose="02020603050405020304" pitchFamily="18" charset="0"/>
+                  </a:rPr>
+                  <a:t>m</a:t>
+                </a:r>
+                <a:r>
+                  <a:rPr lang="ru-RU" sz="1200" baseline="-25000" dirty="0">
+                    <a:effectLst/>
+                    <a:latin typeface="Times New Roman" panose="02020603050405020304" pitchFamily="18" charset="0"/>
+                    <a:ea typeface="Times New Roman" panose="02020603050405020304" pitchFamily="18" charset="0"/>
+                  </a:rPr>
+                  <a:t>​</a:t>
+                </a:r>
+                <a:r>
+                  <a:rPr lang="ru-RU" sz="1200" dirty="0">
+                    <a:effectLst/>
+                    <a:latin typeface="Times New Roman" panose="02020603050405020304" pitchFamily="18" charset="0"/>
+                    <a:ea typeface="Times New Roman" panose="02020603050405020304" pitchFamily="18" charset="0"/>
+                  </a:rPr>
+                  <a:t> – теплота плавления материала;</a:t>
+                </a:r>
+              </a:p>
+              <a:p>
+                <a:pPr marL="342900" lvl="0" indent="-342900" algn="just">
+                  <a:lnSpc>
+                    <a:spcPct val="150000"/>
+                  </a:lnSpc>
+                  <a:buSzPts val="1000"/>
+                  <a:buFont typeface="Symbol" panose="05050102010706020507" pitchFamily="18" charset="2"/>
+                  <a:buChar char=""/>
+                  <a:tabLst>
+                    <a:tab pos="457200" algn="l"/>
+                  </a:tabLst>
+                </a:pPr>
+                <a:r>
+                  <a:rPr lang="ru-RU" sz="1200" dirty="0">
+                    <a:effectLst/>
+                    <a:latin typeface="Times New Roman" panose="02020603050405020304" pitchFamily="18" charset="0"/>
+                    <a:ea typeface="Times New Roman" panose="02020603050405020304" pitchFamily="18" charset="0"/>
+                  </a:rPr>
+                  <a:t>C – удельная теплоемкость материала;</a:t>
+                </a:r>
+              </a:p>
+              <a:p>
+                <a:pPr marL="342900" lvl="0" indent="-342900" algn="just">
+                  <a:lnSpc>
+                    <a:spcPct val="150000"/>
+                  </a:lnSpc>
+                  <a:buSzPts val="1000"/>
+                  <a:buFont typeface="Symbol" panose="05050102010706020507" pitchFamily="18" charset="2"/>
+                  <a:buChar char=""/>
+                  <a:tabLst>
+                    <a:tab pos="457200" algn="l"/>
+                  </a:tabLst>
+                </a:pPr>
+                <a:r>
+                  <a:rPr lang="ru-RU" sz="1200" dirty="0" err="1">
+                    <a:effectLst/>
+                    <a:latin typeface="Times New Roman" panose="02020603050405020304" pitchFamily="18" charset="0"/>
+                    <a:ea typeface="Times New Roman" panose="02020603050405020304" pitchFamily="18" charset="0"/>
+                  </a:rPr>
+                  <a:t>T</a:t>
+                </a:r>
+                <a:r>
+                  <a:rPr lang="ru-RU" sz="1200" baseline="-25000" dirty="0" err="1">
+                    <a:effectLst/>
+                    <a:latin typeface="Times New Roman" panose="02020603050405020304" pitchFamily="18" charset="0"/>
+                    <a:ea typeface="Times New Roman" panose="02020603050405020304" pitchFamily="18" charset="0"/>
+                  </a:rPr>
+                  <a:t>m</a:t>
+                </a:r>
+                <a:r>
+                  <a:rPr lang="ru-RU" sz="1200" dirty="0">
+                    <a:effectLst/>
+                    <a:latin typeface="Times New Roman" panose="02020603050405020304" pitchFamily="18" charset="0"/>
+                    <a:ea typeface="Times New Roman" panose="02020603050405020304" pitchFamily="18" charset="0"/>
+                  </a:rPr>
+                  <a:t>​ – температура плавления материала;</a:t>
+                </a:r>
+              </a:p>
+              <a:p>
+                <a:pPr marL="342900" lvl="0" indent="-342900" algn="just">
+                  <a:lnSpc>
+                    <a:spcPct val="150000"/>
+                  </a:lnSpc>
+                  <a:buSzPts val="1000"/>
+                  <a:buFont typeface="Symbol" panose="05050102010706020507" pitchFamily="18" charset="2"/>
+                  <a:buChar char=""/>
+                  <a:tabLst>
+                    <a:tab pos="457200" algn="l"/>
+                  </a:tabLst>
+                </a:pPr>
+                <a:r>
+                  <a:rPr lang="ru-RU" sz="1200" dirty="0" err="1">
+                    <a:effectLst/>
+                    <a:latin typeface="Times New Roman" panose="02020603050405020304" pitchFamily="18" charset="0"/>
+                    <a:ea typeface="Times New Roman" panose="02020603050405020304" pitchFamily="18" charset="0"/>
+                  </a:rPr>
+                  <a:t>T</a:t>
+                </a:r>
+                <a:r>
+                  <a:rPr lang="ru-RU" sz="1200" baseline="-25000" dirty="0" err="1">
+                    <a:effectLst/>
+                    <a:latin typeface="Times New Roman" panose="02020603050405020304" pitchFamily="18" charset="0"/>
+                    <a:ea typeface="Times New Roman" panose="02020603050405020304" pitchFamily="18" charset="0"/>
+                  </a:rPr>
+                  <a:t>b</a:t>
+                </a:r>
+                <a:r>
+                  <a:rPr lang="ru-RU" sz="1200" dirty="0">
+                    <a:effectLst/>
+                    <a:latin typeface="Times New Roman" panose="02020603050405020304" pitchFamily="18" charset="0"/>
+                    <a:ea typeface="Times New Roman" panose="02020603050405020304" pitchFamily="18" charset="0"/>
+                  </a:rPr>
+                  <a:t>​ – температура кипения материала;</a:t>
+                </a:r>
+              </a:p>
+              <a:p>
+                <a:pPr marL="342900" lvl="0" indent="-342900" algn="just">
+                  <a:lnSpc>
+                    <a:spcPct val="150000"/>
+                  </a:lnSpc>
+                  <a:buSzPts val="1000"/>
+                  <a:buFont typeface="Symbol" panose="05050102010706020507" pitchFamily="18" charset="2"/>
+                  <a:buChar char=""/>
+                  <a:tabLst>
+                    <a:tab pos="457200" algn="l"/>
+                  </a:tabLst>
+                </a:pPr>
+                <a:r>
+                  <a:rPr lang="ru-RU" sz="1200" dirty="0">
+                    <a:effectLst/>
+                    <a:latin typeface="Times New Roman" panose="02020603050405020304" pitchFamily="18" charset="0"/>
+                    <a:ea typeface="Times New Roman" panose="02020603050405020304" pitchFamily="18" charset="0"/>
+                  </a:rPr>
+                  <a:t>T</a:t>
+                </a:r>
+                <a:r>
+                  <a:rPr lang="ru-RU" sz="1200" baseline="-25000" dirty="0">
+                    <a:effectLst/>
+                    <a:latin typeface="Times New Roman" panose="02020603050405020304" pitchFamily="18" charset="0"/>
+                    <a:ea typeface="Times New Roman" panose="02020603050405020304" pitchFamily="18" charset="0"/>
+                  </a:rPr>
+                  <a:t>0</a:t>
+                </a:r>
+                <a:r>
+                  <a:rPr lang="ru-RU" sz="1200" dirty="0">
+                    <a:effectLst/>
+                    <a:latin typeface="Times New Roman" panose="02020603050405020304" pitchFamily="18" charset="0"/>
+                    <a:ea typeface="Times New Roman" panose="02020603050405020304" pitchFamily="18" charset="0"/>
+                  </a:rPr>
+                  <a:t>​ – начальная температура материала;</a:t>
+                </a:r>
+              </a:p>
+              <a:p>
+                <a:pPr marL="342900" lvl="0" indent="-342900" algn="just">
+                  <a:lnSpc>
+                    <a:spcPct val="150000"/>
+                  </a:lnSpc>
+                  <a:buSzPts val="1000"/>
+                  <a:buFont typeface="Symbol" panose="05050102010706020507" pitchFamily="18" charset="2"/>
+                  <a:buChar char=""/>
+                  <a:tabLst>
+                    <a:tab pos="457200" algn="l"/>
+                  </a:tabLst>
+                </a:pPr>
+                <a:r>
+                  <a:rPr lang="ru-RU" sz="1200" dirty="0">
+                    <a:effectLst/>
+                    <a:latin typeface="Times New Roman" panose="02020603050405020304" pitchFamily="18" charset="0"/>
+                    <a:ea typeface="Times New Roman" panose="02020603050405020304" pitchFamily="18" charset="0"/>
+                  </a:rPr>
+                  <a:t>α – коэффициент, представляющий долю материала, удаляемого за счет испарения (остальная часть (1−α) удаляется за счет плавления и последующего выброса).</a:t>
+                </a:r>
+              </a:p>
+              <a:p>
+                <a:pPr lvl="0" algn="just">
+                  <a:lnSpc>
+                    <a:spcPct val="150000"/>
+                  </a:lnSpc>
+                  <a:buSzPts val="1000"/>
+                  <a:tabLst>
+                    <a:tab pos="457200" algn="l"/>
+                  </a:tabLst>
+                </a:pPr>
+                <a:endParaRPr lang="ru-RU" sz="1800" dirty="0">
+                  <a:effectLst/>
+                  <a:latin typeface="Roboto" panose="02000000000000000000" pitchFamily="2" charset="0"/>
+                  <a:ea typeface="Roboto" panose="02000000000000000000" pitchFamily="2" charset="0"/>
+                  <a:cs typeface="Roboto" panose="02000000000000000000" pitchFamily="2" charset="0"/>
+                </a:endParaRPr>
+              </a:p>
+            </p:txBody>
+          </p:sp>
+        </mc:Choice>
+        <mc:Fallback>
+          <p:sp>
+            <p:nvSpPr>
+              <p:cNvPr id="5" name="TextBox 4">
+                <a:extLst>
+                  <a:ext uri="{FF2B5EF4-FFF2-40B4-BE49-F238E27FC236}">
+                    <a16:creationId xmlns:a16="http://schemas.microsoft.com/office/drawing/2014/main" id="{A2AD46FD-F1DC-81FA-F7BE-62F551F21FBB}"/>
+                  </a:ext>
+                </a:extLst>
+              </p:cNvPr>
+              <p:cNvSpPr txBox="1">
+                <a:spLocks noRot="1" noChangeAspect="1" noMove="1" noResize="1" noEditPoints="1" noAdjustHandles="1" noChangeArrowheads="1" noChangeShapeType="1" noTextEdit="1"/>
+              </p:cNvSpPr>
+              <p:nvPr/>
+            </p:nvSpPr>
+            <p:spPr>
+              <a:xfrm>
+                <a:off x="695400" y="1268760"/>
+                <a:ext cx="10873208" cy="5931560"/>
+              </a:xfrm>
+              <a:prstGeom prst="rect">
+                <a:avLst/>
+              </a:prstGeom>
+              <a:blipFill>
+                <a:blip r:embed="rId5"/>
+                <a:stretch>
+                  <a:fillRect r="-56"/>
+                </a:stretch>
+              </a:blipFill>
+            </p:spPr>
+            <p:txBody>
+              <a:bodyPr/>
+              <a:lstStyle/>
+              <a:p>
+                <a:r>
+                  <a:rPr lang="ru-RU">
+                    <a:noFill/>
+                  </a:rPr>
+                  <a:t> </a:t>
+                </a:r>
+              </a:p>
+            </p:txBody>
+          </p:sp>
+        </mc:Fallback>
+      </mc:AlternateContent>
     </p:spTree>
     <p:extLst>
       <p:ext uri="{BB962C8B-B14F-4D97-AF65-F5344CB8AC3E}">
@@ -5385,7 +6914,7 @@
 </p:sld>
 </file>
 
-<file path=ppt/slides/slide5.xml><?xml version="1.0" encoding="utf-8"?>
+<file path=ppt/slides/slide6.xml><?xml version="1.0" encoding="utf-8"?>
 <p:sld xmlns:a="http://schemas.openxmlformats.org/drawingml/2006/main" xmlns:r="http://schemas.openxmlformats.org/officeDocument/2006/relationships" xmlns:p="http://schemas.openxmlformats.org/presentationml/2006/main">
   <p:cSld>
     <p:spTree>
@@ -5393,7 +6922,7 @@
         <p:cNvPr id="1" name="">
           <a:extLst>
             <a:ext uri="{FF2B5EF4-FFF2-40B4-BE49-F238E27FC236}">
-              <a16:creationId xmlns:a16="http://schemas.microsoft.com/office/drawing/2014/main" id="{C5787919-E99F-C0FC-AAAC-F294D3784FB1}"/>
+              <a16:creationId xmlns:a16="http://schemas.microsoft.com/office/drawing/2014/main" id="{E5AD124E-2749-280D-1E0F-22EAA7CD5CC7}"/>
             </a:ext>
           </a:extLst>
         </p:cNvPr>
@@ -5413,7 +6942,7 @@
           <p:cNvPr id="4" name="Рисунок 3">
             <a:extLst>
               <a:ext uri="{FF2B5EF4-FFF2-40B4-BE49-F238E27FC236}">
-                <a16:creationId xmlns:a16="http://schemas.microsoft.com/office/drawing/2014/main" id="{1A7411E6-5CD4-E256-ECF5-D3831F8C9477}"/>
+                <a16:creationId xmlns:a16="http://schemas.microsoft.com/office/drawing/2014/main" id="{335E70B1-14CB-72F0-DAF8-B23E76A23BD1}"/>
               </a:ext>
             </a:extLst>
           </p:cNvPr>
@@ -5423,7 +6952,7 @@
           <p:nvPr/>
         </p:nvPicPr>
         <p:blipFill>
-          <a:blip r:embed="rId2"/>
+          <a:blip r:embed="rId3"/>
           <a:stretch/>
         </p:blipFill>
         <p:spPr bwMode="auto">
@@ -5441,7 +6970,7 @@
           <p:cNvPr id="7" name="Рисунок 6">
             <a:extLst>
               <a:ext uri="{FF2B5EF4-FFF2-40B4-BE49-F238E27FC236}">
-                <a16:creationId xmlns:a16="http://schemas.microsoft.com/office/drawing/2014/main" id="{E8F7E08C-ACB9-7C16-5B19-5850CE48DBD7}"/>
+                <a16:creationId xmlns:a16="http://schemas.microsoft.com/office/drawing/2014/main" id="{1C13769E-462B-83D9-62D8-58E5C54437A7}"/>
               </a:ext>
             </a:extLst>
           </p:cNvPr>
@@ -5451,7 +6980,7 @@
           <p:nvPr/>
         </p:nvPicPr>
         <p:blipFill>
-          <a:blip r:embed="rId3" cstate="print">
+          <a:blip r:embed="rId4" cstate="print">
             <a:extLst>
               <a:ext uri="{28A0092B-C50C-407E-A947-70E740481C1C}">
                 <a14:useLocalDpi xmlns:a14="http://schemas.microsoft.com/office/drawing/2010/main" val="0"/>
@@ -5477,7 +7006,7 @@
           <p:cNvPr id="2" name="TextBox 1">
             <a:extLst>
               <a:ext uri="{FF2B5EF4-FFF2-40B4-BE49-F238E27FC236}">
-                <a16:creationId xmlns:a16="http://schemas.microsoft.com/office/drawing/2014/main" id="{42E85EBA-DA8C-B480-546C-7F0FEF82230F}"/>
+                <a16:creationId xmlns:a16="http://schemas.microsoft.com/office/drawing/2014/main" id="{CEF0BA03-EC6B-2C9D-6320-EF5085FBC812}"/>
               </a:ext>
             </a:extLst>
           </p:cNvPr>
@@ -5503,17 +7032,17 @@
             <a:pPr algn="r"/>
             <a:r>
               <a:rPr lang="ru-RU" sz="2800" b="1" dirty="0"/>
-              <a:t>Предложенный метод</a:t>
+              <a:t>Схема работы модели</a:t>
             </a:r>
           </a:p>
         </p:txBody>
       </p:sp>
       <p:pic>
         <p:nvPicPr>
-          <p:cNvPr id="6" name="Рисунок 5">
+          <p:cNvPr id="3" name="Рисунок 2">
             <a:extLst>
               <a:ext uri="{FF2B5EF4-FFF2-40B4-BE49-F238E27FC236}">
-                <a16:creationId xmlns:a16="http://schemas.microsoft.com/office/drawing/2014/main" id="{83182BF9-7236-5332-8EE9-14A3881B167B}"/>
+                <a16:creationId xmlns:a16="http://schemas.microsoft.com/office/drawing/2014/main" id="{B0D140B7-0976-82C7-2421-EF74737AC02C}"/>
               </a:ext>
             </a:extLst>
           </p:cNvPr>
@@ -5523,31 +7052,36 @@
           <p:nvPr/>
         </p:nvPicPr>
         <p:blipFill>
-          <a:blip r:embed="rId4">
+          <a:blip r:embed="rId5">
             <a:extLst>
               <a:ext uri="{28A0092B-C50C-407E-A947-70E740481C1C}">
                 <a14:useLocalDpi xmlns:a14="http://schemas.microsoft.com/office/drawing/2010/main" val="0"/>
               </a:ext>
             </a:extLst>
           </a:blip>
+          <a:srcRect/>
           <a:stretch>
             <a:fillRect/>
           </a:stretch>
         </p:blipFill>
-        <p:spPr>
+        <p:spPr bwMode="auto">
           <a:xfrm>
-            <a:off x="4451389" y="865800"/>
-            <a:ext cx="3289221" cy="5301208"/>
+            <a:off x="4439816" y="980728"/>
+            <a:ext cx="3494803" cy="5379194"/>
           </a:xfrm>
           <a:prstGeom prst="rect">
             <a:avLst/>
           </a:prstGeom>
+          <a:noFill/>
+          <a:ln>
+            <a:noFill/>
+          </a:ln>
         </p:spPr>
       </p:pic>
     </p:spTree>
     <p:extLst>
       <p:ext uri="{BB962C8B-B14F-4D97-AF65-F5344CB8AC3E}">
-        <p14:creationId xmlns:p14="http://schemas.microsoft.com/office/powerpoint/2010/main" val="494879879"/>
+        <p14:creationId xmlns:p14="http://schemas.microsoft.com/office/powerpoint/2010/main" val="1620357934"/>
       </p:ext>
     </p:extLst>
   </p:cSld>
@@ -5557,7 +7091,7 @@
 </p:sld>
 </file>
 
-<file path=ppt/slides/slide6.xml><?xml version="1.0" encoding="utf-8"?>
+<file path=ppt/slides/slide7.xml><?xml version="1.0" encoding="utf-8"?>
 <p:sld xmlns:a="http://schemas.openxmlformats.org/drawingml/2006/main" xmlns:r="http://schemas.openxmlformats.org/officeDocument/2006/relationships" xmlns:p="http://schemas.openxmlformats.org/presentationml/2006/main">
   <p:cSld>
     <p:spTree>
@@ -5565,7 +7099,7 @@
         <p:cNvPr id="1" name="">
           <a:extLst>
             <a:ext uri="{FF2B5EF4-FFF2-40B4-BE49-F238E27FC236}">
-              <a16:creationId xmlns:a16="http://schemas.microsoft.com/office/drawing/2014/main" id="{1F8CF7C3-D8B4-658C-0CED-EB32F3EB5BC0}"/>
+              <a16:creationId xmlns:a16="http://schemas.microsoft.com/office/drawing/2014/main" id="{7020B80E-177B-008F-79BE-BA9DB293BD51}"/>
             </a:ext>
           </a:extLst>
         </p:cNvPr>
@@ -5585,7 +7119,7 @@
           <p:cNvPr id="4" name="Рисунок 3">
             <a:extLst>
               <a:ext uri="{FF2B5EF4-FFF2-40B4-BE49-F238E27FC236}">
-                <a16:creationId xmlns:a16="http://schemas.microsoft.com/office/drawing/2014/main" id="{D75D53F1-57AD-9F1E-FCFB-7F02668A0F84}"/>
+                <a16:creationId xmlns:a16="http://schemas.microsoft.com/office/drawing/2014/main" id="{67DF32B5-4020-CFA6-5867-624DA7F26AFC}"/>
               </a:ext>
             </a:extLst>
           </p:cNvPr>
@@ -5595,7 +7129,7 @@
           <p:nvPr/>
         </p:nvPicPr>
         <p:blipFill>
-          <a:blip r:embed="rId2"/>
+          <a:blip r:embed="rId3"/>
           <a:stretch/>
         </p:blipFill>
         <p:spPr bwMode="auto">
@@ -5613,7 +7147,7 @@
           <p:cNvPr id="7" name="Рисунок 6">
             <a:extLst>
               <a:ext uri="{FF2B5EF4-FFF2-40B4-BE49-F238E27FC236}">
-                <a16:creationId xmlns:a16="http://schemas.microsoft.com/office/drawing/2014/main" id="{5C6B35C2-100B-FBAF-7629-74404D22C345}"/>
+                <a16:creationId xmlns:a16="http://schemas.microsoft.com/office/drawing/2014/main" id="{76F4E589-4F87-7C59-3005-46C125B1E11A}"/>
               </a:ext>
             </a:extLst>
           </p:cNvPr>
@@ -5623,7 +7157,7 @@
           <p:nvPr/>
         </p:nvPicPr>
         <p:blipFill>
-          <a:blip r:embed="rId3" cstate="print">
+          <a:blip r:embed="rId4" cstate="print">
             <a:extLst>
               <a:ext uri="{28A0092B-C50C-407E-A947-70E740481C1C}">
                 <a14:useLocalDpi xmlns:a14="http://schemas.microsoft.com/office/drawing/2010/main" val="0"/>
@@ -5649,7 +7183,7 @@
           <p:cNvPr id="2" name="TextBox 1">
             <a:extLst>
               <a:ext uri="{FF2B5EF4-FFF2-40B4-BE49-F238E27FC236}">
-                <a16:creationId xmlns:a16="http://schemas.microsoft.com/office/drawing/2014/main" id="{9789D5D6-95D6-5E14-DD87-AD5123CA0E6A}"/>
+                <a16:creationId xmlns:a16="http://schemas.microsoft.com/office/drawing/2014/main" id="{B5BD7B52-5F86-9333-BE65-102A0965DFCE}"/>
               </a:ext>
             </a:extLst>
           </p:cNvPr>
@@ -5675,7 +7209,7 @@
             <a:pPr algn="r"/>
             <a:r>
               <a:rPr lang="ru-RU" sz="2800" b="1" dirty="0"/>
-              <a:t>Определение месторасположения разряда</a:t>
+              <a:t>Реализация прототипа</a:t>
             </a:r>
           </a:p>
         </p:txBody>
@@ -5685,7 +7219,7 @@
           <p:cNvPr id="5" name="TextBox 4">
             <a:extLst>
               <a:ext uri="{FF2B5EF4-FFF2-40B4-BE49-F238E27FC236}">
-                <a16:creationId xmlns:a16="http://schemas.microsoft.com/office/drawing/2014/main" id="{907DD04C-C19B-4341-9E45-B07930F0D832}"/>
+                <a16:creationId xmlns:a16="http://schemas.microsoft.com/office/drawing/2014/main" id="{AA5299C2-A253-28BF-F2C7-FA4AB3F3EC9E}"/>
               </a:ext>
             </a:extLst>
           </p:cNvPr>
@@ -5694,8 +7228,8 @@
         </p:nvSpPr>
         <p:spPr>
           <a:xfrm>
-            <a:off x="659396" y="1124744"/>
-            <a:ext cx="10873208" cy="1295163"/>
+            <a:off x="695400" y="1268760"/>
+            <a:ext cx="10873208" cy="2954655"/>
           </a:xfrm>
           <a:prstGeom prst="rect">
             <a:avLst/>
@@ -5718,56 +7252,194 @@
               </a:tabLst>
             </a:pPr>
             <a:r>
-              <a:rPr lang="ru-RU" dirty="0">
+              <a:rPr lang="ru-RU" sz="1800" dirty="0">
+                <a:effectLst/>
                 <a:latin typeface="Roboto" panose="02000000000000000000" pitchFamily="2" charset="0"/>
                 <a:ea typeface="Roboto" panose="02000000000000000000" pitchFamily="2" charset="0"/>
                 <a:cs typeface="Roboto" panose="02000000000000000000" pitchFamily="2" charset="0"/>
               </a:rPr>
-              <a:t>Наибольшая напряженность электрического поля формируется в области минимального расстояния между электродами. Таким образом для определения расположения разряда следует найти самую близкую к электроду точку.</a:t>
-            </a:r>
-            <a:endParaRPr lang="ru-RU" sz="1800" dirty="0">
-              <a:effectLst/>
-              <a:latin typeface="Roboto" panose="02000000000000000000" pitchFamily="2" charset="0"/>
-              <a:ea typeface="Roboto" panose="02000000000000000000" pitchFamily="2" charset="0"/>
-              <a:cs typeface="Roboto" panose="02000000000000000000" pitchFamily="2" charset="0"/>
-            </a:endParaRPr>
-          </a:p>
-        </p:txBody>
-      </p:sp>
-      <p:pic>
-        <p:nvPicPr>
-          <p:cNvPr id="6" name="Рисунок 5">
-            <a:extLst>
-              <a:ext uri="{FF2B5EF4-FFF2-40B4-BE49-F238E27FC236}">
-                <a16:creationId xmlns:a16="http://schemas.microsoft.com/office/drawing/2014/main" id="{69E9C9C8-BD36-F8AA-B9DB-6A1116231E49}"/>
-              </a:ext>
-            </a:extLst>
-          </p:cNvPr>
-          <p:cNvPicPr>
-            <a:picLocks noChangeAspect="1"/>
-          </p:cNvPicPr>
-          <p:nvPr/>
-        </p:nvPicPr>
-        <p:blipFill>
-          <a:blip r:embed="rId4"/>
-          <a:stretch>
-            <a:fillRect/>
-          </a:stretch>
-        </p:blipFill>
-        <p:spPr>
-          <a:xfrm>
-            <a:off x="3484827" y="3429000"/>
-            <a:ext cx="5222346" cy="1008111"/>
-          </a:xfrm>
-          <a:prstGeom prst="rect">
-            <a:avLst/>
-          </a:prstGeom>
-        </p:spPr>
-      </p:pic>
+              <a:t>Язык программирования: Python.</a:t>
+            </a:r>
+          </a:p>
+          <a:p>
+            <a:pPr lvl="0" algn="just">
+              <a:lnSpc>
+                <a:spcPct val="150000"/>
+              </a:lnSpc>
+              <a:buSzPts val="1000"/>
+              <a:tabLst>
+                <a:tab pos="457200" algn="l"/>
+              </a:tabLst>
+            </a:pPr>
+            <a:r>
+              <a:rPr lang="ru-RU" sz="1800" dirty="0">
+                <a:effectLst/>
+                <a:latin typeface="Roboto" panose="02000000000000000000" pitchFamily="2" charset="0"/>
+                <a:ea typeface="Roboto" panose="02000000000000000000" pitchFamily="2" charset="0"/>
+                <a:cs typeface="Roboto" panose="02000000000000000000" pitchFamily="2" charset="0"/>
+              </a:rPr>
+              <a:t>Краткое описание структуры скрипта:</a:t>
+            </a:r>
+          </a:p>
+          <a:p>
+            <a:pPr marL="285750" lvl="0" indent="-285750" algn="just">
+              <a:lnSpc>
+                <a:spcPct val="150000"/>
+              </a:lnSpc>
+              <a:buSzPts val="1000"/>
+              <a:buFont typeface="Arial" panose="020B0604020202020204" pitchFamily="34" charset="0"/>
+              <a:buChar char="•"/>
+              <a:tabLst>
+                <a:tab pos="457200" algn="l"/>
+              </a:tabLst>
+            </a:pPr>
+            <a:r>
+              <a:rPr lang="ru-RU" sz="1800" dirty="0">
+                <a:effectLst/>
+                <a:latin typeface="Roboto" panose="02000000000000000000" pitchFamily="2" charset="0"/>
+                <a:ea typeface="Roboto" panose="02000000000000000000" pitchFamily="2" charset="0"/>
+                <a:cs typeface="Roboto" panose="02000000000000000000" pitchFamily="2" charset="0"/>
+              </a:rPr>
+              <a:t>Модуль задания параметров.</a:t>
+            </a:r>
+          </a:p>
+          <a:p>
+            <a:pPr marL="285750" lvl="0" indent="-285750" algn="just">
+              <a:lnSpc>
+                <a:spcPct val="150000"/>
+              </a:lnSpc>
+              <a:buSzPts val="1000"/>
+              <a:buFont typeface="Arial" panose="020B0604020202020204" pitchFamily="34" charset="0"/>
+              <a:buChar char="•"/>
+              <a:tabLst>
+                <a:tab pos="457200" algn="l"/>
+              </a:tabLst>
+            </a:pPr>
+            <a:r>
+              <a:rPr lang="ru-RU" sz="1800" dirty="0">
+                <a:effectLst/>
+                <a:latin typeface="Roboto" panose="02000000000000000000" pitchFamily="2" charset="0"/>
+                <a:ea typeface="Roboto" panose="02000000000000000000" pitchFamily="2" charset="0"/>
+                <a:cs typeface="Roboto" panose="02000000000000000000" pitchFamily="2" charset="0"/>
+              </a:rPr>
+              <a:t>Функция расчета ΔV за импульс.</a:t>
+            </a:r>
+          </a:p>
+          <a:p>
+            <a:pPr marL="285750" lvl="0" indent="-285750" algn="just">
+              <a:lnSpc>
+                <a:spcPct val="150000"/>
+              </a:lnSpc>
+              <a:buSzPts val="1000"/>
+              <a:buFont typeface="Arial" panose="020B0604020202020204" pitchFamily="34" charset="0"/>
+              <a:buChar char="•"/>
+              <a:tabLst>
+                <a:tab pos="457200" algn="l"/>
+              </a:tabLst>
+            </a:pPr>
+            <a:r>
+              <a:rPr lang="ru-RU" sz="1800" dirty="0">
+                <a:effectLst/>
+                <a:latin typeface="Roboto" panose="02000000000000000000" pitchFamily="2" charset="0"/>
+                <a:ea typeface="Roboto" panose="02000000000000000000" pitchFamily="2" charset="0"/>
+                <a:cs typeface="Roboto" panose="02000000000000000000" pitchFamily="2" charset="0"/>
+              </a:rPr>
+              <a:t>Функция расчета глубины кратеров.</a:t>
+            </a:r>
+          </a:p>
+          <a:p>
+            <a:pPr marL="285750" lvl="0" indent="-285750" algn="just">
+              <a:lnSpc>
+                <a:spcPct val="150000"/>
+              </a:lnSpc>
+              <a:buSzPts val="1000"/>
+              <a:buFont typeface="Arial" panose="020B0604020202020204" pitchFamily="34" charset="0"/>
+              <a:buChar char="•"/>
+              <a:tabLst>
+                <a:tab pos="457200" algn="l"/>
+              </a:tabLst>
+            </a:pPr>
+            <a:r>
+              <a:rPr lang="ru-RU" sz="1800" dirty="0">
+                <a:effectLst/>
+                <a:latin typeface="Roboto" panose="02000000000000000000" pitchFamily="2" charset="0"/>
+                <a:ea typeface="Roboto" panose="02000000000000000000" pitchFamily="2" charset="0"/>
+                <a:cs typeface="Roboto" panose="02000000000000000000" pitchFamily="2" charset="0"/>
+              </a:rPr>
+              <a:t>Функция генерации </a:t>
+            </a:r>
+            <a:r>
+              <a:rPr lang="ru-RU" sz="1800" dirty="0" err="1">
+                <a:effectLst/>
+                <a:latin typeface="Roboto" panose="02000000000000000000" pitchFamily="2" charset="0"/>
+                <a:ea typeface="Roboto" panose="02000000000000000000" pitchFamily="2" charset="0"/>
+                <a:cs typeface="Roboto" panose="02000000000000000000" pitchFamily="2" charset="0"/>
+              </a:rPr>
+              <a:t>OpenSCAD</a:t>
+            </a:r>
+            <a:r>
+              <a:rPr lang="ru-RU" sz="1800" dirty="0">
+                <a:effectLst/>
+                <a:latin typeface="Roboto" panose="02000000000000000000" pitchFamily="2" charset="0"/>
+                <a:ea typeface="Roboto" panose="02000000000000000000" pitchFamily="2" charset="0"/>
+                <a:cs typeface="Roboto" panose="02000000000000000000" pitchFamily="2" charset="0"/>
+              </a:rPr>
+              <a:t> кода.</a:t>
+            </a:r>
+          </a:p>
+          <a:p>
+            <a:pPr lvl="0" algn="just">
+              <a:lnSpc>
+                <a:spcPct val="150000"/>
+              </a:lnSpc>
+              <a:buSzPts val="1000"/>
+              <a:tabLst>
+                <a:tab pos="457200" algn="l"/>
+              </a:tabLst>
+            </a:pPr>
+            <a:r>
+              <a:rPr lang="ru-RU" sz="1800" dirty="0">
+                <a:effectLst/>
+                <a:latin typeface="Roboto" panose="02000000000000000000" pitchFamily="2" charset="0"/>
+                <a:ea typeface="Roboto" panose="02000000000000000000" pitchFamily="2" charset="0"/>
+                <a:cs typeface="Roboto" panose="02000000000000000000" pitchFamily="2" charset="0"/>
+              </a:rPr>
+              <a:t>Для визуализации использовалась программа </a:t>
+            </a:r>
+            <a:r>
+              <a:rPr lang="ru-RU" sz="1800" dirty="0" err="1">
+                <a:effectLst/>
+                <a:latin typeface="Roboto" panose="02000000000000000000" pitchFamily="2" charset="0"/>
+                <a:ea typeface="Roboto" panose="02000000000000000000" pitchFamily="2" charset="0"/>
+                <a:cs typeface="Roboto" panose="02000000000000000000" pitchFamily="2" charset="0"/>
+              </a:rPr>
+              <a:t>OpenSCA</a:t>
+            </a:r>
+            <a:r>
+              <a:rPr lang="en-US" sz="1800" dirty="0">
+                <a:effectLst/>
+                <a:latin typeface="Roboto" panose="02000000000000000000" pitchFamily="2" charset="0"/>
+                <a:ea typeface="Roboto" panose="02000000000000000000" pitchFamily="2" charset="0"/>
+                <a:cs typeface="Roboto" panose="02000000000000000000" pitchFamily="2" charset="0"/>
+              </a:rPr>
+              <a:t>D</a:t>
+            </a:r>
+            <a:r>
+              <a:rPr lang="ru-RU" sz="1800" dirty="0">
+                <a:effectLst/>
+                <a:latin typeface="Roboto" panose="02000000000000000000" pitchFamily="2" charset="0"/>
+                <a:ea typeface="Roboto" panose="02000000000000000000" pitchFamily="2" charset="0"/>
+                <a:cs typeface="Roboto" panose="02000000000000000000" pitchFamily="2" charset="0"/>
+              </a:rPr>
+              <a:t>.</a:t>
+            </a:r>
+          </a:p>
+        </p:txBody>
+      </p:sp>
     </p:spTree>
     <p:extLst>
       <p:ext uri="{BB962C8B-B14F-4D97-AF65-F5344CB8AC3E}">
-        <p14:creationId xmlns:p14="http://schemas.microsoft.com/office/powerpoint/2010/main" val="701701354"/>
+        <p14:creationId xmlns:p14="http://schemas.microsoft.com/office/powerpoint/2010/main" val="4235874569"/>
       </p:ext>
     </p:extLst>
   </p:cSld>
@@ -5777,7 +7449,7 @@
 </p:sld>
 </file>
 
-<file path=ppt/slides/slide7.xml><?xml version="1.0" encoding="utf-8"?>
+<file path=ppt/slides/slide8.xml><?xml version="1.0" encoding="utf-8"?>
 <p:sld xmlns:a="http://schemas.openxmlformats.org/drawingml/2006/main" xmlns:r="http://schemas.openxmlformats.org/officeDocument/2006/relationships" xmlns:p="http://schemas.openxmlformats.org/presentationml/2006/main">
   <p:cSld>
     <p:spTree>
@@ -5785,7 +7457,7 @@
         <p:cNvPr id="1" name="">
           <a:extLst>
             <a:ext uri="{FF2B5EF4-FFF2-40B4-BE49-F238E27FC236}">
-              <a16:creationId xmlns:a16="http://schemas.microsoft.com/office/drawing/2014/main" id="{54D1847F-0406-0BD5-826C-CD804037DAC1}"/>
+              <a16:creationId xmlns:a16="http://schemas.microsoft.com/office/drawing/2014/main" id="{9C1953B2-D41A-063A-837F-3A6A7E46C5DE}"/>
             </a:ext>
           </a:extLst>
         </p:cNvPr>
@@ -5805,7 +7477,7 @@
           <p:cNvPr id="4" name="Рисунок 3">
             <a:extLst>
               <a:ext uri="{FF2B5EF4-FFF2-40B4-BE49-F238E27FC236}">
-                <a16:creationId xmlns:a16="http://schemas.microsoft.com/office/drawing/2014/main" id="{25BEA8E1-2864-B053-6BE5-6CB5514BA124}"/>
+                <a16:creationId xmlns:a16="http://schemas.microsoft.com/office/drawing/2014/main" id="{21353C53-0CA5-761A-E11C-FBE671DD4FEC}"/>
               </a:ext>
             </a:extLst>
           </p:cNvPr>
@@ -5815,7 +7487,7 @@
           <p:nvPr/>
         </p:nvPicPr>
         <p:blipFill>
-          <a:blip r:embed="rId2"/>
+          <a:blip r:embed="rId3"/>
           <a:stretch/>
         </p:blipFill>
         <p:spPr bwMode="auto">
@@ -5833,7 +7505,7 @@
           <p:cNvPr id="7" name="Рисунок 6">
             <a:extLst>
               <a:ext uri="{FF2B5EF4-FFF2-40B4-BE49-F238E27FC236}">
-                <a16:creationId xmlns:a16="http://schemas.microsoft.com/office/drawing/2014/main" id="{1EDE4E6B-B401-8B98-88DF-F829DC4192B9}"/>
+                <a16:creationId xmlns:a16="http://schemas.microsoft.com/office/drawing/2014/main" id="{35644070-4EAF-0745-6FE7-32179C1DAEB9}"/>
               </a:ext>
             </a:extLst>
           </p:cNvPr>
@@ -5843,7 +7515,7 @@
           <p:nvPr/>
         </p:nvPicPr>
         <p:blipFill>
-          <a:blip r:embed="rId3" cstate="print">
+          <a:blip r:embed="rId4" cstate="print">
             <a:extLst>
               <a:ext uri="{28A0092B-C50C-407E-A947-70E740481C1C}">
                 <a14:useLocalDpi xmlns:a14="http://schemas.microsoft.com/office/drawing/2010/main" val="0"/>
@@ -5869,7 +7541,7 @@
           <p:cNvPr id="2" name="TextBox 1">
             <a:extLst>
               <a:ext uri="{FF2B5EF4-FFF2-40B4-BE49-F238E27FC236}">
-                <a16:creationId xmlns:a16="http://schemas.microsoft.com/office/drawing/2014/main" id="{D30446D9-C1A0-7554-9E3D-330F0916917E}"/>
+                <a16:creationId xmlns:a16="http://schemas.microsoft.com/office/drawing/2014/main" id="{F90EA0C8-7E5F-2F53-EE06-3279AA1758BA}"/>
               </a:ext>
             </a:extLst>
           </p:cNvPr>
@@ -5894,9 +7566,10 @@
           <a:p>
             <a:pPr algn="r"/>
             <a:r>
-              <a:rPr lang="ru-RU" sz="2800" b="1" dirty="0"/>
-              <a:t>Расчет радиуса плазменного канала</a:t>
-            </a:r>
+              <a:rPr lang="ru-RU" sz="2800" dirty="0"/>
+              <a:t>Параметры вычислительного эксперимента</a:t>
+            </a:r>
+            <a:endParaRPr lang="ru-RU" sz="2800" b="1" dirty="0"/>
           </a:p>
         </p:txBody>
       </p:sp>
@@ -5905,7 +7578,7 @@
           <p:cNvPr id="5" name="TextBox 4">
             <a:extLst>
               <a:ext uri="{FF2B5EF4-FFF2-40B4-BE49-F238E27FC236}">
-                <a16:creationId xmlns:a16="http://schemas.microsoft.com/office/drawing/2014/main" id="{1B732FAA-D34D-A083-D744-38D32E2DC6D2}"/>
+                <a16:creationId xmlns:a16="http://schemas.microsoft.com/office/drawing/2014/main" id="{7F035F40-5C85-398B-23F8-273ABD59F054}"/>
               </a:ext>
             </a:extLst>
           </p:cNvPr>
@@ -5914,8 +7587,8 @@
         </p:nvSpPr>
         <p:spPr>
           <a:xfrm>
-            <a:off x="659396" y="2784464"/>
-            <a:ext cx="10873208" cy="1289071"/>
+            <a:off x="695400" y="1268760"/>
+            <a:ext cx="10873208" cy="4616648"/>
           </a:xfrm>
           <a:prstGeom prst="rect">
             <a:avLst/>
@@ -5928,10 +7601,14 @@
           </a:bodyPr>
           <a:lstStyle/>
           <a:p>
-            <a:pPr indent="450215" algn="just">
+            <a:pPr lvl="0" algn="just">
               <a:lnSpc>
                 <a:spcPct val="150000"/>
               </a:lnSpc>
+              <a:buSzPts val="1000"/>
+              <a:tabLst>
+                <a:tab pos="457200" algn="l"/>
+              </a:tabLst>
             </a:pPr>
             <a:r>
               <a:rPr lang="ru-RU" sz="1800" dirty="0">
@@ -5940,17 +7617,15 @@
                 <a:ea typeface="Roboto" panose="02000000000000000000" pitchFamily="2" charset="0"/>
                 <a:cs typeface="Roboto" panose="02000000000000000000" pitchFamily="2" charset="0"/>
               </a:rPr>
-              <a:t>где:</a:t>
-            </a:r>
-          </a:p>
-          <a:p>
-            <a:pPr marL="342900" lvl="0" indent="-342900" algn="just">
+              <a:t>Цель эксперимента: демонстрация работы модели, влияние числа разрядов.</a:t>
+            </a:r>
+          </a:p>
+          <a:p>
+            <a:pPr lvl="0" algn="just">
               <a:lnSpc>
                 <a:spcPct val="150000"/>
               </a:lnSpc>
               <a:buSzPts val="1000"/>
-              <a:buFont typeface="Symbol" panose="05050102010706020507" pitchFamily="18" charset="2"/>
-              <a:buChar char=""/>
               <a:tabLst>
                 <a:tab pos="457200" algn="l"/>
               </a:tabLst>
@@ -5962,21 +7637,94 @@
                 <a:ea typeface="Roboto" panose="02000000000000000000" pitchFamily="2" charset="0"/>
                 <a:cs typeface="Roboto" panose="02000000000000000000" pitchFamily="2" charset="0"/>
               </a:rPr>
-              <a:t>I — ток разряда;</a:t>
-            </a:r>
-          </a:p>
-          <a:p>
-            <a:pPr marL="342900" lvl="0" indent="-342900" algn="just">
+              <a:t>Материал: Сталь C45.</a:t>
+            </a:r>
+          </a:p>
+          <a:p>
+            <a:pPr lvl="0" algn="just">
               <a:lnSpc>
                 <a:spcPct val="150000"/>
               </a:lnSpc>
               <a:buSzPts val="1000"/>
-              <a:buFont typeface="Symbol" panose="05050102010706020507" pitchFamily="18" charset="2"/>
-              <a:buChar char=""/>
               <a:tabLst>
                 <a:tab pos="457200" algn="l"/>
               </a:tabLst>
             </a:pPr>
+            <a:r>
+              <a:rPr lang="ru-RU" sz="1800" dirty="0">
+                <a:effectLst/>
+                <a:latin typeface="Roboto" panose="02000000000000000000" pitchFamily="2" charset="0"/>
+                <a:ea typeface="Roboto" panose="02000000000000000000" pitchFamily="2" charset="0"/>
+                <a:cs typeface="Roboto" panose="02000000000000000000" pitchFamily="2" charset="0"/>
+              </a:rPr>
+              <a:t>Основные параметры ЭЭО: </a:t>
+            </a:r>
+          </a:p>
+          <a:p>
+            <a:pPr marL="285750" lvl="0" indent="-285750" algn="just">
+              <a:lnSpc>
+                <a:spcPct val="150000"/>
+              </a:lnSpc>
+              <a:buSzPts val="1000"/>
+              <a:buFont typeface="Arial" panose="020B0604020202020204" pitchFamily="34" charset="0"/>
+              <a:buChar char="•"/>
+              <a:tabLst>
+                <a:tab pos="457200" algn="l"/>
+              </a:tabLst>
+            </a:pPr>
+            <a:r>
+              <a:rPr lang="ru-RU" sz="1800" dirty="0">
+                <a:effectLst/>
+                <a:latin typeface="Roboto" panose="02000000000000000000" pitchFamily="2" charset="0"/>
+                <a:ea typeface="Roboto" panose="02000000000000000000" pitchFamily="2" charset="0"/>
+                <a:cs typeface="Roboto" panose="02000000000000000000" pitchFamily="2" charset="0"/>
+              </a:rPr>
+              <a:t>U=160 В, </a:t>
+            </a:r>
+          </a:p>
+          <a:p>
+            <a:pPr marL="285750" lvl="0" indent="-285750" algn="just">
+              <a:lnSpc>
+                <a:spcPct val="150000"/>
+              </a:lnSpc>
+              <a:buSzPts val="1000"/>
+              <a:buFont typeface="Arial" panose="020B0604020202020204" pitchFamily="34" charset="0"/>
+              <a:buChar char="•"/>
+              <a:tabLst>
+                <a:tab pos="457200" algn="l"/>
+              </a:tabLst>
+            </a:pPr>
+            <a:r>
+              <a:rPr lang="ru-RU" sz="1800" dirty="0">
+                <a:effectLst/>
+                <a:latin typeface="Roboto" panose="02000000000000000000" pitchFamily="2" charset="0"/>
+                <a:ea typeface="Roboto" panose="02000000000000000000" pitchFamily="2" charset="0"/>
+                <a:cs typeface="Roboto" panose="02000000000000000000" pitchFamily="2" charset="0"/>
+              </a:rPr>
+              <a:t>I=8 А, </a:t>
+            </a:r>
+          </a:p>
+          <a:p>
+            <a:pPr marL="285750" lvl="0" indent="-285750" algn="just">
+              <a:lnSpc>
+                <a:spcPct val="150000"/>
+              </a:lnSpc>
+              <a:buSzPts val="1000"/>
+              <a:buFont typeface="Arial" panose="020B0604020202020204" pitchFamily="34" charset="0"/>
+              <a:buChar char="•"/>
+              <a:tabLst>
+                <a:tab pos="457200" algn="l"/>
+              </a:tabLst>
+            </a:pPr>
+            <a:r>
+              <a:rPr lang="ru-RU" sz="1800" dirty="0">
+                <a:effectLst/>
+                <a:latin typeface="Roboto" panose="02000000000000000000" pitchFamily="2" charset="0"/>
+                <a:ea typeface="Roboto" panose="02000000000000000000" pitchFamily="2" charset="0"/>
+                <a:cs typeface="Roboto" panose="02000000000000000000" pitchFamily="2" charset="0"/>
+              </a:rPr>
+              <a:t>t </a:t>
+            </a:r>
             <a:r>
               <a:rPr lang="ru-RU" sz="1800" dirty="0" err="1">
                 <a:effectLst/>
@@ -5984,7 +7732,16 @@
                 <a:ea typeface="Roboto" panose="02000000000000000000" pitchFamily="2" charset="0"/>
                 <a:cs typeface="Roboto" panose="02000000000000000000" pitchFamily="2" charset="0"/>
               </a:rPr>
-              <a:t>to</a:t>
+              <a:t>pulse</a:t>
+            </a:r>
+            <a:r>
+              <a:rPr lang="ru-RU" sz="1800" dirty="0">
+                <a:effectLst/>
+                <a:latin typeface="Roboto" panose="02000000000000000000" pitchFamily="2" charset="0"/>
+                <a:ea typeface="Roboto" panose="02000000000000000000" pitchFamily="2" charset="0"/>
+                <a:cs typeface="Roboto" panose="02000000000000000000" pitchFamily="2" charset="0"/>
+              </a:rPr>
+              <a:t>​ =100 мкс</a:t>
             </a:r>
             <a:r>
               <a:rPr lang="en-US" sz="1800" dirty="0">
@@ -5993,7 +7750,53 @@
                 <a:ea typeface="Roboto" panose="02000000000000000000" pitchFamily="2" charset="0"/>
                 <a:cs typeface="Roboto" panose="02000000000000000000" pitchFamily="2" charset="0"/>
               </a:rPr>
-              <a:t>n</a:t>
+              <a:t>,</a:t>
+            </a:r>
+            <a:endParaRPr lang="ru-RU" sz="1800" dirty="0">
+              <a:effectLst/>
+              <a:latin typeface="Roboto" panose="02000000000000000000" pitchFamily="2" charset="0"/>
+              <a:ea typeface="Roboto" panose="02000000000000000000" pitchFamily="2" charset="0"/>
+              <a:cs typeface="Roboto" panose="02000000000000000000" pitchFamily="2" charset="0"/>
+            </a:endParaRPr>
+          </a:p>
+          <a:p>
+            <a:pPr marL="285750" lvl="0" indent="-285750" algn="just">
+              <a:lnSpc>
+                <a:spcPct val="150000"/>
+              </a:lnSpc>
+              <a:buSzPts val="1000"/>
+              <a:buFont typeface="Arial" panose="020B0604020202020204" pitchFamily="34" charset="0"/>
+              <a:buChar char="•"/>
+              <a:tabLst>
+                <a:tab pos="457200" algn="l"/>
+              </a:tabLst>
+            </a:pPr>
+            <a:r>
+              <a:rPr lang="en-US" sz="1800" dirty="0">
+                <a:effectLst/>
+                <a:latin typeface="Roboto" panose="02000000000000000000" pitchFamily="2" charset="0"/>
+                <a:ea typeface="Roboto" panose="02000000000000000000" pitchFamily="2" charset="0"/>
+                <a:cs typeface="Roboto" panose="02000000000000000000" pitchFamily="2" charset="0"/>
+              </a:rPr>
+              <a:t>D </a:t>
+            </a:r>
+            <a:r>
+              <a:rPr lang="en-US" sz="1800" dirty="0" err="1">
+                <a:effectLst/>
+                <a:latin typeface="Roboto" panose="02000000000000000000" pitchFamily="2" charset="0"/>
+                <a:ea typeface="Roboto" panose="02000000000000000000" pitchFamily="2" charset="0"/>
+                <a:cs typeface="Roboto" panose="02000000000000000000" pitchFamily="2" charset="0"/>
+              </a:rPr>
+              <a:t>electod</a:t>
+            </a:r>
+            <a:r>
+              <a:rPr lang="en-US" sz="1800" dirty="0">
+                <a:effectLst/>
+                <a:latin typeface="Roboto" panose="02000000000000000000" pitchFamily="2" charset="0"/>
+                <a:ea typeface="Roboto" panose="02000000000000000000" pitchFamily="2" charset="0"/>
+                <a:cs typeface="Roboto" panose="02000000000000000000" pitchFamily="2" charset="0"/>
+              </a:rPr>
+              <a:t> = 0.5 </a:t>
             </a:r>
             <a:r>
               <a:rPr lang="ru-RU" sz="1800" dirty="0">
@@ -6002,45 +7805,131 @@
                 <a:ea typeface="Roboto" panose="02000000000000000000" pitchFamily="2" charset="0"/>
                 <a:cs typeface="Roboto" panose="02000000000000000000" pitchFamily="2" charset="0"/>
               </a:rPr>
-              <a:t>​ — длительность разряда.</a:t>
-            </a:r>
-          </a:p>
-        </p:txBody>
-      </p:sp>
-      <p:pic>
-        <p:nvPicPr>
-          <p:cNvPr id="6" name="Рисунок 5">
-            <a:extLst>
-              <a:ext uri="{FF2B5EF4-FFF2-40B4-BE49-F238E27FC236}">
-                <a16:creationId xmlns:a16="http://schemas.microsoft.com/office/drawing/2014/main" id="{24BF6D3A-0E28-368C-DC7F-16EEDC8CEE5B}"/>
-              </a:ext>
-            </a:extLst>
-          </p:cNvPr>
-          <p:cNvPicPr>
-            <a:picLocks noChangeAspect="1"/>
-          </p:cNvPicPr>
-          <p:nvPr/>
-        </p:nvPicPr>
-        <p:blipFill>
-          <a:blip r:embed="rId4"/>
-          <a:stretch>
-            <a:fillRect/>
-          </a:stretch>
-        </p:blipFill>
-        <p:spPr>
-          <a:xfrm>
-            <a:off x="839416" y="1736571"/>
-            <a:ext cx="4608512" cy="840420"/>
-          </a:xfrm>
-          <a:prstGeom prst="rect">
-            <a:avLst/>
-          </a:prstGeom>
-        </p:spPr>
-      </p:pic>
+              <a:t>мм</a:t>
+            </a:r>
+            <a:r>
+              <a:rPr lang="en-US" dirty="0">
+                <a:latin typeface="Roboto" panose="02000000000000000000" pitchFamily="2" charset="0"/>
+                <a:ea typeface="Roboto" panose="02000000000000000000" pitchFamily="2" charset="0"/>
+                <a:cs typeface="Roboto" panose="02000000000000000000" pitchFamily="2" charset="0"/>
+              </a:rPr>
+              <a:t>.</a:t>
+            </a:r>
+            <a:endParaRPr lang="ru-RU" sz="1800" dirty="0">
+              <a:effectLst/>
+              <a:latin typeface="Roboto" panose="02000000000000000000" pitchFamily="2" charset="0"/>
+              <a:ea typeface="Roboto" panose="02000000000000000000" pitchFamily="2" charset="0"/>
+              <a:cs typeface="Roboto" panose="02000000000000000000" pitchFamily="2" charset="0"/>
+            </a:endParaRPr>
+          </a:p>
+          <a:p>
+            <a:pPr lvl="0" algn="just">
+              <a:lnSpc>
+                <a:spcPct val="150000"/>
+              </a:lnSpc>
+              <a:buSzPts val="1000"/>
+              <a:tabLst>
+                <a:tab pos="457200" algn="l"/>
+              </a:tabLst>
+            </a:pPr>
+            <a:r>
+              <a:rPr lang="ru-RU" sz="1800" dirty="0">
+                <a:effectLst/>
+                <a:latin typeface="Roboto" panose="02000000000000000000" pitchFamily="2" charset="0"/>
+                <a:ea typeface="Roboto" panose="02000000000000000000" pitchFamily="2" charset="0"/>
+                <a:cs typeface="Roboto" panose="02000000000000000000" pitchFamily="2" charset="0"/>
+              </a:rPr>
+              <a:t>Коэффициенты модели: </a:t>
+            </a:r>
+          </a:p>
+          <a:p>
+            <a:pPr marL="285750" lvl="0" indent="-285750" algn="just">
+              <a:lnSpc>
+                <a:spcPct val="150000"/>
+              </a:lnSpc>
+              <a:buSzPts val="1000"/>
+              <a:buFont typeface="Arial" panose="020B0604020202020204" pitchFamily="34" charset="0"/>
+              <a:buChar char="•"/>
+              <a:tabLst>
+                <a:tab pos="457200" algn="l"/>
+              </a:tabLst>
+            </a:pPr>
+            <a:r>
+              <a:rPr lang="ru-RU" sz="1800" dirty="0">
+                <a:effectLst/>
+                <a:latin typeface="Roboto" panose="02000000000000000000" pitchFamily="2" charset="0"/>
+                <a:ea typeface="Roboto" panose="02000000000000000000" pitchFamily="2" charset="0"/>
+                <a:cs typeface="Roboto" panose="02000000000000000000" pitchFamily="2" charset="0"/>
+              </a:rPr>
+              <a:t>C a​ =0.01, </a:t>
+            </a:r>
+          </a:p>
+          <a:p>
+            <a:pPr marL="285750" lvl="0" indent="-285750" algn="just">
+              <a:lnSpc>
+                <a:spcPct val="150000"/>
+              </a:lnSpc>
+              <a:buSzPts val="1000"/>
+              <a:buFont typeface="Arial" panose="020B0604020202020204" pitchFamily="34" charset="0"/>
+              <a:buChar char="•"/>
+              <a:tabLst>
+                <a:tab pos="457200" algn="l"/>
+              </a:tabLst>
+            </a:pPr>
+            <a:r>
+              <a:rPr lang="ru-RU" sz="1800" dirty="0">
+                <a:effectLst/>
+                <a:latin typeface="Roboto" panose="02000000000000000000" pitchFamily="2" charset="0"/>
+                <a:ea typeface="Roboto" panose="02000000000000000000" pitchFamily="2" charset="0"/>
+                <a:cs typeface="Roboto" panose="02000000000000000000" pitchFamily="2" charset="0"/>
+              </a:rPr>
+              <a:t>α </a:t>
+            </a:r>
+            <a:r>
+              <a:rPr lang="ru-RU" sz="1800" dirty="0" err="1">
+                <a:effectLst/>
+                <a:latin typeface="Roboto" panose="02000000000000000000" pitchFamily="2" charset="0"/>
+                <a:ea typeface="Roboto" panose="02000000000000000000" pitchFamily="2" charset="0"/>
+                <a:cs typeface="Roboto" panose="02000000000000000000" pitchFamily="2" charset="0"/>
+              </a:rPr>
+              <a:t>factor</a:t>
+            </a:r>
+            <a:r>
+              <a:rPr lang="ru-RU" sz="1800" dirty="0">
+                <a:effectLst/>
+                <a:latin typeface="Roboto" panose="02000000000000000000" pitchFamily="2" charset="0"/>
+                <a:ea typeface="Roboto" panose="02000000000000000000" pitchFamily="2" charset="0"/>
+                <a:cs typeface="Roboto" panose="02000000000000000000" pitchFamily="2" charset="0"/>
+              </a:rPr>
+              <a:t>​ =0.1.</a:t>
+            </a:r>
+          </a:p>
+          <a:p>
+            <a:pPr lvl="0" algn="just">
+              <a:lnSpc>
+                <a:spcPct val="150000"/>
+              </a:lnSpc>
+              <a:buSzPts val="1000"/>
+              <a:tabLst>
+                <a:tab pos="457200" algn="l"/>
+              </a:tabLst>
+            </a:pPr>
+            <a:r>
+              <a:rPr lang="ru-RU" sz="1800" dirty="0">
+                <a:effectLst/>
+                <a:latin typeface="Roboto" panose="02000000000000000000" pitchFamily="2" charset="0"/>
+                <a:ea typeface="Roboto" panose="02000000000000000000" pitchFamily="2" charset="0"/>
+                <a:cs typeface="Roboto" panose="02000000000000000000" pitchFamily="2" charset="0"/>
+              </a:rPr>
+              <a:t>Количество разрядов для 3-х кратеров: 10 000, 50 000, 100 000.</a:t>
+            </a:r>
+          </a:p>
+        </p:txBody>
+      </p:sp>
     </p:spTree>
     <p:extLst>
       <p:ext uri="{BB962C8B-B14F-4D97-AF65-F5344CB8AC3E}">
-        <p14:creationId xmlns:p14="http://schemas.microsoft.com/office/powerpoint/2010/main" val="1093794617"/>
+        <p14:creationId xmlns:p14="http://schemas.microsoft.com/office/powerpoint/2010/main" val="1254505344"/>
       </p:ext>
     </p:extLst>
   </p:cSld>
@@ -6050,7 +7939,7 @@
 </p:sld>
 </file>
 
-<file path=ppt/slides/slide8.xml><?xml version="1.0" encoding="utf-8"?>
+<file path=ppt/slides/slide9.xml><?xml version="1.0" encoding="utf-8"?>
 <p:sld xmlns:a="http://schemas.openxmlformats.org/drawingml/2006/main" xmlns:r="http://schemas.openxmlformats.org/officeDocument/2006/relationships" xmlns:p="http://schemas.openxmlformats.org/presentationml/2006/main">
   <p:cSld>
     <p:spTree>
@@ -6058,7 +7947,7 @@
         <p:cNvPr id="1" name="">
           <a:extLst>
             <a:ext uri="{FF2B5EF4-FFF2-40B4-BE49-F238E27FC236}">
-              <a16:creationId xmlns:a16="http://schemas.microsoft.com/office/drawing/2014/main" id="{9C847944-C6F8-5E95-FF54-C59F692F4673}"/>
+              <a16:creationId xmlns:a16="http://schemas.microsoft.com/office/drawing/2014/main" id="{2D784589-F3F6-D434-487A-F6EECB92E0DB}"/>
             </a:ext>
           </a:extLst>
         </p:cNvPr>
@@ -6078,7 +7967,7 @@
           <p:cNvPr id="4" name="Рисунок 3">
             <a:extLst>
               <a:ext uri="{FF2B5EF4-FFF2-40B4-BE49-F238E27FC236}">
-                <a16:creationId xmlns:a16="http://schemas.microsoft.com/office/drawing/2014/main" id="{3F263B1F-F87D-445F-4E1D-138ECE5FEDBD}"/>
+                <a16:creationId xmlns:a16="http://schemas.microsoft.com/office/drawing/2014/main" id="{2A26BAE5-F5F2-9BAA-DAC6-62921C6BC62D}"/>
               </a:ext>
             </a:extLst>
           </p:cNvPr>
@@ -6088,7 +7977,7 @@
           <p:nvPr/>
         </p:nvPicPr>
         <p:blipFill>
-          <a:blip r:embed="rId2"/>
+          <a:blip r:embed="rId3"/>
           <a:stretch/>
         </p:blipFill>
         <p:spPr bwMode="auto">
@@ -6106,7 +7995,7 @@
           <p:cNvPr id="7" name="Рисунок 6">
             <a:extLst>
               <a:ext uri="{FF2B5EF4-FFF2-40B4-BE49-F238E27FC236}">
-                <a16:creationId xmlns:a16="http://schemas.microsoft.com/office/drawing/2014/main" id="{E2BA47EF-A325-B09A-E5F1-C212E0908BB4}"/>
+                <a16:creationId xmlns:a16="http://schemas.microsoft.com/office/drawing/2014/main" id="{FDAA3715-A9ED-BF18-CD10-915324FA1DD4}"/>
               </a:ext>
             </a:extLst>
           </p:cNvPr>
@@ -6116,7 +8005,7 @@
           <p:nvPr/>
         </p:nvPicPr>
         <p:blipFill>
-          <a:blip r:embed="rId3" cstate="print">
+          <a:blip r:embed="rId4" cstate="print">
             <a:extLst>
               <a:ext uri="{28A0092B-C50C-407E-A947-70E740481C1C}">
                 <a14:useLocalDpi xmlns:a14="http://schemas.microsoft.com/office/drawing/2010/main" val="0"/>
@@ -6142,7 +8031,7 @@
           <p:cNvPr id="2" name="TextBox 1">
             <a:extLst>
               <a:ext uri="{FF2B5EF4-FFF2-40B4-BE49-F238E27FC236}">
-                <a16:creationId xmlns:a16="http://schemas.microsoft.com/office/drawing/2014/main" id="{48653A01-D621-EC27-B180-3C334D5CB5B7}"/>
+                <a16:creationId xmlns:a16="http://schemas.microsoft.com/office/drawing/2014/main" id="{5D69C042-6D5F-9FE9-A1B7-3D9B285FDACB}"/>
               </a:ext>
             </a:extLst>
           </p:cNvPr>
@@ -6167,9 +8056,10 @@
           <a:p>
             <a:pPr algn="r"/>
             <a:r>
-              <a:rPr lang="ru-RU" sz="2800" b="1" dirty="0"/>
-              <a:t>Расчет теплового потока</a:t>
-            </a:r>
+              <a:rPr lang="ru-RU" sz="2800" dirty="0"/>
+              <a:t>Результаты моделирования</a:t>
+            </a:r>
+            <a:endParaRPr lang="ru-RU" sz="2800" b="1" dirty="0"/>
           </a:p>
         </p:txBody>
       </p:sp>
@@ -6178,7 +8068,7 @@
           <p:cNvPr id="5" name="TextBox 4">
             <a:extLst>
               <a:ext uri="{FF2B5EF4-FFF2-40B4-BE49-F238E27FC236}">
-                <a16:creationId xmlns:a16="http://schemas.microsoft.com/office/drawing/2014/main" id="{B336F71B-CBE1-A990-EFE8-43433894701B}"/>
+                <a16:creationId xmlns:a16="http://schemas.microsoft.com/office/drawing/2014/main" id="{1BC95511-6870-7698-DDED-D218A50DFFC7}"/>
               </a:ext>
             </a:extLst>
           </p:cNvPr>
@@ -6187,8 +8077,8 @@
         </p:nvSpPr>
         <p:spPr>
           <a:xfrm>
-            <a:off x="659396" y="2421849"/>
-            <a:ext cx="10873208" cy="1289071"/>
+            <a:off x="695400" y="1268760"/>
+            <a:ext cx="10873208" cy="877163"/>
           </a:xfrm>
           <a:prstGeom prst="rect">
             <a:avLst/>
@@ -6201,121 +8091,343 @@
           </a:bodyPr>
           <a:lstStyle/>
           <a:p>
-            <a:pPr indent="450215" algn="just">
-              <a:lnSpc>
-                <a:spcPct val="150000"/>
-              </a:lnSpc>
-            </a:pPr>
-            <a:r>
-              <a:rPr lang="ru-RU" sz="1800" dirty="0">
-                <a:effectLst/>
-                <a:latin typeface="Roboto" panose="02000000000000000000" pitchFamily="2" charset="0"/>
-                <a:ea typeface="Roboto" panose="02000000000000000000" pitchFamily="2" charset="0"/>
-                <a:cs typeface="Roboto" panose="02000000000000000000" pitchFamily="2" charset="0"/>
-              </a:rPr>
-              <a:t>где:</a:t>
-            </a:r>
-          </a:p>
-          <a:p>
-            <a:pPr marL="342900" lvl="0" indent="-342900" algn="just">
+            <a:pPr lvl="0" algn="just">
               <a:lnSpc>
                 <a:spcPct val="150000"/>
               </a:lnSpc>
               <a:buSzPts val="1000"/>
-              <a:buFont typeface="Symbol" panose="05050102010706020507" pitchFamily="18" charset="2"/>
-              <a:buChar char=""/>
               <a:tabLst>
                 <a:tab pos="457200" algn="l"/>
               </a:tabLst>
             </a:pPr>
             <a:r>
-              <a:rPr lang="ru-RU" sz="1800" dirty="0">
+              <a:rPr lang="ru-RU" dirty="0"/>
+              <a:t>Δ</a:t>
+            </a:r>
+            <a:r>
+              <a:rPr lang="ru-RU" dirty="0">
                 <a:effectLst/>
-                <a:latin typeface="Roboto" panose="02000000000000000000" pitchFamily="2" charset="0"/>
-                <a:ea typeface="Roboto" panose="02000000000000000000" pitchFamily="2" charset="0"/>
-                <a:cs typeface="Roboto" panose="02000000000000000000" pitchFamily="2" charset="0"/>
               </a:rPr>
-              <a:t>x</a:t>
-            </a:r>
-            <a:r>
-              <a:rPr lang="ru-RU" sz="1800" i="1" dirty="0">
+              <a:t>V</a:t>
+            </a:r>
+            <a:r>
+              <a:rPr lang="ru-RU" dirty="0"/>
+              <a:t> за 1 разряд: 9.7612×10</a:t>
+            </a:r>
+            <a:r>
+              <a:rPr lang="ru-RU" dirty="0">
                 <a:effectLst/>
-                <a:latin typeface="Roboto" panose="02000000000000000000" pitchFamily="2" charset="0"/>
-                <a:ea typeface="Roboto" panose="02000000000000000000" pitchFamily="2" charset="0"/>
-                <a:cs typeface="Roboto" panose="02000000000000000000" pitchFamily="2" charset="0"/>
               </a:rPr>
-              <a:t> </a:t>
-            </a:r>
-            <a:r>
-              <a:rPr lang="ru-RU" sz="1800" dirty="0">
+              <a:t>−14</a:t>
+            </a:r>
+            <a:r>
+              <a:rPr lang="ru-RU" dirty="0"/>
+              <a:t> м</a:t>
+            </a:r>
+            <a:r>
+              <a:rPr lang="ru-RU" dirty="0">
                 <a:effectLst/>
-                <a:latin typeface="Roboto" panose="02000000000000000000" pitchFamily="2" charset="0"/>
-                <a:ea typeface="Roboto" panose="02000000000000000000" pitchFamily="2" charset="0"/>
-                <a:cs typeface="Roboto" panose="02000000000000000000" pitchFamily="2" charset="0"/>
               </a:rPr>
-              <a:t>— координата, описывающая расстояние от центра канала разряда;</a:t>
-            </a:r>
-          </a:p>
-          <a:p>
-            <a:pPr marL="342900" lvl="0" indent="-342900" algn="just">
+              <a:t>3</a:t>
+            </a:r>
+          </a:p>
+          <a:p>
+            <a:pPr lvl="0" algn="just">
               <a:lnSpc>
                 <a:spcPct val="150000"/>
               </a:lnSpc>
               <a:buSzPts val="1000"/>
-              <a:buFont typeface="Symbol" panose="05050102010706020507" pitchFamily="18" charset="2"/>
-              <a:buChar char=""/>
               <a:tabLst>
                 <a:tab pos="457200" algn="l"/>
               </a:tabLst>
             </a:pPr>
-            <a:r>
-              <a:rPr lang="ru-RU" sz="1800" dirty="0">
-                <a:effectLst/>
-                <a:latin typeface="Roboto" panose="02000000000000000000" pitchFamily="2" charset="0"/>
-                <a:ea typeface="Roboto" panose="02000000000000000000" pitchFamily="2" charset="0"/>
-                <a:cs typeface="Roboto" panose="02000000000000000000" pitchFamily="2" charset="0"/>
-              </a:rPr>
-              <a:t>q0 — максимальный тепловой поток на оси канала разряда, определяемый как:</a:t>
-            </a:r>
-          </a:p>
-        </p:txBody>
-      </p:sp>
-      <p:pic>
-        <p:nvPicPr>
-          <p:cNvPr id="10" name="Рисунок 9">
+            <a:endParaRPr lang="ru-RU" sz="1800" dirty="0">
+              <a:effectLst/>
+              <a:latin typeface="Roboto" panose="02000000000000000000" pitchFamily="2" charset="0"/>
+              <a:ea typeface="Roboto" panose="02000000000000000000" pitchFamily="2" charset="0"/>
+              <a:cs typeface="Roboto" panose="02000000000000000000" pitchFamily="2" charset="0"/>
+            </a:endParaRPr>
+          </a:p>
+        </p:txBody>
+      </p:sp>
+      <p:graphicFrame>
+        <p:nvGraphicFramePr>
+          <p:cNvPr id="3" name="Таблица 2">
             <a:extLst>
               <a:ext uri="{FF2B5EF4-FFF2-40B4-BE49-F238E27FC236}">
-                <a16:creationId xmlns:a16="http://schemas.microsoft.com/office/drawing/2014/main" id="{F0F87113-3F57-C83D-B7C7-9075C672630D}"/>
+                <a16:creationId xmlns:a16="http://schemas.microsoft.com/office/drawing/2014/main" id="{602BB8AD-08F7-6F49-336C-5ED9D6B234CA}"/>
               </a:ext>
             </a:extLst>
           </p:cNvPr>
-          <p:cNvPicPr>
-            <a:picLocks noChangeAspect="1"/>
-          </p:cNvPicPr>
-          <p:nvPr/>
-        </p:nvPicPr>
-        <p:blipFill>
-          <a:blip r:embed="rId4"/>
-          <a:stretch>
-            <a:fillRect/>
-          </a:stretch>
-        </p:blipFill>
-        <p:spPr>
-          <a:xfrm>
-            <a:off x="683917" y="1507782"/>
-            <a:ext cx="3107828" cy="914067"/>
-          </a:xfrm>
-          <a:prstGeom prst="rect">
-            <a:avLst/>
-          </a:prstGeom>
-        </p:spPr>
-      </p:pic>
+          <p:cNvGraphicFramePr>
+            <a:graphicFrameLocks noGrp="1"/>
+          </p:cNvGraphicFramePr>
+          <p:nvPr>
+            <p:extLst>
+              <p:ext uri="{D42A27DB-BD31-4B8C-83A1-F6EECF244321}">
+                <p14:modId xmlns:p14="http://schemas.microsoft.com/office/powerpoint/2010/main" val="4009973989"/>
+              </p:ext>
+            </p:extLst>
+          </p:nvPr>
+        </p:nvGraphicFramePr>
+        <p:xfrm>
+          <a:off x="767408" y="1707341"/>
+          <a:ext cx="6624736" cy="1483360"/>
+        </p:xfrm>
+        <a:graphic>
+          <a:graphicData uri="http://schemas.openxmlformats.org/drawingml/2006/table">
+            <a:tbl>
+              <a:tblPr firstRow="1" bandRow="1">
+                <a:tableStyleId>{5C22544A-7EE6-4342-B048-85BDC9FD1C3A}</a:tableStyleId>
+              </a:tblPr>
+              <a:tblGrid>
+                <a:gridCol w="1512168">
+                  <a:extLst>
+                    <a:ext uri="{9D8B030D-6E8A-4147-A177-3AD203B41FA5}">
+                      <a16:colId xmlns:a16="http://schemas.microsoft.com/office/drawing/2014/main" val="3685197173"/>
+                    </a:ext>
+                  </a:extLst>
+                </a:gridCol>
+                <a:gridCol w="1872208">
+                  <a:extLst>
+                    <a:ext uri="{9D8B030D-6E8A-4147-A177-3AD203B41FA5}">
+                      <a16:colId xmlns:a16="http://schemas.microsoft.com/office/drawing/2014/main" val="3050338938"/>
+                    </a:ext>
+                  </a:extLst>
+                </a:gridCol>
+                <a:gridCol w="3240360">
+                  <a:extLst>
+                    <a:ext uri="{9D8B030D-6E8A-4147-A177-3AD203B41FA5}">
+                      <a16:colId xmlns:a16="http://schemas.microsoft.com/office/drawing/2014/main" val="3752955222"/>
+                    </a:ext>
+                  </a:extLst>
+                </a:gridCol>
+              </a:tblGrid>
+              <a:tr h="370840">
+                <a:tc>
+                  <a:txBody>
+                    <a:bodyPr/>
+                    <a:lstStyle/>
+                    <a:p>
+                      <a:r>
+                        <a:rPr lang="ru-RU" dirty="0"/>
+                        <a:t>№ кратера</a:t>
+                      </a:r>
+                    </a:p>
+                  </a:txBody>
+                  <a:tcPr/>
+                </a:tc>
+                <a:tc>
+                  <a:txBody>
+                    <a:bodyPr/>
+                    <a:lstStyle/>
+                    <a:p>
+                      <a:r>
+                        <a:rPr lang="ru-RU" dirty="0"/>
+                        <a:t>Кол-во разрядов</a:t>
+                      </a:r>
+                    </a:p>
+                  </a:txBody>
+                  <a:tcPr/>
+                </a:tc>
+                <a:tc>
+                  <a:txBody>
+                    <a:bodyPr/>
+                    <a:lstStyle/>
+                    <a:p>
+                      <a:r>
+                        <a:rPr lang="ru-RU" dirty="0"/>
+                        <a:t>Объем удаленного материала</a:t>
+                      </a:r>
+                    </a:p>
+                  </a:txBody>
+                  <a:tcPr/>
+                </a:tc>
+                <a:extLst>
+                  <a:ext uri="{0D108BD9-81ED-4DB2-BD59-A6C34878D82A}">
+                    <a16:rowId xmlns:a16="http://schemas.microsoft.com/office/drawing/2014/main" val="3762774143"/>
+                  </a:ext>
+                </a:extLst>
+              </a:tr>
+              <a:tr h="370840">
+                <a:tc>
+                  <a:txBody>
+                    <a:bodyPr/>
+                    <a:lstStyle/>
+                    <a:p>
+                      <a:r>
+                        <a:rPr lang="ru-RU" dirty="0"/>
+                        <a:t>1</a:t>
+                      </a:r>
+                    </a:p>
+                  </a:txBody>
+                  <a:tcPr/>
+                </a:tc>
+                <a:tc>
+                  <a:txBody>
+                    <a:bodyPr/>
+                    <a:lstStyle/>
+                    <a:p>
+                      <a:r>
+                        <a:rPr lang="en-US" dirty="0"/>
+                        <a:t>1000</a:t>
+                      </a:r>
+                      <a:endParaRPr lang="ru-RU" dirty="0"/>
+                    </a:p>
+                  </a:txBody>
+                  <a:tcPr/>
+                </a:tc>
+                <a:tc>
+                  <a:txBody>
+                    <a:bodyPr/>
+                    <a:lstStyle/>
+                    <a:p>
+                      <a:r>
+                        <a:rPr lang="ru-RU" dirty="0"/>
+                        <a:t>0.00</a:t>
+                      </a:r>
+                      <a:r>
+                        <a:rPr lang="en-US" dirty="0"/>
+                        <a:t>0</a:t>
+                      </a:r>
+                      <a:r>
+                        <a:rPr lang="ru-RU" dirty="0"/>
+                        <a:t>0</a:t>
+                      </a:r>
+                      <a:r>
+                        <a:rPr lang="en-US" dirty="0"/>
+                        <a:t>4971346896768314 </a:t>
+                      </a:r>
+                      <a:r>
+                        <a:rPr lang="ru-RU" dirty="0"/>
+                        <a:t>м</a:t>
+                      </a:r>
+                    </a:p>
+                  </a:txBody>
+                  <a:tcPr/>
+                </a:tc>
+                <a:extLst>
+                  <a:ext uri="{0D108BD9-81ED-4DB2-BD59-A6C34878D82A}">
+                    <a16:rowId xmlns:a16="http://schemas.microsoft.com/office/drawing/2014/main" val="2432588803"/>
+                  </a:ext>
+                </a:extLst>
+              </a:tr>
+              <a:tr h="370840">
+                <a:tc>
+                  <a:txBody>
+                    <a:bodyPr/>
+                    <a:lstStyle/>
+                    <a:p>
+                      <a:r>
+                        <a:rPr lang="ru-RU" dirty="0"/>
+                        <a:t>2</a:t>
+                      </a:r>
+                    </a:p>
+                  </a:txBody>
+                  <a:tcPr/>
+                </a:tc>
+                <a:tc>
+                  <a:txBody>
+                    <a:bodyPr/>
+                    <a:lstStyle/>
+                    <a:p>
+                      <a:r>
+                        <a:rPr lang="ru-RU" dirty="0"/>
+                        <a:t>5</a:t>
+                      </a:r>
+                      <a:r>
+                        <a:rPr lang="en-US" dirty="0"/>
+                        <a:t>0000</a:t>
+                      </a:r>
+                      <a:endParaRPr lang="ru-RU" dirty="0"/>
+                    </a:p>
+                  </a:txBody>
+                  <a:tcPr/>
+                </a:tc>
+                <a:tc>
+                  <a:txBody>
+                    <a:bodyPr/>
+                    <a:lstStyle/>
+                    <a:p>
+                      <a:r>
+                        <a:rPr lang="ru-RU" dirty="0"/>
+                        <a:t>0.0002485673448384157</a:t>
+                      </a:r>
+                      <a:r>
+                        <a:rPr lang="en-US" dirty="0"/>
+                        <a:t> </a:t>
+                      </a:r>
+                      <a:r>
+                        <a:rPr lang="ru-RU" dirty="0"/>
+                        <a:t>м</a:t>
+                      </a:r>
+                    </a:p>
+                  </a:txBody>
+                  <a:tcPr/>
+                </a:tc>
+                <a:extLst>
+                  <a:ext uri="{0D108BD9-81ED-4DB2-BD59-A6C34878D82A}">
+                    <a16:rowId xmlns:a16="http://schemas.microsoft.com/office/drawing/2014/main" val="2967582191"/>
+                  </a:ext>
+                </a:extLst>
+              </a:tr>
+              <a:tr h="370840">
+                <a:tc>
+                  <a:txBody>
+                    <a:bodyPr/>
+                    <a:lstStyle/>
+                    <a:p>
+                      <a:r>
+                        <a:rPr lang="ru-RU" dirty="0"/>
+                        <a:t>3</a:t>
+                      </a:r>
+                    </a:p>
+                  </a:txBody>
+                  <a:tcPr/>
+                </a:tc>
+                <a:tc>
+                  <a:txBody>
+                    <a:bodyPr/>
+                    <a:lstStyle/>
+                    <a:p>
+                      <a:r>
+                        <a:rPr lang="en-US" dirty="0"/>
+                        <a:t>100000</a:t>
+                      </a:r>
+                      <a:endParaRPr lang="ru-RU" dirty="0"/>
+                    </a:p>
+                  </a:txBody>
+                  <a:tcPr/>
+                </a:tc>
+                <a:tc>
+                  <a:txBody>
+                    <a:bodyPr/>
+                    <a:lstStyle/>
+                    <a:p>
+                      <a:r>
+                        <a:rPr lang="ru-RU" dirty="0"/>
+                        <a:t>0.0004971346896768314 м</a:t>
+                      </a:r>
+                    </a:p>
+                  </a:txBody>
+                  <a:tcPr/>
+                </a:tc>
+                <a:extLst>
+                  <a:ext uri="{0D108BD9-81ED-4DB2-BD59-A6C34878D82A}">
+                    <a16:rowId xmlns:a16="http://schemas.microsoft.com/office/drawing/2014/main" val="2994881749"/>
+                  </a:ext>
+                </a:extLst>
+              </a:tr>
+            </a:tbl>
+          </a:graphicData>
+        </a:graphic>
+      </p:graphicFrame>
       <p:pic>
         <p:nvPicPr>
-          <p:cNvPr id="11" name="Рисунок 10">
+          <p:cNvPr id="8" name="Рисунок 7">
             <a:extLst>
               <a:ext uri="{FF2B5EF4-FFF2-40B4-BE49-F238E27FC236}">
-                <a16:creationId xmlns:a16="http://schemas.microsoft.com/office/drawing/2014/main" id="{1D73316C-E299-E1DD-18D7-1B5B3DC5B621}"/>
+                <a16:creationId xmlns:a16="http://schemas.microsoft.com/office/drawing/2014/main" id="{FD175B20-6EB2-41A7-07E1-4F16918EC676}"/>
               </a:ext>
             </a:extLst>
           </p:cNvPr>
@@ -6332,516 +8444,18 @@
         </p:blipFill>
         <p:spPr>
           <a:xfrm>
-            <a:off x="693501" y="3961537"/>
-            <a:ext cx="1912071" cy="1140160"/>
+            <a:off x="767408" y="3356992"/>
+            <a:ext cx="6626344" cy="2977411"/>
           </a:xfrm>
           <a:prstGeom prst="rect">
             <a:avLst/>
           </a:prstGeom>
         </p:spPr>
       </p:pic>
-      <p:sp>
-        <p:nvSpPr>
-          <p:cNvPr id="12" name="TextBox 11">
-            <a:extLst>
-              <a:ext uri="{FF2B5EF4-FFF2-40B4-BE49-F238E27FC236}">
-                <a16:creationId xmlns:a16="http://schemas.microsoft.com/office/drawing/2014/main" id="{059F8E01-575D-58FF-FDD7-CFAD83343E89}"/>
-              </a:ext>
-            </a:extLst>
-          </p:cNvPr>
-          <p:cNvSpPr txBox="1"/>
-          <p:nvPr/>
-        </p:nvSpPr>
-        <p:spPr>
-          <a:xfrm>
-            <a:off x="655538" y="4941168"/>
-            <a:ext cx="10452643" cy="2031325"/>
-          </a:xfrm>
-          <a:prstGeom prst="rect">
-            <a:avLst/>
-          </a:prstGeom>
-          <a:noFill/>
-        </p:spPr>
-        <p:txBody>
-          <a:bodyPr wrap="square" rtlCol="0">
-            <a:spAutoFit/>
-          </a:bodyPr>
-          <a:lstStyle/>
-          <a:p>
-            <a:pPr indent="450215" algn="just">
-              <a:lnSpc>
-                <a:spcPct val="150000"/>
-              </a:lnSpc>
-            </a:pPr>
-            <a:r>
-              <a:rPr lang="ru-RU" sz="1800" dirty="0">
-                <a:effectLst/>
-                <a:latin typeface="Roboto" panose="02000000000000000000" pitchFamily="2" charset="0"/>
-                <a:ea typeface="Roboto" panose="02000000000000000000" pitchFamily="2" charset="0"/>
-                <a:cs typeface="Roboto" panose="02000000000000000000" pitchFamily="2" charset="0"/>
-              </a:rPr>
-              <a:t>где:</a:t>
-            </a:r>
-          </a:p>
-          <a:p>
-            <a:pPr marL="342900" lvl="0" indent="-342900" algn="just">
-              <a:lnSpc>
-                <a:spcPct val="150000"/>
-              </a:lnSpc>
-              <a:buSzPts val="1000"/>
-              <a:buFont typeface="Symbol" panose="05050102010706020507" pitchFamily="18" charset="2"/>
-              <a:buChar char=""/>
-              <a:tabLst>
-                <a:tab pos="457200" algn="l"/>
-              </a:tabLst>
-            </a:pPr>
-            <a:r>
-              <a:rPr lang="ru-RU" sz="1800" dirty="0">
-                <a:effectLst/>
-                <a:latin typeface="Roboto" panose="02000000000000000000" pitchFamily="2" charset="0"/>
-                <a:ea typeface="Roboto" panose="02000000000000000000" pitchFamily="2" charset="0"/>
-                <a:cs typeface="Roboto" panose="02000000000000000000" pitchFamily="2" charset="0"/>
-              </a:rPr>
-              <a:t>E=</a:t>
-            </a:r>
-            <a:r>
-              <a:rPr lang="ru-RU" sz="1800" dirty="0" err="1">
-                <a:effectLst/>
-                <a:latin typeface="Roboto" panose="02000000000000000000" pitchFamily="2" charset="0"/>
-                <a:ea typeface="Roboto" panose="02000000000000000000" pitchFamily="2" charset="0"/>
-                <a:cs typeface="Roboto" panose="02000000000000000000" pitchFamily="2" charset="0"/>
-              </a:rPr>
-              <a:t>UIton</a:t>
-            </a:r>
-            <a:r>
-              <a:rPr lang="ru-RU" sz="1800" dirty="0">
-                <a:effectLst/>
-                <a:latin typeface="Roboto" panose="02000000000000000000" pitchFamily="2" charset="0"/>
-                <a:ea typeface="Roboto" panose="02000000000000000000" pitchFamily="2" charset="0"/>
-                <a:cs typeface="Roboto" panose="02000000000000000000" pitchFamily="2" charset="0"/>
-              </a:rPr>
-              <a:t>— энергия импульса;</a:t>
-            </a:r>
-          </a:p>
-          <a:p>
-            <a:pPr marL="342900" lvl="0" indent="-342900" algn="just">
-              <a:lnSpc>
-                <a:spcPct val="150000"/>
-              </a:lnSpc>
-              <a:buSzPts val="1000"/>
-              <a:buFont typeface="Symbol" panose="05050102010706020507" pitchFamily="18" charset="2"/>
-              <a:buChar char=""/>
-              <a:tabLst>
-                <a:tab pos="457200" algn="l"/>
-              </a:tabLst>
-            </a:pPr>
-            <a:r>
-              <a:rPr lang="ru-RU" sz="1800" dirty="0">
-                <a:effectLst/>
-                <a:latin typeface="Roboto" panose="02000000000000000000" pitchFamily="2" charset="0"/>
-                <a:ea typeface="Roboto" panose="02000000000000000000" pitchFamily="2" charset="0"/>
-                <a:cs typeface="Roboto" panose="02000000000000000000" pitchFamily="2" charset="0"/>
-              </a:rPr>
-              <a:t>U — напряжение пробоя;</a:t>
-            </a:r>
-          </a:p>
-          <a:p>
-            <a:pPr marL="342900" lvl="0" indent="-342900" algn="just">
-              <a:lnSpc>
-                <a:spcPct val="150000"/>
-              </a:lnSpc>
-              <a:buSzPts val="1000"/>
-              <a:buFont typeface="Symbol" panose="05050102010706020507" pitchFamily="18" charset="2"/>
-              <a:buChar char=""/>
-              <a:tabLst>
-                <a:tab pos="457200" algn="l"/>
-              </a:tabLst>
-            </a:pPr>
-            <a:r>
-              <a:rPr lang="ru-RU" sz="1800" dirty="0">
-                <a:effectLst/>
-                <a:latin typeface="Roboto" panose="02000000000000000000" pitchFamily="2" charset="0"/>
-                <a:ea typeface="Roboto" panose="02000000000000000000" pitchFamily="2" charset="0"/>
-                <a:cs typeface="Roboto" panose="02000000000000000000" pitchFamily="2" charset="0"/>
-              </a:rPr>
-              <a:t>η — доля энергии разряда, поглощаемая заготовкой.</a:t>
-            </a:r>
-          </a:p>
-          <a:p>
-            <a:endParaRPr lang="ru-RU" dirty="0">
-              <a:latin typeface="Roboto" panose="02000000000000000000" pitchFamily="2" charset="0"/>
-              <a:ea typeface="Roboto" panose="02000000000000000000" pitchFamily="2" charset="0"/>
-              <a:cs typeface="Roboto" panose="02000000000000000000" pitchFamily="2" charset="0"/>
-            </a:endParaRPr>
-          </a:p>
-        </p:txBody>
-      </p:sp>
     </p:spTree>
     <p:extLst>
       <p:ext uri="{BB962C8B-B14F-4D97-AF65-F5344CB8AC3E}">
-        <p14:creationId xmlns:p14="http://schemas.microsoft.com/office/powerpoint/2010/main" val="1330344197"/>
-      </p:ext>
-    </p:extLst>
-  </p:cSld>
-  <p:clrMapOvr>
-    <a:masterClrMapping/>
-  </p:clrMapOvr>
-</p:sld>
-</file>
-
-<file path=ppt/slides/slide9.xml><?xml version="1.0" encoding="utf-8"?>
-<p:sld xmlns:a="http://schemas.openxmlformats.org/drawingml/2006/main" xmlns:r="http://schemas.openxmlformats.org/officeDocument/2006/relationships" xmlns:p="http://schemas.openxmlformats.org/presentationml/2006/main">
-  <p:cSld>
-    <p:spTree>
-      <p:nvGrpSpPr>
-        <p:cNvPr id="1" name="">
-          <a:extLst>
-            <a:ext uri="{FF2B5EF4-FFF2-40B4-BE49-F238E27FC236}">
-              <a16:creationId xmlns:a16="http://schemas.microsoft.com/office/drawing/2014/main" id="{857BDD16-A6A3-571D-4B12-64BFD4D7D333}"/>
-            </a:ext>
-          </a:extLst>
-        </p:cNvPr>
-        <p:cNvGrpSpPr/>
-        <p:nvPr/>
-      </p:nvGrpSpPr>
-      <p:grpSpPr>
-        <a:xfrm>
-          <a:off x="0" y="0"/>
-          <a:ext cx="0" cy="0"/>
-          <a:chOff x="0" y="0"/>
-          <a:chExt cx="0" cy="0"/>
-        </a:xfrm>
-      </p:grpSpPr>
-      <p:pic>
-        <p:nvPicPr>
-          <p:cNvPr id="4" name="Рисунок 3">
-            <a:extLst>
-              <a:ext uri="{FF2B5EF4-FFF2-40B4-BE49-F238E27FC236}">
-                <a16:creationId xmlns:a16="http://schemas.microsoft.com/office/drawing/2014/main" id="{D76DFBF0-91BE-8298-DBC9-EE7FB0A513D6}"/>
-              </a:ext>
-            </a:extLst>
-          </p:cNvPr>
-          <p:cNvPicPr>
-            <a:picLocks noChangeAspect="1"/>
-          </p:cNvPicPr>
-          <p:nvPr/>
-        </p:nvPicPr>
-        <p:blipFill>
-          <a:blip r:embed="rId2"/>
-          <a:stretch/>
-        </p:blipFill>
-        <p:spPr bwMode="auto">
-          <a:xfrm>
-            <a:off x="407369" y="332656"/>
-            <a:ext cx="2160240" cy="548939"/>
-          </a:xfrm>
-          <a:prstGeom prst="rect">
-            <a:avLst/>
-          </a:prstGeom>
-        </p:spPr>
-      </p:pic>
-      <p:pic>
-        <p:nvPicPr>
-          <p:cNvPr id="7" name="Рисунок 6">
-            <a:extLst>
-              <a:ext uri="{FF2B5EF4-FFF2-40B4-BE49-F238E27FC236}">
-                <a16:creationId xmlns:a16="http://schemas.microsoft.com/office/drawing/2014/main" id="{A4735B5F-5486-17C7-70FA-38B437790E31}"/>
-              </a:ext>
-            </a:extLst>
-          </p:cNvPr>
-          <p:cNvPicPr>
-            <a:picLocks noChangeAspect="1"/>
-          </p:cNvPicPr>
-          <p:nvPr/>
-        </p:nvPicPr>
-        <p:blipFill>
-          <a:blip r:embed="rId3" cstate="print">
-            <a:extLst>
-              <a:ext uri="{28A0092B-C50C-407E-A947-70E740481C1C}">
-                <a14:useLocalDpi xmlns:a14="http://schemas.microsoft.com/office/drawing/2010/main" val="0"/>
-              </a:ext>
-            </a:extLst>
-          </a:blip>
-          <a:stretch>
-            <a:fillRect/>
-          </a:stretch>
-        </p:blipFill>
-        <p:spPr bwMode="auto">
-          <a:xfrm>
-            <a:off x="409978" y="318917"/>
-            <a:ext cx="2157631" cy="549893"/>
-          </a:xfrm>
-          <a:prstGeom prst="rect">
-            <a:avLst/>
-          </a:prstGeom>
-        </p:spPr>
-      </p:pic>
-      <p:sp>
-        <p:nvSpPr>
-          <p:cNvPr id="2" name="TextBox 1">
-            <a:extLst>
-              <a:ext uri="{FF2B5EF4-FFF2-40B4-BE49-F238E27FC236}">
-                <a16:creationId xmlns:a16="http://schemas.microsoft.com/office/drawing/2014/main" id="{79A7F65E-EDF6-6E29-FF7A-0883F1D577E3}"/>
-              </a:ext>
-            </a:extLst>
-          </p:cNvPr>
-          <p:cNvSpPr txBox="1"/>
-          <p:nvPr/>
-        </p:nvSpPr>
-        <p:spPr>
-          <a:xfrm>
-            <a:off x="3431704" y="342580"/>
-            <a:ext cx="8136904" cy="523220"/>
-          </a:xfrm>
-          <a:prstGeom prst="rect">
-            <a:avLst/>
-          </a:prstGeom>
-          <a:noFill/>
-        </p:spPr>
-        <p:txBody>
-          <a:bodyPr wrap="square" rtlCol="0">
-            <a:spAutoFit/>
-          </a:bodyPr>
-          <a:lstStyle/>
-          <a:p>
-            <a:pPr algn="r"/>
-            <a:r>
-              <a:rPr lang="ru-RU" sz="2800" b="1" dirty="0"/>
-              <a:t>Изменение температуры в ячейке</a:t>
-            </a:r>
-          </a:p>
-        </p:txBody>
-      </p:sp>
-      <p:pic>
-        <p:nvPicPr>
-          <p:cNvPr id="6" name="Рисунок 5">
-            <a:extLst>
-              <a:ext uri="{FF2B5EF4-FFF2-40B4-BE49-F238E27FC236}">
-                <a16:creationId xmlns:a16="http://schemas.microsoft.com/office/drawing/2014/main" id="{C2EA6639-242A-B517-DAA1-7627C3D1278D}"/>
-              </a:ext>
-            </a:extLst>
-          </p:cNvPr>
-          <p:cNvPicPr>
-            <a:picLocks noChangeAspect="1"/>
-          </p:cNvPicPr>
-          <p:nvPr/>
-        </p:nvPicPr>
-        <p:blipFill>
-          <a:blip r:embed="rId4"/>
-          <a:stretch>
-            <a:fillRect/>
-          </a:stretch>
-        </p:blipFill>
-        <p:spPr>
-          <a:xfrm>
-            <a:off x="693649" y="1700808"/>
-            <a:ext cx="2664295" cy="1191921"/>
-          </a:xfrm>
-          <a:prstGeom prst="rect">
-            <a:avLst/>
-          </a:prstGeom>
-        </p:spPr>
-      </p:pic>
-      <p:sp>
-        <p:nvSpPr>
-          <p:cNvPr id="14" name="TextBox 13">
-            <a:extLst>
-              <a:ext uri="{FF2B5EF4-FFF2-40B4-BE49-F238E27FC236}">
-                <a16:creationId xmlns:a16="http://schemas.microsoft.com/office/drawing/2014/main" id="{DB209B4C-9754-023C-5BC2-81835B771A03}"/>
-              </a:ext>
-            </a:extLst>
-          </p:cNvPr>
-          <p:cNvSpPr txBox="1"/>
-          <p:nvPr/>
-        </p:nvSpPr>
-        <p:spPr>
-          <a:xfrm>
-            <a:off x="695400" y="3429000"/>
-            <a:ext cx="6094070" cy="2777683"/>
-          </a:xfrm>
-          <a:prstGeom prst="rect">
-            <a:avLst/>
-          </a:prstGeom>
-          <a:noFill/>
-        </p:spPr>
-        <p:txBody>
-          <a:bodyPr wrap="square">
-            <a:spAutoFit/>
-          </a:bodyPr>
-          <a:lstStyle/>
-          <a:p>
-            <a:pPr algn="l"/>
-            <a:r>
-              <a:rPr lang="ru-RU" i="1" dirty="0">
-                <a:latin typeface="Roboto" panose="02000000000000000000" pitchFamily="2" charset="0"/>
-                <a:ea typeface="Roboto" panose="02000000000000000000" pitchFamily="2" charset="0"/>
-                <a:cs typeface="Roboto" panose="02000000000000000000" pitchFamily="2" charset="0"/>
-              </a:rPr>
-              <a:t>г</a:t>
-            </a:r>
-            <a:r>
-              <a:rPr lang="ru-RU" b="0" i="1" dirty="0">
-                <a:effectLst/>
-                <a:latin typeface="Roboto" panose="02000000000000000000" pitchFamily="2" charset="0"/>
-                <a:ea typeface="Roboto" panose="02000000000000000000" pitchFamily="2" charset="0"/>
-                <a:cs typeface="Roboto" panose="02000000000000000000" pitchFamily="2" charset="0"/>
-              </a:rPr>
-              <a:t>де</a:t>
-            </a:r>
-            <a:r>
-              <a:rPr lang="en-US" b="0" i="1" dirty="0">
-                <a:effectLst/>
-                <a:latin typeface="Roboto" panose="02000000000000000000" pitchFamily="2" charset="0"/>
-                <a:ea typeface="Roboto" panose="02000000000000000000" pitchFamily="2" charset="0"/>
-                <a:cs typeface="Roboto" panose="02000000000000000000" pitchFamily="2" charset="0"/>
-              </a:rPr>
-              <a:t>:</a:t>
-            </a:r>
-            <a:endParaRPr lang="ru-RU" b="0" i="1" dirty="0">
-              <a:effectLst/>
-              <a:latin typeface="Roboto" panose="02000000000000000000" pitchFamily="2" charset="0"/>
-              <a:ea typeface="Roboto" panose="02000000000000000000" pitchFamily="2" charset="0"/>
-              <a:cs typeface="Roboto" panose="02000000000000000000" pitchFamily="2" charset="0"/>
-            </a:endParaRPr>
-          </a:p>
-          <a:p>
-            <a:pPr algn="l">
-              <a:buFont typeface="Arial" panose="020B0604020202020204" pitchFamily="34" charset="0"/>
-              <a:buChar char="•"/>
-            </a:pPr>
-            <a:r>
-              <a:rPr lang="ru-RU" b="0" i="1" dirty="0">
-                <a:effectLst/>
-                <a:latin typeface="Roboto" panose="02000000000000000000" pitchFamily="2" charset="0"/>
-                <a:ea typeface="Roboto" panose="02000000000000000000" pitchFamily="2" charset="0"/>
-                <a:cs typeface="Roboto" panose="02000000000000000000" pitchFamily="2" charset="0"/>
-              </a:rPr>
-              <a:t>q</a:t>
-            </a:r>
-            <a:r>
-              <a:rPr lang="ru-RU" b="0" i="0" dirty="0">
-                <a:effectLst/>
-                <a:latin typeface="Roboto" panose="02000000000000000000" pitchFamily="2" charset="0"/>
-                <a:ea typeface="Roboto" panose="02000000000000000000" pitchFamily="2" charset="0"/>
-                <a:cs typeface="Roboto" panose="02000000000000000000" pitchFamily="2" charset="0"/>
-              </a:rPr>
-              <a:t> — тепловой поток (в ваттах на квадратный метр),</a:t>
-            </a:r>
-          </a:p>
-          <a:p>
-            <a:pPr algn="l">
-              <a:spcBef>
-                <a:spcPts val="300"/>
-              </a:spcBef>
-              <a:buFont typeface="Arial" panose="020B0604020202020204" pitchFamily="34" charset="0"/>
-              <a:buChar char="•"/>
-            </a:pPr>
-            <a:r>
-              <a:rPr lang="ru-RU" b="0" i="0" dirty="0">
-                <a:effectLst/>
-                <a:latin typeface="Roboto" panose="02000000000000000000" pitchFamily="2" charset="0"/>
-                <a:ea typeface="Roboto" panose="02000000000000000000" pitchFamily="2" charset="0"/>
-                <a:cs typeface="Roboto" panose="02000000000000000000" pitchFamily="2" charset="0"/>
-              </a:rPr>
-              <a:t>A — площадь грани ячейки (в квадратных метрах),</a:t>
-            </a:r>
-          </a:p>
-          <a:p>
-            <a:pPr algn="l">
-              <a:spcBef>
-                <a:spcPts val="300"/>
-              </a:spcBef>
-              <a:buFont typeface="Arial" panose="020B0604020202020204" pitchFamily="34" charset="0"/>
-              <a:buChar char="•"/>
-            </a:pPr>
-            <a:r>
-              <a:rPr lang="ru-RU" b="0" i="0" dirty="0" err="1">
-                <a:effectLst/>
-                <a:latin typeface="Roboto" panose="02000000000000000000" pitchFamily="2" charset="0"/>
-                <a:ea typeface="Roboto" panose="02000000000000000000" pitchFamily="2" charset="0"/>
-                <a:cs typeface="Roboto" panose="02000000000000000000" pitchFamily="2" charset="0"/>
-              </a:rPr>
-              <a:t>Δt</a:t>
-            </a:r>
-            <a:r>
-              <a:rPr lang="ru-RU" b="0" i="0" dirty="0">
-                <a:effectLst/>
-                <a:latin typeface="Roboto" panose="02000000000000000000" pitchFamily="2" charset="0"/>
-                <a:ea typeface="Roboto" panose="02000000000000000000" pitchFamily="2" charset="0"/>
-                <a:cs typeface="Roboto" panose="02000000000000000000" pitchFamily="2" charset="0"/>
-              </a:rPr>
-              <a:t> — шаг по времени (в секундах),</a:t>
-            </a:r>
-          </a:p>
-          <a:p>
-            <a:pPr algn="l">
-              <a:spcBef>
-                <a:spcPts val="300"/>
-              </a:spcBef>
-              <a:buFont typeface="Arial" panose="020B0604020202020204" pitchFamily="34" charset="0"/>
-              <a:buChar char="•"/>
-            </a:pPr>
-            <a:r>
-              <a:rPr lang="ru-RU" b="0" i="0" dirty="0">
-                <a:effectLst/>
-                <a:latin typeface="Roboto" panose="02000000000000000000" pitchFamily="2" charset="0"/>
-                <a:ea typeface="Roboto" panose="02000000000000000000" pitchFamily="2" charset="0"/>
-                <a:cs typeface="Roboto" panose="02000000000000000000" pitchFamily="2" charset="0"/>
-              </a:rPr>
-              <a:t>ρ — плотность материала (в килограммах на кубический метр),</a:t>
-            </a:r>
-          </a:p>
-          <a:p>
-            <a:pPr algn="l">
-              <a:spcBef>
-                <a:spcPts val="300"/>
-              </a:spcBef>
-              <a:buFont typeface="Arial" panose="020B0604020202020204" pitchFamily="34" charset="0"/>
-              <a:buChar char="•"/>
-            </a:pPr>
-            <a:r>
-              <a:rPr lang="ru-RU" b="0" i="0" dirty="0">
-                <a:effectLst/>
-                <a:latin typeface="Roboto" panose="02000000000000000000" pitchFamily="2" charset="0"/>
-                <a:ea typeface="Roboto" panose="02000000000000000000" pitchFamily="2" charset="0"/>
-                <a:cs typeface="Roboto" panose="02000000000000000000" pitchFamily="2" charset="0"/>
-              </a:rPr>
-              <a:t>V — объем ячейки (в кубических метрах),</a:t>
-            </a:r>
-          </a:p>
-          <a:p>
-            <a:pPr algn="l">
-              <a:spcBef>
-                <a:spcPts val="300"/>
-              </a:spcBef>
-              <a:buFont typeface="Arial" panose="020B0604020202020204" pitchFamily="34" charset="0"/>
-              <a:buChar char="•"/>
-            </a:pPr>
-            <a:r>
-              <a:rPr lang="ru-RU" b="0" i="0" dirty="0" err="1">
-                <a:effectLst/>
-                <a:latin typeface="Roboto" panose="02000000000000000000" pitchFamily="2" charset="0"/>
-                <a:ea typeface="Roboto" panose="02000000000000000000" pitchFamily="2" charset="0"/>
-                <a:cs typeface="Roboto" panose="02000000000000000000" pitchFamily="2" charset="0"/>
-              </a:rPr>
-              <a:t>Cp</a:t>
-            </a:r>
-            <a:r>
-              <a:rPr lang="ru-RU" b="0" i="0" dirty="0">
-                <a:effectLst/>
-                <a:latin typeface="Roboto" panose="02000000000000000000" pitchFamily="2" charset="0"/>
-                <a:ea typeface="Roboto" panose="02000000000000000000" pitchFamily="2" charset="0"/>
-                <a:cs typeface="Roboto" panose="02000000000000000000" pitchFamily="2" charset="0"/>
-              </a:rPr>
-              <a:t>​ — удельная теплоемкость (в джоулях на килограмм на кельвин).</a:t>
-            </a:r>
-          </a:p>
-        </p:txBody>
-      </p:sp>
-    </p:spTree>
-    <p:extLst>
-      <p:ext uri="{BB962C8B-B14F-4D97-AF65-F5344CB8AC3E}">
-        <p14:creationId xmlns:p14="http://schemas.microsoft.com/office/powerpoint/2010/main" val="1456619703"/>
+        <p14:creationId xmlns:p14="http://schemas.microsoft.com/office/powerpoint/2010/main" val="477813562"/>
       </p:ext>
     </p:extLst>
   </p:cSld>
@@ -7057,4 +8671,319 @@
   <a:objectDefaults/>
   <a:extraClrSchemeLst/>
 </a:theme>
+</file>
+
+<file path=ppt/theme/theme2.xml><?xml version="1.0" encoding="utf-8"?>
+<a:theme xmlns:a="http://schemas.openxmlformats.org/drawingml/2006/main" name="Тема Office">
+  <a:themeElements>
+    <a:clrScheme name="Стандартная">
+      <a:dk1>
+        <a:sysClr val="windowText" lastClr="000000"/>
+      </a:dk1>
+      <a:lt1>
+        <a:sysClr val="window" lastClr="FFFFFF"/>
+      </a:lt1>
+      <a:dk2>
+        <a:srgbClr val="0E2841"/>
+      </a:dk2>
+      <a:lt2>
+        <a:srgbClr val="E8E8E8"/>
+      </a:lt2>
+      <a:accent1>
+        <a:srgbClr val="156082"/>
+      </a:accent1>
+      <a:accent2>
+        <a:srgbClr val="E97132"/>
+      </a:accent2>
+      <a:accent3>
+        <a:srgbClr val="196B24"/>
+      </a:accent3>
+      <a:accent4>
+        <a:srgbClr val="0F9ED5"/>
+      </a:accent4>
+      <a:accent5>
+        <a:srgbClr val="A02B93"/>
+      </a:accent5>
+      <a:accent6>
+        <a:srgbClr val="4EA72E"/>
+      </a:accent6>
+      <a:hlink>
+        <a:srgbClr val="467886"/>
+      </a:hlink>
+      <a:folHlink>
+        <a:srgbClr val="96607D"/>
+      </a:folHlink>
+    </a:clrScheme>
+    <a:fontScheme name="Стандартная">
+      <a:majorFont>
+        <a:latin typeface="Aptos Display" panose="02110004020202020204"/>
+        <a:ea typeface=""/>
+        <a:cs typeface=""/>
+        <a:font script="Jpan" typeface="游ゴシック Light"/>
+        <a:font script="Hang" typeface="맑은 고딕"/>
+        <a:font script="Hans" typeface="等线 Light"/>
+        <a:font script="Hant" typeface="新細明體"/>
+        <a:font script="Arab" typeface="Times New Roman"/>
+        <a:font script="Hebr" typeface="Times New Roman"/>
+        <a:font script="Thai" typeface="Angsana New"/>
+        <a:font script="Ethi" typeface="Nyala"/>
+        <a:font script="Beng" typeface="Vrinda"/>
+        <a:font script="Gujr" typeface="Shruti"/>
+        <a:font script="Khmr" typeface="MoolBoran"/>
+        <a:font script="Knda" typeface="Tunga"/>
+        <a:font script="Guru" typeface="Raavi"/>
+        <a:font script="Cans" typeface="Euphemia"/>
+        <a:font script="Cher" typeface="Plantagenet Cherokee"/>
+        <a:font script="Yiii" typeface="Microsoft Yi Baiti"/>
+        <a:font script="Tibt" typeface="Microsoft Himalaya"/>
+        <a:font script="Thaa" typeface="MV Boli"/>
+        <a:font script="Deva" typeface="Mangal"/>
+        <a:font script="Telu" typeface="Gautami"/>
+        <a:font script="Taml" typeface="Latha"/>
+        <a:font script="Syrc" typeface="Estrangelo Edessa"/>
+        <a:font script="Orya" typeface="Kalinga"/>
+        <a:font script="Mlym" typeface="Kartika"/>
+        <a:font script="Laoo" typeface="DokChampa"/>
+        <a:font script="Sinh" typeface="Iskoola Pota"/>
+        <a:font script="Mong" typeface="Mongolian Baiti"/>
+        <a:font script="Viet" typeface="Times New Roman"/>
+        <a:font script="Uigh" typeface="Microsoft Uighur"/>
+        <a:font script="Geor" typeface="Sylfaen"/>
+        <a:font script="Armn" typeface="Arial"/>
+        <a:font script="Bugi" typeface="Leelawadee UI"/>
+        <a:font script="Bopo" typeface="Microsoft JhengHei"/>
+        <a:font script="Java" typeface="Javanese Text"/>
+        <a:font script="Lisu" typeface="Segoe UI"/>
+        <a:font script="Mymr" typeface="Myanmar Text"/>
+        <a:font script="Nkoo" typeface="Ebrima"/>
+        <a:font script="Olck" typeface="Nirmala UI"/>
+        <a:font script="Osma" typeface="Ebrima"/>
+        <a:font script="Phag" typeface="Phagspa"/>
+        <a:font script="Syrn" typeface="Estrangelo Edessa"/>
+        <a:font script="Syrj" typeface="Estrangelo Edessa"/>
+        <a:font script="Syre" typeface="Estrangelo Edessa"/>
+        <a:font script="Sora" typeface="Nirmala UI"/>
+        <a:font script="Tale" typeface="Microsoft Tai Le"/>
+        <a:font script="Talu" typeface="Microsoft New Tai Lue"/>
+        <a:font script="Tfng" typeface="Ebrima"/>
+      </a:majorFont>
+      <a:minorFont>
+        <a:latin typeface="Aptos" panose="02110004020202020204"/>
+        <a:ea typeface=""/>
+        <a:cs typeface=""/>
+        <a:font script="Jpan" typeface="游ゴシック"/>
+        <a:font script="Hang" typeface="맑은 고딕"/>
+        <a:font script="Hans" typeface="等线"/>
+        <a:font script="Hant" typeface="新細明體"/>
+        <a:font script="Arab" typeface="Arial"/>
+        <a:font script="Hebr" typeface="Arial"/>
+        <a:font script="Thai" typeface="Cordia New"/>
+        <a:font script="Ethi" typeface="Nyala"/>
+        <a:font script="Beng" typeface="Vrinda"/>
+        <a:font script="Gujr" typeface="Shruti"/>
+        <a:font script="Khmr" typeface="DaunPenh"/>
+        <a:font script="Knda" typeface="Tunga"/>
+        <a:font script="Guru" typeface="Raavi"/>
+        <a:font script="Cans" typeface="Euphemia"/>
+        <a:font script="Cher" typeface="Plantagenet Cherokee"/>
+        <a:font script="Yiii" typeface="Microsoft Yi Baiti"/>
+        <a:font script="Tibt" typeface="Microsoft Himalaya"/>
+        <a:font script="Thaa" typeface="MV Boli"/>
+        <a:font script="Deva" typeface="Mangal"/>
+        <a:font script="Telu" typeface="Gautami"/>
+        <a:font script="Taml" typeface="Latha"/>
+        <a:font script="Syrc" typeface="Estrangelo Edessa"/>
+        <a:font script="Orya" typeface="Kalinga"/>
+        <a:font script="Mlym" typeface="Kartika"/>
+        <a:font script="Laoo" typeface="DokChampa"/>
+        <a:font script="Sinh" typeface="Iskoola Pota"/>
+        <a:font script="Mong" typeface="Mongolian Baiti"/>
+        <a:font script="Viet" typeface="Arial"/>
+        <a:font script="Uigh" typeface="Microsoft Uighur"/>
+        <a:font script="Geor" typeface="Sylfaen"/>
+        <a:font script="Armn" typeface="Arial"/>
+        <a:font script="Bugi" typeface="Leelawadee UI"/>
+        <a:font script="Bopo" typeface="Microsoft JhengHei"/>
+        <a:font script="Java" typeface="Javanese Text"/>
+        <a:font script="Lisu" typeface="Segoe UI"/>
+        <a:font script="Mymr" typeface="Myanmar Text"/>
+        <a:font script="Nkoo" typeface="Ebrima"/>
+        <a:font script="Olck" typeface="Nirmala UI"/>
+        <a:font script="Osma" typeface="Ebrima"/>
+        <a:font script="Phag" typeface="Phagspa"/>
+        <a:font script="Syrn" typeface="Estrangelo Edessa"/>
+        <a:font script="Syrj" typeface="Estrangelo Edessa"/>
+        <a:font script="Syre" typeface="Estrangelo Edessa"/>
+        <a:font script="Sora" typeface="Nirmala UI"/>
+        <a:font script="Tale" typeface="Microsoft Tai Le"/>
+        <a:font script="Talu" typeface="Microsoft New Tai Lue"/>
+        <a:font script="Tfng" typeface="Ebrima"/>
+      </a:minorFont>
+    </a:fontScheme>
+    <a:fmtScheme name="Стандартная">
+      <a:fillStyleLst>
+        <a:solidFill>
+          <a:schemeClr val="phClr"/>
+        </a:solidFill>
+        <a:gradFill rotWithShape="1">
+          <a:gsLst>
+            <a:gs pos="0">
+              <a:schemeClr val="phClr">
+                <a:lumMod val="110000"/>
+                <a:satMod val="105000"/>
+                <a:tint val="67000"/>
+              </a:schemeClr>
+            </a:gs>
+            <a:gs pos="50000">
+              <a:schemeClr val="phClr">
+                <a:lumMod val="105000"/>
+                <a:satMod val="103000"/>
+                <a:tint val="73000"/>
+              </a:schemeClr>
+            </a:gs>
+            <a:gs pos="100000">
+              <a:schemeClr val="phClr">
+                <a:lumMod val="105000"/>
+                <a:satMod val="109000"/>
+                <a:tint val="81000"/>
+              </a:schemeClr>
+            </a:gs>
+          </a:gsLst>
+          <a:lin ang="5400000" scaled="0"/>
+        </a:gradFill>
+        <a:gradFill rotWithShape="1">
+          <a:gsLst>
+            <a:gs pos="0">
+              <a:schemeClr val="phClr">
+                <a:satMod val="103000"/>
+                <a:lumMod val="102000"/>
+                <a:tint val="94000"/>
+              </a:schemeClr>
+            </a:gs>
+            <a:gs pos="50000">
+              <a:schemeClr val="phClr">
+                <a:satMod val="110000"/>
+                <a:lumMod val="100000"/>
+                <a:shade val="100000"/>
+              </a:schemeClr>
+            </a:gs>
+            <a:gs pos="100000">
+              <a:schemeClr val="phClr">
+                <a:lumMod val="99000"/>
+                <a:satMod val="120000"/>
+                <a:shade val="78000"/>
+              </a:schemeClr>
+            </a:gs>
+          </a:gsLst>
+          <a:lin ang="5400000" scaled="0"/>
+        </a:gradFill>
+      </a:fillStyleLst>
+      <a:lnStyleLst>
+        <a:ln w="12700" cap="flat" cmpd="sng" algn="ctr">
+          <a:solidFill>
+            <a:schemeClr val="phClr"/>
+          </a:solidFill>
+          <a:prstDash val="solid"/>
+          <a:miter lim="800000"/>
+        </a:ln>
+        <a:ln w="19050" cap="flat" cmpd="sng" algn="ctr">
+          <a:solidFill>
+            <a:schemeClr val="phClr"/>
+          </a:solidFill>
+          <a:prstDash val="solid"/>
+          <a:miter lim="800000"/>
+        </a:ln>
+        <a:ln w="25400" cap="flat" cmpd="sng" algn="ctr">
+          <a:solidFill>
+            <a:schemeClr val="phClr"/>
+          </a:solidFill>
+          <a:prstDash val="solid"/>
+          <a:miter lim="800000"/>
+        </a:ln>
+      </a:lnStyleLst>
+      <a:effectStyleLst>
+        <a:effectStyle>
+          <a:effectLst/>
+        </a:effectStyle>
+        <a:effectStyle>
+          <a:effectLst/>
+        </a:effectStyle>
+        <a:effectStyle>
+          <a:effectLst>
+            <a:outerShdw blurRad="57150" dist="19050" dir="5400000" algn="ctr" rotWithShape="0">
+              <a:srgbClr val="000000">
+                <a:alpha val="63000"/>
+              </a:srgbClr>
+            </a:outerShdw>
+          </a:effectLst>
+        </a:effectStyle>
+      </a:effectStyleLst>
+      <a:bgFillStyleLst>
+        <a:solidFill>
+          <a:schemeClr val="phClr"/>
+        </a:solidFill>
+        <a:solidFill>
+          <a:schemeClr val="phClr">
+            <a:tint val="95000"/>
+            <a:satMod val="170000"/>
+          </a:schemeClr>
+        </a:solidFill>
+        <a:gradFill rotWithShape="1">
+          <a:gsLst>
+            <a:gs pos="0">
+              <a:schemeClr val="phClr">
+                <a:tint val="93000"/>
+                <a:satMod val="150000"/>
+                <a:shade val="98000"/>
+                <a:lumMod val="102000"/>
+              </a:schemeClr>
+            </a:gs>
+            <a:gs pos="50000">
+              <a:schemeClr val="phClr">
+                <a:tint val="98000"/>
+                <a:satMod val="130000"/>
+                <a:shade val="90000"/>
+                <a:lumMod val="103000"/>
+              </a:schemeClr>
+            </a:gs>
+            <a:gs pos="100000">
+              <a:schemeClr val="phClr">
+                <a:shade val="63000"/>
+                <a:satMod val="120000"/>
+              </a:schemeClr>
+            </a:gs>
+          </a:gsLst>
+          <a:lin ang="5400000" scaled="0"/>
+        </a:gradFill>
+      </a:bgFillStyleLst>
+    </a:fmtScheme>
+  </a:themeElements>
+  <a:objectDefaults>
+    <a:lnDef>
+      <a:spPr/>
+      <a:bodyPr/>
+      <a:lstStyle/>
+      <a:style>
+        <a:lnRef idx="2">
+          <a:schemeClr val="accent1"/>
+        </a:lnRef>
+        <a:fillRef idx="0">
+          <a:schemeClr val="accent1"/>
+        </a:fillRef>
+        <a:effectRef idx="1">
+          <a:schemeClr val="accent1"/>
+        </a:effectRef>
+        <a:fontRef idx="minor">
+          <a:schemeClr val="tx1"/>
+        </a:fontRef>
+      </a:style>
+    </a:lnDef>
+  </a:objectDefaults>
+  <a:extraClrSchemeLst/>
+  <a:extLst>
+    <a:ext uri="{05A4C25C-085E-4340-85A3-A5531E510DB2}">
+      <thm15:themeFamily xmlns:thm15="http://schemas.microsoft.com/office/thememl/2012/main" name="Office Theme" id="{2E142A2C-CD16-42D6-873A-C26D2A0506FA}" vid="{1BDDFF52-6CD6-40A5-AB3C-68EB2F1E4D0A}"/>
+    </a:ext>
+  </a:extLst>
+</a:theme>
 </file>
--- a/Документы/Временный шаблон презентации №2  в широкоэкранном формате (в том числе для защит).pptx
+++ b/Документы/Временный шаблон презентации №2  в широкоэкранном формате (в том числе для защит).pptx
@@ -5,7 +5,7 @@
     <p:sldMasterId id="2147483648" r:id="rId1"/>
   </p:sldMasterIdLst>
   <p:notesMasterIdLst>
-    <p:notesMasterId r:id="rId12"/>
+    <p:notesMasterId r:id="rId13"/>
   </p:notesMasterIdLst>
   <p:sldIdLst>
     <p:sldId id="256" r:id="rId2"/>
@@ -17,7 +17,8 @@
     <p:sldId id="273" r:id="rId8"/>
     <p:sldId id="274" r:id="rId9"/>
     <p:sldId id="275" r:id="rId10"/>
-    <p:sldId id="268" r:id="rId11"/>
+    <p:sldId id="276" r:id="rId11"/>
+    <p:sldId id="268" r:id="rId12"/>
   </p:sldIdLst>
   <p:sldSz cx="12192000" cy="6858000"/>
   <p:notesSz cx="6858000" cy="12192000"/>
@@ -217,7 +218,7 @@
           <a:p>
             <a:fld id="{A242AE38-3373-42E2-A270-8C73F2CAEA2E}" type="datetimeFigureOut">
               <a:rPr lang="ru-RU" smtClean="0"/>
-              <a:t>21.05.2025</a:t>
+              <a:t>22.05.2025</a:t>
             </a:fld>
             <a:endParaRPr lang="ru-RU"/>
           </a:p>
@@ -571,6 +572,191 @@
 </p:notes>
 </file>
 
+<file path=ppt/notesSlides/notesSlide10.xml><?xml version="1.0" encoding="utf-8"?>
+<p:notes xmlns:a="http://schemas.openxmlformats.org/drawingml/2006/main" xmlns:r="http://schemas.openxmlformats.org/officeDocument/2006/relationships" xmlns:p="http://schemas.openxmlformats.org/presentationml/2006/main">
+  <p:cSld>
+    <p:spTree>
+      <p:nvGrpSpPr>
+        <p:cNvPr id="1" name="">
+          <a:extLst>
+            <a:ext uri="{FF2B5EF4-FFF2-40B4-BE49-F238E27FC236}">
+              <a16:creationId xmlns:a16="http://schemas.microsoft.com/office/drawing/2014/main" id="{25A1BEC3-5CA5-B9D6-B2E5-C43C3047D312}"/>
+            </a:ext>
+          </a:extLst>
+        </p:cNvPr>
+        <p:cNvGrpSpPr/>
+        <p:nvPr/>
+      </p:nvGrpSpPr>
+      <p:grpSpPr>
+        <a:xfrm>
+          <a:off x="0" y="0"/>
+          <a:ext cx="0" cy="0"/>
+          <a:chOff x="0" y="0"/>
+          <a:chExt cx="0" cy="0"/>
+        </a:xfrm>
+      </p:grpSpPr>
+      <p:sp>
+        <p:nvSpPr>
+          <p:cNvPr id="2" name="Образ слайда 1">
+            <a:extLst>
+              <a:ext uri="{FF2B5EF4-FFF2-40B4-BE49-F238E27FC236}">
+                <a16:creationId xmlns:a16="http://schemas.microsoft.com/office/drawing/2014/main" id="{8654290A-3FA9-95C5-64DD-3F84FFDE7368}"/>
+              </a:ext>
+            </a:extLst>
+          </p:cNvPr>
+          <p:cNvSpPr>
+            <a:spLocks noGrp="1" noRot="1" noChangeAspect="1"/>
+          </p:cNvSpPr>
+          <p:nvPr>
+            <p:ph type="sldImg"/>
+          </p:nvPr>
+        </p:nvSpPr>
+        <p:spPr/>
+      </p:sp>
+      <p:sp>
+        <p:nvSpPr>
+          <p:cNvPr id="3" name="Заметки 2">
+            <a:extLst>
+              <a:ext uri="{FF2B5EF4-FFF2-40B4-BE49-F238E27FC236}">
+                <a16:creationId xmlns:a16="http://schemas.microsoft.com/office/drawing/2014/main" id="{3BE40F3F-C43F-EF42-D128-C7B2B1058181}"/>
+              </a:ext>
+            </a:extLst>
+          </p:cNvPr>
+          <p:cNvSpPr>
+            <a:spLocks noGrp="1"/>
+          </p:cNvSpPr>
+          <p:nvPr>
+            <p:ph type="body" idx="1"/>
+          </p:nvPr>
+        </p:nvSpPr>
+        <p:spPr/>
+        <p:txBody>
+          <a:bodyPr/>
+          <a:lstStyle/>
+          <a:p>
+            <a:r>
+              <a:rPr lang="ru-RU" dirty="0"/>
+              <a:t>В заключение, в рамках данной курсовой работы был выполнен анализ процесса электроэрозионной обработки и существующих подходов к его моделированию. Была выбрана и адаптирована математическая модель на основе энергетического баланса. Разработан программный прототип, который реализует эту модель, позволяет рассчитывать объем удаляемого материала и прогнозировать глубину эрозионных кратеров. Проведенный вычислительный эксперимент продемонстрировал работоспособность модели и возможность визуализации результатов. Таким образом, можно считать, что цель курсовой работы – реализация модели, позволяющей симулировать процесс удаления материала с заготовки – была достигнута</a:t>
+            </a:r>
+          </a:p>
+          <a:p>
+            <a:r>
+              <a:rPr lang="ru-RU" b="1" dirty="0">
+                <a:latin typeface="Roboto" panose="02000000000000000000" pitchFamily="2" charset="0"/>
+                <a:ea typeface="Roboto" panose="02000000000000000000" pitchFamily="2" charset="0"/>
+                <a:cs typeface="Roboto" panose="02000000000000000000" pitchFamily="2" charset="0"/>
+              </a:rPr>
+              <a:t>Направления дальнейшей работы могут включать в себя:</a:t>
+            </a:r>
+          </a:p>
+          <a:p>
+            <a:pPr marL="285750" indent="-285750">
+              <a:buFont typeface="Arial" panose="020B0604020202020204" pitchFamily="34" charset="0"/>
+              <a:buChar char="•"/>
+            </a:pPr>
+            <a:r>
+              <a:rPr lang="ru-RU" dirty="0">
+                <a:latin typeface="Roboto" panose="02000000000000000000" pitchFamily="2" charset="0"/>
+                <a:ea typeface="Roboto" panose="02000000000000000000" pitchFamily="2" charset="0"/>
+                <a:cs typeface="Roboto" panose="02000000000000000000" pitchFamily="2" charset="0"/>
+              </a:rPr>
+              <a:t>Проведение физических экспериментов для валидации и калибровки модели.</a:t>
+            </a:r>
+          </a:p>
+          <a:p>
+            <a:pPr marL="285750" indent="-285750">
+              <a:buFont typeface="Arial" panose="020B0604020202020204" pitchFamily="34" charset="0"/>
+              <a:buChar char="•"/>
+            </a:pPr>
+            <a:r>
+              <a:rPr lang="ru-RU" dirty="0">
+                <a:latin typeface="Roboto" panose="02000000000000000000" pitchFamily="2" charset="0"/>
+                <a:ea typeface="Roboto" panose="02000000000000000000" pitchFamily="2" charset="0"/>
+                <a:cs typeface="Roboto" panose="02000000000000000000" pitchFamily="2" charset="0"/>
+              </a:rPr>
+              <a:t>Расширение модели (учет износа электрода, свойств диэлектрика, сложной геометрии кратера).</a:t>
+            </a:r>
+          </a:p>
+          <a:p>
+            <a:pPr marL="285750" indent="-285750">
+              <a:buFont typeface="Arial" panose="020B0604020202020204" pitchFamily="34" charset="0"/>
+              <a:buChar char="•"/>
+            </a:pPr>
+            <a:r>
+              <a:rPr lang="ru-RU" dirty="0">
+                <a:latin typeface="Roboto" panose="02000000000000000000" pitchFamily="2" charset="0"/>
+                <a:ea typeface="Roboto" panose="02000000000000000000" pitchFamily="2" charset="0"/>
+                <a:cs typeface="Roboto" panose="02000000000000000000" pitchFamily="2" charset="0"/>
+              </a:rPr>
+              <a:t>Развитие симулятора (GUI, интерактивность).</a:t>
+            </a:r>
+          </a:p>
+          <a:p>
+            <a:pPr marL="285750" indent="-285750">
+              <a:buFont typeface="Arial" panose="020B0604020202020204" pitchFamily="34" charset="0"/>
+              <a:buChar char="•"/>
+            </a:pPr>
+            <a:r>
+              <a:rPr lang="ru-RU" dirty="0">
+                <a:latin typeface="Roboto" panose="02000000000000000000" pitchFamily="2" charset="0"/>
+                <a:ea typeface="Roboto" panose="02000000000000000000" pitchFamily="2" charset="0"/>
+                <a:cs typeface="Roboto" panose="02000000000000000000" pitchFamily="2" charset="0"/>
+              </a:rPr>
+              <a:t>Исследование стохастических аспектов.</a:t>
+            </a:r>
+            <a:endParaRPr lang="en-US" dirty="0">
+              <a:latin typeface="Roboto" panose="02000000000000000000" pitchFamily="2" charset="0"/>
+              <a:ea typeface="Roboto" panose="02000000000000000000" pitchFamily="2" charset="0"/>
+              <a:cs typeface="Roboto" panose="02000000000000000000" pitchFamily="2" charset="0"/>
+            </a:endParaRPr>
+          </a:p>
+          <a:p>
+            <a:endParaRPr lang="ru-RU" dirty="0"/>
+          </a:p>
+        </p:txBody>
+      </p:sp>
+      <p:sp>
+        <p:nvSpPr>
+          <p:cNvPr id="4" name="Номер слайда 3">
+            <a:extLst>
+              <a:ext uri="{FF2B5EF4-FFF2-40B4-BE49-F238E27FC236}">
+                <a16:creationId xmlns:a16="http://schemas.microsoft.com/office/drawing/2014/main" id="{52B1C993-8EE7-3520-F963-836DA1C6D723}"/>
+              </a:ext>
+            </a:extLst>
+          </p:cNvPr>
+          <p:cNvSpPr>
+            <a:spLocks noGrp="1"/>
+          </p:cNvSpPr>
+          <p:nvPr>
+            <p:ph type="sldNum" sz="quarter" idx="5"/>
+          </p:nvPr>
+        </p:nvSpPr>
+        <p:spPr/>
+        <p:txBody>
+          <a:bodyPr/>
+          <a:lstStyle/>
+          <a:p>
+            <a:fld id="{169E75D0-8CF6-4356-A87C-05FFDED00BAF}" type="slidenum">
+              <a:rPr lang="ru-RU" smtClean="0"/>
+              <a:t>10</a:t>
+            </a:fld>
+            <a:endParaRPr lang="ru-RU"/>
+          </a:p>
+        </p:txBody>
+      </p:sp>
+    </p:spTree>
+    <p:extLst>
+      <p:ext uri="{BB962C8B-B14F-4D97-AF65-F5344CB8AC3E}">
+        <p14:creationId xmlns:p14="http://schemas.microsoft.com/office/powerpoint/2010/main" val="1468924013"/>
+      </p:ext>
+    </p:extLst>
+  </p:cSld>
+  <p:clrMapOvr>
+    <a:masterClrMapping/>
+  </p:clrMapOvr>
+</p:notes>
+</file>
+
 <file path=ppt/notesSlides/notesSlide2.xml><?xml version="1.0" encoding="utf-8"?>
 <p:notes xmlns:a="http://schemas.openxmlformats.org/drawingml/2006/main" xmlns:r="http://schemas.openxmlformats.org/officeDocument/2006/relationships" xmlns:p="http://schemas.openxmlformats.org/presentationml/2006/main">
   <p:cSld>
@@ -921,6 +1107,12 @@
               <a:t>Erem</a:t>
             </a:r>
             <a:r>
+              <a:rPr lang="ru-RU" dirty="0">
+                <a:effectLst/>
+              </a:rPr>
+              <a:t>(находящуюся в знаменателе)</a:t>
+            </a:r>
+            <a:r>
               <a:rPr lang="ru-RU" dirty="0"/>
               <a:t>​ с теплофизическими свойствами материала, такими как плотность, теплоты плавления и испарения, удельная теплоемкость, температуры фазовых переходов, а также учитывает долю материала, удаляемого испарением, через коэффициент альфа.</a:t>
             </a:r>
@@ -1053,15 +1245,7 @@
             </a:r>
             <a:r>
               <a:rPr lang="ru-RU" dirty="0"/>
-              <a:t>​. Затем рассчитывается объем материала, удаляемый за один единичный импульс, по формуле, представленной ранее. Далее, для каждого моделируемого кратера, на основе заданного количества электрических разрядов, вычисляется суммарный удаленный объем и, как следствие, глубина кратера. После этого все геометрические данные масштабируются для корректной визуализации. На заключительном этапе генерируется скрипт для программы </a:t>
-            </a:r>
-            <a:r>
-              <a:rPr lang="ru-RU" dirty="0" err="1"/>
-              <a:t>OpenSCAD</a:t>
-            </a:r>
-            <a:r>
-              <a:rPr lang="ru-RU" dirty="0"/>
-              <a:t>, который описывает 3D-модель заготовки с полученными кратерами, и результаты выводятся пользователю.</a:t>
+              <a:t>​. Затем рассчитывается объем материала, удаляемый за один единичный импульс, по формуле, представленной ранее. Далее, для каждого моделируемого кратера, на основе заданного количества электрических разрядов, вычисляется суммарный удаленный объем и, как следствие, глубина кратера. </a:t>
             </a:r>
           </a:p>
         </p:txBody>
@@ -1428,33 +1612,23 @@
           <a:p>
             <a:r>
               <a:rPr lang="ru-RU" dirty="0"/>
-              <a:t>Для демонстрации работоспособности модели был проведен вычислительный эксперимент. Его целью было смоделировать формирование кратеров на заготовке из стали C45 и показать, как количество электрических разрядов влияет на глубину эрозии. В симуляции использовались следующие параметры: напряжение импульса 160 Вольт, сила тока 8 Ампер, длительность импульса 100 микросекунд. Коэффициент использования энергии </a:t>
-            </a:r>
-            <a:r>
-              <a:rPr lang="ru-RU" dirty="0" err="1">
-                <a:effectLst/>
-              </a:rPr>
-              <a:t>Ca</a:t>
+              <a:t>В результате вычислительного эксперимента было установлено, что при заданных параметрах объем материала, удаляемый за один электрический разряд, составляет примерно одна десятитысячная кубического </a:t>
+            </a:r>
+            <a:r>
+              <a:rPr lang="ru-RU" dirty="0" err="1"/>
+              <a:t>милиметра</a:t>
             </a:r>
             <a:r>
               <a:rPr lang="ru-RU" dirty="0"/>
-              <a:t>​ был принят равным 1%, а доля материала, удаляемого испарением </a:t>
-            </a:r>
-            <a:r>
-              <a:rPr lang="ru-RU" dirty="0">
-                <a:effectLst/>
-              </a:rPr>
-              <a:t>α</a:t>
-            </a:r>
-            <a:r>
-              <a:rPr lang="ru-RU" dirty="0" err="1">
-                <a:effectLst/>
-              </a:rPr>
-              <a:t>factor</a:t>
+              <a:t>. На слайде представлены расчетные физические глубины для трех смоделированных кратеров. Для 10 тысяч разрядов глубина составила около 0.05 мм, для 50 тысяч разрядов – около 0.25 мм, и для 100 тысяч разрядов – почти 0.5 мм. Также на слайде вы можете видеть скриншот трехмерной модели, сгенерированной в </a:t>
+            </a:r>
+            <a:r>
+              <a:rPr lang="ru-RU" dirty="0" err="1"/>
+              <a:t>OpenSCAD</a:t>
             </a:r>
             <a:r>
               <a:rPr lang="ru-RU" dirty="0"/>
-              <a:t>​, – 10%. Моделировалось три кратера, для которых было задано 10 тысяч, 50 тысяч и 100 тысяч электрических разрядов соответственно.</a:t>
+              <a:t>, которая наглядно демонстрирует полученные кратеры различной глубины. Эти результаты показывают, что модель корректно отражает увеличение глубины эрозии с ростом числа разрядов.</a:t>
             </a:r>
           </a:p>
         </p:txBody>
@@ -1639,9 +1813,9 @@
             <a:pPr>
               <a:defRPr/>
             </a:pPr>
-            <a:fld id="{06C7C42B-5FFE-4D44-BBB5-AB078492E219}" type="datetimeFigureOut">
-              <a:rPr lang="ru-RU"/>
-              <a:t>21.05.2025</a:t>
+            <a:fld id="{EB91928E-C3A0-46B8-AEC9-79C3249DC2A9}" type="datetime1">
+              <a:rPr lang="ru-RU" smtClean="0"/>
+              <a:t>22.05.2025</a:t>
             </a:fld>
             <a:endParaRPr lang="ru-RU"/>
           </a:p>
@@ -1830,9 +2004,9 @@
             <a:pPr>
               <a:defRPr/>
             </a:pPr>
-            <a:fld id="{06C7C42B-5FFE-4D44-BBB5-AB078492E219}" type="datetimeFigureOut">
-              <a:rPr lang="ru-RU"/>
-              <a:t>21.05.2025</a:t>
+            <a:fld id="{3AB9F4EF-0497-431A-B328-7408C8BF182C}" type="datetime1">
+              <a:rPr lang="ru-RU" smtClean="0"/>
+              <a:t>22.05.2025</a:t>
             </a:fld>
             <a:endParaRPr lang="ru-RU"/>
           </a:p>
@@ -2031,9 +2205,9 @@
             <a:pPr>
               <a:defRPr/>
             </a:pPr>
-            <a:fld id="{06C7C42B-5FFE-4D44-BBB5-AB078492E219}" type="datetimeFigureOut">
-              <a:rPr lang="ru-RU"/>
-              <a:t>21.05.2025</a:t>
+            <a:fld id="{D25F29B6-6918-4A02-8FD0-3C5675E5A25D}" type="datetime1">
+              <a:rPr lang="ru-RU" smtClean="0"/>
+              <a:t>22.05.2025</a:t>
             </a:fld>
             <a:endParaRPr lang="ru-RU"/>
           </a:p>
@@ -2222,9 +2396,9 @@
             <a:pPr>
               <a:defRPr/>
             </a:pPr>
-            <a:fld id="{06C7C42B-5FFE-4D44-BBB5-AB078492E219}" type="datetimeFigureOut">
-              <a:rPr lang="ru-RU"/>
-              <a:t>21.05.2025</a:t>
+            <a:fld id="{B700A594-91E1-4F0F-A7B6-EF7066A5F4E9}" type="datetime1">
+              <a:rPr lang="ru-RU" smtClean="0"/>
+              <a:t>22.05.2025</a:t>
             </a:fld>
             <a:endParaRPr lang="ru-RU"/>
           </a:p>
@@ -2478,9 +2652,9 @@
             <a:pPr>
               <a:defRPr/>
             </a:pPr>
-            <a:fld id="{06C7C42B-5FFE-4D44-BBB5-AB078492E219}" type="datetimeFigureOut">
-              <a:rPr lang="ru-RU"/>
-              <a:t>21.05.2025</a:t>
+            <a:fld id="{AEF32356-B600-4D92-A15C-E26379F70342}" type="datetime1">
+              <a:rPr lang="ru-RU" smtClean="0"/>
+              <a:t>22.05.2025</a:t>
             </a:fld>
             <a:endParaRPr lang="ru-RU"/>
           </a:p>
@@ -2745,9 +2919,9 @@
             <a:pPr>
               <a:defRPr/>
             </a:pPr>
-            <a:fld id="{06C7C42B-5FFE-4D44-BBB5-AB078492E219}" type="datetimeFigureOut">
-              <a:rPr lang="ru-RU"/>
-              <a:t>21.05.2025</a:t>
+            <a:fld id="{45827D58-585D-45BE-92B4-A12D09D36532}" type="datetime1">
+              <a:rPr lang="ru-RU" smtClean="0"/>
+              <a:t>22.05.2025</a:t>
             </a:fld>
             <a:endParaRPr lang="ru-RU"/>
           </a:p>
@@ -3153,9 +3327,9 @@
             <a:pPr>
               <a:defRPr/>
             </a:pPr>
-            <a:fld id="{06C7C42B-5FFE-4D44-BBB5-AB078492E219}" type="datetimeFigureOut">
-              <a:rPr lang="ru-RU"/>
-              <a:t>21.05.2025</a:t>
+            <a:fld id="{71537BC1-CEAB-4317-A66F-2857955701D0}" type="datetime1">
+              <a:rPr lang="ru-RU" smtClean="0"/>
+              <a:t>22.05.2025</a:t>
             </a:fld>
             <a:endParaRPr lang="ru-RU"/>
           </a:p>
@@ -3278,9 +3452,9 @@
             <a:pPr>
               <a:defRPr/>
             </a:pPr>
-            <a:fld id="{06C7C42B-5FFE-4D44-BBB5-AB078492E219}" type="datetimeFigureOut">
-              <a:rPr lang="ru-RU"/>
-              <a:t>21.05.2025</a:t>
+            <a:fld id="{3DA9C185-0304-4F2E-9DD1-1D31C9269C8B}" type="datetime1">
+              <a:rPr lang="ru-RU" smtClean="0"/>
+              <a:t>22.05.2025</a:t>
             </a:fld>
             <a:endParaRPr lang="ru-RU"/>
           </a:p>
@@ -3377,9 +3551,9 @@
             <a:pPr>
               <a:defRPr/>
             </a:pPr>
-            <a:fld id="{06C7C42B-5FFE-4D44-BBB5-AB078492E219}" type="datetimeFigureOut">
-              <a:rPr lang="ru-RU"/>
-              <a:t>21.05.2025</a:t>
+            <a:fld id="{85204067-6AAC-4A88-BAF6-66B2F42EAF15}" type="datetime1">
+              <a:rPr lang="ru-RU" smtClean="0"/>
+              <a:t>22.05.2025</a:t>
             </a:fld>
             <a:endParaRPr lang="ru-RU"/>
           </a:p>
@@ -3678,9 +3852,9 @@
             <a:pPr>
               <a:defRPr/>
             </a:pPr>
-            <a:fld id="{06C7C42B-5FFE-4D44-BBB5-AB078492E219}" type="datetimeFigureOut">
-              <a:rPr lang="ru-RU"/>
-              <a:t>21.05.2025</a:t>
+            <a:fld id="{AEC1794C-6FBE-41E6-991C-A5579F1A9D28}" type="datetime1">
+              <a:rPr lang="ru-RU" smtClean="0"/>
+              <a:t>22.05.2025</a:t>
             </a:fld>
             <a:endParaRPr lang="ru-RU"/>
           </a:p>
@@ -3944,9 +4118,9 @@
             <a:pPr>
               <a:defRPr/>
             </a:pPr>
-            <a:fld id="{06C7C42B-5FFE-4D44-BBB5-AB078492E219}" type="datetimeFigureOut">
-              <a:rPr lang="ru-RU"/>
-              <a:t>21.05.2025</a:t>
+            <a:fld id="{C6D483B4-F2A4-45AE-A5FB-86D27ABC6DBA}" type="datetime1">
+              <a:rPr lang="ru-RU" smtClean="0"/>
+              <a:t>22.05.2025</a:t>
             </a:fld>
             <a:endParaRPr lang="ru-RU"/>
           </a:p>
@@ -4178,9 +4352,9 @@
             <a:pPr>
               <a:defRPr/>
             </a:pPr>
-            <a:fld id="{06C7C42B-5FFE-4D44-BBB5-AB078492E219}" type="datetimeFigureOut">
-              <a:rPr lang="ru-RU"/>
-              <a:t>21.05.2025</a:t>
+            <a:fld id="{9B57A24E-0B5D-475A-B890-465065911E7A}" type="datetime1">
+              <a:rPr lang="ru-RU" smtClean="0"/>
+              <a:t>22.05.2025</a:t>
             </a:fld>
             <a:endParaRPr lang="ru-RU"/>
           </a:p>
@@ -4286,6 +4460,7 @@
     <p:sldLayoutId id="2147483658" r:id="rId10"/>
     <p:sldLayoutId id="2147483659" r:id="rId11"/>
   </p:sldLayoutIdLst>
+  <p:hf hdr="0" ftr="0" dt="0"/>
   <p:txStyles>
     <p:titleStyle>
       <a:lvl1pPr algn="l" defTabSz="914400">
@@ -4667,7 +4842,7 @@
         </p:nvSpPr>
         <p:spPr bwMode="auto">
           <a:xfrm>
-            <a:off x="335360" y="3095953"/>
+            <a:off x="433962" y="2636912"/>
             <a:ext cx="9721080" cy="1384995"/>
           </a:xfrm>
           <a:prstGeom prst="rect">
@@ -4726,6 +4901,38 @@
           </a:prstGeom>
         </p:spPr>
       </p:pic>
+      <p:sp>
+        <p:nvSpPr>
+          <p:cNvPr id="2" name="Номер слайда 1">
+            <a:extLst>
+              <a:ext uri="{FF2B5EF4-FFF2-40B4-BE49-F238E27FC236}">
+                <a16:creationId xmlns:a16="http://schemas.microsoft.com/office/drawing/2014/main" id="{9E715684-F273-4FD4-F46D-544A1D9277B7}"/>
+              </a:ext>
+            </a:extLst>
+          </p:cNvPr>
+          <p:cNvSpPr>
+            <a:spLocks noGrp="1"/>
+          </p:cNvSpPr>
+          <p:nvPr>
+            <p:ph type="sldNum" sz="quarter" idx="12"/>
+          </p:nvPr>
+        </p:nvSpPr>
+        <p:spPr/>
+        <p:txBody>
+          <a:bodyPr/>
+          <a:lstStyle/>
+          <a:p>
+            <a:pPr>
+              <a:defRPr/>
+            </a:pPr>
+            <a:fld id="{F5407871-9FBF-4BBB-895A-2502942BAC5D}" type="slidenum">
+              <a:rPr lang="ru-RU" smtClean="0"/>
+              <a:t>1</a:t>
+            </a:fld>
+            <a:endParaRPr lang="ru-RU"/>
+          </a:p>
+        </p:txBody>
+      </p:sp>
     </p:spTree>
   </p:cSld>
   <p:clrMapOvr>
@@ -4735,6 +4942,372 @@
 </file>
 
 <file path=ppt/slides/slide10.xml><?xml version="1.0" encoding="utf-8"?>
+<p:sld xmlns:a="http://schemas.openxmlformats.org/drawingml/2006/main" xmlns:r="http://schemas.openxmlformats.org/officeDocument/2006/relationships" xmlns:p="http://schemas.openxmlformats.org/presentationml/2006/main">
+  <p:cSld>
+    <p:spTree>
+      <p:nvGrpSpPr>
+        <p:cNvPr id="1" name="">
+          <a:extLst>
+            <a:ext uri="{FF2B5EF4-FFF2-40B4-BE49-F238E27FC236}">
+              <a16:creationId xmlns:a16="http://schemas.microsoft.com/office/drawing/2014/main" id="{F5AE89CA-8AA2-B4C8-2A65-6F3468680B75}"/>
+            </a:ext>
+          </a:extLst>
+        </p:cNvPr>
+        <p:cNvGrpSpPr/>
+        <p:nvPr/>
+      </p:nvGrpSpPr>
+      <p:grpSpPr>
+        <a:xfrm>
+          <a:off x="0" y="0"/>
+          <a:ext cx="0" cy="0"/>
+          <a:chOff x="0" y="0"/>
+          <a:chExt cx="0" cy="0"/>
+        </a:xfrm>
+      </p:grpSpPr>
+      <p:pic>
+        <p:nvPicPr>
+          <p:cNvPr id="4" name="Рисунок 3">
+            <a:extLst>
+              <a:ext uri="{FF2B5EF4-FFF2-40B4-BE49-F238E27FC236}">
+                <a16:creationId xmlns:a16="http://schemas.microsoft.com/office/drawing/2014/main" id="{00E49767-5427-DA70-C280-118A5795F75C}"/>
+              </a:ext>
+            </a:extLst>
+          </p:cNvPr>
+          <p:cNvPicPr>
+            <a:picLocks noChangeAspect="1"/>
+          </p:cNvPicPr>
+          <p:nvPr/>
+        </p:nvPicPr>
+        <p:blipFill>
+          <a:blip r:embed="rId3"/>
+          <a:stretch/>
+        </p:blipFill>
+        <p:spPr bwMode="auto">
+          <a:xfrm>
+            <a:off x="407369" y="332656"/>
+            <a:ext cx="2160240" cy="548939"/>
+          </a:xfrm>
+          <a:prstGeom prst="rect">
+            <a:avLst/>
+          </a:prstGeom>
+        </p:spPr>
+      </p:pic>
+      <p:pic>
+        <p:nvPicPr>
+          <p:cNvPr id="7" name="Рисунок 6">
+            <a:extLst>
+              <a:ext uri="{FF2B5EF4-FFF2-40B4-BE49-F238E27FC236}">
+                <a16:creationId xmlns:a16="http://schemas.microsoft.com/office/drawing/2014/main" id="{A2B6AB1B-3917-7BE6-B6CD-7E28A28D48E6}"/>
+              </a:ext>
+            </a:extLst>
+          </p:cNvPr>
+          <p:cNvPicPr>
+            <a:picLocks noChangeAspect="1"/>
+          </p:cNvPicPr>
+          <p:nvPr/>
+        </p:nvPicPr>
+        <p:blipFill>
+          <a:blip r:embed="rId4" cstate="print">
+            <a:extLst>
+              <a:ext uri="{28A0092B-C50C-407E-A947-70E740481C1C}">
+                <a14:useLocalDpi xmlns:a14="http://schemas.microsoft.com/office/drawing/2010/main" val="0"/>
+              </a:ext>
+            </a:extLst>
+          </a:blip>
+          <a:stretch>
+            <a:fillRect/>
+          </a:stretch>
+        </p:blipFill>
+        <p:spPr bwMode="auto">
+          <a:xfrm>
+            <a:off x="409978" y="318917"/>
+            <a:ext cx="2157631" cy="549893"/>
+          </a:xfrm>
+          <a:prstGeom prst="rect">
+            <a:avLst/>
+          </a:prstGeom>
+        </p:spPr>
+      </p:pic>
+      <p:sp>
+        <p:nvSpPr>
+          <p:cNvPr id="2" name="TextBox 1">
+            <a:extLst>
+              <a:ext uri="{FF2B5EF4-FFF2-40B4-BE49-F238E27FC236}">
+                <a16:creationId xmlns:a16="http://schemas.microsoft.com/office/drawing/2014/main" id="{8DC39776-F40A-6352-415F-21BEB16B2079}"/>
+              </a:ext>
+            </a:extLst>
+          </p:cNvPr>
+          <p:cNvSpPr txBox="1"/>
+          <p:nvPr/>
+        </p:nvSpPr>
+        <p:spPr>
+          <a:xfrm>
+            <a:off x="3431704" y="342580"/>
+            <a:ext cx="8136904" cy="523220"/>
+          </a:xfrm>
+          <a:prstGeom prst="rect">
+            <a:avLst/>
+          </a:prstGeom>
+          <a:noFill/>
+        </p:spPr>
+        <p:txBody>
+          <a:bodyPr wrap="square" rtlCol="0">
+            <a:spAutoFit/>
+          </a:bodyPr>
+          <a:lstStyle/>
+          <a:p>
+            <a:pPr algn="r"/>
+            <a:r>
+              <a:rPr lang="ru-RU" sz="2800" b="1" dirty="0"/>
+              <a:t>Заключение</a:t>
+            </a:r>
+          </a:p>
+        </p:txBody>
+      </p:sp>
+      <p:sp>
+        <p:nvSpPr>
+          <p:cNvPr id="5" name="TextBox 4">
+            <a:extLst>
+              <a:ext uri="{FF2B5EF4-FFF2-40B4-BE49-F238E27FC236}">
+                <a16:creationId xmlns:a16="http://schemas.microsoft.com/office/drawing/2014/main" id="{EEFE75E2-45D5-F46A-1317-4AAFB1A471DA}"/>
+              </a:ext>
+            </a:extLst>
+          </p:cNvPr>
+          <p:cNvSpPr txBox="1"/>
+          <p:nvPr/>
+        </p:nvSpPr>
+        <p:spPr>
+          <a:xfrm>
+            <a:off x="563724" y="1412776"/>
+            <a:ext cx="11064552" cy="3139321"/>
+          </a:xfrm>
+          <a:prstGeom prst="rect">
+            <a:avLst/>
+          </a:prstGeom>
+          <a:noFill/>
+        </p:spPr>
+        <p:txBody>
+          <a:bodyPr wrap="square">
+            <a:spAutoFit/>
+          </a:bodyPr>
+          <a:lstStyle/>
+          <a:p>
+            <a:r>
+              <a:rPr lang="ru-RU" b="1" dirty="0">
+                <a:latin typeface="Roboto" panose="02000000000000000000" pitchFamily="2" charset="0"/>
+                <a:ea typeface="Roboto" panose="02000000000000000000" pitchFamily="2" charset="0"/>
+                <a:cs typeface="Roboto" panose="02000000000000000000" pitchFamily="2" charset="0"/>
+              </a:rPr>
+              <a:t>Основные достигнутые результаты:</a:t>
+            </a:r>
+            <a:endParaRPr lang="en-US" b="1" dirty="0">
+              <a:latin typeface="Roboto" panose="02000000000000000000" pitchFamily="2" charset="0"/>
+              <a:ea typeface="Roboto" panose="02000000000000000000" pitchFamily="2" charset="0"/>
+              <a:cs typeface="Roboto" panose="02000000000000000000" pitchFamily="2" charset="0"/>
+            </a:endParaRPr>
+          </a:p>
+          <a:p>
+            <a:pPr marL="285750" indent="-285750">
+              <a:buFont typeface="Arial" panose="020B0604020202020204" pitchFamily="34" charset="0"/>
+              <a:buChar char="•"/>
+            </a:pPr>
+            <a:r>
+              <a:rPr lang="ru-RU" dirty="0">
+                <a:latin typeface="Roboto" panose="02000000000000000000" pitchFamily="2" charset="0"/>
+                <a:ea typeface="Roboto" panose="02000000000000000000" pitchFamily="2" charset="0"/>
+                <a:cs typeface="Roboto" panose="02000000000000000000" pitchFamily="2" charset="0"/>
+              </a:rPr>
+              <a:t>Проанализирован процесс ЭЭО</a:t>
+            </a:r>
+          </a:p>
+          <a:p>
+            <a:pPr marL="285750" indent="-285750">
+              <a:buFont typeface="Arial" panose="020B0604020202020204" pitchFamily="34" charset="0"/>
+              <a:buChar char="•"/>
+            </a:pPr>
+            <a:r>
+              <a:rPr lang="ru-RU" dirty="0">
+                <a:latin typeface="Roboto" panose="02000000000000000000" pitchFamily="2" charset="0"/>
+                <a:ea typeface="Roboto" panose="02000000000000000000" pitchFamily="2" charset="0"/>
+                <a:cs typeface="Roboto" panose="02000000000000000000" pitchFamily="2" charset="0"/>
+              </a:rPr>
+              <a:t>Проведен анализ</a:t>
+            </a:r>
+            <a:r>
+              <a:rPr lang="en-US" dirty="0">
+                <a:latin typeface="Roboto" panose="02000000000000000000" pitchFamily="2" charset="0"/>
+                <a:ea typeface="Roboto" panose="02000000000000000000" pitchFamily="2" charset="0"/>
+                <a:cs typeface="Roboto" panose="02000000000000000000" pitchFamily="2" charset="0"/>
+              </a:rPr>
+              <a:t> </a:t>
+            </a:r>
+            <a:r>
+              <a:rPr lang="ru-RU" dirty="0">
+                <a:latin typeface="Roboto" panose="02000000000000000000" pitchFamily="2" charset="0"/>
+                <a:ea typeface="Roboto" panose="02000000000000000000" pitchFamily="2" charset="0"/>
+                <a:cs typeface="Roboto" panose="02000000000000000000" pitchFamily="2" charset="0"/>
+              </a:rPr>
+              <a:t>методов моделирования процесса и выбрана модель ЭЭО.</a:t>
+            </a:r>
+          </a:p>
+          <a:p>
+            <a:pPr marL="285750" indent="-285750">
+              <a:buFont typeface="Arial" panose="020B0604020202020204" pitchFamily="34" charset="0"/>
+              <a:buChar char="•"/>
+            </a:pPr>
+            <a:r>
+              <a:rPr lang="ru-RU" dirty="0">
+                <a:latin typeface="Roboto" panose="02000000000000000000" pitchFamily="2" charset="0"/>
+                <a:ea typeface="Roboto" panose="02000000000000000000" pitchFamily="2" charset="0"/>
+                <a:cs typeface="Roboto" panose="02000000000000000000" pitchFamily="2" charset="0"/>
+              </a:rPr>
+              <a:t>Разработан программный прототип.</a:t>
+            </a:r>
+          </a:p>
+          <a:p>
+            <a:pPr marL="285750" indent="-285750">
+              <a:buFont typeface="Arial" panose="020B0604020202020204" pitchFamily="34" charset="0"/>
+              <a:buChar char="•"/>
+            </a:pPr>
+            <a:r>
+              <a:rPr lang="ru-RU" dirty="0">
+                <a:latin typeface="Roboto" panose="02000000000000000000" pitchFamily="2" charset="0"/>
+                <a:ea typeface="Roboto" panose="02000000000000000000" pitchFamily="2" charset="0"/>
+                <a:cs typeface="Roboto" panose="02000000000000000000" pitchFamily="2" charset="0"/>
+              </a:rPr>
+              <a:t>Продемонстрирована симуляция формирования кратеров и их визуализация.</a:t>
+            </a:r>
+          </a:p>
+          <a:p>
+            <a:pPr marL="285750" indent="-285750">
+              <a:buFont typeface="Arial" panose="020B0604020202020204" pitchFamily="34" charset="0"/>
+              <a:buChar char="•"/>
+            </a:pPr>
+            <a:endParaRPr lang="ru-RU" dirty="0">
+              <a:latin typeface="Roboto" panose="02000000000000000000" pitchFamily="2" charset="0"/>
+              <a:ea typeface="Roboto" panose="02000000000000000000" pitchFamily="2" charset="0"/>
+              <a:cs typeface="Roboto" panose="02000000000000000000" pitchFamily="2" charset="0"/>
+            </a:endParaRPr>
+          </a:p>
+          <a:p>
+            <a:r>
+              <a:rPr lang="ru-RU" b="1" dirty="0">
+                <a:latin typeface="Roboto" panose="02000000000000000000" pitchFamily="2" charset="0"/>
+                <a:ea typeface="Roboto" panose="02000000000000000000" pitchFamily="2" charset="0"/>
+                <a:cs typeface="Roboto" panose="02000000000000000000" pitchFamily="2" charset="0"/>
+              </a:rPr>
+              <a:t>Направления дальнейшей работы:</a:t>
+            </a:r>
+          </a:p>
+          <a:p>
+            <a:pPr marL="285750" indent="-285750">
+              <a:buFont typeface="Arial" panose="020B0604020202020204" pitchFamily="34" charset="0"/>
+              <a:buChar char="•"/>
+            </a:pPr>
+            <a:r>
+              <a:rPr lang="ru-RU" dirty="0">
+                <a:latin typeface="Roboto" panose="02000000000000000000" pitchFamily="2" charset="0"/>
+                <a:ea typeface="Roboto" panose="02000000000000000000" pitchFamily="2" charset="0"/>
+                <a:cs typeface="Roboto" panose="02000000000000000000" pitchFamily="2" charset="0"/>
+              </a:rPr>
+              <a:t>Проведение физических экспериментов для валидации и калибровки модели.</a:t>
+            </a:r>
+          </a:p>
+          <a:p>
+            <a:pPr marL="285750" indent="-285750">
+              <a:buFont typeface="Arial" panose="020B0604020202020204" pitchFamily="34" charset="0"/>
+              <a:buChar char="•"/>
+            </a:pPr>
+            <a:r>
+              <a:rPr lang="ru-RU" dirty="0">
+                <a:latin typeface="Roboto" panose="02000000000000000000" pitchFamily="2" charset="0"/>
+                <a:ea typeface="Roboto" panose="02000000000000000000" pitchFamily="2" charset="0"/>
+                <a:cs typeface="Roboto" panose="02000000000000000000" pitchFamily="2" charset="0"/>
+              </a:rPr>
+              <a:t>Расширение модели (учет износа электрода, свойств диэлектрика, сложной геометрии кратера).</a:t>
+            </a:r>
+          </a:p>
+          <a:p>
+            <a:pPr marL="285750" indent="-285750">
+              <a:buFont typeface="Arial" panose="020B0604020202020204" pitchFamily="34" charset="0"/>
+              <a:buChar char="•"/>
+            </a:pPr>
+            <a:r>
+              <a:rPr lang="ru-RU" dirty="0">
+                <a:latin typeface="Roboto" panose="02000000000000000000" pitchFamily="2" charset="0"/>
+                <a:ea typeface="Roboto" panose="02000000000000000000" pitchFamily="2" charset="0"/>
+                <a:cs typeface="Roboto" panose="02000000000000000000" pitchFamily="2" charset="0"/>
+              </a:rPr>
+              <a:t>Развитие симулятора (GUI, интерактивность).</a:t>
+            </a:r>
+          </a:p>
+          <a:p>
+            <a:pPr marL="285750" indent="-285750">
+              <a:buFont typeface="Arial" panose="020B0604020202020204" pitchFamily="34" charset="0"/>
+              <a:buChar char="•"/>
+            </a:pPr>
+            <a:r>
+              <a:rPr lang="ru-RU" dirty="0">
+                <a:latin typeface="Roboto" panose="02000000000000000000" pitchFamily="2" charset="0"/>
+                <a:ea typeface="Roboto" panose="02000000000000000000" pitchFamily="2" charset="0"/>
+                <a:cs typeface="Roboto" panose="02000000000000000000" pitchFamily="2" charset="0"/>
+              </a:rPr>
+              <a:t>Исследование стохастических аспектов.</a:t>
+            </a:r>
+            <a:endParaRPr lang="en-US" dirty="0">
+              <a:latin typeface="Roboto" panose="02000000000000000000" pitchFamily="2" charset="0"/>
+              <a:ea typeface="Roboto" panose="02000000000000000000" pitchFamily="2" charset="0"/>
+              <a:cs typeface="Roboto" panose="02000000000000000000" pitchFamily="2" charset="0"/>
+            </a:endParaRPr>
+          </a:p>
+        </p:txBody>
+      </p:sp>
+      <p:sp>
+        <p:nvSpPr>
+          <p:cNvPr id="3" name="Номер слайда 2">
+            <a:extLst>
+              <a:ext uri="{FF2B5EF4-FFF2-40B4-BE49-F238E27FC236}">
+                <a16:creationId xmlns:a16="http://schemas.microsoft.com/office/drawing/2014/main" id="{7C37012C-2FBB-A70E-90D8-2F79FA7E2DE0}"/>
+              </a:ext>
+            </a:extLst>
+          </p:cNvPr>
+          <p:cNvSpPr>
+            <a:spLocks noGrp="1"/>
+          </p:cNvSpPr>
+          <p:nvPr>
+            <p:ph type="sldNum" sz="quarter" idx="12"/>
+          </p:nvPr>
+        </p:nvSpPr>
+        <p:spPr/>
+        <p:txBody>
+          <a:bodyPr/>
+          <a:lstStyle/>
+          <a:p>
+            <a:pPr>
+              <a:defRPr/>
+            </a:pPr>
+            <a:fld id="{F5407871-9FBF-4BBB-895A-2502942BAC5D}" type="slidenum">
+              <a:rPr lang="ru-RU" smtClean="0"/>
+              <a:t>10</a:t>
+            </a:fld>
+            <a:endParaRPr lang="ru-RU"/>
+          </a:p>
+        </p:txBody>
+      </p:sp>
+    </p:spTree>
+    <p:extLst>
+      <p:ext uri="{BB962C8B-B14F-4D97-AF65-F5344CB8AC3E}">
+        <p14:creationId xmlns:p14="http://schemas.microsoft.com/office/powerpoint/2010/main" val="2288025305"/>
+      </p:ext>
+    </p:extLst>
+  </p:cSld>
+  <p:clrMapOvr>
+    <a:masterClrMapping/>
+  </p:clrMapOvr>
+</p:sld>
+</file>
+
+<file path=ppt/slides/slide11.xml><?xml version="1.0" encoding="utf-8"?>
 <p:sld xmlns:a="http://schemas.openxmlformats.org/drawingml/2006/main" xmlns:r="http://schemas.openxmlformats.org/officeDocument/2006/relationships" xmlns:p="http://schemas.openxmlformats.org/presentationml/2006/main" showMasterPhAnim="0">
   <p:cSld>
     <p:bg>
@@ -4915,6 +5488,38 @@
           </a:prstGeom>
         </p:spPr>
       </p:pic>
+      <p:sp>
+        <p:nvSpPr>
+          <p:cNvPr id="2" name="Номер слайда 1">
+            <a:extLst>
+              <a:ext uri="{FF2B5EF4-FFF2-40B4-BE49-F238E27FC236}">
+                <a16:creationId xmlns:a16="http://schemas.microsoft.com/office/drawing/2014/main" id="{F1102B43-94E4-CA97-F62E-30B2975D26AE}"/>
+              </a:ext>
+            </a:extLst>
+          </p:cNvPr>
+          <p:cNvSpPr>
+            <a:spLocks noGrp="1"/>
+          </p:cNvSpPr>
+          <p:nvPr>
+            <p:ph type="sldNum" sz="quarter" idx="12"/>
+          </p:nvPr>
+        </p:nvSpPr>
+        <p:spPr/>
+        <p:txBody>
+          <a:bodyPr/>
+          <a:lstStyle/>
+          <a:p>
+            <a:pPr>
+              <a:defRPr/>
+            </a:pPr>
+            <a:fld id="{F5407871-9FBF-4BBB-895A-2502942BAC5D}" type="slidenum">
+              <a:rPr lang="ru-RU" smtClean="0"/>
+              <a:t>11</a:t>
+            </a:fld>
+            <a:endParaRPr lang="ru-RU"/>
+          </a:p>
+        </p:txBody>
+      </p:sp>
     </p:spTree>
     <p:extLst>
       <p:ext uri="{BB962C8B-B14F-4D97-AF65-F5344CB8AC3E}">
@@ -5028,7 +5633,7 @@
             <a:pPr algn="r"/>
             <a:r>
               <a:rPr lang="ru-RU" sz="2800" b="1" dirty="0"/>
-              <a:t>Объект, предмет, цель</a:t>
+              <a:t>Объект, предмет и цель</a:t>
             </a:r>
           </a:p>
         </p:txBody>
@@ -5151,6 +5756,38 @@
               </a:rPr>
               <a:t>.</a:t>
             </a:r>
+          </a:p>
+        </p:txBody>
+      </p:sp>
+      <p:sp>
+        <p:nvSpPr>
+          <p:cNvPr id="3" name="Номер слайда 2">
+            <a:extLst>
+              <a:ext uri="{FF2B5EF4-FFF2-40B4-BE49-F238E27FC236}">
+                <a16:creationId xmlns:a16="http://schemas.microsoft.com/office/drawing/2014/main" id="{C96167F5-37DC-A383-C092-EE31CB7743A3}"/>
+              </a:ext>
+            </a:extLst>
+          </p:cNvPr>
+          <p:cNvSpPr>
+            <a:spLocks noGrp="1"/>
+          </p:cNvSpPr>
+          <p:nvPr>
+            <p:ph type="sldNum" sz="quarter" idx="12"/>
+          </p:nvPr>
+        </p:nvSpPr>
+        <p:spPr/>
+        <p:txBody>
+          <a:bodyPr/>
+          <a:lstStyle/>
+          <a:p>
+            <a:pPr>
+              <a:defRPr/>
+            </a:pPr>
+            <a:fld id="{F5407871-9FBF-4BBB-895A-2502942BAC5D}" type="slidenum">
+              <a:rPr lang="ru-RU" smtClean="0"/>
+              <a:t>2</a:t>
+            </a:fld>
+            <a:endParaRPr lang="ru-RU"/>
           </a:p>
         </p:txBody>
       </p:sp>
@@ -5305,7 +5942,7 @@
         <p:spPr>
           <a:xfrm>
             <a:off x="695400" y="1268760"/>
-            <a:ext cx="10873208" cy="2120068"/>
+            <a:ext cx="10873208" cy="2954655"/>
           </a:xfrm>
           <a:prstGeom prst="rect">
             <a:avLst/>
@@ -5329,24 +5966,27 @@
             <a:r>
               <a:rPr lang="ru-RU" sz="1800" dirty="0">
                 <a:effectLst/>
-                <a:latin typeface="Times New Roman" panose="02020603050405020304" pitchFamily="18" charset="0"/>
-                <a:ea typeface="Times New Roman" panose="02020603050405020304" pitchFamily="18" charset="0"/>
+                <a:latin typeface="Roboto" panose="02000000000000000000" pitchFamily="2" charset="0"/>
+                <a:ea typeface="Roboto" panose="02000000000000000000" pitchFamily="2" charset="0"/>
+                <a:cs typeface="Roboto" panose="02000000000000000000" pitchFamily="2" charset="0"/>
               </a:rPr>
               <a:t>Для достижения поставленной цели необходимо решить следующие </a:t>
             </a:r>
             <a:r>
               <a:rPr lang="ru-RU" sz="1800" b="1" dirty="0">
                 <a:effectLst/>
-                <a:latin typeface="Times New Roman" panose="02020603050405020304" pitchFamily="18" charset="0"/>
-                <a:ea typeface="Times New Roman" panose="02020603050405020304" pitchFamily="18" charset="0"/>
+                <a:latin typeface="Roboto" panose="02000000000000000000" pitchFamily="2" charset="0"/>
+                <a:ea typeface="Roboto" panose="02000000000000000000" pitchFamily="2" charset="0"/>
+                <a:cs typeface="Roboto" panose="02000000000000000000" pitchFamily="2" charset="0"/>
               </a:rPr>
               <a:t>задачи</a:t>
             </a:r>
             <a:r>
               <a:rPr lang="ru-RU" sz="1800" dirty="0">
                 <a:effectLst/>
-                <a:latin typeface="Times New Roman" panose="02020603050405020304" pitchFamily="18" charset="0"/>
-                <a:ea typeface="Times New Roman" panose="02020603050405020304" pitchFamily="18" charset="0"/>
+                <a:latin typeface="Roboto" panose="02000000000000000000" pitchFamily="2" charset="0"/>
+                <a:ea typeface="Roboto" panose="02000000000000000000" pitchFamily="2" charset="0"/>
+                <a:cs typeface="Roboto" panose="02000000000000000000" pitchFamily="2" charset="0"/>
               </a:rPr>
               <a:t>:</a:t>
             </a:r>
@@ -5365,8 +6005,9 @@
             <a:r>
               <a:rPr lang="ru-RU" sz="1800" dirty="0">
                 <a:effectLst/>
-                <a:latin typeface="Times New Roman" panose="02020603050405020304" pitchFamily="18" charset="0"/>
-                <a:ea typeface="Times New Roman" panose="02020603050405020304" pitchFamily="18" charset="0"/>
+                <a:latin typeface="Roboto" panose="02000000000000000000" pitchFamily="2" charset="0"/>
+                <a:ea typeface="Roboto" panose="02000000000000000000" pitchFamily="2" charset="0"/>
+                <a:cs typeface="Roboto" panose="02000000000000000000" pitchFamily="2" charset="0"/>
               </a:rPr>
               <a:t>Проанализировать существующие подходы к моделированию процесса электроэрозионной обработки;</a:t>
             </a:r>
@@ -5385,8 +6026,9 @@
             <a:r>
               <a:rPr lang="ru-RU" sz="1800" dirty="0">
                 <a:effectLst/>
-                <a:latin typeface="Times New Roman" panose="02020603050405020304" pitchFamily="18" charset="0"/>
-                <a:ea typeface="Times New Roman" panose="02020603050405020304" pitchFamily="18" charset="0"/>
+                <a:latin typeface="Roboto" panose="02000000000000000000" pitchFamily="2" charset="0"/>
+                <a:ea typeface="Roboto" panose="02000000000000000000" pitchFamily="2" charset="0"/>
+                <a:cs typeface="Roboto" panose="02000000000000000000" pitchFamily="2" charset="0"/>
               </a:rPr>
               <a:t>Разработать математическую модель процесса электроэрозионного прошивания микроотверстий;</a:t>
             </a:r>
@@ -5405,8 +6047,9 @@
             <a:r>
               <a:rPr lang="ru-RU" sz="1800" dirty="0">
                 <a:effectLst/>
-                <a:latin typeface="Times New Roman" panose="02020603050405020304" pitchFamily="18" charset="0"/>
-                <a:ea typeface="Times New Roman" panose="02020603050405020304" pitchFamily="18" charset="0"/>
+                <a:latin typeface="Roboto" panose="02000000000000000000" pitchFamily="2" charset="0"/>
+                <a:ea typeface="Roboto" panose="02000000000000000000" pitchFamily="2" charset="0"/>
+                <a:cs typeface="Roboto" panose="02000000000000000000" pitchFamily="2" charset="0"/>
               </a:rPr>
               <a:t>Создать программное обеспечение для реализации разработанной модели;</a:t>
             </a:r>
@@ -5425,11 +6068,44 @@
             <a:r>
               <a:rPr lang="ru-RU" sz="1800" dirty="0">
                 <a:effectLst/>
-                <a:latin typeface="Times New Roman" panose="02020603050405020304" pitchFamily="18" charset="0"/>
-                <a:ea typeface="Times New Roman" panose="02020603050405020304" pitchFamily="18" charset="0"/>
+                <a:latin typeface="Roboto" panose="02000000000000000000" pitchFamily="2" charset="0"/>
+                <a:ea typeface="Roboto" panose="02000000000000000000" pitchFamily="2" charset="0"/>
+                <a:cs typeface="Roboto" panose="02000000000000000000" pitchFamily="2" charset="0"/>
               </a:rPr>
               <a:t>Провести экспериментальные исследования для проверки адекватности модели.</a:t>
             </a:r>
+          </a:p>
+        </p:txBody>
+      </p:sp>
+      <p:sp>
+        <p:nvSpPr>
+          <p:cNvPr id="3" name="Номер слайда 2">
+            <a:extLst>
+              <a:ext uri="{FF2B5EF4-FFF2-40B4-BE49-F238E27FC236}">
+                <a16:creationId xmlns:a16="http://schemas.microsoft.com/office/drawing/2014/main" id="{979062A2-7B1E-4577-D60B-2245ADB3CD3F}"/>
+              </a:ext>
+            </a:extLst>
+          </p:cNvPr>
+          <p:cNvSpPr>
+            <a:spLocks noGrp="1"/>
+          </p:cNvSpPr>
+          <p:nvPr>
+            <p:ph type="sldNum" sz="quarter" idx="12"/>
+          </p:nvPr>
+        </p:nvSpPr>
+        <p:spPr/>
+        <p:txBody>
+          <a:bodyPr/>
+          <a:lstStyle/>
+          <a:p>
+            <a:pPr>
+              <a:defRPr/>
+            </a:pPr>
+            <a:fld id="{F5407871-9FBF-4BBB-895A-2502942BAC5D}" type="slidenum">
+              <a:rPr lang="ru-RU" smtClean="0"/>
+              <a:t>3</a:t>
+            </a:fld>
+            <a:endParaRPr lang="ru-RU"/>
           </a:p>
         </p:txBody>
       </p:sp>
@@ -5571,10 +6247,10 @@
       </p:sp>
       <p:pic>
         <p:nvPicPr>
-          <p:cNvPr id="6" name="Рисунок 5">
+          <p:cNvPr id="3" name="Рисунок 2">
             <a:extLst>
               <a:ext uri="{FF2B5EF4-FFF2-40B4-BE49-F238E27FC236}">
-                <a16:creationId xmlns:a16="http://schemas.microsoft.com/office/drawing/2014/main" id="{1D9D5314-1911-8ED6-5738-71A5AC421803}"/>
+                <a16:creationId xmlns:a16="http://schemas.microsoft.com/office/drawing/2014/main" id="{7B880BB2-11C0-E949-7CA3-5DFF78A7DA10}"/>
               </a:ext>
             </a:extLst>
           </p:cNvPr>
@@ -5585,19 +6261,87 @@
         </p:nvPicPr>
         <p:blipFill>
           <a:blip r:embed="rId5"/>
-          <a:srcRect l="12342" t="20636" b="7955"/>
-          <a:stretch/>
+          <a:stretch>
+            <a:fillRect/>
+          </a:stretch>
         </p:blipFill>
         <p:spPr>
           <a:xfrm>
-            <a:off x="3539716" y="962169"/>
-            <a:ext cx="5112568" cy="5553251"/>
+            <a:off x="2801274" y="716751"/>
+            <a:ext cx="6589452" cy="5424497"/>
           </a:xfrm>
           <a:prstGeom prst="rect">
             <a:avLst/>
           </a:prstGeom>
         </p:spPr>
       </p:pic>
+      <p:sp>
+        <p:nvSpPr>
+          <p:cNvPr id="5" name="TextBox 4">
+            <a:extLst>
+              <a:ext uri="{FF2B5EF4-FFF2-40B4-BE49-F238E27FC236}">
+                <a16:creationId xmlns:a16="http://schemas.microsoft.com/office/drawing/2014/main" id="{2846B534-AA3D-73B5-4995-9AEC3F2B9BF4}"/>
+              </a:ext>
+            </a:extLst>
+          </p:cNvPr>
+          <p:cNvSpPr txBox="1"/>
+          <p:nvPr/>
+        </p:nvSpPr>
+        <p:spPr>
+          <a:xfrm>
+            <a:off x="3791744" y="6105631"/>
+            <a:ext cx="5454966" cy="369332"/>
+          </a:xfrm>
+          <a:prstGeom prst="rect">
+            <a:avLst/>
+          </a:prstGeom>
+          <a:noFill/>
+        </p:spPr>
+        <p:txBody>
+          <a:bodyPr wrap="square" rtlCol="0">
+            <a:spAutoFit/>
+          </a:bodyPr>
+          <a:lstStyle/>
+          <a:p>
+            <a:r>
+              <a:rPr lang="ru-RU" dirty="0"/>
+              <a:t>Обобщенная модель электроэрозионной обработки</a:t>
+            </a:r>
+          </a:p>
+        </p:txBody>
+      </p:sp>
+      <p:sp>
+        <p:nvSpPr>
+          <p:cNvPr id="6" name="Номер слайда 5">
+            <a:extLst>
+              <a:ext uri="{FF2B5EF4-FFF2-40B4-BE49-F238E27FC236}">
+                <a16:creationId xmlns:a16="http://schemas.microsoft.com/office/drawing/2014/main" id="{4085FF59-CF2F-350A-54DB-4873C9020175}"/>
+              </a:ext>
+            </a:extLst>
+          </p:cNvPr>
+          <p:cNvSpPr>
+            <a:spLocks noGrp="1"/>
+          </p:cNvSpPr>
+          <p:nvPr>
+            <p:ph type="sldNum" sz="quarter" idx="12"/>
+          </p:nvPr>
+        </p:nvSpPr>
+        <p:spPr/>
+        <p:txBody>
+          <a:bodyPr/>
+          <a:lstStyle/>
+          <a:p>
+            <a:pPr>
+              <a:defRPr/>
+            </a:pPr>
+            <a:fld id="{F5407871-9FBF-4BBB-895A-2502942BAC5D}" type="slidenum">
+              <a:rPr lang="ru-RU" smtClean="0"/>
+              <a:t>4</a:t>
+            </a:fld>
+            <a:endParaRPr lang="ru-RU"/>
+          </a:p>
+        </p:txBody>
+      </p:sp>
     </p:spTree>
     <p:extLst>
       <p:ext uri="{BB962C8B-B14F-4D97-AF65-F5344CB8AC3E}">
@@ -5734,8 +6478,8 @@
           </a:p>
         </p:txBody>
       </p:sp>
-      <mc:AlternateContent xmlns:mc="http://schemas.openxmlformats.org/markup-compatibility/2006">
-        <mc:Choice xmlns:a14="http://schemas.microsoft.com/office/drawing/2010/main" Requires="a14">
+      <mc:AlternateContent xmlns:mc="http://schemas.openxmlformats.org/markup-compatibility/2006" xmlns:a14="http://schemas.microsoft.com/office/drawing/2010/main">
+        <mc:Choice Requires="a14">
           <p:sp>
             <p:nvSpPr>
               <p:cNvPr id="5" name="TextBox 4">
@@ -5773,8 +6517,9 @@
                 <a:r>
                   <a:rPr lang="ru-RU" sz="1200" dirty="0">
                     <a:effectLst/>
-                    <a:latin typeface="Times New Roman" panose="02020603050405020304" pitchFamily="18" charset="0"/>
-                    <a:ea typeface="Times New Roman" panose="02020603050405020304" pitchFamily="18" charset="0"/>
+                    <a:latin typeface="Roboto" panose="02000000000000000000" pitchFamily="2" charset="0"/>
+                    <a:ea typeface="Roboto" panose="02000000000000000000" pitchFamily="2" charset="0"/>
+                    <a:cs typeface="Roboto" panose="02000000000000000000" pitchFamily="2" charset="0"/>
                   </a:rPr>
                   <a:t>Объем материала (ΔV), удаляемого за один импульс, рассчитывается по формуле, связывающей энергию, пошедшую на удаление, с теплофизическими свойствами материала и энергией, необходимой для его нагрева, плавления и испарения:</a:t>
                 </a:r>
@@ -5818,7 +6563,7 @@
                     <m:f>
                       <m:fPr>
                         <m:ctrlPr>
-                          <a:rPr lang="ru-RU" sz="1800" i="1">
+                          <a:rPr lang="ru-RU" sz="1800" i="1" smtClean="0">
                             <a:effectLst/>
                             <a:latin typeface="Cambria Math" panose="02040503050406030204" pitchFamily="18" charset="0"/>
                             <a:ea typeface="Times New Roman" panose="02020603050405020304" pitchFamily="18" charset="0"/>
@@ -6268,11 +7013,18 @@
                 <a:r>
                   <a:rPr lang="ru-RU" sz="1800" dirty="0">
                     <a:effectLst/>
-                    <a:latin typeface="Times New Roman" panose="02020603050405020304" pitchFamily="18" charset="0"/>
-                    <a:ea typeface="Times New Roman" panose="02020603050405020304" pitchFamily="18" charset="0"/>
+                    <a:latin typeface="Roboto" panose="02000000000000000000" pitchFamily="2" charset="0"/>
+                    <a:ea typeface="Roboto" panose="02000000000000000000" pitchFamily="2" charset="0"/>
+                    <a:cs typeface="Roboto" panose="02000000000000000000" pitchFamily="2" charset="0"/>
                   </a:rPr>
-                  <a:t>    			             (1)</a:t>
+                  <a:t>	             </a:t>
                 </a:r>
+                <a:endParaRPr lang="ru-RU" sz="1200" dirty="0">
+                  <a:effectLst/>
+                  <a:latin typeface="Roboto" panose="02000000000000000000" pitchFamily="2" charset="0"/>
+                  <a:ea typeface="Roboto" panose="02000000000000000000" pitchFamily="2" charset="0"/>
+                  <a:cs typeface="Roboto" panose="02000000000000000000" pitchFamily="2" charset="0"/>
+                </a:endParaRPr>
               </a:p>
               <a:p>
                 <a:pPr indent="450215" algn="just">
@@ -6284,8 +7036,9 @@
                 <a:r>
                   <a:rPr lang="ru-RU" sz="1200" dirty="0">
                     <a:effectLst/>
-                    <a:latin typeface="Times New Roman" panose="02020603050405020304" pitchFamily="18" charset="0"/>
-                    <a:ea typeface="Times New Roman" panose="02020603050405020304" pitchFamily="18" charset="0"/>
+                    <a:latin typeface="Roboto" panose="02000000000000000000" pitchFamily="2" charset="0"/>
+                    <a:ea typeface="Roboto" panose="02000000000000000000" pitchFamily="2" charset="0"/>
+                    <a:cs typeface="Roboto" panose="02000000000000000000" pitchFamily="2" charset="0"/>
                   </a:rPr>
                   <a:t>где:</a:t>
                 </a:r>
@@ -6450,8 +7203,9 @@
                 <a:r>
                   <a:rPr lang="ru-RU" sz="1200" dirty="0">
                     <a:effectLst/>
-                    <a:latin typeface="Times New Roman" panose="02020603050405020304" pitchFamily="18" charset="0"/>
-                    <a:ea typeface="Times New Roman" panose="02020603050405020304" pitchFamily="18" charset="0"/>
+                    <a:latin typeface="Roboto" panose="02000000000000000000" pitchFamily="2" charset="0"/>
+                    <a:ea typeface="Roboto" panose="02000000000000000000" pitchFamily="2" charset="0"/>
+                    <a:cs typeface="Roboto" panose="02000000000000000000" pitchFamily="2" charset="0"/>
                   </a:rPr>
                   <a:t>​ – энергия, затраченная на удаление материала;</a:t>
                 </a:r>
@@ -6471,8 +7225,9 @@
                 <a:r>
                   <a:rPr lang="ru-RU" sz="1200" dirty="0">
                     <a:effectLst/>
-                    <a:latin typeface="Times New Roman" panose="02020603050405020304" pitchFamily="18" charset="0"/>
-                    <a:ea typeface="Times New Roman" panose="02020603050405020304" pitchFamily="18" charset="0"/>
+                    <a:latin typeface="Roboto" panose="02000000000000000000" pitchFamily="2" charset="0"/>
+                    <a:ea typeface="Roboto" panose="02000000000000000000" pitchFamily="2" charset="0"/>
+                    <a:cs typeface="Roboto" panose="02000000000000000000" pitchFamily="2" charset="0"/>
                   </a:rPr>
                   <a:t>U – напряжение импульса;</a:t>
                 </a:r>
@@ -6492,8 +7247,9 @@
                 <a:r>
                   <a:rPr lang="ru-RU" sz="1200" dirty="0">
                     <a:effectLst/>
-                    <a:latin typeface="Times New Roman" panose="02020603050405020304" pitchFamily="18" charset="0"/>
-                    <a:ea typeface="Times New Roman" panose="02020603050405020304" pitchFamily="18" charset="0"/>
+                    <a:latin typeface="Roboto" panose="02000000000000000000" pitchFamily="2" charset="0"/>
+                    <a:ea typeface="Roboto" panose="02000000000000000000" pitchFamily="2" charset="0"/>
+                    <a:cs typeface="Roboto" panose="02000000000000000000" pitchFamily="2" charset="0"/>
                   </a:rPr>
                   <a:t>I – ток импульса;</a:t>
                 </a:r>
@@ -6513,24 +7269,27 @@
                 <a:r>
                   <a:rPr lang="ru-RU" sz="1200" dirty="0" err="1">
                     <a:effectLst/>
-                    <a:latin typeface="Times New Roman" panose="02020603050405020304" pitchFamily="18" charset="0"/>
-                    <a:ea typeface="Times New Roman" panose="02020603050405020304" pitchFamily="18" charset="0"/>
+                    <a:latin typeface="Roboto" panose="02000000000000000000" pitchFamily="2" charset="0"/>
+                    <a:ea typeface="Roboto" panose="02000000000000000000" pitchFamily="2" charset="0"/>
+                    <a:cs typeface="Roboto" panose="02000000000000000000" pitchFamily="2" charset="0"/>
                   </a:rPr>
                   <a:t>t</a:t>
                 </a:r>
                 <a:r>
                   <a:rPr lang="ru-RU" sz="1200" baseline="-25000" dirty="0" err="1">
                     <a:effectLst/>
-                    <a:latin typeface="Times New Roman" panose="02020603050405020304" pitchFamily="18" charset="0"/>
-                    <a:ea typeface="Times New Roman" panose="02020603050405020304" pitchFamily="18" charset="0"/>
+                    <a:latin typeface="Roboto" panose="02000000000000000000" pitchFamily="2" charset="0"/>
+                    <a:ea typeface="Roboto" panose="02000000000000000000" pitchFamily="2" charset="0"/>
+                    <a:cs typeface="Roboto" panose="02000000000000000000" pitchFamily="2" charset="0"/>
                   </a:rPr>
                   <a:t>i</a:t>
                 </a:r>
                 <a:r>
                   <a:rPr lang="ru-RU" sz="1200" dirty="0">
                     <a:effectLst/>
-                    <a:latin typeface="Times New Roman" panose="02020603050405020304" pitchFamily="18" charset="0"/>
-                    <a:ea typeface="Times New Roman" panose="02020603050405020304" pitchFamily="18" charset="0"/>
+                    <a:latin typeface="Roboto" panose="02000000000000000000" pitchFamily="2" charset="0"/>
+                    <a:ea typeface="Roboto" panose="02000000000000000000" pitchFamily="2" charset="0"/>
+                    <a:cs typeface="Roboto" panose="02000000000000000000" pitchFamily="2" charset="0"/>
                   </a:rPr>
                   <a:t>​ – длительность импульса;</a:t>
                 </a:r>
@@ -6550,24 +7309,27 @@
                 <a:r>
                   <a:rPr lang="ru-RU" sz="1200" dirty="0" err="1">
                     <a:effectLst/>
-                    <a:latin typeface="Times New Roman" panose="02020603050405020304" pitchFamily="18" charset="0"/>
-                    <a:ea typeface="Times New Roman" panose="02020603050405020304" pitchFamily="18" charset="0"/>
+                    <a:latin typeface="Roboto" panose="02000000000000000000" pitchFamily="2" charset="0"/>
+                    <a:ea typeface="Roboto" panose="02000000000000000000" pitchFamily="2" charset="0"/>
+                    <a:cs typeface="Roboto" panose="02000000000000000000" pitchFamily="2" charset="0"/>
                   </a:rPr>
                   <a:t>C</a:t>
                 </a:r>
                 <a:r>
                   <a:rPr lang="ru-RU" sz="1200" baseline="-25000" dirty="0" err="1">
                     <a:effectLst/>
-                    <a:latin typeface="Times New Roman" panose="02020603050405020304" pitchFamily="18" charset="0"/>
-                    <a:ea typeface="Times New Roman" panose="02020603050405020304" pitchFamily="18" charset="0"/>
+                    <a:latin typeface="Roboto" panose="02000000000000000000" pitchFamily="2" charset="0"/>
+                    <a:ea typeface="Roboto" panose="02000000000000000000" pitchFamily="2" charset="0"/>
+                    <a:cs typeface="Roboto" panose="02000000000000000000" pitchFamily="2" charset="0"/>
                   </a:rPr>
                   <a:t>a</a:t>
                 </a:r>
                 <a:r>
                   <a:rPr lang="ru-RU" sz="1200" dirty="0">
                     <a:effectLst/>
-                    <a:latin typeface="Times New Roman" panose="02020603050405020304" pitchFamily="18" charset="0"/>
-                    <a:ea typeface="Times New Roman" panose="02020603050405020304" pitchFamily="18" charset="0"/>
+                    <a:latin typeface="Roboto" panose="02000000000000000000" pitchFamily="2" charset="0"/>
+                    <a:ea typeface="Roboto" panose="02000000000000000000" pitchFamily="2" charset="0"/>
+                    <a:cs typeface="Roboto" panose="02000000000000000000" pitchFamily="2" charset="0"/>
                   </a:rPr>
                   <a:t>​ – коэффициент использования энергии;</a:t>
                 </a:r>
@@ -6587,8 +7349,9 @@
                 <a:r>
                   <a:rPr lang="ru-RU" sz="1200" dirty="0">
                     <a:effectLst/>
-                    <a:latin typeface="Times New Roman" panose="02020603050405020304" pitchFamily="18" charset="0"/>
-                    <a:ea typeface="Times New Roman" panose="02020603050405020304" pitchFamily="18" charset="0"/>
+                    <a:latin typeface="Roboto" panose="02000000000000000000" pitchFamily="2" charset="0"/>
+                    <a:ea typeface="Roboto" panose="02000000000000000000" pitchFamily="2" charset="0"/>
+                    <a:cs typeface="Roboto" panose="02000000000000000000" pitchFamily="2" charset="0"/>
                   </a:rPr>
                   <a:t>ρ – плотность материала заготовки;</a:t>
                 </a:r>
@@ -6608,32 +7371,36 @@
                 <a:r>
                   <a:rPr lang="ru-RU" sz="1200" dirty="0" err="1">
                     <a:effectLst/>
-                    <a:latin typeface="Times New Roman" panose="02020603050405020304" pitchFamily="18" charset="0"/>
-                    <a:ea typeface="Times New Roman" panose="02020603050405020304" pitchFamily="18" charset="0"/>
+                    <a:latin typeface="Roboto" panose="02000000000000000000" pitchFamily="2" charset="0"/>
+                    <a:ea typeface="Roboto" panose="02000000000000000000" pitchFamily="2" charset="0"/>
+                    <a:cs typeface="Roboto" panose="02000000000000000000" pitchFamily="2" charset="0"/>
                   </a:rPr>
                   <a:t>r</a:t>
                 </a:r>
                 <a:r>
                   <a:rPr lang="ru-RU" sz="1200" baseline="-25000" dirty="0" err="1">
                     <a:effectLst/>
-                    <a:latin typeface="Times New Roman" panose="02020603050405020304" pitchFamily="18" charset="0"/>
-                    <a:ea typeface="Times New Roman" panose="02020603050405020304" pitchFamily="18" charset="0"/>
+                    <a:latin typeface="Roboto" panose="02000000000000000000" pitchFamily="2" charset="0"/>
+                    <a:ea typeface="Roboto" panose="02000000000000000000" pitchFamily="2" charset="0"/>
+                    <a:cs typeface="Roboto" panose="02000000000000000000" pitchFamily="2" charset="0"/>
                   </a:rPr>
                   <a:t>v</a:t>
                 </a:r>
                 <a:r>
                   <a:rPr lang="ru-RU" sz="1200" baseline="-25000" dirty="0">
                     <a:effectLst/>
-                    <a:latin typeface="Times New Roman" panose="02020603050405020304" pitchFamily="18" charset="0"/>
-                    <a:ea typeface="Times New Roman" panose="02020603050405020304" pitchFamily="18" charset="0"/>
+                    <a:latin typeface="Roboto" panose="02000000000000000000" pitchFamily="2" charset="0"/>
+                    <a:ea typeface="Roboto" panose="02000000000000000000" pitchFamily="2" charset="0"/>
+                    <a:cs typeface="Roboto" panose="02000000000000000000" pitchFamily="2" charset="0"/>
                   </a:rPr>
                   <a:t>​</a:t>
                 </a:r>
                 <a:r>
                   <a:rPr lang="ru-RU" sz="1200" dirty="0">
                     <a:effectLst/>
-                    <a:latin typeface="Times New Roman" panose="02020603050405020304" pitchFamily="18" charset="0"/>
-                    <a:ea typeface="Times New Roman" panose="02020603050405020304" pitchFamily="18" charset="0"/>
+                    <a:latin typeface="Roboto" panose="02000000000000000000" pitchFamily="2" charset="0"/>
+                    <a:ea typeface="Roboto" panose="02000000000000000000" pitchFamily="2" charset="0"/>
+                    <a:cs typeface="Roboto" panose="02000000000000000000" pitchFamily="2" charset="0"/>
                   </a:rPr>
                   <a:t> – теплота испарения материала;</a:t>
                 </a:r>
@@ -6653,32 +7420,36 @@
                 <a:r>
                   <a:rPr lang="ru-RU" sz="1200" dirty="0" err="1">
                     <a:effectLst/>
-                    <a:latin typeface="Times New Roman" panose="02020603050405020304" pitchFamily="18" charset="0"/>
-                    <a:ea typeface="Times New Roman" panose="02020603050405020304" pitchFamily="18" charset="0"/>
+                    <a:latin typeface="Roboto" panose="02000000000000000000" pitchFamily="2" charset="0"/>
+                    <a:ea typeface="Roboto" panose="02000000000000000000" pitchFamily="2" charset="0"/>
+                    <a:cs typeface="Roboto" panose="02000000000000000000" pitchFamily="2" charset="0"/>
                   </a:rPr>
                   <a:t>L</a:t>
                 </a:r>
                 <a:r>
                   <a:rPr lang="ru-RU" sz="1200" baseline="-25000" dirty="0" err="1">
                     <a:effectLst/>
-                    <a:latin typeface="Times New Roman" panose="02020603050405020304" pitchFamily="18" charset="0"/>
-                    <a:ea typeface="Times New Roman" panose="02020603050405020304" pitchFamily="18" charset="0"/>
+                    <a:latin typeface="Roboto" panose="02000000000000000000" pitchFamily="2" charset="0"/>
+                    <a:ea typeface="Roboto" panose="02000000000000000000" pitchFamily="2" charset="0"/>
+                    <a:cs typeface="Roboto" panose="02000000000000000000" pitchFamily="2" charset="0"/>
                   </a:rPr>
                   <a:t>m</a:t>
                 </a:r>
                 <a:r>
                   <a:rPr lang="ru-RU" sz="1200" baseline="-25000" dirty="0">
                     <a:effectLst/>
-                    <a:latin typeface="Times New Roman" panose="02020603050405020304" pitchFamily="18" charset="0"/>
-                    <a:ea typeface="Times New Roman" panose="02020603050405020304" pitchFamily="18" charset="0"/>
+                    <a:latin typeface="Roboto" panose="02000000000000000000" pitchFamily="2" charset="0"/>
+                    <a:ea typeface="Roboto" panose="02000000000000000000" pitchFamily="2" charset="0"/>
+                    <a:cs typeface="Roboto" panose="02000000000000000000" pitchFamily="2" charset="0"/>
                   </a:rPr>
                   <a:t>​</a:t>
                 </a:r>
                 <a:r>
                   <a:rPr lang="ru-RU" sz="1200" dirty="0">
                     <a:effectLst/>
-                    <a:latin typeface="Times New Roman" panose="02020603050405020304" pitchFamily="18" charset="0"/>
-                    <a:ea typeface="Times New Roman" panose="02020603050405020304" pitchFamily="18" charset="0"/>
+                    <a:latin typeface="Roboto" panose="02000000000000000000" pitchFamily="2" charset="0"/>
+                    <a:ea typeface="Roboto" panose="02000000000000000000" pitchFamily="2" charset="0"/>
+                    <a:cs typeface="Roboto" panose="02000000000000000000" pitchFamily="2" charset="0"/>
                   </a:rPr>
                   <a:t> – теплота плавления материала;</a:t>
                 </a:r>
@@ -6698,8 +7469,9 @@
                 <a:r>
                   <a:rPr lang="ru-RU" sz="1200" dirty="0">
                     <a:effectLst/>
-                    <a:latin typeface="Times New Roman" panose="02020603050405020304" pitchFamily="18" charset="0"/>
-                    <a:ea typeface="Times New Roman" panose="02020603050405020304" pitchFamily="18" charset="0"/>
+                    <a:latin typeface="Roboto" panose="02000000000000000000" pitchFamily="2" charset="0"/>
+                    <a:ea typeface="Roboto" panose="02000000000000000000" pitchFamily="2" charset="0"/>
+                    <a:cs typeface="Roboto" panose="02000000000000000000" pitchFamily="2" charset="0"/>
                   </a:rPr>
                   <a:t>C – удельная теплоемкость материала;</a:t>
                 </a:r>
@@ -6719,24 +7491,27 @@
                 <a:r>
                   <a:rPr lang="ru-RU" sz="1200" dirty="0" err="1">
                     <a:effectLst/>
-                    <a:latin typeface="Times New Roman" panose="02020603050405020304" pitchFamily="18" charset="0"/>
-                    <a:ea typeface="Times New Roman" panose="02020603050405020304" pitchFamily="18" charset="0"/>
+                    <a:latin typeface="Roboto" panose="02000000000000000000" pitchFamily="2" charset="0"/>
+                    <a:ea typeface="Roboto" panose="02000000000000000000" pitchFamily="2" charset="0"/>
+                    <a:cs typeface="Roboto" panose="02000000000000000000" pitchFamily="2" charset="0"/>
                   </a:rPr>
                   <a:t>T</a:t>
                 </a:r>
                 <a:r>
                   <a:rPr lang="ru-RU" sz="1200" baseline="-25000" dirty="0" err="1">
                     <a:effectLst/>
-                    <a:latin typeface="Times New Roman" panose="02020603050405020304" pitchFamily="18" charset="0"/>
-                    <a:ea typeface="Times New Roman" panose="02020603050405020304" pitchFamily="18" charset="0"/>
+                    <a:latin typeface="Roboto" panose="02000000000000000000" pitchFamily="2" charset="0"/>
+                    <a:ea typeface="Roboto" panose="02000000000000000000" pitchFamily="2" charset="0"/>
+                    <a:cs typeface="Roboto" panose="02000000000000000000" pitchFamily="2" charset="0"/>
                   </a:rPr>
                   <a:t>m</a:t>
                 </a:r>
                 <a:r>
                   <a:rPr lang="ru-RU" sz="1200" dirty="0">
                     <a:effectLst/>
-                    <a:latin typeface="Times New Roman" panose="02020603050405020304" pitchFamily="18" charset="0"/>
-                    <a:ea typeface="Times New Roman" panose="02020603050405020304" pitchFamily="18" charset="0"/>
+                    <a:latin typeface="Roboto" panose="02000000000000000000" pitchFamily="2" charset="0"/>
+                    <a:ea typeface="Roboto" panose="02000000000000000000" pitchFamily="2" charset="0"/>
+                    <a:cs typeface="Roboto" panose="02000000000000000000" pitchFamily="2" charset="0"/>
                   </a:rPr>
                   <a:t>​ – температура плавления материала;</a:t>
                 </a:r>
@@ -6756,24 +7531,27 @@
                 <a:r>
                   <a:rPr lang="ru-RU" sz="1200" dirty="0" err="1">
                     <a:effectLst/>
-                    <a:latin typeface="Times New Roman" panose="02020603050405020304" pitchFamily="18" charset="0"/>
-                    <a:ea typeface="Times New Roman" panose="02020603050405020304" pitchFamily="18" charset="0"/>
+                    <a:latin typeface="Roboto" panose="02000000000000000000" pitchFamily="2" charset="0"/>
+                    <a:ea typeface="Roboto" panose="02000000000000000000" pitchFamily="2" charset="0"/>
+                    <a:cs typeface="Roboto" panose="02000000000000000000" pitchFamily="2" charset="0"/>
                   </a:rPr>
                   <a:t>T</a:t>
                 </a:r>
                 <a:r>
                   <a:rPr lang="ru-RU" sz="1200" baseline="-25000" dirty="0" err="1">
                     <a:effectLst/>
-                    <a:latin typeface="Times New Roman" panose="02020603050405020304" pitchFamily="18" charset="0"/>
-                    <a:ea typeface="Times New Roman" panose="02020603050405020304" pitchFamily="18" charset="0"/>
+                    <a:latin typeface="Roboto" panose="02000000000000000000" pitchFamily="2" charset="0"/>
+                    <a:ea typeface="Roboto" panose="02000000000000000000" pitchFamily="2" charset="0"/>
+                    <a:cs typeface="Roboto" panose="02000000000000000000" pitchFamily="2" charset="0"/>
                   </a:rPr>
                   <a:t>b</a:t>
                 </a:r>
                 <a:r>
                   <a:rPr lang="ru-RU" sz="1200" dirty="0">
                     <a:effectLst/>
-                    <a:latin typeface="Times New Roman" panose="02020603050405020304" pitchFamily="18" charset="0"/>
-                    <a:ea typeface="Times New Roman" panose="02020603050405020304" pitchFamily="18" charset="0"/>
+                    <a:latin typeface="Roboto" panose="02000000000000000000" pitchFamily="2" charset="0"/>
+                    <a:ea typeface="Roboto" panose="02000000000000000000" pitchFamily="2" charset="0"/>
+                    <a:cs typeface="Roboto" panose="02000000000000000000" pitchFamily="2" charset="0"/>
                   </a:rPr>
                   <a:t>​ – температура кипения материала;</a:t>
                 </a:r>
@@ -6793,24 +7571,27 @@
                 <a:r>
                   <a:rPr lang="ru-RU" sz="1200" dirty="0">
                     <a:effectLst/>
-                    <a:latin typeface="Times New Roman" panose="02020603050405020304" pitchFamily="18" charset="0"/>
-                    <a:ea typeface="Times New Roman" panose="02020603050405020304" pitchFamily="18" charset="0"/>
+                    <a:latin typeface="Roboto" panose="02000000000000000000" pitchFamily="2" charset="0"/>
+                    <a:ea typeface="Roboto" panose="02000000000000000000" pitchFamily="2" charset="0"/>
+                    <a:cs typeface="Roboto" panose="02000000000000000000" pitchFamily="2" charset="0"/>
                   </a:rPr>
                   <a:t>T</a:t>
                 </a:r>
                 <a:r>
                   <a:rPr lang="ru-RU" sz="1200" baseline="-25000" dirty="0">
                     <a:effectLst/>
-                    <a:latin typeface="Times New Roman" panose="02020603050405020304" pitchFamily="18" charset="0"/>
-                    <a:ea typeface="Times New Roman" panose="02020603050405020304" pitchFamily="18" charset="0"/>
+                    <a:latin typeface="Roboto" panose="02000000000000000000" pitchFamily="2" charset="0"/>
+                    <a:ea typeface="Roboto" panose="02000000000000000000" pitchFamily="2" charset="0"/>
+                    <a:cs typeface="Roboto" panose="02000000000000000000" pitchFamily="2" charset="0"/>
                   </a:rPr>
                   <a:t>0</a:t>
                 </a:r>
                 <a:r>
                   <a:rPr lang="ru-RU" sz="1200" dirty="0">
                     <a:effectLst/>
-                    <a:latin typeface="Times New Roman" panose="02020603050405020304" pitchFamily="18" charset="0"/>
-                    <a:ea typeface="Times New Roman" panose="02020603050405020304" pitchFamily="18" charset="0"/>
+                    <a:latin typeface="Roboto" panose="02000000000000000000" pitchFamily="2" charset="0"/>
+                    <a:ea typeface="Roboto" panose="02000000000000000000" pitchFamily="2" charset="0"/>
+                    <a:cs typeface="Roboto" panose="02000000000000000000" pitchFamily="2" charset="0"/>
                   </a:rPr>
                   <a:t>​ – начальная температура материала;</a:t>
                 </a:r>
@@ -6830,8 +7611,9 @@
                 <a:r>
                   <a:rPr lang="ru-RU" sz="1200" dirty="0">
                     <a:effectLst/>
-                    <a:latin typeface="Times New Roman" panose="02020603050405020304" pitchFamily="18" charset="0"/>
-                    <a:ea typeface="Times New Roman" panose="02020603050405020304" pitchFamily="18" charset="0"/>
+                    <a:latin typeface="Roboto" panose="02000000000000000000" pitchFamily="2" charset="0"/>
+                    <a:ea typeface="Roboto" panose="02000000000000000000" pitchFamily="2" charset="0"/>
+                    <a:cs typeface="Roboto" panose="02000000000000000000" pitchFamily="2" charset="0"/>
                   </a:rPr>
                   <a:t>α – коэффициент, представляющий долю материала, удаляемого за счет испарения (остальная часть (1−α) удаляется за счет плавления и последующего выброса).</a:t>
                 </a:r>
@@ -6856,7 +7638,7 @@
             </p:txBody>
           </p:sp>
         </mc:Choice>
-        <mc:Fallback>
+        <mc:Fallback xmlns="">
           <p:sp>
             <p:nvSpPr>
               <p:cNvPr id="5" name="TextBox 4">
@@ -6901,6 +7683,38 @@
           </p:sp>
         </mc:Fallback>
       </mc:AlternateContent>
+      <p:sp>
+        <p:nvSpPr>
+          <p:cNvPr id="3" name="Номер слайда 2">
+            <a:extLst>
+              <a:ext uri="{FF2B5EF4-FFF2-40B4-BE49-F238E27FC236}">
+                <a16:creationId xmlns:a16="http://schemas.microsoft.com/office/drawing/2014/main" id="{E2316780-8A9A-4514-AEB8-766FA0D9D91D}"/>
+              </a:ext>
+            </a:extLst>
+          </p:cNvPr>
+          <p:cNvSpPr>
+            <a:spLocks noGrp="1"/>
+          </p:cNvSpPr>
+          <p:nvPr>
+            <p:ph type="sldNum" sz="quarter" idx="12"/>
+          </p:nvPr>
+        </p:nvSpPr>
+        <p:spPr/>
+        <p:txBody>
+          <a:bodyPr/>
+          <a:lstStyle/>
+          <a:p>
+            <a:pPr>
+              <a:defRPr/>
+            </a:pPr>
+            <a:fld id="{F5407871-9FBF-4BBB-895A-2502942BAC5D}" type="slidenum">
+              <a:rPr lang="ru-RU" smtClean="0"/>
+              <a:t>5</a:t>
+            </a:fld>
+            <a:endParaRPr lang="ru-RU"/>
+          </a:p>
+        </p:txBody>
+      </p:sp>
     </p:spTree>
     <p:extLst>
       <p:ext uri="{BB962C8B-B14F-4D97-AF65-F5344CB8AC3E}">
@@ -7078,6 +7892,38 @@
           </a:ln>
         </p:spPr>
       </p:pic>
+      <p:sp>
+        <p:nvSpPr>
+          <p:cNvPr id="5" name="Номер слайда 4">
+            <a:extLst>
+              <a:ext uri="{FF2B5EF4-FFF2-40B4-BE49-F238E27FC236}">
+                <a16:creationId xmlns:a16="http://schemas.microsoft.com/office/drawing/2014/main" id="{3116E177-8D35-9F88-E2EA-FC3E0AA87FFB}"/>
+              </a:ext>
+            </a:extLst>
+          </p:cNvPr>
+          <p:cNvSpPr>
+            <a:spLocks noGrp="1"/>
+          </p:cNvSpPr>
+          <p:nvPr>
+            <p:ph type="sldNum" sz="quarter" idx="12"/>
+          </p:nvPr>
+        </p:nvSpPr>
+        <p:spPr/>
+        <p:txBody>
+          <a:bodyPr/>
+          <a:lstStyle/>
+          <a:p>
+            <a:pPr>
+              <a:defRPr/>
+            </a:pPr>
+            <a:fld id="{F5407871-9FBF-4BBB-895A-2502942BAC5D}" type="slidenum">
+              <a:rPr lang="ru-RU" smtClean="0"/>
+              <a:t>6</a:t>
+            </a:fld>
+            <a:endParaRPr lang="ru-RU"/>
+          </a:p>
+        </p:txBody>
+      </p:sp>
     </p:spTree>
     <p:extLst>
       <p:ext uri="{BB962C8B-B14F-4D97-AF65-F5344CB8AC3E}">
@@ -7252,13 +8098,22 @@
               </a:tabLst>
             </a:pPr>
             <a:r>
+              <a:rPr lang="ru-RU" sz="1800" b="1" dirty="0">
+                <a:effectLst/>
+                <a:latin typeface="Roboto" panose="02000000000000000000" pitchFamily="2" charset="0"/>
+                <a:ea typeface="Roboto" panose="02000000000000000000" pitchFamily="2" charset="0"/>
+                <a:cs typeface="Roboto" panose="02000000000000000000" pitchFamily="2" charset="0"/>
+              </a:rPr>
+              <a:t>Язык программирования: </a:t>
+            </a:r>
+            <a:r>
               <a:rPr lang="ru-RU" sz="1800" dirty="0">
                 <a:effectLst/>
                 <a:latin typeface="Roboto" panose="02000000000000000000" pitchFamily="2" charset="0"/>
                 <a:ea typeface="Roboto" panose="02000000000000000000" pitchFamily="2" charset="0"/>
                 <a:cs typeface="Roboto" panose="02000000000000000000" pitchFamily="2" charset="0"/>
               </a:rPr>
-              <a:t>Язык программирования: Python.</a:t>
+              <a:t>Python.</a:t>
             </a:r>
           </a:p>
           <a:p>
@@ -7272,7 +8127,7 @@
               </a:tabLst>
             </a:pPr>
             <a:r>
-              <a:rPr lang="ru-RU" sz="1800" dirty="0">
+              <a:rPr lang="ru-RU" sz="1800" b="1" dirty="0">
                 <a:effectLst/>
                 <a:latin typeface="Roboto" panose="02000000000000000000" pitchFamily="2" charset="0"/>
                 <a:ea typeface="Roboto" panose="02000000000000000000" pitchFamily="2" charset="0"/>
@@ -7407,7 +8262,7 @@
               <a:t>Для визуализации использовалась программа </a:t>
             </a:r>
             <a:r>
-              <a:rPr lang="ru-RU" sz="1800" dirty="0" err="1">
+              <a:rPr lang="ru-RU" sz="1800" b="1" dirty="0" err="1">
                 <a:effectLst/>
                 <a:latin typeface="Roboto" panose="02000000000000000000" pitchFamily="2" charset="0"/>
                 <a:ea typeface="Roboto" panose="02000000000000000000" pitchFamily="2" charset="0"/>
@@ -7416,7 +8271,7 @@
               <a:t>OpenSCA</a:t>
             </a:r>
             <a:r>
-              <a:rPr lang="en-US" sz="1800" dirty="0">
+              <a:rPr lang="en-US" sz="1800" b="1" dirty="0">
                 <a:effectLst/>
                 <a:latin typeface="Roboto" panose="02000000000000000000" pitchFamily="2" charset="0"/>
                 <a:ea typeface="Roboto" panose="02000000000000000000" pitchFamily="2" charset="0"/>
@@ -7433,6 +8288,38 @@
               </a:rPr>
               <a:t>.</a:t>
             </a:r>
+          </a:p>
+        </p:txBody>
+      </p:sp>
+      <p:sp>
+        <p:nvSpPr>
+          <p:cNvPr id="3" name="Номер слайда 2">
+            <a:extLst>
+              <a:ext uri="{FF2B5EF4-FFF2-40B4-BE49-F238E27FC236}">
+                <a16:creationId xmlns:a16="http://schemas.microsoft.com/office/drawing/2014/main" id="{D33904CC-6CA3-D2E2-AB36-88062421AF67}"/>
+              </a:ext>
+            </a:extLst>
+          </p:cNvPr>
+          <p:cNvSpPr>
+            <a:spLocks noGrp="1"/>
+          </p:cNvSpPr>
+          <p:nvPr>
+            <p:ph type="sldNum" sz="quarter" idx="12"/>
+          </p:nvPr>
+        </p:nvSpPr>
+        <p:spPr/>
+        <p:txBody>
+          <a:bodyPr/>
+          <a:lstStyle/>
+          <a:p>
+            <a:pPr>
+              <a:defRPr/>
+            </a:pPr>
+            <a:fld id="{F5407871-9FBF-4BBB-895A-2502942BAC5D}" type="slidenum">
+              <a:rPr lang="ru-RU" smtClean="0"/>
+              <a:t>7</a:t>
+            </a:fld>
+            <a:endParaRPr lang="ru-RU"/>
           </a:p>
         </p:txBody>
       </p:sp>
@@ -7566,10 +8453,9 @@
           <a:p>
             <a:pPr algn="r"/>
             <a:r>
-              <a:rPr lang="ru-RU" sz="2800" dirty="0"/>
+              <a:rPr lang="ru-RU" sz="2800" b="1" dirty="0"/>
               <a:t>Параметры вычислительного эксперимента</a:t>
             </a:r>
-            <a:endParaRPr lang="ru-RU" sz="2800" b="1" dirty="0"/>
           </a:p>
         </p:txBody>
       </p:sp>
@@ -7611,13 +8497,22 @@
               </a:tabLst>
             </a:pPr>
             <a:r>
+              <a:rPr lang="ru-RU" sz="1800" b="1" dirty="0">
+                <a:effectLst/>
+                <a:latin typeface="Roboto" panose="02000000000000000000" pitchFamily="2" charset="0"/>
+                <a:ea typeface="Roboto" panose="02000000000000000000" pitchFamily="2" charset="0"/>
+                <a:cs typeface="Roboto" panose="02000000000000000000" pitchFamily="2" charset="0"/>
+              </a:rPr>
+              <a:t>Цель эксперимента:</a:t>
+            </a:r>
+            <a:r>
               <a:rPr lang="ru-RU" sz="1800" dirty="0">
                 <a:effectLst/>
                 <a:latin typeface="Roboto" panose="02000000000000000000" pitchFamily="2" charset="0"/>
                 <a:ea typeface="Roboto" panose="02000000000000000000" pitchFamily="2" charset="0"/>
                 <a:cs typeface="Roboto" panose="02000000000000000000" pitchFamily="2" charset="0"/>
               </a:rPr>
-              <a:t>Цель эксперимента: демонстрация работы модели, влияние числа разрядов.</a:t>
+              <a:t> демонстрация работы модели, влияние числа разрядов.</a:t>
             </a:r>
           </a:p>
           <a:p>
@@ -7631,13 +8526,22 @@
               </a:tabLst>
             </a:pPr>
             <a:r>
+              <a:rPr lang="ru-RU" sz="1800" b="1" dirty="0">
+                <a:effectLst/>
+                <a:latin typeface="Roboto" panose="02000000000000000000" pitchFamily="2" charset="0"/>
+                <a:ea typeface="Roboto" panose="02000000000000000000" pitchFamily="2" charset="0"/>
+                <a:cs typeface="Roboto" panose="02000000000000000000" pitchFamily="2" charset="0"/>
+              </a:rPr>
+              <a:t>Материал: </a:t>
+            </a:r>
+            <a:r>
               <a:rPr lang="ru-RU" sz="1800" dirty="0">
                 <a:effectLst/>
                 <a:latin typeface="Roboto" panose="02000000000000000000" pitchFamily="2" charset="0"/>
                 <a:ea typeface="Roboto" panose="02000000000000000000" pitchFamily="2" charset="0"/>
                 <a:cs typeface="Roboto" panose="02000000000000000000" pitchFamily="2" charset="0"/>
               </a:rPr>
-              <a:t>Материал: Сталь C45.</a:t>
+              <a:t>Сталь C45.</a:t>
             </a:r>
           </a:p>
           <a:p>
@@ -7651,7 +8555,7 @@
               </a:tabLst>
             </a:pPr>
             <a:r>
-              <a:rPr lang="ru-RU" sz="1800" dirty="0">
+              <a:rPr lang="ru-RU" sz="1800" b="1" dirty="0">
                 <a:effectLst/>
                 <a:latin typeface="Roboto" panose="02000000000000000000" pitchFamily="2" charset="0"/>
                 <a:ea typeface="Roboto" panose="02000000000000000000" pitchFamily="2" charset="0"/>
@@ -7833,7 +8737,7 @@
               </a:tabLst>
             </a:pPr>
             <a:r>
-              <a:rPr lang="ru-RU" sz="1800" dirty="0">
+              <a:rPr lang="ru-RU" sz="1800" b="1" dirty="0">
                 <a:effectLst/>
                 <a:latin typeface="Roboto" panose="02000000000000000000" pitchFamily="2" charset="0"/>
                 <a:ea typeface="Roboto" panose="02000000000000000000" pitchFamily="2" charset="0"/>
@@ -7915,14 +8819,55 @@
               </a:tabLst>
             </a:pPr>
             <a:r>
+              <a:rPr lang="ru-RU" sz="1800" b="1" dirty="0">
+                <a:effectLst/>
+                <a:latin typeface="Roboto" panose="02000000000000000000" pitchFamily="2" charset="0"/>
+                <a:ea typeface="Roboto" panose="02000000000000000000" pitchFamily="2" charset="0"/>
+                <a:cs typeface="Roboto" panose="02000000000000000000" pitchFamily="2" charset="0"/>
+              </a:rPr>
+              <a:t>Количество разрядов для 3-х кратеров: </a:t>
+            </a:r>
+            <a:r>
               <a:rPr lang="ru-RU" sz="1800" dirty="0">
                 <a:effectLst/>
                 <a:latin typeface="Roboto" panose="02000000000000000000" pitchFamily="2" charset="0"/>
                 <a:ea typeface="Roboto" panose="02000000000000000000" pitchFamily="2" charset="0"/>
                 <a:cs typeface="Roboto" panose="02000000000000000000" pitchFamily="2" charset="0"/>
               </a:rPr>
-              <a:t>Количество разрядов для 3-х кратеров: 10 000, 50 000, 100 000.</a:t>
-            </a:r>
+              <a:t>10 000, 50 000, 100 000.</a:t>
+            </a:r>
+          </a:p>
+        </p:txBody>
+      </p:sp>
+      <p:sp>
+        <p:nvSpPr>
+          <p:cNvPr id="3" name="Номер слайда 2">
+            <a:extLst>
+              <a:ext uri="{FF2B5EF4-FFF2-40B4-BE49-F238E27FC236}">
+                <a16:creationId xmlns:a16="http://schemas.microsoft.com/office/drawing/2014/main" id="{477E7EBF-9814-E527-9785-44AF0D194BF6}"/>
+              </a:ext>
+            </a:extLst>
+          </p:cNvPr>
+          <p:cNvSpPr>
+            <a:spLocks noGrp="1"/>
+          </p:cNvSpPr>
+          <p:nvPr>
+            <p:ph type="sldNum" sz="quarter" idx="12"/>
+          </p:nvPr>
+        </p:nvSpPr>
+        <p:spPr/>
+        <p:txBody>
+          <a:bodyPr/>
+          <a:lstStyle/>
+          <a:p>
+            <a:pPr>
+              <a:defRPr/>
+            </a:pPr>
+            <a:fld id="{F5407871-9FBF-4BBB-895A-2502942BAC5D}" type="slidenum">
+              <a:rPr lang="ru-RU" smtClean="0"/>
+              <a:t>8</a:t>
+            </a:fld>
+            <a:endParaRPr lang="ru-RU"/>
           </a:p>
         </p:txBody>
       </p:sp>
@@ -8056,10 +9001,9 @@
           <a:p>
             <a:pPr algn="r"/>
             <a:r>
-              <a:rPr lang="ru-RU" sz="2800" dirty="0"/>
+              <a:rPr lang="ru-RU" sz="2800" b="1" dirty="0"/>
               <a:t>Результаты моделирования</a:t>
             </a:r>
-            <a:endParaRPr lang="ru-RU" sz="2800" b="1" dirty="0"/>
           </a:p>
         </p:txBody>
       </p:sp>
@@ -8077,8 +9021,8 @@
         </p:nvSpPr>
         <p:spPr>
           <a:xfrm>
-            <a:off x="695400" y="1268760"/>
-            <a:ext cx="10873208" cy="877163"/>
+            <a:off x="1847528" y="1130994"/>
+            <a:ext cx="6696744" cy="877163"/>
           </a:xfrm>
           <a:prstGeom prst="rect">
             <a:avLst/>
@@ -8101,35 +9045,36 @@
               </a:tabLst>
             </a:pPr>
             <a:r>
-              <a:rPr lang="ru-RU" dirty="0"/>
+              <a:rPr lang="ru-RU" dirty="0">
+                <a:latin typeface="Roboto" panose="02000000000000000000" pitchFamily="2" charset="0"/>
+                <a:ea typeface="Roboto" panose="02000000000000000000" pitchFamily="2" charset="0"/>
+                <a:cs typeface="Roboto" panose="02000000000000000000" pitchFamily="2" charset="0"/>
+              </a:rPr>
               <a:t>Δ</a:t>
             </a:r>
             <a:r>
               <a:rPr lang="ru-RU" dirty="0">
                 <a:effectLst/>
+                <a:latin typeface="Roboto" panose="02000000000000000000" pitchFamily="2" charset="0"/>
+                <a:ea typeface="Roboto" panose="02000000000000000000" pitchFamily="2" charset="0"/>
+                <a:cs typeface="Roboto" panose="02000000000000000000" pitchFamily="2" charset="0"/>
               </a:rPr>
               <a:t>V</a:t>
             </a:r>
             <a:r>
-              <a:rPr lang="ru-RU" dirty="0"/>
-              <a:t> за 1 разряд: 9.7612×10</a:t>
-            </a:r>
-            <a:r>
               <a:rPr lang="ru-RU" dirty="0">
-                <a:effectLst/>
+                <a:latin typeface="Roboto" panose="02000000000000000000" pitchFamily="2" charset="0"/>
+                <a:ea typeface="Roboto" panose="02000000000000000000" pitchFamily="2" charset="0"/>
+                <a:cs typeface="Roboto" panose="02000000000000000000" pitchFamily="2" charset="0"/>
               </a:rPr>
-              <a:t>−14</a:t>
-            </a:r>
-            <a:r>
-              <a:rPr lang="ru-RU" dirty="0"/>
-              <a:t> м</a:t>
-            </a:r>
-            <a:r>
-              <a:rPr lang="ru-RU" dirty="0">
-                <a:effectLst/>
-              </a:rPr>
-              <a:t>3</a:t>
-            </a:r>
+              <a:t> за 1 разряд: 0,00009761216805833594 мм3</a:t>
+            </a:r>
+            <a:endParaRPr lang="ru-RU" dirty="0">
+              <a:effectLst/>
+              <a:latin typeface="Roboto" panose="02000000000000000000" pitchFamily="2" charset="0"/>
+              <a:ea typeface="Roboto" panose="02000000000000000000" pitchFamily="2" charset="0"/>
+              <a:cs typeface="Roboto" panose="02000000000000000000" pitchFamily="2" charset="0"/>
+            </a:endParaRPr>
           </a:p>
           <a:p>
             <a:pPr lvl="0" algn="just">
@@ -8165,14 +9110,14 @@
           <p:nvPr>
             <p:extLst>
               <p:ext uri="{D42A27DB-BD31-4B8C-83A1-F6EECF244321}">
-                <p14:modId xmlns:p14="http://schemas.microsoft.com/office/powerpoint/2010/main" val="4009973989"/>
+                <p14:modId xmlns:p14="http://schemas.microsoft.com/office/powerpoint/2010/main" val="749589890"/>
               </p:ext>
             </p:extLst>
           </p:nvPr>
         </p:nvGraphicFramePr>
         <p:xfrm>
-          <a:off x="767408" y="1707341"/>
-          <a:ext cx="6624736" cy="1483360"/>
+          <a:off x="1918970" y="1556791"/>
+          <a:ext cx="8354059" cy="1483360"/>
         </p:xfrm>
         <a:graphic>
           <a:graphicData uri="http://schemas.openxmlformats.org/drawingml/2006/table">
@@ -8181,7 +9126,7 @@
                 <a:tableStyleId>{5C22544A-7EE6-4342-B048-85BDC9FD1C3A}</a:tableStyleId>
               </a:tblPr>
               <a:tblGrid>
-                <a:gridCol w="1512168">
+                <a:gridCol w="1297275">
                   <a:extLst>
                     <a:ext uri="{9D8B030D-6E8A-4147-A177-3AD203B41FA5}">
                       <a16:colId xmlns:a16="http://schemas.microsoft.com/office/drawing/2014/main" val="3685197173"/>
@@ -8202,6 +9147,13 @@
                     </a:ext>
                   </a:extLst>
                 </a:gridCol>
+                <a:gridCol w="1944216">
+                  <a:extLst>
+                    <a:ext uri="{9D8B030D-6E8A-4147-A177-3AD203B41FA5}">
+                      <a16:colId xmlns:a16="http://schemas.microsoft.com/office/drawing/2014/main" val="3128001346"/>
+                    </a:ext>
+                  </a:extLst>
+                </a:gridCol>
               </a:tblGrid>
               <a:tr h="370840">
                 <a:tc>
@@ -8210,7 +9162,11 @@
                     <a:lstStyle/>
                     <a:p>
                       <a:r>
-                        <a:rPr lang="ru-RU" dirty="0"/>
+                        <a:rPr lang="ru-RU" sz="1600" dirty="0">
+                          <a:latin typeface="Roboto" panose="02000000000000000000" pitchFamily="2" charset="0"/>
+                          <a:ea typeface="Roboto" panose="02000000000000000000" pitchFamily="2" charset="0"/>
+                          <a:cs typeface="Roboto" panose="02000000000000000000" pitchFamily="2" charset="0"/>
+                        </a:rPr>
                         <a:t>№ кратера</a:t>
                       </a:r>
                     </a:p>
@@ -8223,7 +9179,11 @@
                     <a:lstStyle/>
                     <a:p>
                       <a:r>
-                        <a:rPr lang="ru-RU" dirty="0"/>
+                        <a:rPr lang="ru-RU" sz="1600" dirty="0">
+                          <a:latin typeface="Roboto" panose="02000000000000000000" pitchFamily="2" charset="0"/>
+                          <a:ea typeface="Roboto" panose="02000000000000000000" pitchFamily="2" charset="0"/>
+                          <a:cs typeface="Roboto" panose="02000000000000000000" pitchFamily="2" charset="0"/>
+                        </a:rPr>
                         <a:t>Кол-во разрядов</a:t>
                       </a:r>
                     </a:p>
@@ -8236,8 +9196,29 @@
                     <a:lstStyle/>
                     <a:p>
                       <a:r>
-                        <a:rPr lang="ru-RU" dirty="0"/>
+                        <a:rPr lang="ru-RU" sz="1600" dirty="0">
+                          <a:latin typeface="Roboto" panose="02000000000000000000" pitchFamily="2" charset="0"/>
+                          <a:ea typeface="Roboto" panose="02000000000000000000" pitchFamily="2" charset="0"/>
+                          <a:cs typeface="Roboto" panose="02000000000000000000" pitchFamily="2" charset="0"/>
+                        </a:rPr>
                         <a:t>Объем удаленного материала</a:t>
+                      </a:r>
+                    </a:p>
+                  </a:txBody>
+                  <a:tcPr/>
+                </a:tc>
+                <a:tc>
+                  <a:txBody>
+                    <a:bodyPr/>
+                    <a:lstStyle/>
+                    <a:p>
+                      <a:r>
+                        <a:rPr lang="ru-RU" sz="1600" dirty="0">
+                          <a:latin typeface="Roboto" panose="02000000000000000000" pitchFamily="2" charset="0"/>
+                          <a:ea typeface="Roboto" panose="02000000000000000000" pitchFamily="2" charset="0"/>
+                          <a:cs typeface="Roboto" panose="02000000000000000000" pitchFamily="2" charset="0"/>
+                        </a:rPr>
+                        <a:t>Глубина кратера</a:t>
                       </a:r>
                     </a:p>
                   </a:txBody>
@@ -8256,7 +9237,11 @@
                     <a:lstStyle/>
                     <a:p>
                       <a:r>
-                        <a:rPr lang="ru-RU" dirty="0"/>
+                        <a:rPr lang="ru-RU" sz="1600" dirty="0">
+                          <a:latin typeface="Roboto" panose="02000000000000000000" pitchFamily="2" charset="0"/>
+                          <a:ea typeface="Roboto" panose="02000000000000000000" pitchFamily="2" charset="0"/>
+                          <a:cs typeface="Roboto" panose="02000000000000000000" pitchFamily="2" charset="0"/>
+                        </a:rPr>
                         <a:t>1</a:t>
                       </a:r>
                     </a:p>
@@ -8269,10 +9254,18 @@
                     <a:lstStyle/>
                     <a:p>
                       <a:r>
-                        <a:rPr lang="en-US" dirty="0"/>
+                        <a:rPr lang="en-US" sz="1600" dirty="0">
+                          <a:latin typeface="Roboto" panose="02000000000000000000" pitchFamily="2" charset="0"/>
+                          <a:ea typeface="Roboto" panose="02000000000000000000" pitchFamily="2" charset="0"/>
+                          <a:cs typeface="Roboto" panose="02000000000000000000" pitchFamily="2" charset="0"/>
+                        </a:rPr>
                         <a:t>1000</a:t>
                       </a:r>
-                      <a:endParaRPr lang="ru-RU" dirty="0"/>
+                      <a:endParaRPr lang="ru-RU" sz="1600" dirty="0">
+                        <a:latin typeface="Roboto" panose="02000000000000000000" pitchFamily="2" charset="0"/>
+                        <a:ea typeface="Roboto" panose="02000000000000000000" pitchFamily="2" charset="0"/>
+                        <a:cs typeface="Roboto" panose="02000000000000000000" pitchFamily="2" charset="0"/>
+                      </a:endParaRPr>
                     </a:p>
                   </a:txBody>
                   <a:tcPr/>
@@ -8283,25 +9276,39 @@
                     <a:lstStyle/>
                     <a:p>
                       <a:r>
-                        <a:rPr lang="ru-RU" dirty="0"/>
-                        <a:t>0.00</a:t>
+                        <a:rPr lang="ru-RU" sz="1600" dirty="0">
+                          <a:latin typeface="Roboto" panose="02000000000000000000" pitchFamily="2" charset="0"/>
+                          <a:ea typeface="Roboto" panose="02000000000000000000" pitchFamily="2" charset="0"/>
+                          <a:cs typeface="Roboto" panose="02000000000000000000" pitchFamily="2" charset="0"/>
+                        </a:rPr>
+                        <a:t>0,09761216805833594 мм3</a:t>
                       </a:r>
+                    </a:p>
+                  </a:txBody>
+                  <a:tcPr/>
+                </a:tc>
+                <a:tc>
+                  <a:txBody>
+                    <a:bodyPr/>
+                    <a:lstStyle/>
+                    <a:p>
                       <a:r>
-                        <a:rPr lang="en-US" dirty="0"/>
-                        <a:t>0</a:t>
+                        <a:rPr lang="ru-RU" sz="1600" dirty="0">
+                          <a:solidFill>
+                            <a:schemeClr val="dk1"/>
+                          </a:solidFill>
+                          <a:effectLst/>
+                          <a:latin typeface="Roboto" panose="02000000000000000000" pitchFamily="2" charset="0"/>
+                          <a:ea typeface="Roboto" panose="02000000000000000000" pitchFamily="2" charset="0"/>
+                          <a:cs typeface="Roboto" panose="02000000000000000000" pitchFamily="2" charset="0"/>
+                        </a:rPr>
+                        <a:t>0.0497 мм</a:t>
                       </a:r>
-                      <a:r>
-                        <a:rPr lang="ru-RU" dirty="0"/>
-                        <a:t>0</a:t>
-                      </a:r>
-                      <a:r>
-                        <a:rPr lang="en-US" dirty="0"/>
-                        <a:t>4971346896768314 </a:t>
-                      </a:r>
-                      <a:r>
-                        <a:rPr lang="ru-RU" dirty="0"/>
-                        <a:t>м</a:t>
-                      </a:r>
+                      <a:endParaRPr lang="ru-RU" sz="1600" dirty="0">
+                        <a:latin typeface="Roboto" panose="02000000000000000000" pitchFamily="2" charset="0"/>
+                        <a:ea typeface="Roboto" panose="02000000000000000000" pitchFamily="2" charset="0"/>
+                        <a:cs typeface="Roboto" panose="02000000000000000000" pitchFamily="2" charset="0"/>
+                      </a:endParaRPr>
                     </a:p>
                   </a:txBody>
                   <a:tcPr/>
@@ -8319,7 +9326,11 @@
                     <a:lstStyle/>
                     <a:p>
                       <a:r>
-                        <a:rPr lang="ru-RU" dirty="0"/>
+                        <a:rPr lang="ru-RU" sz="1600" dirty="0">
+                          <a:latin typeface="Roboto" panose="02000000000000000000" pitchFamily="2" charset="0"/>
+                          <a:ea typeface="Roboto" panose="02000000000000000000" pitchFamily="2" charset="0"/>
+                          <a:cs typeface="Roboto" panose="02000000000000000000" pitchFamily="2" charset="0"/>
+                        </a:rPr>
                         <a:t>2</a:t>
                       </a:r>
                     </a:p>
@@ -8332,14 +9343,26 @@
                     <a:lstStyle/>
                     <a:p>
                       <a:r>
-                        <a:rPr lang="ru-RU" dirty="0"/>
+                        <a:rPr lang="ru-RU" sz="1600" dirty="0">
+                          <a:latin typeface="Roboto" panose="02000000000000000000" pitchFamily="2" charset="0"/>
+                          <a:ea typeface="Roboto" panose="02000000000000000000" pitchFamily="2" charset="0"/>
+                          <a:cs typeface="Roboto" panose="02000000000000000000" pitchFamily="2" charset="0"/>
+                        </a:rPr>
                         <a:t>5</a:t>
                       </a:r>
                       <a:r>
-                        <a:rPr lang="en-US" dirty="0"/>
+                        <a:rPr lang="en-US" sz="1600" dirty="0">
+                          <a:latin typeface="Roboto" panose="02000000000000000000" pitchFamily="2" charset="0"/>
+                          <a:ea typeface="Roboto" panose="02000000000000000000" pitchFamily="2" charset="0"/>
+                          <a:cs typeface="Roboto" panose="02000000000000000000" pitchFamily="2" charset="0"/>
+                        </a:rPr>
                         <a:t>0000</a:t>
                       </a:r>
-                      <a:endParaRPr lang="ru-RU" dirty="0"/>
+                      <a:endParaRPr lang="ru-RU" sz="1600" dirty="0">
+                        <a:latin typeface="Roboto" panose="02000000000000000000" pitchFamily="2" charset="0"/>
+                        <a:ea typeface="Roboto" panose="02000000000000000000" pitchFamily="2" charset="0"/>
+                        <a:cs typeface="Roboto" panose="02000000000000000000" pitchFamily="2" charset="0"/>
+                      </a:endParaRPr>
                     </a:p>
                   </a:txBody>
                   <a:tcPr/>
@@ -8350,17 +9373,39 @@
                     <a:lstStyle/>
                     <a:p>
                       <a:r>
-                        <a:rPr lang="ru-RU" dirty="0"/>
-                        <a:t>0.0002485673448384157</a:t>
+                        <a:rPr lang="ru-RU" sz="1600" dirty="0">
+                          <a:latin typeface="Roboto" panose="02000000000000000000" pitchFamily="2" charset="0"/>
+                          <a:ea typeface="Roboto" panose="02000000000000000000" pitchFamily="2" charset="0"/>
+                          <a:cs typeface="Roboto" panose="02000000000000000000" pitchFamily="2" charset="0"/>
+                        </a:rPr>
+                        <a:t>4,880608402916797 мм3</a:t>
                       </a:r>
+                    </a:p>
+                  </a:txBody>
+                  <a:tcPr/>
+                </a:tc>
+                <a:tc>
+                  <a:txBody>
+                    <a:bodyPr/>
+                    <a:lstStyle/>
+                    <a:p>
                       <a:r>
-                        <a:rPr lang="en-US" dirty="0"/>
-                        <a:t> </a:t>
+                        <a:rPr lang="ru-RU" sz="1600" dirty="0">
+                          <a:solidFill>
+                            <a:schemeClr val="dk1"/>
+                          </a:solidFill>
+                          <a:effectLst/>
+                          <a:latin typeface="Roboto" panose="02000000000000000000" pitchFamily="2" charset="0"/>
+                          <a:ea typeface="Roboto" panose="02000000000000000000" pitchFamily="2" charset="0"/>
+                          <a:cs typeface="Roboto" panose="02000000000000000000" pitchFamily="2" charset="0"/>
+                        </a:rPr>
+                        <a:t>0.2486 мм</a:t>
                       </a:r>
-                      <a:r>
-                        <a:rPr lang="ru-RU" dirty="0"/>
-                        <a:t>м</a:t>
-                      </a:r>
+                      <a:endParaRPr lang="ru-RU" sz="1600" dirty="0">
+                        <a:latin typeface="Roboto" panose="02000000000000000000" pitchFamily="2" charset="0"/>
+                        <a:ea typeface="Roboto" panose="02000000000000000000" pitchFamily="2" charset="0"/>
+                        <a:cs typeface="Roboto" panose="02000000000000000000" pitchFamily="2" charset="0"/>
+                      </a:endParaRPr>
                     </a:p>
                   </a:txBody>
                   <a:tcPr/>
@@ -8378,7 +9423,11 @@
                     <a:lstStyle/>
                     <a:p>
                       <a:r>
-                        <a:rPr lang="ru-RU" dirty="0"/>
+                        <a:rPr lang="ru-RU" sz="1600" dirty="0">
+                          <a:latin typeface="Roboto" panose="02000000000000000000" pitchFamily="2" charset="0"/>
+                          <a:ea typeface="Roboto" panose="02000000000000000000" pitchFamily="2" charset="0"/>
+                          <a:cs typeface="Roboto" panose="02000000000000000000" pitchFamily="2" charset="0"/>
+                        </a:rPr>
                         <a:t>3</a:t>
                       </a:r>
                     </a:p>
@@ -8391,10 +9440,18 @@
                     <a:lstStyle/>
                     <a:p>
                       <a:r>
-                        <a:rPr lang="en-US" dirty="0"/>
+                        <a:rPr lang="en-US" sz="1600" dirty="0">
+                          <a:latin typeface="Roboto" panose="02000000000000000000" pitchFamily="2" charset="0"/>
+                          <a:ea typeface="Roboto" panose="02000000000000000000" pitchFamily="2" charset="0"/>
+                          <a:cs typeface="Roboto" panose="02000000000000000000" pitchFamily="2" charset="0"/>
+                        </a:rPr>
                         <a:t>100000</a:t>
                       </a:r>
-                      <a:endParaRPr lang="ru-RU" dirty="0"/>
+                      <a:endParaRPr lang="ru-RU" sz="1600" dirty="0">
+                        <a:latin typeface="Roboto" panose="02000000000000000000" pitchFamily="2" charset="0"/>
+                        <a:ea typeface="Roboto" panose="02000000000000000000" pitchFamily="2" charset="0"/>
+                        <a:cs typeface="Roboto" panose="02000000000000000000" pitchFamily="2" charset="0"/>
+                      </a:endParaRPr>
                     </a:p>
                   </a:txBody>
                   <a:tcPr/>
@@ -8405,9 +9462,39 @@
                     <a:lstStyle/>
                     <a:p>
                       <a:r>
-                        <a:rPr lang="ru-RU" dirty="0"/>
-                        <a:t>0.0004971346896768314 м</a:t>
+                        <a:rPr lang="ru-RU" sz="1600" dirty="0">
+                          <a:latin typeface="Roboto" panose="02000000000000000000" pitchFamily="2" charset="0"/>
+                          <a:ea typeface="Roboto" panose="02000000000000000000" pitchFamily="2" charset="0"/>
+                          <a:cs typeface="Roboto" panose="02000000000000000000" pitchFamily="2" charset="0"/>
+                        </a:rPr>
+                        <a:t>9,761216805833594 мм3</a:t>
                       </a:r>
+                    </a:p>
+                  </a:txBody>
+                  <a:tcPr/>
+                </a:tc>
+                <a:tc>
+                  <a:txBody>
+                    <a:bodyPr/>
+                    <a:lstStyle/>
+                    <a:p>
+                      <a:r>
+                        <a:rPr lang="ru-RU" sz="1600" dirty="0">
+                          <a:solidFill>
+                            <a:schemeClr val="dk1"/>
+                          </a:solidFill>
+                          <a:effectLst/>
+                          <a:latin typeface="Roboto" panose="02000000000000000000" pitchFamily="2" charset="0"/>
+                          <a:ea typeface="Roboto" panose="02000000000000000000" pitchFamily="2" charset="0"/>
+                          <a:cs typeface="Roboto" panose="02000000000000000000" pitchFamily="2" charset="0"/>
+                        </a:rPr>
+                        <a:t>0.4971 мм</a:t>
+                      </a:r>
+                      <a:endParaRPr lang="ru-RU" sz="1600" dirty="0">
+                        <a:latin typeface="Roboto" panose="02000000000000000000" pitchFamily="2" charset="0"/>
+                        <a:ea typeface="Roboto" panose="02000000000000000000" pitchFamily="2" charset="0"/>
+                        <a:cs typeface="Roboto" panose="02000000000000000000" pitchFamily="2" charset="0"/>
+                      </a:endParaRPr>
                     </a:p>
                   </a:txBody>
                   <a:tcPr/>
@@ -8444,14 +9531,46 @@
         </p:blipFill>
         <p:spPr>
           <a:xfrm>
-            <a:off x="767408" y="3356992"/>
-            <a:ext cx="6626344" cy="2977411"/>
+            <a:off x="2341012" y="3164631"/>
+            <a:ext cx="7509974" cy="3374452"/>
           </a:xfrm>
           <a:prstGeom prst="rect">
             <a:avLst/>
           </a:prstGeom>
         </p:spPr>
       </p:pic>
+      <p:sp>
+        <p:nvSpPr>
+          <p:cNvPr id="6" name="Номер слайда 5">
+            <a:extLst>
+              <a:ext uri="{FF2B5EF4-FFF2-40B4-BE49-F238E27FC236}">
+                <a16:creationId xmlns:a16="http://schemas.microsoft.com/office/drawing/2014/main" id="{F3499CB5-6439-2192-3181-77C93B406E66}"/>
+              </a:ext>
+            </a:extLst>
+          </p:cNvPr>
+          <p:cNvSpPr>
+            <a:spLocks noGrp="1"/>
+          </p:cNvSpPr>
+          <p:nvPr>
+            <p:ph type="sldNum" sz="quarter" idx="12"/>
+          </p:nvPr>
+        </p:nvSpPr>
+        <p:spPr/>
+        <p:txBody>
+          <a:bodyPr/>
+          <a:lstStyle/>
+          <a:p>
+            <a:pPr>
+              <a:defRPr/>
+            </a:pPr>
+            <a:fld id="{F5407871-9FBF-4BBB-895A-2502942BAC5D}" type="slidenum">
+              <a:rPr lang="ru-RU" smtClean="0"/>
+              <a:t>9</a:t>
+            </a:fld>
+            <a:endParaRPr lang="ru-RU"/>
+          </a:p>
+        </p:txBody>
+      </p:sp>
     </p:spTree>
     <p:extLst>
       <p:ext uri="{BB962C8B-B14F-4D97-AF65-F5344CB8AC3E}">
